--- a/maker/2 ER design v2.0.pptx
+++ b/maker/2 ER design v2.0.pptx
@@ -13,18 +13,21 @@
     <p:sldId id="260" r:id="rId7"/>
     <p:sldId id="261" r:id="rId8"/>
     <p:sldId id="262" r:id="rId9"/>
-    <p:sldId id="263" r:id="rId10"/>
-    <p:sldId id="264" r:id="rId11"/>
-    <p:sldId id="271" r:id="rId12"/>
-    <p:sldId id="273" r:id="rId13"/>
-    <p:sldId id="275" r:id="rId14"/>
-    <p:sldId id="274" r:id="rId15"/>
-    <p:sldId id="265" r:id="rId16"/>
-    <p:sldId id="266" r:id="rId17"/>
-    <p:sldId id="267" r:id="rId18"/>
-    <p:sldId id="268" r:id="rId19"/>
-    <p:sldId id="269" r:id="rId20"/>
-    <p:sldId id="276" r:id="rId21"/>
+    <p:sldId id="280" r:id="rId10"/>
+    <p:sldId id="279" r:id="rId11"/>
+    <p:sldId id="263" r:id="rId12"/>
+    <p:sldId id="264" r:id="rId13"/>
+    <p:sldId id="271" r:id="rId14"/>
+    <p:sldId id="273" r:id="rId15"/>
+    <p:sldId id="275" r:id="rId16"/>
+    <p:sldId id="274" r:id="rId17"/>
+    <p:sldId id="265" r:id="rId18"/>
+    <p:sldId id="266" r:id="rId19"/>
+    <p:sldId id="267" r:id="rId20"/>
+    <p:sldId id="268" r:id="rId21"/>
+    <p:sldId id="269" r:id="rId22"/>
+    <p:sldId id="276" r:id="rId23"/>
+    <p:sldId id="277" r:id="rId24"/>
   </p:sldIdLst>
   <p:sldSz cx="12192000" cy="6858000"/>
   <p:notesSz cx="7559675" cy="10691813"/>
@@ -152,6 +155,3796 @@
           <c:layoutTarget val="inner"/>
           <c:xMode val="edge"/>
           <c:yMode val="edge"/>
+          <c:x val="1.7810880829015545E-2"/>
+          <c:y val="4.2229540620218692E-2"/>
+          <c:w val="0.9643782383419689"/>
+          <c:h val="0.92183391175629115"/>
+        </c:manualLayout>
+      </c:layout>
+      <c:barChart>
+        <c:barDir val="col"/>
+        <c:grouping val="clustered"/>
+        <c:varyColors val="0"/>
+        <c:ser>
+          <c:idx val="0"/>
+          <c:order val="0"/>
+          <c:tx>
+            <c:strRef>
+              <c:f>Sheet1!$B$1</c:f>
+              <c:strCache>
+                <c:ptCount val="1"/>
+                <c:pt idx="0">
+                  <c:v>Academic Pressure</c:v>
+                </c:pt>
+              </c:strCache>
+            </c:strRef>
+          </c:tx>
+          <c:spPr>
+            <a:solidFill>
+              <a:schemeClr val="accent1">
+                <a:alpha val="85000"/>
+              </a:schemeClr>
+            </a:solidFill>
+            <a:ln w="9525" cap="flat" cmpd="sng" algn="ctr">
+              <a:solidFill>
+                <a:schemeClr val="lt1">
+                  <a:alpha val="50000"/>
+                </a:schemeClr>
+              </a:solidFill>
+              <a:round/>
+            </a:ln>
+            <a:effectLst/>
+          </c:spPr>
+          <c:invertIfNegative val="0"/>
+          <c:dLbls>
+            <c:spPr>
+              <a:noFill/>
+              <a:ln>
+                <a:noFill/>
+              </a:ln>
+              <a:effectLst/>
+            </c:spPr>
+            <c:txPr>
+              <a:bodyPr rot="0" spcFirstLastPara="1" vertOverflow="ellipsis" vert="horz" wrap="square" lIns="38100" tIns="19050" rIns="38100" bIns="19050" anchor="ctr" anchorCtr="1">
+                <a:spAutoFit/>
+              </a:bodyPr>
+              <a:lstStyle/>
+              <a:p>
+                <a:pPr>
+                  <a:defRPr sz="900" b="1" i="0" u="none" strike="noStrike" kern="1200" baseline="0">
+                    <a:solidFill>
+                      <a:schemeClr val="lt1"/>
+                    </a:solidFill>
+                    <a:latin typeface="+mn-lt"/>
+                    <a:ea typeface="+mn-ea"/>
+                    <a:cs typeface="+mn-cs"/>
+                  </a:defRPr>
+                </a:pPr>
+                <a:endParaRPr lang="zh-CN"/>
+              </a:p>
+            </c:txPr>
+            <c:dLblPos val="inEnd"/>
+            <c:showLegendKey val="0"/>
+            <c:showVal val="1"/>
+            <c:showCatName val="0"/>
+            <c:showSerName val="0"/>
+            <c:showPercent val="0"/>
+            <c:showBubbleSize val="0"/>
+            <c:showLeaderLines val="0"/>
+            <c:extLst>
+              <c:ext xmlns:c15="http://schemas.microsoft.com/office/drawing/2012/chart" uri="{CE6537A1-D6FC-4f65-9D91-7224C49458BB}">
+                <c15:showLeaderLines val="1"/>
+                <c15:leaderLines>
+                  <c:spPr>
+                    <a:ln w="9525">
+                      <a:solidFill>
+                        <a:schemeClr val="dk1">
+                          <a:lumMod val="50000"/>
+                          <a:lumOff val="50000"/>
+                        </a:schemeClr>
+                      </a:solidFill>
+                    </a:ln>
+                    <a:effectLst/>
+                  </c:spPr>
+                </c15:leaderLines>
+              </c:ext>
+            </c:extLst>
+          </c:dLbls>
+          <c:val>
+            <c:numRef>
+              <c:f>Sheet1!$C$1</c:f>
+              <c:numCache>
+                <c:formatCode>General</c:formatCode>
+                <c:ptCount val="1"/>
+                <c:pt idx="0">
+                  <c:v>14</c:v>
+                </c:pt>
+              </c:numCache>
+            </c:numRef>
+          </c:val>
+          <c:extLst>
+            <c:ext xmlns:c16="http://schemas.microsoft.com/office/drawing/2014/chart" uri="{C3380CC4-5D6E-409C-BE32-E72D297353CC}">
+              <c16:uniqueId val="{00000000-F698-4405-9234-0FD21A15A480}"/>
+            </c:ext>
+          </c:extLst>
+        </c:ser>
+        <c:ser>
+          <c:idx val="1"/>
+          <c:order val="1"/>
+          <c:tx>
+            <c:strRef>
+              <c:f>Sheet1!$B$2</c:f>
+              <c:strCache>
+                <c:ptCount val="1"/>
+                <c:pt idx="0">
+                  <c:v>Parents/family Relations</c:v>
+                </c:pt>
+              </c:strCache>
+            </c:strRef>
+          </c:tx>
+          <c:spPr>
+            <a:solidFill>
+              <a:schemeClr val="accent2">
+                <a:alpha val="85000"/>
+              </a:schemeClr>
+            </a:solidFill>
+            <a:ln w="9525" cap="flat" cmpd="sng" algn="ctr">
+              <a:solidFill>
+                <a:schemeClr val="lt1">
+                  <a:alpha val="50000"/>
+                </a:schemeClr>
+              </a:solidFill>
+              <a:round/>
+            </a:ln>
+            <a:effectLst/>
+          </c:spPr>
+          <c:invertIfNegative val="0"/>
+          <c:dLbls>
+            <c:spPr>
+              <a:noFill/>
+              <a:ln>
+                <a:noFill/>
+              </a:ln>
+              <a:effectLst/>
+            </c:spPr>
+            <c:txPr>
+              <a:bodyPr rot="0" spcFirstLastPara="1" vertOverflow="ellipsis" vert="horz" wrap="square" lIns="38100" tIns="19050" rIns="38100" bIns="19050" anchor="ctr" anchorCtr="1">
+                <a:spAutoFit/>
+              </a:bodyPr>
+              <a:lstStyle/>
+              <a:p>
+                <a:pPr>
+                  <a:defRPr sz="900" b="1" i="0" u="none" strike="noStrike" kern="1200" baseline="0">
+                    <a:solidFill>
+                      <a:schemeClr val="lt1"/>
+                    </a:solidFill>
+                    <a:latin typeface="+mn-lt"/>
+                    <a:ea typeface="+mn-ea"/>
+                    <a:cs typeface="+mn-cs"/>
+                  </a:defRPr>
+                </a:pPr>
+                <a:endParaRPr lang="zh-CN"/>
+              </a:p>
+            </c:txPr>
+            <c:dLblPos val="inEnd"/>
+            <c:showLegendKey val="0"/>
+            <c:showVal val="1"/>
+            <c:showCatName val="0"/>
+            <c:showSerName val="0"/>
+            <c:showPercent val="0"/>
+            <c:showBubbleSize val="0"/>
+            <c:showLeaderLines val="0"/>
+            <c:extLst>
+              <c:ext xmlns:c15="http://schemas.microsoft.com/office/drawing/2012/chart" uri="{CE6537A1-D6FC-4f65-9D91-7224C49458BB}">
+                <c15:showLeaderLines val="1"/>
+                <c15:leaderLines>
+                  <c:spPr>
+                    <a:ln w="9525">
+                      <a:solidFill>
+                        <a:schemeClr val="dk1">
+                          <a:lumMod val="50000"/>
+                          <a:lumOff val="50000"/>
+                        </a:schemeClr>
+                      </a:solidFill>
+                    </a:ln>
+                    <a:effectLst/>
+                  </c:spPr>
+                </c15:leaderLines>
+              </c:ext>
+            </c:extLst>
+          </c:dLbls>
+          <c:val>
+            <c:numRef>
+              <c:f>Sheet1!$C$2</c:f>
+              <c:numCache>
+                <c:formatCode>General</c:formatCode>
+                <c:ptCount val="1"/>
+                <c:pt idx="0">
+                  <c:v>10</c:v>
+                </c:pt>
+              </c:numCache>
+            </c:numRef>
+          </c:val>
+          <c:extLst>
+            <c:ext xmlns:c16="http://schemas.microsoft.com/office/drawing/2014/chart" uri="{C3380CC4-5D6E-409C-BE32-E72D297353CC}">
+              <c16:uniqueId val="{00000001-F698-4405-9234-0FD21A15A480}"/>
+            </c:ext>
+          </c:extLst>
+        </c:ser>
+        <c:ser>
+          <c:idx val="2"/>
+          <c:order val="2"/>
+          <c:tx>
+            <c:strRef>
+              <c:f>Sheet1!$B$3</c:f>
+              <c:strCache>
+                <c:ptCount val="1"/>
+                <c:pt idx="0">
+                  <c:v>Personal/Friends</c:v>
+                </c:pt>
+              </c:strCache>
+            </c:strRef>
+          </c:tx>
+          <c:spPr>
+            <a:solidFill>
+              <a:schemeClr val="accent3">
+                <a:alpha val="85000"/>
+              </a:schemeClr>
+            </a:solidFill>
+            <a:ln w="9525" cap="flat" cmpd="sng" algn="ctr">
+              <a:solidFill>
+                <a:schemeClr val="lt1">
+                  <a:alpha val="50000"/>
+                </a:schemeClr>
+              </a:solidFill>
+              <a:round/>
+            </a:ln>
+            <a:effectLst/>
+          </c:spPr>
+          <c:invertIfNegative val="0"/>
+          <c:dLbls>
+            <c:spPr>
+              <a:noFill/>
+              <a:ln>
+                <a:noFill/>
+              </a:ln>
+              <a:effectLst/>
+            </c:spPr>
+            <c:txPr>
+              <a:bodyPr rot="0" spcFirstLastPara="1" vertOverflow="ellipsis" vert="horz" wrap="square" lIns="38100" tIns="19050" rIns="38100" bIns="19050" anchor="ctr" anchorCtr="1">
+                <a:spAutoFit/>
+              </a:bodyPr>
+              <a:lstStyle/>
+              <a:p>
+                <a:pPr>
+                  <a:defRPr sz="900" b="1" i="0" u="none" strike="noStrike" kern="1200" baseline="0">
+                    <a:solidFill>
+                      <a:schemeClr val="lt1"/>
+                    </a:solidFill>
+                    <a:latin typeface="+mn-lt"/>
+                    <a:ea typeface="+mn-ea"/>
+                    <a:cs typeface="+mn-cs"/>
+                  </a:defRPr>
+                </a:pPr>
+                <a:endParaRPr lang="zh-CN"/>
+              </a:p>
+            </c:txPr>
+            <c:dLblPos val="inEnd"/>
+            <c:showLegendKey val="0"/>
+            <c:showVal val="1"/>
+            <c:showCatName val="0"/>
+            <c:showSerName val="0"/>
+            <c:showPercent val="0"/>
+            <c:showBubbleSize val="0"/>
+            <c:showLeaderLines val="0"/>
+            <c:extLst>
+              <c:ext xmlns:c15="http://schemas.microsoft.com/office/drawing/2012/chart" uri="{CE6537A1-D6FC-4f65-9D91-7224C49458BB}">
+                <c15:showLeaderLines val="1"/>
+                <c15:leaderLines>
+                  <c:spPr>
+                    <a:ln w="9525">
+                      <a:solidFill>
+                        <a:schemeClr val="dk1">
+                          <a:lumMod val="50000"/>
+                          <a:lumOff val="50000"/>
+                        </a:schemeClr>
+                      </a:solidFill>
+                    </a:ln>
+                    <a:effectLst/>
+                  </c:spPr>
+                </c15:leaderLines>
+              </c:ext>
+            </c:extLst>
+          </c:dLbls>
+          <c:val>
+            <c:numRef>
+              <c:f>Sheet1!$C$3</c:f>
+              <c:numCache>
+                <c:formatCode>General</c:formatCode>
+                <c:ptCount val="1"/>
+                <c:pt idx="0">
+                  <c:v>10</c:v>
+                </c:pt>
+              </c:numCache>
+            </c:numRef>
+          </c:val>
+          <c:extLst>
+            <c:ext xmlns:c16="http://schemas.microsoft.com/office/drawing/2014/chart" uri="{C3380CC4-5D6E-409C-BE32-E72D297353CC}">
+              <c16:uniqueId val="{00000002-F698-4405-9234-0FD21A15A480}"/>
+            </c:ext>
+          </c:extLst>
+        </c:ser>
+        <c:ser>
+          <c:idx val="3"/>
+          <c:order val="3"/>
+          <c:tx>
+            <c:strRef>
+              <c:f>Sheet1!$B$4</c:f>
+              <c:strCache>
+                <c:ptCount val="1"/>
+                <c:pt idx="0">
+                  <c:v>Test &amp; Exam</c:v>
+                </c:pt>
+              </c:strCache>
+            </c:strRef>
+          </c:tx>
+          <c:spPr>
+            <a:solidFill>
+              <a:schemeClr val="accent4">
+                <a:alpha val="85000"/>
+              </a:schemeClr>
+            </a:solidFill>
+            <a:ln w="9525" cap="flat" cmpd="sng" algn="ctr">
+              <a:solidFill>
+                <a:schemeClr val="lt1">
+                  <a:alpha val="50000"/>
+                </a:schemeClr>
+              </a:solidFill>
+              <a:round/>
+            </a:ln>
+            <a:effectLst/>
+          </c:spPr>
+          <c:invertIfNegative val="0"/>
+          <c:dLbls>
+            <c:spPr>
+              <a:noFill/>
+              <a:ln>
+                <a:noFill/>
+              </a:ln>
+              <a:effectLst/>
+            </c:spPr>
+            <c:txPr>
+              <a:bodyPr rot="0" spcFirstLastPara="1" vertOverflow="ellipsis" vert="horz" wrap="square" lIns="38100" tIns="19050" rIns="38100" bIns="19050" anchor="ctr" anchorCtr="1">
+                <a:spAutoFit/>
+              </a:bodyPr>
+              <a:lstStyle/>
+              <a:p>
+                <a:pPr>
+                  <a:defRPr sz="900" b="1" i="0" u="none" strike="noStrike" kern="1200" baseline="0">
+                    <a:solidFill>
+                      <a:schemeClr val="lt1"/>
+                    </a:solidFill>
+                    <a:latin typeface="+mn-lt"/>
+                    <a:ea typeface="+mn-ea"/>
+                    <a:cs typeface="+mn-cs"/>
+                  </a:defRPr>
+                </a:pPr>
+                <a:endParaRPr lang="zh-CN"/>
+              </a:p>
+            </c:txPr>
+            <c:dLblPos val="inEnd"/>
+            <c:showLegendKey val="0"/>
+            <c:showVal val="1"/>
+            <c:showCatName val="0"/>
+            <c:showSerName val="0"/>
+            <c:showPercent val="0"/>
+            <c:showBubbleSize val="0"/>
+            <c:showLeaderLines val="0"/>
+            <c:extLst>
+              <c:ext xmlns:c15="http://schemas.microsoft.com/office/drawing/2012/chart" uri="{CE6537A1-D6FC-4f65-9D91-7224C49458BB}">
+                <c15:showLeaderLines val="1"/>
+                <c15:leaderLines>
+                  <c:spPr>
+                    <a:ln w="9525">
+                      <a:solidFill>
+                        <a:schemeClr val="dk1">
+                          <a:lumMod val="50000"/>
+                          <a:lumOff val="50000"/>
+                        </a:schemeClr>
+                      </a:solidFill>
+                    </a:ln>
+                    <a:effectLst/>
+                  </c:spPr>
+                </c15:leaderLines>
+              </c:ext>
+            </c:extLst>
+          </c:dLbls>
+          <c:val>
+            <c:numRef>
+              <c:f>Sheet1!$C$4</c:f>
+              <c:numCache>
+                <c:formatCode>General</c:formatCode>
+                <c:ptCount val="1"/>
+                <c:pt idx="0">
+                  <c:v>8</c:v>
+                </c:pt>
+              </c:numCache>
+            </c:numRef>
+          </c:val>
+          <c:extLst>
+            <c:ext xmlns:c16="http://schemas.microsoft.com/office/drawing/2014/chart" uri="{C3380CC4-5D6E-409C-BE32-E72D297353CC}">
+              <c16:uniqueId val="{00000003-F698-4405-9234-0FD21A15A480}"/>
+            </c:ext>
+          </c:extLst>
+        </c:ser>
+        <c:ser>
+          <c:idx val="4"/>
+          <c:order val="4"/>
+          <c:tx>
+            <c:strRef>
+              <c:f>Sheet1!$B$5</c:f>
+              <c:strCache>
+                <c:ptCount val="1"/>
+                <c:pt idx="0">
+                  <c:v>Love</c:v>
+                </c:pt>
+              </c:strCache>
+            </c:strRef>
+          </c:tx>
+          <c:spPr>
+            <a:solidFill>
+              <a:schemeClr val="accent5">
+                <a:alpha val="85000"/>
+              </a:schemeClr>
+            </a:solidFill>
+            <a:ln w="9525" cap="flat" cmpd="sng" algn="ctr">
+              <a:solidFill>
+                <a:schemeClr val="lt1">
+                  <a:alpha val="50000"/>
+                </a:schemeClr>
+              </a:solidFill>
+              <a:round/>
+            </a:ln>
+            <a:effectLst/>
+          </c:spPr>
+          <c:invertIfNegative val="0"/>
+          <c:dLbls>
+            <c:spPr>
+              <a:noFill/>
+              <a:ln>
+                <a:noFill/>
+              </a:ln>
+              <a:effectLst/>
+            </c:spPr>
+            <c:txPr>
+              <a:bodyPr rot="0" spcFirstLastPara="1" vertOverflow="ellipsis" vert="horz" wrap="square" lIns="38100" tIns="19050" rIns="38100" bIns="19050" anchor="ctr" anchorCtr="1">
+                <a:spAutoFit/>
+              </a:bodyPr>
+              <a:lstStyle/>
+              <a:p>
+                <a:pPr>
+                  <a:defRPr sz="900" b="1" i="0" u="none" strike="noStrike" kern="1200" baseline="0">
+                    <a:solidFill>
+                      <a:schemeClr val="lt1"/>
+                    </a:solidFill>
+                    <a:latin typeface="+mn-lt"/>
+                    <a:ea typeface="+mn-ea"/>
+                    <a:cs typeface="+mn-cs"/>
+                  </a:defRPr>
+                </a:pPr>
+                <a:endParaRPr lang="zh-CN"/>
+              </a:p>
+            </c:txPr>
+            <c:dLblPos val="inEnd"/>
+            <c:showLegendKey val="0"/>
+            <c:showVal val="1"/>
+            <c:showCatName val="0"/>
+            <c:showSerName val="0"/>
+            <c:showPercent val="0"/>
+            <c:showBubbleSize val="0"/>
+            <c:showLeaderLines val="0"/>
+            <c:extLst>
+              <c:ext xmlns:c15="http://schemas.microsoft.com/office/drawing/2012/chart" uri="{CE6537A1-D6FC-4f65-9D91-7224C49458BB}">
+                <c15:showLeaderLines val="1"/>
+                <c15:leaderLines>
+                  <c:spPr>
+                    <a:ln w="9525">
+                      <a:solidFill>
+                        <a:schemeClr val="dk1">
+                          <a:lumMod val="50000"/>
+                          <a:lumOff val="50000"/>
+                        </a:schemeClr>
+                      </a:solidFill>
+                    </a:ln>
+                    <a:effectLst/>
+                  </c:spPr>
+                </c15:leaderLines>
+              </c:ext>
+            </c:extLst>
+          </c:dLbls>
+          <c:val>
+            <c:numRef>
+              <c:f>Sheet1!$C$5</c:f>
+              <c:numCache>
+                <c:formatCode>General</c:formatCode>
+                <c:ptCount val="1"/>
+                <c:pt idx="0">
+                  <c:v>7</c:v>
+                </c:pt>
+              </c:numCache>
+            </c:numRef>
+          </c:val>
+          <c:extLst>
+            <c:ext xmlns:c16="http://schemas.microsoft.com/office/drawing/2014/chart" uri="{C3380CC4-5D6E-409C-BE32-E72D297353CC}">
+              <c16:uniqueId val="{00000004-F698-4405-9234-0FD21A15A480}"/>
+            </c:ext>
+          </c:extLst>
+        </c:ser>
+        <c:ser>
+          <c:idx val="5"/>
+          <c:order val="5"/>
+          <c:tx>
+            <c:strRef>
+              <c:f>Sheet1!$B$6</c:f>
+              <c:strCache>
+                <c:ptCount val="1"/>
+                <c:pt idx="0">
+                  <c:v>Stars &amp; Elites</c:v>
+                </c:pt>
+              </c:strCache>
+            </c:strRef>
+          </c:tx>
+          <c:spPr>
+            <a:solidFill>
+              <a:schemeClr val="accent6">
+                <a:alpha val="85000"/>
+              </a:schemeClr>
+            </a:solidFill>
+            <a:ln w="9525" cap="flat" cmpd="sng" algn="ctr">
+              <a:solidFill>
+                <a:schemeClr val="lt1">
+                  <a:alpha val="50000"/>
+                </a:schemeClr>
+              </a:solidFill>
+              <a:round/>
+            </a:ln>
+            <a:effectLst/>
+          </c:spPr>
+          <c:invertIfNegative val="0"/>
+          <c:dLbls>
+            <c:spPr>
+              <a:noFill/>
+              <a:ln>
+                <a:noFill/>
+              </a:ln>
+              <a:effectLst/>
+            </c:spPr>
+            <c:txPr>
+              <a:bodyPr rot="0" spcFirstLastPara="1" vertOverflow="ellipsis" vert="horz" wrap="square" lIns="38100" tIns="19050" rIns="38100" bIns="19050" anchor="ctr" anchorCtr="1">
+                <a:spAutoFit/>
+              </a:bodyPr>
+              <a:lstStyle/>
+              <a:p>
+                <a:pPr>
+                  <a:defRPr sz="900" b="1" i="0" u="none" strike="noStrike" kern="1200" baseline="0">
+                    <a:solidFill>
+                      <a:schemeClr val="lt1"/>
+                    </a:solidFill>
+                    <a:latin typeface="+mn-lt"/>
+                    <a:ea typeface="+mn-ea"/>
+                    <a:cs typeface="+mn-cs"/>
+                  </a:defRPr>
+                </a:pPr>
+                <a:endParaRPr lang="zh-CN"/>
+              </a:p>
+            </c:txPr>
+            <c:dLblPos val="inEnd"/>
+            <c:showLegendKey val="0"/>
+            <c:showVal val="1"/>
+            <c:showCatName val="0"/>
+            <c:showSerName val="0"/>
+            <c:showPercent val="0"/>
+            <c:showBubbleSize val="0"/>
+            <c:showLeaderLines val="0"/>
+            <c:extLst>
+              <c:ext xmlns:c15="http://schemas.microsoft.com/office/drawing/2012/chart" uri="{CE6537A1-D6FC-4f65-9D91-7224C49458BB}">
+                <c15:showLeaderLines val="1"/>
+                <c15:leaderLines>
+                  <c:spPr>
+                    <a:ln w="9525">
+                      <a:solidFill>
+                        <a:schemeClr val="dk1">
+                          <a:lumMod val="50000"/>
+                          <a:lumOff val="50000"/>
+                        </a:schemeClr>
+                      </a:solidFill>
+                    </a:ln>
+                    <a:effectLst/>
+                  </c:spPr>
+                </c15:leaderLines>
+              </c:ext>
+            </c:extLst>
+          </c:dLbls>
+          <c:val>
+            <c:numRef>
+              <c:f>Sheet1!$C$6</c:f>
+              <c:numCache>
+                <c:formatCode>General</c:formatCode>
+                <c:ptCount val="1"/>
+                <c:pt idx="0">
+                  <c:v>7</c:v>
+                </c:pt>
+              </c:numCache>
+            </c:numRef>
+          </c:val>
+          <c:extLst>
+            <c:ext xmlns:c16="http://schemas.microsoft.com/office/drawing/2014/chart" uri="{C3380CC4-5D6E-409C-BE32-E72D297353CC}">
+              <c16:uniqueId val="{00000005-F698-4405-9234-0FD21A15A480}"/>
+            </c:ext>
+          </c:extLst>
+        </c:ser>
+        <c:ser>
+          <c:idx val="6"/>
+          <c:order val="6"/>
+          <c:tx>
+            <c:strRef>
+              <c:f>Sheet1!$B$7</c:f>
+              <c:strCache>
+                <c:ptCount val="1"/>
+                <c:pt idx="0">
+                  <c:v>Academic Performance</c:v>
+                </c:pt>
+              </c:strCache>
+            </c:strRef>
+          </c:tx>
+          <c:spPr>
+            <a:solidFill>
+              <a:schemeClr val="accent1">
+                <a:lumMod val="60000"/>
+                <a:alpha val="85000"/>
+              </a:schemeClr>
+            </a:solidFill>
+            <a:ln w="9525" cap="flat" cmpd="sng" algn="ctr">
+              <a:solidFill>
+                <a:schemeClr val="lt1">
+                  <a:alpha val="50000"/>
+                </a:schemeClr>
+              </a:solidFill>
+              <a:round/>
+            </a:ln>
+            <a:effectLst/>
+          </c:spPr>
+          <c:invertIfNegative val="0"/>
+          <c:dLbls>
+            <c:spPr>
+              <a:noFill/>
+              <a:ln>
+                <a:noFill/>
+              </a:ln>
+              <a:effectLst/>
+            </c:spPr>
+            <c:txPr>
+              <a:bodyPr rot="0" spcFirstLastPara="1" vertOverflow="ellipsis" vert="horz" wrap="square" lIns="38100" tIns="19050" rIns="38100" bIns="19050" anchor="ctr" anchorCtr="1">
+                <a:spAutoFit/>
+              </a:bodyPr>
+              <a:lstStyle/>
+              <a:p>
+                <a:pPr>
+                  <a:defRPr sz="900" b="1" i="0" u="none" strike="noStrike" kern="1200" baseline="0">
+                    <a:solidFill>
+                      <a:schemeClr val="lt1"/>
+                    </a:solidFill>
+                    <a:latin typeface="+mn-lt"/>
+                    <a:ea typeface="+mn-ea"/>
+                    <a:cs typeface="+mn-cs"/>
+                  </a:defRPr>
+                </a:pPr>
+                <a:endParaRPr lang="zh-CN"/>
+              </a:p>
+            </c:txPr>
+            <c:dLblPos val="inEnd"/>
+            <c:showLegendKey val="0"/>
+            <c:showVal val="1"/>
+            <c:showCatName val="0"/>
+            <c:showSerName val="0"/>
+            <c:showPercent val="0"/>
+            <c:showBubbleSize val="0"/>
+            <c:showLeaderLines val="0"/>
+            <c:extLst>
+              <c:ext xmlns:c15="http://schemas.microsoft.com/office/drawing/2012/chart" uri="{CE6537A1-D6FC-4f65-9D91-7224C49458BB}">
+                <c15:showLeaderLines val="1"/>
+                <c15:leaderLines>
+                  <c:spPr>
+                    <a:ln w="9525">
+                      <a:solidFill>
+                        <a:schemeClr val="dk1">
+                          <a:lumMod val="50000"/>
+                          <a:lumOff val="50000"/>
+                        </a:schemeClr>
+                      </a:solidFill>
+                    </a:ln>
+                    <a:effectLst/>
+                  </c:spPr>
+                </c15:leaderLines>
+              </c:ext>
+            </c:extLst>
+          </c:dLbls>
+          <c:val>
+            <c:numRef>
+              <c:f>Sheet1!$C$7</c:f>
+              <c:numCache>
+                <c:formatCode>General</c:formatCode>
+                <c:ptCount val="1"/>
+                <c:pt idx="0">
+                  <c:v>6</c:v>
+                </c:pt>
+              </c:numCache>
+            </c:numRef>
+          </c:val>
+          <c:extLst>
+            <c:ext xmlns:c16="http://schemas.microsoft.com/office/drawing/2014/chart" uri="{C3380CC4-5D6E-409C-BE32-E72D297353CC}">
+              <c16:uniqueId val="{00000006-F698-4405-9234-0FD21A15A480}"/>
+            </c:ext>
+          </c:extLst>
+        </c:ser>
+        <c:ser>
+          <c:idx val="7"/>
+          <c:order val="7"/>
+          <c:tx>
+            <c:strRef>
+              <c:f>Sheet1!$B$8</c:f>
+              <c:strCache>
+                <c:ptCount val="1"/>
+                <c:pt idx="0">
+                  <c:v>Weather</c:v>
+                </c:pt>
+              </c:strCache>
+            </c:strRef>
+          </c:tx>
+          <c:spPr>
+            <a:solidFill>
+              <a:schemeClr val="accent2">
+                <a:lumMod val="60000"/>
+                <a:alpha val="85000"/>
+              </a:schemeClr>
+            </a:solidFill>
+            <a:ln w="9525" cap="flat" cmpd="sng" algn="ctr">
+              <a:solidFill>
+                <a:schemeClr val="lt1">
+                  <a:alpha val="50000"/>
+                </a:schemeClr>
+              </a:solidFill>
+              <a:round/>
+            </a:ln>
+            <a:effectLst/>
+          </c:spPr>
+          <c:invertIfNegative val="0"/>
+          <c:dLbls>
+            <c:spPr>
+              <a:noFill/>
+              <a:ln>
+                <a:noFill/>
+              </a:ln>
+              <a:effectLst/>
+            </c:spPr>
+            <c:txPr>
+              <a:bodyPr rot="0" spcFirstLastPara="1" vertOverflow="ellipsis" vert="horz" wrap="square" lIns="38100" tIns="19050" rIns="38100" bIns="19050" anchor="ctr" anchorCtr="1">
+                <a:spAutoFit/>
+              </a:bodyPr>
+              <a:lstStyle/>
+              <a:p>
+                <a:pPr>
+                  <a:defRPr sz="900" b="1" i="0" u="none" strike="noStrike" kern="1200" baseline="0">
+                    <a:solidFill>
+                      <a:schemeClr val="lt1"/>
+                    </a:solidFill>
+                    <a:latin typeface="+mn-lt"/>
+                    <a:ea typeface="+mn-ea"/>
+                    <a:cs typeface="+mn-cs"/>
+                  </a:defRPr>
+                </a:pPr>
+                <a:endParaRPr lang="zh-CN"/>
+              </a:p>
+            </c:txPr>
+            <c:dLblPos val="inEnd"/>
+            <c:showLegendKey val="0"/>
+            <c:showVal val="1"/>
+            <c:showCatName val="0"/>
+            <c:showSerName val="0"/>
+            <c:showPercent val="0"/>
+            <c:showBubbleSize val="0"/>
+            <c:showLeaderLines val="0"/>
+            <c:extLst>
+              <c:ext xmlns:c15="http://schemas.microsoft.com/office/drawing/2012/chart" uri="{CE6537A1-D6FC-4f65-9D91-7224C49458BB}">
+                <c15:showLeaderLines val="1"/>
+                <c15:leaderLines>
+                  <c:spPr>
+                    <a:ln w="9525">
+                      <a:solidFill>
+                        <a:schemeClr val="dk1">
+                          <a:lumMod val="50000"/>
+                          <a:lumOff val="50000"/>
+                        </a:schemeClr>
+                      </a:solidFill>
+                    </a:ln>
+                    <a:effectLst/>
+                  </c:spPr>
+                </c15:leaderLines>
+              </c:ext>
+            </c:extLst>
+          </c:dLbls>
+          <c:val>
+            <c:numRef>
+              <c:f>Sheet1!$C$8</c:f>
+              <c:numCache>
+                <c:formatCode>General</c:formatCode>
+                <c:ptCount val="1"/>
+                <c:pt idx="0">
+                  <c:v>5</c:v>
+                </c:pt>
+              </c:numCache>
+            </c:numRef>
+          </c:val>
+          <c:extLst>
+            <c:ext xmlns:c16="http://schemas.microsoft.com/office/drawing/2014/chart" uri="{C3380CC4-5D6E-409C-BE32-E72D297353CC}">
+              <c16:uniqueId val="{00000007-F698-4405-9234-0FD21A15A480}"/>
+            </c:ext>
+          </c:extLst>
+        </c:ser>
+        <c:ser>
+          <c:idx val="8"/>
+          <c:order val="8"/>
+          <c:tx>
+            <c:strRef>
+              <c:f>Sheet1!$B$9</c:f>
+              <c:strCache>
+                <c:ptCount val="1"/>
+                <c:pt idx="0">
+                  <c:v>Environment</c:v>
+                </c:pt>
+              </c:strCache>
+            </c:strRef>
+          </c:tx>
+          <c:spPr>
+            <a:solidFill>
+              <a:schemeClr val="accent3">
+                <a:lumMod val="60000"/>
+                <a:alpha val="85000"/>
+              </a:schemeClr>
+            </a:solidFill>
+            <a:ln w="9525" cap="flat" cmpd="sng" algn="ctr">
+              <a:solidFill>
+                <a:schemeClr val="lt1">
+                  <a:alpha val="50000"/>
+                </a:schemeClr>
+              </a:solidFill>
+              <a:round/>
+            </a:ln>
+            <a:effectLst/>
+          </c:spPr>
+          <c:invertIfNegative val="0"/>
+          <c:dLbls>
+            <c:spPr>
+              <a:noFill/>
+              <a:ln>
+                <a:noFill/>
+              </a:ln>
+              <a:effectLst/>
+            </c:spPr>
+            <c:txPr>
+              <a:bodyPr rot="0" spcFirstLastPara="1" vertOverflow="ellipsis" vert="horz" wrap="square" lIns="38100" tIns="19050" rIns="38100" bIns="19050" anchor="ctr" anchorCtr="1">
+                <a:spAutoFit/>
+              </a:bodyPr>
+              <a:lstStyle/>
+              <a:p>
+                <a:pPr>
+                  <a:defRPr sz="900" b="1" i="0" u="none" strike="noStrike" kern="1200" baseline="0">
+                    <a:solidFill>
+                      <a:schemeClr val="lt1"/>
+                    </a:solidFill>
+                    <a:latin typeface="+mn-lt"/>
+                    <a:ea typeface="+mn-ea"/>
+                    <a:cs typeface="+mn-cs"/>
+                  </a:defRPr>
+                </a:pPr>
+                <a:endParaRPr lang="zh-CN"/>
+              </a:p>
+            </c:txPr>
+            <c:dLblPos val="inEnd"/>
+            <c:showLegendKey val="0"/>
+            <c:showVal val="1"/>
+            <c:showCatName val="0"/>
+            <c:showSerName val="0"/>
+            <c:showPercent val="0"/>
+            <c:showBubbleSize val="0"/>
+            <c:showLeaderLines val="0"/>
+            <c:extLst>
+              <c:ext xmlns:c15="http://schemas.microsoft.com/office/drawing/2012/chart" uri="{CE6537A1-D6FC-4f65-9D91-7224C49458BB}">
+                <c15:showLeaderLines val="1"/>
+                <c15:leaderLines>
+                  <c:spPr>
+                    <a:ln w="9525">
+                      <a:solidFill>
+                        <a:schemeClr val="dk1">
+                          <a:lumMod val="50000"/>
+                          <a:lumOff val="50000"/>
+                        </a:schemeClr>
+                      </a:solidFill>
+                    </a:ln>
+                    <a:effectLst/>
+                  </c:spPr>
+                </c15:leaderLines>
+              </c:ext>
+            </c:extLst>
+          </c:dLbls>
+          <c:val>
+            <c:numRef>
+              <c:f>Sheet1!$C$9</c:f>
+              <c:numCache>
+                <c:formatCode>General</c:formatCode>
+                <c:ptCount val="1"/>
+                <c:pt idx="0">
+                  <c:v>4</c:v>
+                </c:pt>
+              </c:numCache>
+            </c:numRef>
+          </c:val>
+          <c:extLst>
+            <c:ext xmlns:c16="http://schemas.microsoft.com/office/drawing/2014/chart" uri="{C3380CC4-5D6E-409C-BE32-E72D297353CC}">
+              <c16:uniqueId val="{00000008-F698-4405-9234-0FD21A15A480}"/>
+            </c:ext>
+          </c:extLst>
+        </c:ser>
+        <c:ser>
+          <c:idx val="9"/>
+          <c:order val="9"/>
+          <c:tx>
+            <c:strRef>
+              <c:f>Sheet1!$B$10</c:f>
+              <c:strCache>
+                <c:ptCount val="1"/>
+                <c:pt idx="0">
+                  <c:v>TOEFL</c:v>
+                </c:pt>
+              </c:strCache>
+            </c:strRef>
+          </c:tx>
+          <c:spPr>
+            <a:solidFill>
+              <a:schemeClr val="accent4">
+                <a:lumMod val="60000"/>
+                <a:alpha val="85000"/>
+              </a:schemeClr>
+            </a:solidFill>
+            <a:ln w="9525" cap="flat" cmpd="sng" algn="ctr">
+              <a:solidFill>
+                <a:schemeClr val="lt1">
+                  <a:alpha val="50000"/>
+                </a:schemeClr>
+              </a:solidFill>
+              <a:round/>
+            </a:ln>
+            <a:effectLst/>
+          </c:spPr>
+          <c:invertIfNegative val="0"/>
+          <c:dLbls>
+            <c:spPr>
+              <a:noFill/>
+              <a:ln>
+                <a:noFill/>
+              </a:ln>
+              <a:effectLst/>
+            </c:spPr>
+            <c:txPr>
+              <a:bodyPr rot="0" spcFirstLastPara="1" vertOverflow="ellipsis" vert="horz" wrap="square" lIns="38100" tIns="19050" rIns="38100" bIns="19050" anchor="ctr" anchorCtr="1">
+                <a:spAutoFit/>
+              </a:bodyPr>
+              <a:lstStyle/>
+              <a:p>
+                <a:pPr>
+                  <a:defRPr sz="900" b="1" i="0" u="none" strike="noStrike" kern="1200" baseline="0">
+                    <a:solidFill>
+                      <a:schemeClr val="lt1"/>
+                    </a:solidFill>
+                    <a:latin typeface="+mn-lt"/>
+                    <a:ea typeface="+mn-ea"/>
+                    <a:cs typeface="+mn-cs"/>
+                  </a:defRPr>
+                </a:pPr>
+                <a:endParaRPr lang="zh-CN"/>
+              </a:p>
+            </c:txPr>
+            <c:dLblPos val="inEnd"/>
+            <c:showLegendKey val="0"/>
+            <c:showVal val="1"/>
+            <c:showCatName val="0"/>
+            <c:showSerName val="0"/>
+            <c:showPercent val="0"/>
+            <c:showBubbleSize val="0"/>
+            <c:showLeaderLines val="0"/>
+            <c:extLst>
+              <c:ext xmlns:c15="http://schemas.microsoft.com/office/drawing/2012/chart" uri="{CE6537A1-D6FC-4f65-9D91-7224C49458BB}">
+                <c15:showLeaderLines val="1"/>
+                <c15:leaderLines>
+                  <c:spPr>
+                    <a:ln w="9525">
+                      <a:solidFill>
+                        <a:schemeClr val="dk1">
+                          <a:lumMod val="50000"/>
+                          <a:lumOff val="50000"/>
+                        </a:schemeClr>
+                      </a:solidFill>
+                    </a:ln>
+                    <a:effectLst/>
+                  </c:spPr>
+                </c15:leaderLines>
+              </c:ext>
+            </c:extLst>
+          </c:dLbls>
+          <c:val>
+            <c:numRef>
+              <c:f>Sheet1!$C$10</c:f>
+              <c:numCache>
+                <c:formatCode>General</c:formatCode>
+                <c:ptCount val="1"/>
+                <c:pt idx="0">
+                  <c:v>4</c:v>
+                </c:pt>
+              </c:numCache>
+            </c:numRef>
+          </c:val>
+          <c:extLst>
+            <c:ext xmlns:c16="http://schemas.microsoft.com/office/drawing/2014/chart" uri="{C3380CC4-5D6E-409C-BE32-E72D297353CC}">
+              <c16:uniqueId val="{00000009-F698-4405-9234-0FD21A15A480}"/>
+            </c:ext>
+          </c:extLst>
+        </c:ser>
+        <c:ser>
+          <c:idx val="10"/>
+          <c:order val="10"/>
+          <c:tx>
+            <c:strRef>
+              <c:f>Sheet1!$B$11</c:f>
+              <c:strCache>
+                <c:ptCount val="1"/>
+                <c:pt idx="0">
+                  <c:v>Team Members</c:v>
+                </c:pt>
+              </c:strCache>
+            </c:strRef>
+          </c:tx>
+          <c:spPr>
+            <a:solidFill>
+              <a:schemeClr val="accent5">
+                <a:lumMod val="60000"/>
+                <a:alpha val="85000"/>
+              </a:schemeClr>
+            </a:solidFill>
+            <a:ln w="9525" cap="flat" cmpd="sng" algn="ctr">
+              <a:solidFill>
+                <a:schemeClr val="lt1">
+                  <a:alpha val="50000"/>
+                </a:schemeClr>
+              </a:solidFill>
+              <a:round/>
+            </a:ln>
+            <a:effectLst/>
+          </c:spPr>
+          <c:invertIfNegative val="0"/>
+          <c:dLbls>
+            <c:spPr>
+              <a:noFill/>
+              <a:ln>
+                <a:noFill/>
+              </a:ln>
+              <a:effectLst/>
+            </c:spPr>
+            <c:txPr>
+              <a:bodyPr rot="0" spcFirstLastPara="1" vertOverflow="ellipsis" vert="horz" wrap="square" lIns="38100" tIns="19050" rIns="38100" bIns="19050" anchor="ctr" anchorCtr="1">
+                <a:spAutoFit/>
+              </a:bodyPr>
+              <a:lstStyle/>
+              <a:p>
+                <a:pPr>
+                  <a:defRPr sz="900" b="1" i="0" u="none" strike="noStrike" kern="1200" baseline="0">
+                    <a:solidFill>
+                      <a:schemeClr val="lt1"/>
+                    </a:solidFill>
+                    <a:latin typeface="+mn-lt"/>
+                    <a:ea typeface="+mn-ea"/>
+                    <a:cs typeface="+mn-cs"/>
+                  </a:defRPr>
+                </a:pPr>
+                <a:endParaRPr lang="zh-CN"/>
+              </a:p>
+            </c:txPr>
+            <c:dLblPos val="inEnd"/>
+            <c:showLegendKey val="0"/>
+            <c:showVal val="1"/>
+            <c:showCatName val="0"/>
+            <c:showSerName val="0"/>
+            <c:showPercent val="0"/>
+            <c:showBubbleSize val="0"/>
+            <c:showLeaderLines val="0"/>
+            <c:extLst>
+              <c:ext xmlns:c15="http://schemas.microsoft.com/office/drawing/2012/chart" uri="{CE6537A1-D6FC-4f65-9D91-7224C49458BB}">
+                <c15:showLeaderLines val="1"/>
+                <c15:leaderLines>
+                  <c:spPr>
+                    <a:ln w="9525">
+                      <a:solidFill>
+                        <a:schemeClr val="dk1">
+                          <a:lumMod val="50000"/>
+                          <a:lumOff val="50000"/>
+                        </a:schemeClr>
+                      </a:solidFill>
+                    </a:ln>
+                    <a:effectLst/>
+                  </c:spPr>
+                </c15:leaderLines>
+              </c:ext>
+            </c:extLst>
+          </c:dLbls>
+          <c:val>
+            <c:numRef>
+              <c:f>Sheet1!$C$11</c:f>
+              <c:numCache>
+                <c:formatCode>General</c:formatCode>
+                <c:ptCount val="1"/>
+                <c:pt idx="0">
+                  <c:v>4</c:v>
+                </c:pt>
+              </c:numCache>
+            </c:numRef>
+          </c:val>
+          <c:extLst>
+            <c:ext xmlns:c16="http://schemas.microsoft.com/office/drawing/2014/chart" uri="{C3380CC4-5D6E-409C-BE32-E72D297353CC}">
+              <c16:uniqueId val="{0000000A-F698-4405-9234-0FD21A15A480}"/>
+            </c:ext>
+          </c:extLst>
+        </c:ser>
+        <c:ser>
+          <c:idx val="11"/>
+          <c:order val="11"/>
+          <c:tx>
+            <c:strRef>
+              <c:f>Sheet1!$B$12</c:f>
+              <c:strCache>
+                <c:ptCount val="1"/>
+                <c:pt idx="0">
+                  <c:v>Endless tasks</c:v>
+                </c:pt>
+              </c:strCache>
+            </c:strRef>
+          </c:tx>
+          <c:spPr>
+            <a:solidFill>
+              <a:schemeClr val="accent6">
+                <a:lumMod val="60000"/>
+                <a:alpha val="85000"/>
+              </a:schemeClr>
+            </a:solidFill>
+            <a:ln w="9525" cap="flat" cmpd="sng" algn="ctr">
+              <a:solidFill>
+                <a:schemeClr val="lt1">
+                  <a:alpha val="50000"/>
+                </a:schemeClr>
+              </a:solidFill>
+              <a:round/>
+            </a:ln>
+            <a:effectLst/>
+          </c:spPr>
+          <c:invertIfNegative val="0"/>
+          <c:dLbls>
+            <c:spPr>
+              <a:noFill/>
+              <a:ln>
+                <a:noFill/>
+              </a:ln>
+              <a:effectLst/>
+            </c:spPr>
+            <c:txPr>
+              <a:bodyPr rot="0" spcFirstLastPara="1" vertOverflow="ellipsis" vert="horz" wrap="square" lIns="38100" tIns="19050" rIns="38100" bIns="19050" anchor="ctr" anchorCtr="1">
+                <a:spAutoFit/>
+              </a:bodyPr>
+              <a:lstStyle/>
+              <a:p>
+                <a:pPr>
+                  <a:defRPr sz="900" b="1" i="0" u="none" strike="noStrike" kern="1200" baseline="0">
+                    <a:solidFill>
+                      <a:schemeClr val="lt1"/>
+                    </a:solidFill>
+                    <a:latin typeface="+mn-lt"/>
+                    <a:ea typeface="+mn-ea"/>
+                    <a:cs typeface="+mn-cs"/>
+                  </a:defRPr>
+                </a:pPr>
+                <a:endParaRPr lang="zh-CN"/>
+              </a:p>
+            </c:txPr>
+            <c:dLblPos val="inEnd"/>
+            <c:showLegendKey val="0"/>
+            <c:showVal val="1"/>
+            <c:showCatName val="0"/>
+            <c:showSerName val="0"/>
+            <c:showPercent val="0"/>
+            <c:showBubbleSize val="0"/>
+            <c:showLeaderLines val="0"/>
+            <c:extLst>
+              <c:ext xmlns:c15="http://schemas.microsoft.com/office/drawing/2012/chart" uri="{CE6537A1-D6FC-4f65-9D91-7224C49458BB}">
+                <c15:showLeaderLines val="1"/>
+                <c15:leaderLines>
+                  <c:spPr>
+                    <a:ln w="9525">
+                      <a:solidFill>
+                        <a:schemeClr val="dk1">
+                          <a:lumMod val="50000"/>
+                          <a:lumOff val="50000"/>
+                        </a:schemeClr>
+                      </a:solidFill>
+                    </a:ln>
+                    <a:effectLst/>
+                  </c:spPr>
+                </c15:leaderLines>
+              </c:ext>
+            </c:extLst>
+          </c:dLbls>
+          <c:val>
+            <c:numRef>
+              <c:f>Sheet1!$C$12</c:f>
+              <c:numCache>
+                <c:formatCode>General</c:formatCode>
+                <c:ptCount val="1"/>
+                <c:pt idx="0">
+                  <c:v>4</c:v>
+                </c:pt>
+              </c:numCache>
+            </c:numRef>
+          </c:val>
+          <c:extLst>
+            <c:ext xmlns:c16="http://schemas.microsoft.com/office/drawing/2014/chart" uri="{C3380CC4-5D6E-409C-BE32-E72D297353CC}">
+              <c16:uniqueId val="{0000000B-F698-4405-9234-0FD21A15A480}"/>
+            </c:ext>
+          </c:extLst>
+        </c:ser>
+        <c:ser>
+          <c:idx val="12"/>
+          <c:order val="12"/>
+          <c:tx>
+            <c:strRef>
+              <c:f>Sheet1!$B$13</c:f>
+              <c:strCache>
+                <c:ptCount val="1"/>
+                <c:pt idx="0">
+                  <c:v>Sleeping</c:v>
+                </c:pt>
+              </c:strCache>
+            </c:strRef>
+          </c:tx>
+          <c:spPr>
+            <a:solidFill>
+              <a:schemeClr val="accent1">
+                <a:lumMod val="80000"/>
+                <a:lumOff val="20000"/>
+                <a:alpha val="85000"/>
+              </a:schemeClr>
+            </a:solidFill>
+            <a:ln w="9525" cap="flat" cmpd="sng" algn="ctr">
+              <a:solidFill>
+                <a:schemeClr val="lt1">
+                  <a:alpha val="50000"/>
+                </a:schemeClr>
+              </a:solidFill>
+              <a:round/>
+            </a:ln>
+            <a:effectLst/>
+          </c:spPr>
+          <c:invertIfNegative val="0"/>
+          <c:dLbls>
+            <c:spPr>
+              <a:noFill/>
+              <a:ln>
+                <a:noFill/>
+              </a:ln>
+              <a:effectLst/>
+            </c:spPr>
+            <c:txPr>
+              <a:bodyPr rot="0" spcFirstLastPara="1" vertOverflow="ellipsis" vert="horz" wrap="square" lIns="38100" tIns="19050" rIns="38100" bIns="19050" anchor="ctr" anchorCtr="1">
+                <a:spAutoFit/>
+              </a:bodyPr>
+              <a:lstStyle/>
+              <a:p>
+                <a:pPr>
+                  <a:defRPr sz="900" b="1" i="0" u="none" strike="noStrike" kern="1200" baseline="0">
+                    <a:solidFill>
+                      <a:schemeClr val="lt1"/>
+                    </a:solidFill>
+                    <a:latin typeface="+mn-lt"/>
+                    <a:ea typeface="+mn-ea"/>
+                    <a:cs typeface="+mn-cs"/>
+                  </a:defRPr>
+                </a:pPr>
+                <a:endParaRPr lang="zh-CN"/>
+              </a:p>
+            </c:txPr>
+            <c:dLblPos val="inEnd"/>
+            <c:showLegendKey val="0"/>
+            <c:showVal val="1"/>
+            <c:showCatName val="0"/>
+            <c:showSerName val="0"/>
+            <c:showPercent val="0"/>
+            <c:showBubbleSize val="0"/>
+            <c:showLeaderLines val="0"/>
+            <c:extLst>
+              <c:ext xmlns:c15="http://schemas.microsoft.com/office/drawing/2012/chart" uri="{CE6537A1-D6FC-4f65-9D91-7224C49458BB}">
+                <c15:showLeaderLines val="1"/>
+                <c15:leaderLines>
+                  <c:spPr>
+                    <a:ln w="9525">
+                      <a:solidFill>
+                        <a:schemeClr val="dk1">
+                          <a:lumMod val="50000"/>
+                          <a:lumOff val="50000"/>
+                        </a:schemeClr>
+                      </a:solidFill>
+                    </a:ln>
+                    <a:effectLst/>
+                  </c:spPr>
+                </c15:leaderLines>
+              </c:ext>
+            </c:extLst>
+          </c:dLbls>
+          <c:val>
+            <c:numRef>
+              <c:f>Sheet1!$C$13</c:f>
+              <c:numCache>
+                <c:formatCode>General</c:formatCode>
+                <c:ptCount val="1"/>
+                <c:pt idx="0">
+                  <c:v>3</c:v>
+                </c:pt>
+              </c:numCache>
+            </c:numRef>
+          </c:val>
+          <c:extLst>
+            <c:ext xmlns:c16="http://schemas.microsoft.com/office/drawing/2014/chart" uri="{C3380CC4-5D6E-409C-BE32-E72D297353CC}">
+              <c16:uniqueId val="{0000000C-F698-4405-9234-0FD21A15A480}"/>
+            </c:ext>
+          </c:extLst>
+        </c:ser>
+        <c:ser>
+          <c:idx val="13"/>
+          <c:order val="13"/>
+          <c:tx>
+            <c:strRef>
+              <c:f>Sheet1!$B$14</c:f>
+              <c:strCache>
+                <c:ptCount val="1"/>
+                <c:pt idx="0">
+                  <c:v>Friends Quarrelling </c:v>
+                </c:pt>
+              </c:strCache>
+            </c:strRef>
+          </c:tx>
+          <c:spPr>
+            <a:solidFill>
+              <a:schemeClr val="accent2">
+                <a:lumMod val="80000"/>
+                <a:lumOff val="20000"/>
+                <a:alpha val="85000"/>
+              </a:schemeClr>
+            </a:solidFill>
+            <a:ln w="9525" cap="flat" cmpd="sng" algn="ctr">
+              <a:solidFill>
+                <a:schemeClr val="lt1">
+                  <a:alpha val="50000"/>
+                </a:schemeClr>
+              </a:solidFill>
+              <a:round/>
+            </a:ln>
+            <a:effectLst/>
+          </c:spPr>
+          <c:invertIfNegative val="0"/>
+          <c:dLbls>
+            <c:spPr>
+              <a:noFill/>
+              <a:ln>
+                <a:noFill/>
+              </a:ln>
+              <a:effectLst/>
+            </c:spPr>
+            <c:txPr>
+              <a:bodyPr rot="0" spcFirstLastPara="1" vertOverflow="ellipsis" vert="horz" wrap="square" lIns="38100" tIns="19050" rIns="38100" bIns="19050" anchor="ctr" anchorCtr="1">
+                <a:spAutoFit/>
+              </a:bodyPr>
+              <a:lstStyle/>
+              <a:p>
+                <a:pPr>
+                  <a:defRPr sz="900" b="1" i="0" u="none" strike="noStrike" kern="1200" baseline="0">
+                    <a:solidFill>
+                      <a:schemeClr val="lt1"/>
+                    </a:solidFill>
+                    <a:latin typeface="+mn-lt"/>
+                    <a:ea typeface="+mn-ea"/>
+                    <a:cs typeface="+mn-cs"/>
+                  </a:defRPr>
+                </a:pPr>
+                <a:endParaRPr lang="zh-CN"/>
+              </a:p>
+            </c:txPr>
+            <c:dLblPos val="inEnd"/>
+            <c:showLegendKey val="0"/>
+            <c:showVal val="1"/>
+            <c:showCatName val="0"/>
+            <c:showSerName val="0"/>
+            <c:showPercent val="0"/>
+            <c:showBubbleSize val="0"/>
+            <c:showLeaderLines val="0"/>
+            <c:extLst>
+              <c:ext xmlns:c15="http://schemas.microsoft.com/office/drawing/2012/chart" uri="{CE6537A1-D6FC-4f65-9D91-7224C49458BB}">
+                <c15:showLeaderLines val="1"/>
+                <c15:leaderLines>
+                  <c:spPr>
+                    <a:ln w="9525">
+                      <a:solidFill>
+                        <a:schemeClr val="dk1">
+                          <a:lumMod val="50000"/>
+                          <a:lumOff val="50000"/>
+                        </a:schemeClr>
+                      </a:solidFill>
+                    </a:ln>
+                    <a:effectLst/>
+                  </c:spPr>
+                </c15:leaderLines>
+              </c:ext>
+            </c:extLst>
+          </c:dLbls>
+          <c:val>
+            <c:numRef>
+              <c:f>Sheet1!$C$14</c:f>
+              <c:numCache>
+                <c:formatCode>General</c:formatCode>
+                <c:ptCount val="1"/>
+                <c:pt idx="0">
+                  <c:v>3</c:v>
+                </c:pt>
+              </c:numCache>
+            </c:numRef>
+          </c:val>
+          <c:extLst>
+            <c:ext xmlns:c16="http://schemas.microsoft.com/office/drawing/2014/chart" uri="{C3380CC4-5D6E-409C-BE32-E72D297353CC}">
+              <c16:uniqueId val="{0000000D-F698-4405-9234-0FD21A15A480}"/>
+            </c:ext>
+          </c:extLst>
+        </c:ser>
+        <c:ser>
+          <c:idx val="14"/>
+          <c:order val="14"/>
+          <c:tx>
+            <c:strRef>
+              <c:f>Sheet1!$B$15</c:f>
+              <c:strCache>
+                <c:ptCount val="1"/>
+                <c:pt idx="0">
+                  <c:v>Sleeping</c:v>
+                </c:pt>
+              </c:strCache>
+            </c:strRef>
+          </c:tx>
+          <c:spPr>
+            <a:solidFill>
+              <a:schemeClr val="accent3">
+                <a:lumMod val="80000"/>
+                <a:lumOff val="20000"/>
+                <a:alpha val="85000"/>
+              </a:schemeClr>
+            </a:solidFill>
+            <a:ln w="9525" cap="flat" cmpd="sng" algn="ctr">
+              <a:solidFill>
+                <a:schemeClr val="lt1">
+                  <a:alpha val="50000"/>
+                </a:schemeClr>
+              </a:solidFill>
+              <a:round/>
+            </a:ln>
+            <a:effectLst/>
+          </c:spPr>
+          <c:invertIfNegative val="0"/>
+          <c:dLbls>
+            <c:spPr>
+              <a:noFill/>
+              <a:ln>
+                <a:noFill/>
+              </a:ln>
+              <a:effectLst/>
+            </c:spPr>
+            <c:txPr>
+              <a:bodyPr rot="0" spcFirstLastPara="1" vertOverflow="ellipsis" vert="horz" wrap="square" lIns="38100" tIns="19050" rIns="38100" bIns="19050" anchor="ctr" anchorCtr="1">
+                <a:spAutoFit/>
+              </a:bodyPr>
+              <a:lstStyle/>
+              <a:p>
+                <a:pPr>
+                  <a:defRPr sz="900" b="1" i="0" u="none" strike="noStrike" kern="1200" baseline="0">
+                    <a:solidFill>
+                      <a:schemeClr val="lt1"/>
+                    </a:solidFill>
+                    <a:latin typeface="+mn-lt"/>
+                    <a:ea typeface="+mn-ea"/>
+                    <a:cs typeface="+mn-cs"/>
+                  </a:defRPr>
+                </a:pPr>
+                <a:endParaRPr lang="zh-CN"/>
+              </a:p>
+            </c:txPr>
+            <c:dLblPos val="inEnd"/>
+            <c:showLegendKey val="0"/>
+            <c:showVal val="1"/>
+            <c:showCatName val="0"/>
+            <c:showSerName val="0"/>
+            <c:showPercent val="0"/>
+            <c:showBubbleSize val="0"/>
+            <c:showLeaderLines val="0"/>
+            <c:extLst>
+              <c:ext xmlns:c15="http://schemas.microsoft.com/office/drawing/2012/chart" uri="{CE6537A1-D6FC-4f65-9D91-7224C49458BB}">
+                <c15:showLeaderLines val="1"/>
+                <c15:leaderLines>
+                  <c:spPr>
+                    <a:ln w="9525">
+                      <a:solidFill>
+                        <a:schemeClr val="dk1">
+                          <a:lumMod val="50000"/>
+                          <a:lumOff val="50000"/>
+                        </a:schemeClr>
+                      </a:solidFill>
+                    </a:ln>
+                    <a:effectLst/>
+                  </c:spPr>
+                </c15:leaderLines>
+              </c:ext>
+            </c:extLst>
+          </c:dLbls>
+          <c:val>
+            <c:numRef>
+              <c:f>Sheet1!$C$15</c:f>
+              <c:numCache>
+                <c:formatCode>General</c:formatCode>
+                <c:ptCount val="1"/>
+                <c:pt idx="0">
+                  <c:v>3</c:v>
+                </c:pt>
+              </c:numCache>
+            </c:numRef>
+          </c:val>
+          <c:extLst>
+            <c:ext xmlns:c16="http://schemas.microsoft.com/office/drawing/2014/chart" uri="{C3380CC4-5D6E-409C-BE32-E72D297353CC}">
+              <c16:uniqueId val="{0000000E-F698-4405-9234-0FD21A15A480}"/>
+            </c:ext>
+          </c:extLst>
+        </c:ser>
+        <c:ser>
+          <c:idx val="15"/>
+          <c:order val="15"/>
+          <c:tx>
+            <c:strRef>
+              <c:f>Sheet1!$B$16</c:f>
+              <c:strCache>
+                <c:ptCount val="1"/>
+                <c:pt idx="0">
+                  <c:v>Financial Status</c:v>
+                </c:pt>
+              </c:strCache>
+            </c:strRef>
+          </c:tx>
+          <c:spPr>
+            <a:solidFill>
+              <a:schemeClr val="accent4">
+                <a:lumMod val="80000"/>
+                <a:lumOff val="20000"/>
+                <a:alpha val="85000"/>
+              </a:schemeClr>
+            </a:solidFill>
+            <a:ln w="9525" cap="flat" cmpd="sng" algn="ctr">
+              <a:solidFill>
+                <a:schemeClr val="lt1">
+                  <a:alpha val="50000"/>
+                </a:schemeClr>
+              </a:solidFill>
+              <a:round/>
+            </a:ln>
+            <a:effectLst/>
+          </c:spPr>
+          <c:invertIfNegative val="0"/>
+          <c:dLbls>
+            <c:spPr>
+              <a:noFill/>
+              <a:ln>
+                <a:noFill/>
+              </a:ln>
+              <a:effectLst/>
+            </c:spPr>
+            <c:txPr>
+              <a:bodyPr rot="0" spcFirstLastPara="1" vertOverflow="ellipsis" vert="horz" wrap="square" lIns="38100" tIns="19050" rIns="38100" bIns="19050" anchor="ctr" anchorCtr="1">
+                <a:spAutoFit/>
+              </a:bodyPr>
+              <a:lstStyle/>
+              <a:p>
+                <a:pPr>
+                  <a:defRPr sz="900" b="1" i="0" u="none" strike="noStrike" kern="1200" baseline="0">
+                    <a:solidFill>
+                      <a:schemeClr val="lt1"/>
+                    </a:solidFill>
+                    <a:latin typeface="+mn-lt"/>
+                    <a:ea typeface="+mn-ea"/>
+                    <a:cs typeface="+mn-cs"/>
+                  </a:defRPr>
+                </a:pPr>
+                <a:endParaRPr lang="zh-CN"/>
+              </a:p>
+            </c:txPr>
+            <c:dLblPos val="inEnd"/>
+            <c:showLegendKey val="0"/>
+            <c:showVal val="1"/>
+            <c:showCatName val="0"/>
+            <c:showSerName val="0"/>
+            <c:showPercent val="0"/>
+            <c:showBubbleSize val="0"/>
+            <c:showLeaderLines val="0"/>
+            <c:extLst>
+              <c:ext xmlns:c15="http://schemas.microsoft.com/office/drawing/2012/chart" uri="{CE6537A1-D6FC-4f65-9D91-7224C49458BB}">
+                <c15:showLeaderLines val="1"/>
+                <c15:leaderLines>
+                  <c:spPr>
+                    <a:ln w="9525">
+                      <a:solidFill>
+                        <a:schemeClr val="dk1">
+                          <a:lumMod val="50000"/>
+                          <a:lumOff val="50000"/>
+                        </a:schemeClr>
+                      </a:solidFill>
+                    </a:ln>
+                    <a:effectLst/>
+                  </c:spPr>
+                </c15:leaderLines>
+              </c:ext>
+            </c:extLst>
+          </c:dLbls>
+          <c:val>
+            <c:numRef>
+              <c:f>Sheet1!$C$16</c:f>
+              <c:numCache>
+                <c:formatCode>General</c:formatCode>
+                <c:ptCount val="1"/>
+                <c:pt idx="0">
+                  <c:v>3</c:v>
+                </c:pt>
+              </c:numCache>
+            </c:numRef>
+          </c:val>
+          <c:extLst>
+            <c:ext xmlns:c16="http://schemas.microsoft.com/office/drawing/2014/chart" uri="{C3380CC4-5D6E-409C-BE32-E72D297353CC}">
+              <c16:uniqueId val="{0000000F-F698-4405-9234-0FD21A15A480}"/>
+            </c:ext>
+          </c:extLst>
+        </c:ser>
+        <c:ser>
+          <c:idx val="16"/>
+          <c:order val="16"/>
+          <c:tx>
+            <c:strRef>
+              <c:f>Sheet1!$B$17</c:f>
+              <c:strCache>
+                <c:ptCount val="1"/>
+                <c:pt idx="0">
+                  <c:v>Food</c:v>
+                </c:pt>
+              </c:strCache>
+            </c:strRef>
+          </c:tx>
+          <c:spPr>
+            <a:solidFill>
+              <a:schemeClr val="accent5">
+                <a:lumMod val="80000"/>
+                <a:lumOff val="20000"/>
+                <a:alpha val="85000"/>
+              </a:schemeClr>
+            </a:solidFill>
+            <a:ln w="9525" cap="flat" cmpd="sng" algn="ctr">
+              <a:solidFill>
+                <a:schemeClr val="lt1">
+                  <a:alpha val="50000"/>
+                </a:schemeClr>
+              </a:solidFill>
+              <a:round/>
+            </a:ln>
+            <a:effectLst/>
+          </c:spPr>
+          <c:invertIfNegative val="0"/>
+          <c:dLbls>
+            <c:spPr>
+              <a:noFill/>
+              <a:ln>
+                <a:noFill/>
+              </a:ln>
+              <a:effectLst/>
+            </c:spPr>
+            <c:txPr>
+              <a:bodyPr rot="0" spcFirstLastPara="1" vertOverflow="ellipsis" vert="horz" wrap="square" lIns="38100" tIns="19050" rIns="38100" bIns="19050" anchor="ctr" anchorCtr="1">
+                <a:spAutoFit/>
+              </a:bodyPr>
+              <a:lstStyle/>
+              <a:p>
+                <a:pPr>
+                  <a:defRPr sz="900" b="1" i="0" u="none" strike="noStrike" kern="1200" baseline="0">
+                    <a:solidFill>
+                      <a:schemeClr val="lt1"/>
+                    </a:solidFill>
+                    <a:latin typeface="+mn-lt"/>
+                    <a:ea typeface="+mn-ea"/>
+                    <a:cs typeface="+mn-cs"/>
+                  </a:defRPr>
+                </a:pPr>
+                <a:endParaRPr lang="zh-CN"/>
+              </a:p>
+            </c:txPr>
+            <c:dLblPos val="inEnd"/>
+            <c:showLegendKey val="0"/>
+            <c:showVal val="1"/>
+            <c:showCatName val="0"/>
+            <c:showSerName val="0"/>
+            <c:showPercent val="0"/>
+            <c:showBubbleSize val="0"/>
+            <c:showLeaderLines val="0"/>
+            <c:extLst>
+              <c:ext xmlns:c15="http://schemas.microsoft.com/office/drawing/2012/chart" uri="{CE6537A1-D6FC-4f65-9D91-7224C49458BB}">
+                <c15:showLeaderLines val="1"/>
+                <c15:leaderLines>
+                  <c:spPr>
+                    <a:ln w="9525">
+                      <a:solidFill>
+                        <a:schemeClr val="dk1">
+                          <a:lumMod val="50000"/>
+                          <a:lumOff val="50000"/>
+                        </a:schemeClr>
+                      </a:solidFill>
+                    </a:ln>
+                    <a:effectLst/>
+                  </c:spPr>
+                </c15:leaderLines>
+              </c:ext>
+            </c:extLst>
+          </c:dLbls>
+          <c:val>
+            <c:numRef>
+              <c:f>Sheet1!$C$17</c:f>
+              <c:numCache>
+                <c:formatCode>General</c:formatCode>
+                <c:ptCount val="1"/>
+                <c:pt idx="0">
+                  <c:v>3</c:v>
+                </c:pt>
+              </c:numCache>
+            </c:numRef>
+          </c:val>
+          <c:extLst>
+            <c:ext xmlns:c16="http://schemas.microsoft.com/office/drawing/2014/chart" uri="{C3380CC4-5D6E-409C-BE32-E72D297353CC}">
+              <c16:uniqueId val="{00000010-F698-4405-9234-0FD21A15A480}"/>
+            </c:ext>
+          </c:extLst>
+        </c:ser>
+        <c:ser>
+          <c:idx val="17"/>
+          <c:order val="17"/>
+          <c:tx>
+            <c:strRef>
+              <c:f>Sheet1!$B$18</c:f>
+              <c:strCache>
+                <c:ptCount val="1"/>
+                <c:pt idx="0">
+                  <c:v>Lose Video Game</c:v>
+                </c:pt>
+              </c:strCache>
+            </c:strRef>
+          </c:tx>
+          <c:spPr>
+            <a:solidFill>
+              <a:schemeClr val="accent6">
+                <a:lumMod val="80000"/>
+                <a:lumOff val="20000"/>
+                <a:alpha val="85000"/>
+              </a:schemeClr>
+            </a:solidFill>
+            <a:ln w="9525" cap="flat" cmpd="sng" algn="ctr">
+              <a:solidFill>
+                <a:schemeClr val="lt1">
+                  <a:alpha val="50000"/>
+                </a:schemeClr>
+              </a:solidFill>
+              <a:round/>
+            </a:ln>
+            <a:effectLst/>
+          </c:spPr>
+          <c:invertIfNegative val="0"/>
+          <c:dLbls>
+            <c:spPr>
+              <a:noFill/>
+              <a:ln>
+                <a:noFill/>
+              </a:ln>
+              <a:effectLst/>
+            </c:spPr>
+            <c:txPr>
+              <a:bodyPr rot="0" spcFirstLastPara="1" vertOverflow="ellipsis" vert="horz" wrap="square" lIns="38100" tIns="19050" rIns="38100" bIns="19050" anchor="ctr" anchorCtr="1">
+                <a:spAutoFit/>
+              </a:bodyPr>
+              <a:lstStyle/>
+              <a:p>
+                <a:pPr>
+                  <a:defRPr sz="900" b="1" i="0" u="none" strike="noStrike" kern="1200" baseline="0">
+                    <a:solidFill>
+                      <a:schemeClr val="lt1"/>
+                    </a:solidFill>
+                    <a:latin typeface="+mn-lt"/>
+                    <a:ea typeface="+mn-ea"/>
+                    <a:cs typeface="+mn-cs"/>
+                  </a:defRPr>
+                </a:pPr>
+                <a:endParaRPr lang="zh-CN"/>
+              </a:p>
+            </c:txPr>
+            <c:dLblPos val="inEnd"/>
+            <c:showLegendKey val="0"/>
+            <c:showVal val="1"/>
+            <c:showCatName val="0"/>
+            <c:showSerName val="0"/>
+            <c:showPercent val="0"/>
+            <c:showBubbleSize val="0"/>
+            <c:showLeaderLines val="0"/>
+            <c:extLst>
+              <c:ext xmlns:c15="http://schemas.microsoft.com/office/drawing/2012/chart" uri="{CE6537A1-D6FC-4f65-9D91-7224C49458BB}">
+                <c15:showLeaderLines val="1"/>
+                <c15:leaderLines>
+                  <c:spPr>
+                    <a:ln w="9525">
+                      <a:solidFill>
+                        <a:schemeClr val="dk1">
+                          <a:lumMod val="50000"/>
+                          <a:lumOff val="50000"/>
+                        </a:schemeClr>
+                      </a:solidFill>
+                    </a:ln>
+                    <a:effectLst/>
+                  </c:spPr>
+                </c15:leaderLines>
+              </c:ext>
+            </c:extLst>
+          </c:dLbls>
+          <c:val>
+            <c:numRef>
+              <c:f>Sheet1!$C$18</c:f>
+              <c:numCache>
+                <c:formatCode>General</c:formatCode>
+                <c:ptCount val="1"/>
+                <c:pt idx="0">
+                  <c:v>3</c:v>
+                </c:pt>
+              </c:numCache>
+            </c:numRef>
+          </c:val>
+          <c:extLst>
+            <c:ext xmlns:c16="http://schemas.microsoft.com/office/drawing/2014/chart" uri="{C3380CC4-5D6E-409C-BE32-E72D297353CC}">
+              <c16:uniqueId val="{00000011-F698-4405-9234-0FD21A15A480}"/>
+            </c:ext>
+          </c:extLst>
+        </c:ser>
+        <c:ser>
+          <c:idx val="18"/>
+          <c:order val="18"/>
+          <c:tx>
+            <c:strRef>
+              <c:f>Sheet1!$B$19</c:f>
+              <c:strCache>
+                <c:ptCount val="1"/>
+                <c:pt idx="0">
+                  <c:v>Internet Troll</c:v>
+                </c:pt>
+              </c:strCache>
+            </c:strRef>
+          </c:tx>
+          <c:spPr>
+            <a:solidFill>
+              <a:schemeClr val="accent1">
+                <a:lumMod val="80000"/>
+                <a:alpha val="85000"/>
+              </a:schemeClr>
+            </a:solidFill>
+            <a:ln w="9525" cap="flat" cmpd="sng" algn="ctr">
+              <a:solidFill>
+                <a:schemeClr val="lt1">
+                  <a:alpha val="50000"/>
+                </a:schemeClr>
+              </a:solidFill>
+              <a:round/>
+            </a:ln>
+            <a:effectLst/>
+          </c:spPr>
+          <c:invertIfNegative val="0"/>
+          <c:dLbls>
+            <c:spPr>
+              <a:noFill/>
+              <a:ln>
+                <a:noFill/>
+              </a:ln>
+              <a:effectLst/>
+            </c:spPr>
+            <c:txPr>
+              <a:bodyPr rot="0" spcFirstLastPara="1" vertOverflow="ellipsis" vert="horz" wrap="square" lIns="38100" tIns="19050" rIns="38100" bIns="19050" anchor="ctr" anchorCtr="1">
+                <a:spAutoFit/>
+              </a:bodyPr>
+              <a:lstStyle/>
+              <a:p>
+                <a:pPr>
+                  <a:defRPr sz="900" b="1" i="0" u="none" strike="noStrike" kern="1200" baseline="0">
+                    <a:solidFill>
+                      <a:schemeClr val="lt1"/>
+                    </a:solidFill>
+                    <a:latin typeface="+mn-lt"/>
+                    <a:ea typeface="+mn-ea"/>
+                    <a:cs typeface="+mn-cs"/>
+                  </a:defRPr>
+                </a:pPr>
+                <a:endParaRPr lang="zh-CN"/>
+              </a:p>
+            </c:txPr>
+            <c:dLblPos val="inEnd"/>
+            <c:showLegendKey val="0"/>
+            <c:showVal val="1"/>
+            <c:showCatName val="0"/>
+            <c:showSerName val="0"/>
+            <c:showPercent val="0"/>
+            <c:showBubbleSize val="0"/>
+            <c:showLeaderLines val="0"/>
+            <c:extLst>
+              <c:ext xmlns:c15="http://schemas.microsoft.com/office/drawing/2012/chart" uri="{CE6537A1-D6FC-4f65-9D91-7224C49458BB}">
+                <c15:showLeaderLines val="1"/>
+                <c15:leaderLines>
+                  <c:spPr>
+                    <a:ln w="9525">
+                      <a:solidFill>
+                        <a:schemeClr val="dk1">
+                          <a:lumMod val="50000"/>
+                          <a:lumOff val="50000"/>
+                        </a:schemeClr>
+                      </a:solidFill>
+                    </a:ln>
+                    <a:effectLst/>
+                  </c:spPr>
+                </c15:leaderLines>
+              </c:ext>
+            </c:extLst>
+          </c:dLbls>
+          <c:val>
+            <c:numRef>
+              <c:f>Sheet1!$C$19</c:f>
+              <c:numCache>
+                <c:formatCode>General</c:formatCode>
+                <c:ptCount val="1"/>
+                <c:pt idx="0">
+                  <c:v>2</c:v>
+                </c:pt>
+              </c:numCache>
+            </c:numRef>
+          </c:val>
+          <c:extLst>
+            <c:ext xmlns:c16="http://schemas.microsoft.com/office/drawing/2014/chart" uri="{C3380CC4-5D6E-409C-BE32-E72D297353CC}">
+              <c16:uniqueId val="{00000012-F698-4405-9234-0FD21A15A480}"/>
+            </c:ext>
+          </c:extLst>
+        </c:ser>
+        <c:ser>
+          <c:idx val="19"/>
+          <c:order val="19"/>
+          <c:tx>
+            <c:strRef>
+              <c:f>Sheet1!$B$20</c:f>
+              <c:strCache>
+                <c:ptCount val="1"/>
+                <c:pt idx="0">
+                  <c:v>PE</c:v>
+                </c:pt>
+              </c:strCache>
+            </c:strRef>
+          </c:tx>
+          <c:spPr>
+            <a:solidFill>
+              <a:schemeClr val="accent2">
+                <a:lumMod val="80000"/>
+                <a:alpha val="85000"/>
+              </a:schemeClr>
+            </a:solidFill>
+            <a:ln w="9525" cap="flat" cmpd="sng" algn="ctr">
+              <a:solidFill>
+                <a:schemeClr val="lt1">
+                  <a:alpha val="50000"/>
+                </a:schemeClr>
+              </a:solidFill>
+              <a:round/>
+            </a:ln>
+            <a:effectLst/>
+          </c:spPr>
+          <c:invertIfNegative val="0"/>
+          <c:dLbls>
+            <c:spPr>
+              <a:noFill/>
+              <a:ln>
+                <a:noFill/>
+              </a:ln>
+              <a:effectLst/>
+            </c:spPr>
+            <c:txPr>
+              <a:bodyPr rot="0" spcFirstLastPara="1" vertOverflow="ellipsis" vert="horz" wrap="square" lIns="38100" tIns="19050" rIns="38100" bIns="19050" anchor="ctr" anchorCtr="1">
+                <a:spAutoFit/>
+              </a:bodyPr>
+              <a:lstStyle/>
+              <a:p>
+                <a:pPr>
+                  <a:defRPr sz="900" b="1" i="0" u="none" strike="noStrike" kern="1200" baseline="0">
+                    <a:solidFill>
+                      <a:schemeClr val="lt1"/>
+                    </a:solidFill>
+                    <a:latin typeface="+mn-lt"/>
+                    <a:ea typeface="+mn-ea"/>
+                    <a:cs typeface="+mn-cs"/>
+                  </a:defRPr>
+                </a:pPr>
+                <a:endParaRPr lang="zh-CN"/>
+              </a:p>
+            </c:txPr>
+            <c:dLblPos val="inEnd"/>
+            <c:showLegendKey val="0"/>
+            <c:showVal val="1"/>
+            <c:showCatName val="0"/>
+            <c:showSerName val="0"/>
+            <c:showPercent val="0"/>
+            <c:showBubbleSize val="0"/>
+            <c:showLeaderLines val="0"/>
+            <c:extLst>
+              <c:ext xmlns:c15="http://schemas.microsoft.com/office/drawing/2012/chart" uri="{CE6537A1-D6FC-4f65-9D91-7224C49458BB}">
+                <c15:showLeaderLines val="1"/>
+                <c15:leaderLines>
+                  <c:spPr>
+                    <a:ln w="9525">
+                      <a:solidFill>
+                        <a:schemeClr val="dk1">
+                          <a:lumMod val="50000"/>
+                          <a:lumOff val="50000"/>
+                        </a:schemeClr>
+                      </a:solidFill>
+                    </a:ln>
+                    <a:effectLst/>
+                  </c:spPr>
+                </c15:leaderLines>
+              </c:ext>
+            </c:extLst>
+          </c:dLbls>
+          <c:val>
+            <c:numRef>
+              <c:f>Sheet1!$C$20</c:f>
+              <c:numCache>
+                <c:formatCode>General</c:formatCode>
+                <c:ptCount val="1"/>
+                <c:pt idx="0">
+                  <c:v>2</c:v>
+                </c:pt>
+              </c:numCache>
+            </c:numRef>
+          </c:val>
+          <c:extLst>
+            <c:ext xmlns:c16="http://schemas.microsoft.com/office/drawing/2014/chart" uri="{C3380CC4-5D6E-409C-BE32-E72D297353CC}">
+              <c16:uniqueId val="{00000013-F698-4405-9234-0FD21A15A480}"/>
+            </c:ext>
+          </c:extLst>
+        </c:ser>
+        <c:ser>
+          <c:idx val="20"/>
+          <c:order val="20"/>
+          <c:tx>
+            <c:strRef>
+              <c:f>Sheet1!$B$21</c:f>
+              <c:strCache>
+                <c:ptCount val="1"/>
+                <c:pt idx="0">
+                  <c:v>Movies &amp; TVs</c:v>
+                </c:pt>
+              </c:strCache>
+            </c:strRef>
+          </c:tx>
+          <c:spPr>
+            <a:solidFill>
+              <a:schemeClr val="accent3">
+                <a:lumMod val="80000"/>
+                <a:alpha val="85000"/>
+              </a:schemeClr>
+            </a:solidFill>
+            <a:ln w="9525" cap="flat" cmpd="sng" algn="ctr">
+              <a:solidFill>
+                <a:schemeClr val="lt1">
+                  <a:alpha val="50000"/>
+                </a:schemeClr>
+              </a:solidFill>
+              <a:round/>
+            </a:ln>
+            <a:effectLst/>
+          </c:spPr>
+          <c:invertIfNegative val="0"/>
+          <c:dLbls>
+            <c:spPr>
+              <a:noFill/>
+              <a:ln>
+                <a:noFill/>
+              </a:ln>
+              <a:effectLst/>
+            </c:spPr>
+            <c:txPr>
+              <a:bodyPr rot="0" spcFirstLastPara="1" vertOverflow="ellipsis" vert="horz" wrap="square" lIns="38100" tIns="19050" rIns="38100" bIns="19050" anchor="ctr" anchorCtr="1">
+                <a:spAutoFit/>
+              </a:bodyPr>
+              <a:lstStyle/>
+              <a:p>
+                <a:pPr>
+                  <a:defRPr sz="900" b="1" i="0" u="none" strike="noStrike" kern="1200" baseline="0">
+                    <a:solidFill>
+                      <a:schemeClr val="lt1"/>
+                    </a:solidFill>
+                    <a:latin typeface="+mn-lt"/>
+                    <a:ea typeface="+mn-ea"/>
+                    <a:cs typeface="+mn-cs"/>
+                  </a:defRPr>
+                </a:pPr>
+                <a:endParaRPr lang="zh-CN"/>
+              </a:p>
+            </c:txPr>
+            <c:dLblPos val="inEnd"/>
+            <c:showLegendKey val="0"/>
+            <c:showVal val="1"/>
+            <c:showCatName val="0"/>
+            <c:showSerName val="0"/>
+            <c:showPercent val="0"/>
+            <c:showBubbleSize val="0"/>
+            <c:showLeaderLines val="0"/>
+            <c:extLst>
+              <c:ext xmlns:c15="http://schemas.microsoft.com/office/drawing/2012/chart" uri="{CE6537A1-D6FC-4f65-9D91-7224C49458BB}">
+                <c15:showLeaderLines val="1"/>
+                <c15:leaderLines>
+                  <c:spPr>
+                    <a:ln w="9525">
+                      <a:solidFill>
+                        <a:schemeClr val="dk1">
+                          <a:lumMod val="50000"/>
+                          <a:lumOff val="50000"/>
+                        </a:schemeClr>
+                      </a:solidFill>
+                    </a:ln>
+                    <a:effectLst/>
+                  </c:spPr>
+                </c15:leaderLines>
+              </c:ext>
+            </c:extLst>
+          </c:dLbls>
+          <c:val>
+            <c:numRef>
+              <c:f>Sheet1!$C$21</c:f>
+              <c:numCache>
+                <c:formatCode>General</c:formatCode>
+                <c:ptCount val="1"/>
+                <c:pt idx="0">
+                  <c:v>2</c:v>
+                </c:pt>
+              </c:numCache>
+            </c:numRef>
+          </c:val>
+          <c:extLst>
+            <c:ext xmlns:c16="http://schemas.microsoft.com/office/drawing/2014/chart" uri="{C3380CC4-5D6E-409C-BE32-E72D297353CC}">
+              <c16:uniqueId val="{00000014-F698-4405-9234-0FD21A15A480}"/>
+            </c:ext>
+          </c:extLst>
+        </c:ser>
+        <c:ser>
+          <c:idx val="21"/>
+          <c:order val="21"/>
+          <c:tx>
+            <c:strRef>
+              <c:f>Sheet1!$B$22</c:f>
+              <c:strCache>
+                <c:ptCount val="1"/>
+                <c:pt idx="0">
+                  <c:v>School Food Service</c:v>
+                </c:pt>
+              </c:strCache>
+            </c:strRef>
+          </c:tx>
+          <c:spPr>
+            <a:solidFill>
+              <a:schemeClr val="accent4">
+                <a:lumMod val="80000"/>
+                <a:alpha val="85000"/>
+              </a:schemeClr>
+            </a:solidFill>
+            <a:ln w="9525" cap="flat" cmpd="sng" algn="ctr">
+              <a:solidFill>
+                <a:schemeClr val="lt1">
+                  <a:alpha val="50000"/>
+                </a:schemeClr>
+              </a:solidFill>
+              <a:round/>
+            </a:ln>
+            <a:effectLst/>
+          </c:spPr>
+          <c:invertIfNegative val="0"/>
+          <c:dLbls>
+            <c:spPr>
+              <a:noFill/>
+              <a:ln>
+                <a:noFill/>
+              </a:ln>
+              <a:effectLst/>
+            </c:spPr>
+            <c:txPr>
+              <a:bodyPr rot="0" spcFirstLastPara="1" vertOverflow="ellipsis" vert="horz" wrap="square" lIns="38100" tIns="19050" rIns="38100" bIns="19050" anchor="ctr" anchorCtr="1">
+                <a:spAutoFit/>
+              </a:bodyPr>
+              <a:lstStyle/>
+              <a:p>
+                <a:pPr>
+                  <a:defRPr sz="900" b="1" i="0" u="none" strike="noStrike" kern="1200" baseline="0">
+                    <a:solidFill>
+                      <a:schemeClr val="lt1"/>
+                    </a:solidFill>
+                    <a:latin typeface="+mn-lt"/>
+                    <a:ea typeface="+mn-ea"/>
+                    <a:cs typeface="+mn-cs"/>
+                  </a:defRPr>
+                </a:pPr>
+                <a:endParaRPr lang="zh-CN"/>
+              </a:p>
+            </c:txPr>
+            <c:dLblPos val="inEnd"/>
+            <c:showLegendKey val="0"/>
+            <c:showVal val="1"/>
+            <c:showCatName val="0"/>
+            <c:showSerName val="0"/>
+            <c:showPercent val="0"/>
+            <c:showBubbleSize val="0"/>
+            <c:showLeaderLines val="0"/>
+            <c:extLst>
+              <c:ext xmlns:c15="http://schemas.microsoft.com/office/drawing/2012/chart" uri="{CE6537A1-D6FC-4f65-9D91-7224C49458BB}">
+                <c15:showLeaderLines val="1"/>
+                <c15:leaderLines>
+                  <c:spPr>
+                    <a:ln w="9525">
+                      <a:solidFill>
+                        <a:schemeClr val="dk1">
+                          <a:lumMod val="50000"/>
+                          <a:lumOff val="50000"/>
+                        </a:schemeClr>
+                      </a:solidFill>
+                    </a:ln>
+                    <a:effectLst/>
+                  </c:spPr>
+                </c15:leaderLines>
+              </c:ext>
+            </c:extLst>
+          </c:dLbls>
+          <c:val>
+            <c:numRef>
+              <c:f>Sheet1!$C$22</c:f>
+              <c:numCache>
+                <c:formatCode>General</c:formatCode>
+                <c:ptCount val="1"/>
+                <c:pt idx="0">
+                  <c:v>2</c:v>
+                </c:pt>
+              </c:numCache>
+            </c:numRef>
+          </c:val>
+          <c:extLst>
+            <c:ext xmlns:c16="http://schemas.microsoft.com/office/drawing/2014/chart" uri="{C3380CC4-5D6E-409C-BE32-E72D297353CC}">
+              <c16:uniqueId val="{00000015-F698-4405-9234-0FD21A15A480}"/>
+            </c:ext>
+          </c:extLst>
+        </c:ser>
+        <c:ser>
+          <c:idx val="22"/>
+          <c:order val="22"/>
+          <c:tx>
+            <c:strRef>
+              <c:f>Sheet1!$B$23</c:f>
+              <c:strCache>
+                <c:ptCount val="1"/>
+                <c:pt idx="0">
+                  <c:v>Self estimation &amp; Integrity</c:v>
+                </c:pt>
+              </c:strCache>
+            </c:strRef>
+          </c:tx>
+          <c:spPr>
+            <a:solidFill>
+              <a:schemeClr val="accent5">
+                <a:lumMod val="80000"/>
+                <a:alpha val="85000"/>
+              </a:schemeClr>
+            </a:solidFill>
+            <a:ln w="9525" cap="flat" cmpd="sng" algn="ctr">
+              <a:solidFill>
+                <a:schemeClr val="lt1">
+                  <a:alpha val="50000"/>
+                </a:schemeClr>
+              </a:solidFill>
+              <a:round/>
+            </a:ln>
+            <a:effectLst/>
+          </c:spPr>
+          <c:invertIfNegative val="0"/>
+          <c:dLbls>
+            <c:spPr>
+              <a:noFill/>
+              <a:ln>
+                <a:noFill/>
+              </a:ln>
+              <a:effectLst/>
+            </c:spPr>
+            <c:txPr>
+              <a:bodyPr rot="0" spcFirstLastPara="1" vertOverflow="ellipsis" vert="horz" wrap="square" lIns="38100" tIns="19050" rIns="38100" bIns="19050" anchor="ctr" anchorCtr="1">
+                <a:spAutoFit/>
+              </a:bodyPr>
+              <a:lstStyle/>
+              <a:p>
+                <a:pPr>
+                  <a:defRPr sz="900" b="1" i="0" u="none" strike="noStrike" kern="1200" baseline="0">
+                    <a:solidFill>
+                      <a:schemeClr val="lt1"/>
+                    </a:solidFill>
+                    <a:latin typeface="+mn-lt"/>
+                    <a:ea typeface="+mn-ea"/>
+                    <a:cs typeface="+mn-cs"/>
+                  </a:defRPr>
+                </a:pPr>
+                <a:endParaRPr lang="zh-CN"/>
+              </a:p>
+            </c:txPr>
+            <c:dLblPos val="inEnd"/>
+            <c:showLegendKey val="0"/>
+            <c:showVal val="1"/>
+            <c:showCatName val="0"/>
+            <c:showSerName val="0"/>
+            <c:showPercent val="0"/>
+            <c:showBubbleSize val="0"/>
+            <c:showLeaderLines val="0"/>
+            <c:extLst>
+              <c:ext xmlns:c15="http://schemas.microsoft.com/office/drawing/2012/chart" uri="{CE6537A1-D6FC-4f65-9D91-7224C49458BB}">
+                <c15:showLeaderLines val="1"/>
+                <c15:leaderLines>
+                  <c:spPr>
+                    <a:ln w="9525">
+                      <a:solidFill>
+                        <a:schemeClr val="dk1">
+                          <a:lumMod val="50000"/>
+                          <a:lumOff val="50000"/>
+                        </a:schemeClr>
+                      </a:solidFill>
+                    </a:ln>
+                    <a:effectLst/>
+                  </c:spPr>
+                </c15:leaderLines>
+              </c:ext>
+            </c:extLst>
+          </c:dLbls>
+          <c:val>
+            <c:numRef>
+              <c:f>Sheet1!$C$23</c:f>
+              <c:numCache>
+                <c:formatCode>General</c:formatCode>
+                <c:ptCount val="1"/>
+                <c:pt idx="0">
+                  <c:v>1</c:v>
+                </c:pt>
+              </c:numCache>
+            </c:numRef>
+          </c:val>
+          <c:extLst>
+            <c:ext xmlns:c16="http://schemas.microsoft.com/office/drawing/2014/chart" uri="{C3380CC4-5D6E-409C-BE32-E72D297353CC}">
+              <c16:uniqueId val="{00000016-F698-4405-9234-0FD21A15A480}"/>
+            </c:ext>
+          </c:extLst>
+        </c:ser>
+        <c:ser>
+          <c:idx val="23"/>
+          <c:order val="23"/>
+          <c:tx>
+            <c:strRef>
+              <c:f>Sheet1!$B$24</c:f>
+              <c:strCache>
+                <c:ptCount val="1"/>
+                <c:pt idx="0">
+                  <c:v>Living a desirable life</c:v>
+                </c:pt>
+              </c:strCache>
+            </c:strRef>
+          </c:tx>
+          <c:spPr>
+            <a:solidFill>
+              <a:schemeClr val="accent6">
+                <a:lumMod val="80000"/>
+                <a:alpha val="85000"/>
+              </a:schemeClr>
+            </a:solidFill>
+            <a:ln w="9525" cap="flat" cmpd="sng" algn="ctr">
+              <a:solidFill>
+                <a:schemeClr val="lt1">
+                  <a:alpha val="50000"/>
+                </a:schemeClr>
+              </a:solidFill>
+              <a:round/>
+            </a:ln>
+            <a:effectLst/>
+          </c:spPr>
+          <c:invertIfNegative val="0"/>
+          <c:dLbls>
+            <c:spPr>
+              <a:noFill/>
+              <a:ln>
+                <a:noFill/>
+              </a:ln>
+              <a:effectLst/>
+            </c:spPr>
+            <c:txPr>
+              <a:bodyPr rot="0" spcFirstLastPara="1" vertOverflow="ellipsis" vert="horz" wrap="square" lIns="38100" tIns="19050" rIns="38100" bIns="19050" anchor="ctr" anchorCtr="1">
+                <a:spAutoFit/>
+              </a:bodyPr>
+              <a:lstStyle/>
+              <a:p>
+                <a:pPr>
+                  <a:defRPr sz="900" b="1" i="0" u="none" strike="noStrike" kern="1200" baseline="0">
+                    <a:solidFill>
+                      <a:schemeClr val="lt1"/>
+                    </a:solidFill>
+                    <a:latin typeface="+mn-lt"/>
+                    <a:ea typeface="+mn-ea"/>
+                    <a:cs typeface="+mn-cs"/>
+                  </a:defRPr>
+                </a:pPr>
+                <a:endParaRPr lang="zh-CN"/>
+              </a:p>
+            </c:txPr>
+            <c:dLblPos val="inEnd"/>
+            <c:showLegendKey val="0"/>
+            <c:showVal val="1"/>
+            <c:showCatName val="0"/>
+            <c:showSerName val="0"/>
+            <c:showPercent val="0"/>
+            <c:showBubbleSize val="0"/>
+            <c:showLeaderLines val="0"/>
+            <c:extLst>
+              <c:ext xmlns:c15="http://schemas.microsoft.com/office/drawing/2012/chart" uri="{CE6537A1-D6FC-4f65-9D91-7224C49458BB}">
+                <c15:showLeaderLines val="1"/>
+                <c15:leaderLines>
+                  <c:spPr>
+                    <a:ln w="9525">
+                      <a:solidFill>
+                        <a:schemeClr val="dk1">
+                          <a:lumMod val="50000"/>
+                          <a:lumOff val="50000"/>
+                        </a:schemeClr>
+                      </a:solidFill>
+                    </a:ln>
+                    <a:effectLst/>
+                  </c:spPr>
+                </c15:leaderLines>
+              </c:ext>
+            </c:extLst>
+          </c:dLbls>
+          <c:val>
+            <c:numRef>
+              <c:f>Sheet1!$C$24</c:f>
+              <c:numCache>
+                <c:formatCode>General</c:formatCode>
+                <c:ptCount val="1"/>
+                <c:pt idx="0">
+                  <c:v>1</c:v>
+                </c:pt>
+              </c:numCache>
+            </c:numRef>
+          </c:val>
+          <c:extLst>
+            <c:ext xmlns:c16="http://schemas.microsoft.com/office/drawing/2014/chart" uri="{C3380CC4-5D6E-409C-BE32-E72D297353CC}">
+              <c16:uniqueId val="{00000017-F698-4405-9234-0FD21A15A480}"/>
+            </c:ext>
+          </c:extLst>
+        </c:ser>
+        <c:ser>
+          <c:idx val="24"/>
+          <c:order val="24"/>
+          <c:tx>
+            <c:strRef>
+              <c:f>Sheet1!$B$25</c:f>
+              <c:strCache>
+                <c:ptCount val="1"/>
+                <c:pt idx="0">
+                  <c:v>Health</c:v>
+                </c:pt>
+              </c:strCache>
+            </c:strRef>
+          </c:tx>
+          <c:spPr>
+            <a:solidFill>
+              <a:schemeClr val="accent1">
+                <a:lumMod val="60000"/>
+                <a:lumOff val="40000"/>
+                <a:alpha val="85000"/>
+              </a:schemeClr>
+            </a:solidFill>
+            <a:ln w="9525" cap="flat" cmpd="sng" algn="ctr">
+              <a:solidFill>
+                <a:schemeClr val="lt1">
+                  <a:alpha val="50000"/>
+                </a:schemeClr>
+              </a:solidFill>
+              <a:round/>
+            </a:ln>
+            <a:effectLst/>
+          </c:spPr>
+          <c:invertIfNegative val="0"/>
+          <c:dLbls>
+            <c:spPr>
+              <a:noFill/>
+              <a:ln>
+                <a:noFill/>
+              </a:ln>
+              <a:effectLst/>
+            </c:spPr>
+            <c:txPr>
+              <a:bodyPr rot="0" spcFirstLastPara="1" vertOverflow="ellipsis" vert="horz" wrap="square" lIns="38100" tIns="19050" rIns="38100" bIns="19050" anchor="ctr" anchorCtr="1">
+                <a:spAutoFit/>
+              </a:bodyPr>
+              <a:lstStyle/>
+              <a:p>
+                <a:pPr>
+                  <a:defRPr sz="900" b="1" i="0" u="none" strike="noStrike" kern="1200" baseline="0">
+                    <a:solidFill>
+                      <a:schemeClr val="lt1"/>
+                    </a:solidFill>
+                    <a:latin typeface="+mn-lt"/>
+                    <a:ea typeface="+mn-ea"/>
+                    <a:cs typeface="+mn-cs"/>
+                  </a:defRPr>
+                </a:pPr>
+                <a:endParaRPr lang="zh-CN"/>
+              </a:p>
+            </c:txPr>
+            <c:dLblPos val="inEnd"/>
+            <c:showLegendKey val="0"/>
+            <c:showVal val="1"/>
+            <c:showCatName val="0"/>
+            <c:showSerName val="0"/>
+            <c:showPercent val="0"/>
+            <c:showBubbleSize val="0"/>
+            <c:showLeaderLines val="0"/>
+            <c:extLst>
+              <c:ext xmlns:c15="http://schemas.microsoft.com/office/drawing/2012/chart" uri="{CE6537A1-D6FC-4f65-9D91-7224C49458BB}">
+                <c15:showLeaderLines val="1"/>
+                <c15:leaderLines>
+                  <c:spPr>
+                    <a:ln w="9525">
+                      <a:solidFill>
+                        <a:schemeClr val="dk1">
+                          <a:lumMod val="50000"/>
+                          <a:lumOff val="50000"/>
+                        </a:schemeClr>
+                      </a:solidFill>
+                    </a:ln>
+                    <a:effectLst/>
+                  </c:spPr>
+                </c15:leaderLines>
+              </c:ext>
+            </c:extLst>
+          </c:dLbls>
+          <c:val>
+            <c:numRef>
+              <c:f>Sheet1!$C$25</c:f>
+              <c:numCache>
+                <c:formatCode>General</c:formatCode>
+                <c:ptCount val="1"/>
+                <c:pt idx="0">
+                  <c:v>1</c:v>
+                </c:pt>
+              </c:numCache>
+            </c:numRef>
+          </c:val>
+          <c:extLst>
+            <c:ext xmlns:c16="http://schemas.microsoft.com/office/drawing/2014/chart" uri="{C3380CC4-5D6E-409C-BE32-E72D297353CC}">
+              <c16:uniqueId val="{00000018-F698-4405-9234-0FD21A15A480}"/>
+            </c:ext>
+          </c:extLst>
+        </c:ser>
+        <c:ser>
+          <c:idx val="25"/>
+          <c:order val="25"/>
+          <c:tx>
+            <c:strRef>
+              <c:f>Sheet1!$B$26</c:f>
+              <c:strCache>
+                <c:ptCount val="1"/>
+                <c:pt idx="0">
+                  <c:v>Entertainment</c:v>
+                </c:pt>
+              </c:strCache>
+            </c:strRef>
+          </c:tx>
+          <c:spPr>
+            <a:solidFill>
+              <a:schemeClr val="accent2">
+                <a:lumMod val="60000"/>
+                <a:lumOff val="40000"/>
+                <a:alpha val="85000"/>
+              </a:schemeClr>
+            </a:solidFill>
+            <a:ln w="9525" cap="flat" cmpd="sng" algn="ctr">
+              <a:solidFill>
+                <a:schemeClr val="lt1">
+                  <a:alpha val="50000"/>
+                </a:schemeClr>
+              </a:solidFill>
+              <a:round/>
+            </a:ln>
+            <a:effectLst/>
+          </c:spPr>
+          <c:invertIfNegative val="0"/>
+          <c:dLbls>
+            <c:spPr>
+              <a:noFill/>
+              <a:ln>
+                <a:noFill/>
+              </a:ln>
+              <a:effectLst/>
+            </c:spPr>
+            <c:txPr>
+              <a:bodyPr rot="0" spcFirstLastPara="1" vertOverflow="ellipsis" vert="horz" wrap="square" lIns="38100" tIns="19050" rIns="38100" bIns="19050" anchor="ctr" anchorCtr="1">
+                <a:spAutoFit/>
+              </a:bodyPr>
+              <a:lstStyle/>
+              <a:p>
+                <a:pPr>
+                  <a:defRPr sz="900" b="1" i="0" u="none" strike="noStrike" kern="1200" baseline="0">
+                    <a:solidFill>
+                      <a:schemeClr val="lt1"/>
+                    </a:solidFill>
+                    <a:latin typeface="+mn-lt"/>
+                    <a:ea typeface="+mn-ea"/>
+                    <a:cs typeface="+mn-cs"/>
+                  </a:defRPr>
+                </a:pPr>
+                <a:endParaRPr lang="zh-CN"/>
+              </a:p>
+            </c:txPr>
+            <c:dLblPos val="inEnd"/>
+            <c:showLegendKey val="0"/>
+            <c:showVal val="1"/>
+            <c:showCatName val="0"/>
+            <c:showSerName val="0"/>
+            <c:showPercent val="0"/>
+            <c:showBubbleSize val="0"/>
+            <c:showLeaderLines val="0"/>
+            <c:extLst>
+              <c:ext xmlns:c15="http://schemas.microsoft.com/office/drawing/2012/chart" uri="{CE6537A1-D6FC-4f65-9D91-7224C49458BB}">
+                <c15:showLeaderLines val="1"/>
+                <c15:leaderLines>
+                  <c:spPr>
+                    <a:ln w="9525">
+                      <a:solidFill>
+                        <a:schemeClr val="dk1">
+                          <a:lumMod val="50000"/>
+                          <a:lumOff val="50000"/>
+                        </a:schemeClr>
+                      </a:solidFill>
+                    </a:ln>
+                    <a:effectLst/>
+                  </c:spPr>
+                </c15:leaderLines>
+              </c:ext>
+            </c:extLst>
+          </c:dLbls>
+          <c:val>
+            <c:numRef>
+              <c:f>Sheet1!$C$26</c:f>
+              <c:numCache>
+                <c:formatCode>General</c:formatCode>
+                <c:ptCount val="1"/>
+                <c:pt idx="0">
+                  <c:v>1</c:v>
+                </c:pt>
+              </c:numCache>
+            </c:numRef>
+          </c:val>
+          <c:extLst>
+            <c:ext xmlns:c16="http://schemas.microsoft.com/office/drawing/2014/chart" uri="{C3380CC4-5D6E-409C-BE32-E72D297353CC}">
+              <c16:uniqueId val="{00000019-F698-4405-9234-0FD21A15A480}"/>
+            </c:ext>
+          </c:extLst>
+        </c:ser>
+        <c:ser>
+          <c:idx val="26"/>
+          <c:order val="26"/>
+          <c:tx>
+            <c:strRef>
+              <c:f>Sheet1!$B$27</c:f>
+              <c:strCache>
+                <c:ptCount val="1"/>
+                <c:pt idx="0">
+                  <c:v>Plan &amp; Achievements</c:v>
+                </c:pt>
+              </c:strCache>
+            </c:strRef>
+          </c:tx>
+          <c:spPr>
+            <a:solidFill>
+              <a:schemeClr val="accent3">
+                <a:lumMod val="60000"/>
+                <a:lumOff val="40000"/>
+                <a:alpha val="85000"/>
+              </a:schemeClr>
+            </a:solidFill>
+            <a:ln w="9525" cap="flat" cmpd="sng" algn="ctr">
+              <a:solidFill>
+                <a:schemeClr val="lt1">
+                  <a:alpha val="50000"/>
+                </a:schemeClr>
+              </a:solidFill>
+              <a:round/>
+            </a:ln>
+            <a:effectLst/>
+          </c:spPr>
+          <c:invertIfNegative val="0"/>
+          <c:dLbls>
+            <c:spPr>
+              <a:noFill/>
+              <a:ln>
+                <a:noFill/>
+              </a:ln>
+              <a:effectLst/>
+            </c:spPr>
+            <c:txPr>
+              <a:bodyPr rot="0" spcFirstLastPara="1" vertOverflow="ellipsis" vert="horz" wrap="square" lIns="38100" tIns="19050" rIns="38100" bIns="19050" anchor="ctr" anchorCtr="1">
+                <a:spAutoFit/>
+              </a:bodyPr>
+              <a:lstStyle/>
+              <a:p>
+                <a:pPr>
+                  <a:defRPr sz="900" b="1" i="0" u="none" strike="noStrike" kern="1200" baseline="0">
+                    <a:solidFill>
+                      <a:schemeClr val="lt1"/>
+                    </a:solidFill>
+                    <a:latin typeface="+mn-lt"/>
+                    <a:ea typeface="+mn-ea"/>
+                    <a:cs typeface="+mn-cs"/>
+                  </a:defRPr>
+                </a:pPr>
+                <a:endParaRPr lang="zh-CN"/>
+              </a:p>
+            </c:txPr>
+            <c:dLblPos val="inEnd"/>
+            <c:showLegendKey val="0"/>
+            <c:showVal val="1"/>
+            <c:showCatName val="0"/>
+            <c:showSerName val="0"/>
+            <c:showPercent val="0"/>
+            <c:showBubbleSize val="0"/>
+            <c:showLeaderLines val="0"/>
+            <c:extLst>
+              <c:ext xmlns:c15="http://schemas.microsoft.com/office/drawing/2012/chart" uri="{CE6537A1-D6FC-4f65-9D91-7224C49458BB}">
+                <c15:showLeaderLines val="1"/>
+                <c15:leaderLines>
+                  <c:spPr>
+                    <a:ln w="9525">
+                      <a:solidFill>
+                        <a:schemeClr val="dk1">
+                          <a:lumMod val="50000"/>
+                          <a:lumOff val="50000"/>
+                        </a:schemeClr>
+                      </a:solidFill>
+                    </a:ln>
+                    <a:effectLst/>
+                  </c:spPr>
+                </c15:leaderLines>
+              </c:ext>
+            </c:extLst>
+          </c:dLbls>
+          <c:val>
+            <c:numRef>
+              <c:f>Sheet1!$C$27</c:f>
+              <c:numCache>
+                <c:formatCode>General</c:formatCode>
+                <c:ptCount val="1"/>
+                <c:pt idx="0">
+                  <c:v>1</c:v>
+                </c:pt>
+              </c:numCache>
+            </c:numRef>
+          </c:val>
+          <c:extLst>
+            <c:ext xmlns:c16="http://schemas.microsoft.com/office/drawing/2014/chart" uri="{C3380CC4-5D6E-409C-BE32-E72D297353CC}">
+              <c16:uniqueId val="{0000001A-F698-4405-9234-0FD21A15A480}"/>
+            </c:ext>
+          </c:extLst>
+        </c:ser>
+        <c:ser>
+          <c:idx val="27"/>
+          <c:order val="27"/>
+          <c:tx>
+            <c:strRef>
+              <c:f>Sheet1!$B$28</c:f>
+              <c:strCache>
+                <c:ptCount val="1"/>
+                <c:pt idx="0">
+                  <c:v>Self Implementation &amp; Integrity</c:v>
+                </c:pt>
+              </c:strCache>
+            </c:strRef>
+          </c:tx>
+          <c:spPr>
+            <a:solidFill>
+              <a:schemeClr val="accent4">
+                <a:lumMod val="60000"/>
+                <a:lumOff val="40000"/>
+                <a:alpha val="85000"/>
+              </a:schemeClr>
+            </a:solidFill>
+            <a:ln w="9525" cap="flat" cmpd="sng" algn="ctr">
+              <a:solidFill>
+                <a:schemeClr val="lt1">
+                  <a:alpha val="50000"/>
+                </a:schemeClr>
+              </a:solidFill>
+              <a:round/>
+            </a:ln>
+            <a:effectLst/>
+          </c:spPr>
+          <c:invertIfNegative val="0"/>
+          <c:dLbls>
+            <c:spPr>
+              <a:noFill/>
+              <a:ln>
+                <a:noFill/>
+              </a:ln>
+              <a:effectLst/>
+            </c:spPr>
+            <c:txPr>
+              <a:bodyPr rot="0" spcFirstLastPara="1" vertOverflow="ellipsis" vert="horz" wrap="square" lIns="38100" tIns="19050" rIns="38100" bIns="19050" anchor="ctr" anchorCtr="1">
+                <a:spAutoFit/>
+              </a:bodyPr>
+              <a:lstStyle/>
+              <a:p>
+                <a:pPr>
+                  <a:defRPr sz="900" b="1" i="0" u="none" strike="noStrike" kern="1200" baseline="0">
+                    <a:solidFill>
+                      <a:schemeClr val="lt1"/>
+                    </a:solidFill>
+                    <a:latin typeface="+mn-lt"/>
+                    <a:ea typeface="+mn-ea"/>
+                    <a:cs typeface="+mn-cs"/>
+                  </a:defRPr>
+                </a:pPr>
+                <a:endParaRPr lang="zh-CN"/>
+              </a:p>
+            </c:txPr>
+            <c:dLblPos val="inEnd"/>
+            <c:showLegendKey val="0"/>
+            <c:showVal val="1"/>
+            <c:showCatName val="0"/>
+            <c:showSerName val="0"/>
+            <c:showPercent val="0"/>
+            <c:showBubbleSize val="0"/>
+            <c:showLeaderLines val="0"/>
+            <c:extLst>
+              <c:ext xmlns:c15="http://schemas.microsoft.com/office/drawing/2012/chart" uri="{CE6537A1-D6FC-4f65-9D91-7224C49458BB}">
+                <c15:showLeaderLines val="1"/>
+                <c15:leaderLines>
+                  <c:spPr>
+                    <a:ln w="9525">
+                      <a:solidFill>
+                        <a:schemeClr val="dk1">
+                          <a:lumMod val="50000"/>
+                          <a:lumOff val="50000"/>
+                        </a:schemeClr>
+                      </a:solidFill>
+                    </a:ln>
+                    <a:effectLst/>
+                  </c:spPr>
+                </c15:leaderLines>
+              </c:ext>
+            </c:extLst>
+          </c:dLbls>
+          <c:val>
+            <c:numRef>
+              <c:f>Sheet1!$C$28</c:f>
+              <c:numCache>
+                <c:formatCode>General</c:formatCode>
+                <c:ptCount val="1"/>
+                <c:pt idx="0">
+                  <c:v>1</c:v>
+                </c:pt>
+              </c:numCache>
+            </c:numRef>
+          </c:val>
+          <c:extLst>
+            <c:ext xmlns:c16="http://schemas.microsoft.com/office/drawing/2014/chart" uri="{C3380CC4-5D6E-409C-BE32-E72D297353CC}">
+              <c16:uniqueId val="{0000001B-F698-4405-9234-0FD21A15A480}"/>
+            </c:ext>
+          </c:extLst>
+        </c:ser>
+        <c:ser>
+          <c:idx val="28"/>
+          <c:order val="28"/>
+          <c:tx>
+            <c:strRef>
+              <c:f>Sheet1!$B$29</c:f>
+              <c:strCache>
+                <c:ptCount val="1"/>
+                <c:pt idx="0">
+                  <c:v>Personal Perception</c:v>
+                </c:pt>
+              </c:strCache>
+            </c:strRef>
+          </c:tx>
+          <c:spPr>
+            <a:solidFill>
+              <a:schemeClr val="accent5">
+                <a:lumMod val="60000"/>
+                <a:lumOff val="40000"/>
+                <a:alpha val="85000"/>
+              </a:schemeClr>
+            </a:solidFill>
+            <a:ln w="9525" cap="flat" cmpd="sng" algn="ctr">
+              <a:solidFill>
+                <a:schemeClr val="lt1">
+                  <a:alpha val="50000"/>
+                </a:schemeClr>
+              </a:solidFill>
+              <a:round/>
+            </a:ln>
+            <a:effectLst/>
+          </c:spPr>
+          <c:invertIfNegative val="0"/>
+          <c:dLbls>
+            <c:spPr>
+              <a:noFill/>
+              <a:ln>
+                <a:noFill/>
+              </a:ln>
+              <a:effectLst/>
+            </c:spPr>
+            <c:txPr>
+              <a:bodyPr rot="0" spcFirstLastPara="1" vertOverflow="ellipsis" vert="horz" wrap="square" lIns="38100" tIns="19050" rIns="38100" bIns="19050" anchor="ctr" anchorCtr="1">
+                <a:spAutoFit/>
+              </a:bodyPr>
+              <a:lstStyle/>
+              <a:p>
+                <a:pPr>
+                  <a:defRPr sz="900" b="1" i="0" u="none" strike="noStrike" kern="1200" baseline="0">
+                    <a:solidFill>
+                      <a:schemeClr val="lt1"/>
+                    </a:solidFill>
+                    <a:latin typeface="+mn-lt"/>
+                    <a:ea typeface="+mn-ea"/>
+                    <a:cs typeface="+mn-cs"/>
+                  </a:defRPr>
+                </a:pPr>
+                <a:endParaRPr lang="zh-CN"/>
+              </a:p>
+            </c:txPr>
+            <c:dLblPos val="inEnd"/>
+            <c:showLegendKey val="0"/>
+            <c:showVal val="1"/>
+            <c:showCatName val="0"/>
+            <c:showSerName val="0"/>
+            <c:showPercent val="0"/>
+            <c:showBubbleSize val="0"/>
+            <c:showLeaderLines val="0"/>
+            <c:extLst>
+              <c:ext xmlns:c15="http://schemas.microsoft.com/office/drawing/2012/chart" uri="{CE6537A1-D6FC-4f65-9D91-7224C49458BB}">
+                <c15:showLeaderLines val="1"/>
+                <c15:leaderLines>
+                  <c:spPr>
+                    <a:ln w="9525">
+                      <a:solidFill>
+                        <a:schemeClr val="dk1">
+                          <a:lumMod val="50000"/>
+                          <a:lumOff val="50000"/>
+                        </a:schemeClr>
+                      </a:solidFill>
+                    </a:ln>
+                    <a:effectLst/>
+                  </c:spPr>
+                </c15:leaderLines>
+              </c:ext>
+            </c:extLst>
+          </c:dLbls>
+          <c:val>
+            <c:numRef>
+              <c:f>Sheet1!$C$29</c:f>
+              <c:numCache>
+                <c:formatCode>General</c:formatCode>
+                <c:ptCount val="1"/>
+                <c:pt idx="0">
+                  <c:v>1</c:v>
+                </c:pt>
+              </c:numCache>
+            </c:numRef>
+          </c:val>
+          <c:extLst>
+            <c:ext xmlns:c16="http://schemas.microsoft.com/office/drawing/2014/chart" uri="{C3380CC4-5D6E-409C-BE32-E72D297353CC}">
+              <c16:uniqueId val="{0000001C-F698-4405-9234-0FD21A15A480}"/>
+            </c:ext>
+          </c:extLst>
+        </c:ser>
+        <c:ser>
+          <c:idx val="29"/>
+          <c:order val="29"/>
+          <c:tx>
+            <c:strRef>
+              <c:f>Sheet1!$B$30</c:f>
+              <c:strCache>
+                <c:ptCount val="1"/>
+                <c:pt idx="0">
+                  <c:v>Hygienic Environment</c:v>
+                </c:pt>
+              </c:strCache>
+            </c:strRef>
+          </c:tx>
+          <c:spPr>
+            <a:solidFill>
+              <a:schemeClr val="accent6">
+                <a:lumMod val="60000"/>
+                <a:lumOff val="40000"/>
+                <a:alpha val="85000"/>
+              </a:schemeClr>
+            </a:solidFill>
+            <a:ln w="9525" cap="flat" cmpd="sng" algn="ctr">
+              <a:solidFill>
+                <a:schemeClr val="lt1">
+                  <a:alpha val="50000"/>
+                </a:schemeClr>
+              </a:solidFill>
+              <a:round/>
+            </a:ln>
+            <a:effectLst/>
+          </c:spPr>
+          <c:invertIfNegative val="0"/>
+          <c:dLbls>
+            <c:spPr>
+              <a:noFill/>
+              <a:ln>
+                <a:noFill/>
+              </a:ln>
+              <a:effectLst/>
+            </c:spPr>
+            <c:txPr>
+              <a:bodyPr rot="0" spcFirstLastPara="1" vertOverflow="ellipsis" vert="horz" wrap="square" lIns="38100" tIns="19050" rIns="38100" bIns="19050" anchor="ctr" anchorCtr="1">
+                <a:spAutoFit/>
+              </a:bodyPr>
+              <a:lstStyle/>
+              <a:p>
+                <a:pPr>
+                  <a:defRPr sz="900" b="1" i="0" u="none" strike="noStrike" kern="1200" baseline="0">
+                    <a:solidFill>
+                      <a:schemeClr val="lt1"/>
+                    </a:solidFill>
+                    <a:latin typeface="+mn-lt"/>
+                    <a:ea typeface="+mn-ea"/>
+                    <a:cs typeface="+mn-cs"/>
+                  </a:defRPr>
+                </a:pPr>
+                <a:endParaRPr lang="zh-CN"/>
+              </a:p>
+            </c:txPr>
+            <c:dLblPos val="inEnd"/>
+            <c:showLegendKey val="0"/>
+            <c:showVal val="1"/>
+            <c:showCatName val="0"/>
+            <c:showSerName val="0"/>
+            <c:showPercent val="0"/>
+            <c:showBubbleSize val="0"/>
+            <c:showLeaderLines val="0"/>
+            <c:extLst>
+              <c:ext xmlns:c15="http://schemas.microsoft.com/office/drawing/2012/chart" uri="{CE6537A1-D6FC-4f65-9D91-7224C49458BB}">
+                <c15:showLeaderLines val="1"/>
+                <c15:leaderLines>
+                  <c:spPr>
+                    <a:ln w="9525">
+                      <a:solidFill>
+                        <a:schemeClr val="dk1">
+                          <a:lumMod val="50000"/>
+                          <a:lumOff val="50000"/>
+                        </a:schemeClr>
+                      </a:solidFill>
+                    </a:ln>
+                    <a:effectLst/>
+                  </c:spPr>
+                </c15:leaderLines>
+              </c:ext>
+            </c:extLst>
+          </c:dLbls>
+          <c:val>
+            <c:numRef>
+              <c:f>Sheet1!$C$30</c:f>
+              <c:numCache>
+                <c:formatCode>General</c:formatCode>
+                <c:ptCount val="1"/>
+                <c:pt idx="0">
+                  <c:v>1</c:v>
+                </c:pt>
+              </c:numCache>
+            </c:numRef>
+          </c:val>
+          <c:extLst>
+            <c:ext xmlns:c16="http://schemas.microsoft.com/office/drawing/2014/chart" uri="{C3380CC4-5D6E-409C-BE32-E72D297353CC}">
+              <c16:uniqueId val="{0000001D-F698-4405-9234-0FD21A15A480}"/>
+            </c:ext>
+          </c:extLst>
+        </c:ser>
+        <c:ser>
+          <c:idx val="30"/>
+          <c:order val="30"/>
+          <c:tx>
+            <c:strRef>
+              <c:f>Sheet1!$B$31</c:f>
+              <c:strCache>
+                <c:ptCount val="1"/>
+                <c:pt idx="0">
+                  <c:v>grief</c:v>
+                </c:pt>
+              </c:strCache>
+            </c:strRef>
+          </c:tx>
+          <c:spPr>
+            <a:solidFill>
+              <a:schemeClr val="accent1">
+                <a:lumMod val="50000"/>
+                <a:alpha val="85000"/>
+              </a:schemeClr>
+            </a:solidFill>
+            <a:ln w="9525" cap="flat" cmpd="sng" algn="ctr">
+              <a:solidFill>
+                <a:schemeClr val="lt1">
+                  <a:alpha val="50000"/>
+                </a:schemeClr>
+              </a:solidFill>
+              <a:round/>
+            </a:ln>
+            <a:effectLst/>
+          </c:spPr>
+          <c:invertIfNegative val="0"/>
+          <c:dLbls>
+            <c:spPr>
+              <a:noFill/>
+              <a:ln>
+                <a:noFill/>
+              </a:ln>
+              <a:effectLst/>
+            </c:spPr>
+            <c:txPr>
+              <a:bodyPr rot="0" spcFirstLastPara="1" vertOverflow="ellipsis" vert="horz" wrap="square" lIns="38100" tIns="19050" rIns="38100" bIns="19050" anchor="ctr" anchorCtr="1">
+                <a:spAutoFit/>
+              </a:bodyPr>
+              <a:lstStyle/>
+              <a:p>
+                <a:pPr>
+                  <a:defRPr sz="900" b="1" i="0" u="none" strike="noStrike" kern="1200" baseline="0">
+                    <a:solidFill>
+                      <a:schemeClr val="lt1"/>
+                    </a:solidFill>
+                    <a:latin typeface="+mn-lt"/>
+                    <a:ea typeface="+mn-ea"/>
+                    <a:cs typeface="+mn-cs"/>
+                  </a:defRPr>
+                </a:pPr>
+                <a:endParaRPr lang="zh-CN"/>
+              </a:p>
+            </c:txPr>
+            <c:dLblPos val="inEnd"/>
+            <c:showLegendKey val="0"/>
+            <c:showVal val="1"/>
+            <c:showCatName val="0"/>
+            <c:showSerName val="0"/>
+            <c:showPercent val="0"/>
+            <c:showBubbleSize val="0"/>
+            <c:showLeaderLines val="0"/>
+            <c:extLst>
+              <c:ext xmlns:c15="http://schemas.microsoft.com/office/drawing/2012/chart" uri="{CE6537A1-D6FC-4f65-9D91-7224C49458BB}">
+                <c15:showLeaderLines val="1"/>
+                <c15:leaderLines>
+                  <c:spPr>
+                    <a:ln w="9525">
+                      <a:solidFill>
+                        <a:schemeClr val="dk1">
+                          <a:lumMod val="50000"/>
+                          <a:lumOff val="50000"/>
+                        </a:schemeClr>
+                      </a:solidFill>
+                    </a:ln>
+                    <a:effectLst/>
+                  </c:spPr>
+                </c15:leaderLines>
+              </c:ext>
+            </c:extLst>
+          </c:dLbls>
+          <c:val>
+            <c:numRef>
+              <c:f>Sheet1!$C$31</c:f>
+              <c:numCache>
+                <c:formatCode>General</c:formatCode>
+                <c:ptCount val="1"/>
+                <c:pt idx="0">
+                  <c:v>1</c:v>
+                </c:pt>
+              </c:numCache>
+            </c:numRef>
+          </c:val>
+          <c:extLst>
+            <c:ext xmlns:c16="http://schemas.microsoft.com/office/drawing/2014/chart" uri="{C3380CC4-5D6E-409C-BE32-E72D297353CC}">
+              <c16:uniqueId val="{0000001E-F698-4405-9234-0FD21A15A480}"/>
+            </c:ext>
+          </c:extLst>
+        </c:ser>
+        <c:ser>
+          <c:idx val="31"/>
+          <c:order val="31"/>
+          <c:tx>
+            <c:strRef>
+              <c:f>Sheet1!$B$32</c:f>
+              <c:strCache>
+                <c:ptCount val="1"/>
+                <c:pt idx="0">
+                  <c:v>Competant</c:v>
+                </c:pt>
+              </c:strCache>
+            </c:strRef>
+          </c:tx>
+          <c:spPr>
+            <a:solidFill>
+              <a:schemeClr val="accent2">
+                <a:lumMod val="50000"/>
+                <a:alpha val="85000"/>
+              </a:schemeClr>
+            </a:solidFill>
+            <a:ln w="9525" cap="flat" cmpd="sng" algn="ctr">
+              <a:solidFill>
+                <a:schemeClr val="lt1">
+                  <a:alpha val="50000"/>
+                </a:schemeClr>
+              </a:solidFill>
+              <a:round/>
+            </a:ln>
+            <a:effectLst/>
+          </c:spPr>
+          <c:invertIfNegative val="0"/>
+          <c:dLbls>
+            <c:spPr>
+              <a:noFill/>
+              <a:ln>
+                <a:noFill/>
+              </a:ln>
+              <a:effectLst/>
+            </c:spPr>
+            <c:txPr>
+              <a:bodyPr rot="0" spcFirstLastPara="1" vertOverflow="ellipsis" vert="horz" wrap="square" lIns="38100" tIns="19050" rIns="38100" bIns="19050" anchor="ctr" anchorCtr="1">
+                <a:spAutoFit/>
+              </a:bodyPr>
+              <a:lstStyle/>
+              <a:p>
+                <a:pPr>
+                  <a:defRPr sz="900" b="1" i="0" u="none" strike="noStrike" kern="1200" baseline="0">
+                    <a:solidFill>
+                      <a:schemeClr val="lt1"/>
+                    </a:solidFill>
+                    <a:latin typeface="+mn-lt"/>
+                    <a:ea typeface="+mn-ea"/>
+                    <a:cs typeface="+mn-cs"/>
+                  </a:defRPr>
+                </a:pPr>
+                <a:endParaRPr lang="zh-CN"/>
+              </a:p>
+            </c:txPr>
+            <c:dLblPos val="inEnd"/>
+            <c:showLegendKey val="0"/>
+            <c:showVal val="1"/>
+            <c:showCatName val="0"/>
+            <c:showSerName val="0"/>
+            <c:showPercent val="0"/>
+            <c:showBubbleSize val="0"/>
+            <c:showLeaderLines val="0"/>
+            <c:extLst>
+              <c:ext xmlns:c15="http://schemas.microsoft.com/office/drawing/2012/chart" uri="{CE6537A1-D6FC-4f65-9D91-7224C49458BB}">
+                <c15:showLeaderLines val="1"/>
+                <c15:leaderLines>
+                  <c:spPr>
+                    <a:ln w="9525">
+                      <a:solidFill>
+                        <a:schemeClr val="dk1">
+                          <a:lumMod val="50000"/>
+                          <a:lumOff val="50000"/>
+                        </a:schemeClr>
+                      </a:solidFill>
+                    </a:ln>
+                    <a:effectLst/>
+                  </c:spPr>
+                </c15:leaderLines>
+              </c:ext>
+            </c:extLst>
+          </c:dLbls>
+          <c:val>
+            <c:numRef>
+              <c:f>Sheet1!$C$32</c:f>
+              <c:numCache>
+                <c:formatCode>General</c:formatCode>
+                <c:ptCount val="1"/>
+                <c:pt idx="0">
+                  <c:v>1</c:v>
+                </c:pt>
+              </c:numCache>
+            </c:numRef>
+          </c:val>
+          <c:extLst>
+            <c:ext xmlns:c16="http://schemas.microsoft.com/office/drawing/2014/chart" uri="{C3380CC4-5D6E-409C-BE32-E72D297353CC}">
+              <c16:uniqueId val="{0000001F-F698-4405-9234-0FD21A15A480}"/>
+            </c:ext>
+          </c:extLst>
+        </c:ser>
+        <c:ser>
+          <c:idx val="32"/>
+          <c:order val="32"/>
+          <c:tx>
+            <c:strRef>
+              <c:f>Sheet1!$B$33</c:f>
+              <c:strCache>
+                <c:ptCount val="1"/>
+                <c:pt idx="0">
+                  <c:v>Shopping</c:v>
+                </c:pt>
+              </c:strCache>
+            </c:strRef>
+          </c:tx>
+          <c:spPr>
+            <a:solidFill>
+              <a:schemeClr val="accent3">
+                <a:lumMod val="50000"/>
+                <a:alpha val="85000"/>
+              </a:schemeClr>
+            </a:solidFill>
+            <a:ln w="9525" cap="flat" cmpd="sng" algn="ctr">
+              <a:solidFill>
+                <a:schemeClr val="lt1">
+                  <a:alpha val="50000"/>
+                </a:schemeClr>
+              </a:solidFill>
+              <a:round/>
+            </a:ln>
+            <a:effectLst/>
+          </c:spPr>
+          <c:invertIfNegative val="0"/>
+          <c:dLbls>
+            <c:spPr>
+              <a:noFill/>
+              <a:ln>
+                <a:noFill/>
+              </a:ln>
+              <a:effectLst/>
+            </c:spPr>
+            <c:txPr>
+              <a:bodyPr rot="0" spcFirstLastPara="1" vertOverflow="ellipsis" vert="horz" wrap="square" lIns="38100" tIns="19050" rIns="38100" bIns="19050" anchor="ctr" anchorCtr="1">
+                <a:spAutoFit/>
+              </a:bodyPr>
+              <a:lstStyle/>
+              <a:p>
+                <a:pPr>
+                  <a:defRPr sz="900" b="1" i="0" u="none" strike="noStrike" kern="1200" baseline="0">
+                    <a:solidFill>
+                      <a:schemeClr val="lt1"/>
+                    </a:solidFill>
+                    <a:latin typeface="+mn-lt"/>
+                    <a:ea typeface="+mn-ea"/>
+                    <a:cs typeface="+mn-cs"/>
+                  </a:defRPr>
+                </a:pPr>
+                <a:endParaRPr lang="zh-CN"/>
+              </a:p>
+            </c:txPr>
+            <c:dLblPos val="inEnd"/>
+            <c:showLegendKey val="0"/>
+            <c:showVal val="1"/>
+            <c:showCatName val="0"/>
+            <c:showSerName val="0"/>
+            <c:showPercent val="0"/>
+            <c:showBubbleSize val="0"/>
+            <c:showLeaderLines val="0"/>
+            <c:extLst>
+              <c:ext xmlns:c15="http://schemas.microsoft.com/office/drawing/2012/chart" uri="{CE6537A1-D6FC-4f65-9D91-7224C49458BB}">
+                <c15:showLeaderLines val="1"/>
+                <c15:leaderLines>
+                  <c:spPr>
+                    <a:ln w="9525">
+                      <a:solidFill>
+                        <a:schemeClr val="dk1">
+                          <a:lumMod val="50000"/>
+                          <a:lumOff val="50000"/>
+                        </a:schemeClr>
+                      </a:solidFill>
+                    </a:ln>
+                    <a:effectLst/>
+                  </c:spPr>
+                </c15:leaderLines>
+              </c:ext>
+            </c:extLst>
+          </c:dLbls>
+          <c:val>
+            <c:numRef>
+              <c:f>Sheet1!$C$33</c:f>
+              <c:numCache>
+                <c:formatCode>General</c:formatCode>
+                <c:ptCount val="1"/>
+                <c:pt idx="0">
+                  <c:v>1</c:v>
+                </c:pt>
+              </c:numCache>
+            </c:numRef>
+          </c:val>
+          <c:extLst>
+            <c:ext xmlns:c16="http://schemas.microsoft.com/office/drawing/2014/chart" uri="{C3380CC4-5D6E-409C-BE32-E72D297353CC}">
+              <c16:uniqueId val="{00000020-F698-4405-9234-0FD21A15A480}"/>
+            </c:ext>
+          </c:extLst>
+        </c:ser>
+        <c:ser>
+          <c:idx val="33"/>
+          <c:order val="33"/>
+          <c:tx>
+            <c:strRef>
+              <c:f>Sheet1!$B$34</c:f>
+              <c:strCache>
+                <c:ptCount val="1"/>
+                <c:pt idx="0">
+                  <c:v>Talking Attitude</c:v>
+                </c:pt>
+              </c:strCache>
+            </c:strRef>
+          </c:tx>
+          <c:spPr>
+            <a:solidFill>
+              <a:schemeClr val="accent4">
+                <a:lumMod val="50000"/>
+                <a:alpha val="85000"/>
+              </a:schemeClr>
+            </a:solidFill>
+            <a:ln w="9525" cap="flat" cmpd="sng" algn="ctr">
+              <a:solidFill>
+                <a:schemeClr val="lt1">
+                  <a:alpha val="50000"/>
+                </a:schemeClr>
+              </a:solidFill>
+              <a:round/>
+            </a:ln>
+            <a:effectLst/>
+          </c:spPr>
+          <c:invertIfNegative val="0"/>
+          <c:dLbls>
+            <c:spPr>
+              <a:noFill/>
+              <a:ln>
+                <a:noFill/>
+              </a:ln>
+              <a:effectLst/>
+            </c:spPr>
+            <c:txPr>
+              <a:bodyPr rot="0" spcFirstLastPara="1" vertOverflow="ellipsis" vert="horz" wrap="square" lIns="38100" tIns="19050" rIns="38100" bIns="19050" anchor="ctr" anchorCtr="1">
+                <a:spAutoFit/>
+              </a:bodyPr>
+              <a:lstStyle/>
+              <a:p>
+                <a:pPr>
+                  <a:defRPr sz="900" b="1" i="0" u="none" strike="noStrike" kern="1200" baseline="0">
+                    <a:solidFill>
+                      <a:schemeClr val="lt1"/>
+                    </a:solidFill>
+                    <a:latin typeface="+mn-lt"/>
+                    <a:ea typeface="+mn-ea"/>
+                    <a:cs typeface="+mn-cs"/>
+                  </a:defRPr>
+                </a:pPr>
+                <a:endParaRPr lang="zh-CN"/>
+              </a:p>
+            </c:txPr>
+            <c:dLblPos val="inEnd"/>
+            <c:showLegendKey val="0"/>
+            <c:showVal val="1"/>
+            <c:showCatName val="0"/>
+            <c:showSerName val="0"/>
+            <c:showPercent val="0"/>
+            <c:showBubbleSize val="0"/>
+            <c:showLeaderLines val="0"/>
+            <c:extLst>
+              <c:ext xmlns:c15="http://schemas.microsoft.com/office/drawing/2012/chart" uri="{CE6537A1-D6FC-4f65-9D91-7224C49458BB}">
+                <c15:showLeaderLines val="1"/>
+                <c15:leaderLines>
+                  <c:spPr>
+                    <a:ln w="9525">
+                      <a:solidFill>
+                        <a:schemeClr val="dk1">
+                          <a:lumMod val="50000"/>
+                          <a:lumOff val="50000"/>
+                        </a:schemeClr>
+                      </a:solidFill>
+                    </a:ln>
+                    <a:effectLst/>
+                  </c:spPr>
+                </c15:leaderLines>
+              </c:ext>
+            </c:extLst>
+          </c:dLbls>
+          <c:val>
+            <c:numRef>
+              <c:f>Sheet1!$C$34</c:f>
+              <c:numCache>
+                <c:formatCode>General</c:formatCode>
+                <c:ptCount val="1"/>
+                <c:pt idx="0">
+                  <c:v>1</c:v>
+                </c:pt>
+              </c:numCache>
+            </c:numRef>
+          </c:val>
+          <c:extLst>
+            <c:ext xmlns:c16="http://schemas.microsoft.com/office/drawing/2014/chart" uri="{C3380CC4-5D6E-409C-BE32-E72D297353CC}">
+              <c16:uniqueId val="{00000021-F698-4405-9234-0FD21A15A480}"/>
+            </c:ext>
+          </c:extLst>
+        </c:ser>
+        <c:dLbls>
+          <c:dLblPos val="inEnd"/>
+          <c:showLegendKey val="0"/>
+          <c:showVal val="1"/>
+          <c:showCatName val="0"/>
+          <c:showSerName val="0"/>
+          <c:showPercent val="0"/>
+          <c:showBubbleSize val="0"/>
+        </c:dLbls>
+        <c:gapWidth val="65"/>
+        <c:axId val="777894207"/>
+        <c:axId val="777883807"/>
+      </c:barChart>
+      <c:catAx>
+        <c:axId val="777894207"/>
+        <c:scaling>
+          <c:orientation val="minMax"/>
+        </c:scaling>
+        <c:delete val="0"/>
+        <c:axPos val="b"/>
+        <c:numFmt formatCode="General" sourceLinked="1"/>
+        <c:majorTickMark val="none"/>
+        <c:minorTickMark val="none"/>
+        <c:tickLblPos val="nextTo"/>
+        <c:spPr>
+          <a:noFill/>
+          <a:ln w="19050" cap="flat" cmpd="sng" algn="ctr">
+            <a:solidFill>
+              <a:schemeClr val="dk1">
+                <a:lumMod val="75000"/>
+                <a:lumOff val="25000"/>
+              </a:schemeClr>
+            </a:solidFill>
+            <a:round/>
+          </a:ln>
+          <a:effectLst/>
+        </c:spPr>
+        <c:txPr>
+          <a:bodyPr rot="-60000000" spcFirstLastPara="1" vertOverflow="ellipsis" vert="horz" wrap="square" anchor="ctr" anchorCtr="1"/>
+          <a:lstStyle/>
+          <a:p>
+            <a:pPr>
+              <a:defRPr sz="900" b="0" i="0" u="none" strike="noStrike" kern="1200" cap="all" baseline="0">
+                <a:solidFill>
+                  <a:schemeClr val="dk1">
+                    <a:lumMod val="75000"/>
+                    <a:lumOff val="25000"/>
+                  </a:schemeClr>
+                </a:solidFill>
+                <a:latin typeface="+mn-lt"/>
+                <a:ea typeface="+mn-ea"/>
+                <a:cs typeface="+mn-cs"/>
+              </a:defRPr>
+            </a:pPr>
+            <a:endParaRPr lang="zh-CN"/>
+          </a:p>
+        </c:txPr>
+        <c:crossAx val="777883807"/>
+        <c:crosses val="autoZero"/>
+        <c:auto val="1"/>
+        <c:lblAlgn val="ctr"/>
+        <c:lblOffset val="100"/>
+        <c:noMultiLvlLbl val="0"/>
+      </c:catAx>
+      <c:valAx>
+        <c:axId val="777883807"/>
+        <c:scaling>
+          <c:orientation val="minMax"/>
+        </c:scaling>
+        <c:delete val="1"/>
+        <c:axPos val="l"/>
+        <c:majorGridlines>
+          <c:spPr>
+            <a:ln w="9525" cap="flat" cmpd="sng" algn="ctr">
+              <a:gradFill>
+                <a:gsLst>
+                  <a:gs pos="100000">
+                    <a:schemeClr val="dk1">
+                      <a:lumMod val="95000"/>
+                      <a:lumOff val="5000"/>
+                      <a:alpha val="42000"/>
+                    </a:schemeClr>
+                  </a:gs>
+                  <a:gs pos="0">
+                    <a:schemeClr val="lt1">
+                      <a:lumMod val="75000"/>
+                      <a:alpha val="36000"/>
+                    </a:schemeClr>
+                  </a:gs>
+                </a:gsLst>
+                <a:lin ang="5400000" scaled="0"/>
+              </a:gradFill>
+              <a:round/>
+            </a:ln>
+            <a:effectLst/>
+          </c:spPr>
+        </c:majorGridlines>
+        <c:numFmt formatCode="General" sourceLinked="1"/>
+        <c:majorTickMark val="none"/>
+        <c:minorTickMark val="none"/>
+        <c:tickLblPos val="nextTo"/>
+        <c:crossAx val="777894207"/>
+        <c:crosses val="autoZero"/>
+        <c:crossBetween val="between"/>
+      </c:valAx>
+      <c:spPr>
+        <a:noFill/>
+        <a:ln>
+          <a:noFill/>
+        </a:ln>
+        <a:effectLst/>
+      </c:spPr>
+    </c:plotArea>
+    <c:legend>
+      <c:legendPos val="b"/>
+      <c:layout>
+        <c:manualLayout>
+          <c:xMode val="edge"/>
+          <c:yMode val="edge"/>
+          <c:x val="0.10698151243129619"/>
+          <c:y val="0.11783025961474645"/>
+          <c:w val="0.88631583778711598"/>
+          <c:h val="0.54465012150406134"/>
+        </c:manualLayout>
+      </c:layout>
+      <c:overlay val="0"/>
+      <c:spPr>
+        <a:solidFill>
+          <a:schemeClr val="lt1">
+            <a:lumMod val="95000"/>
+            <a:alpha val="39000"/>
+          </a:schemeClr>
+        </a:solidFill>
+        <a:ln>
+          <a:noFill/>
+        </a:ln>
+        <a:effectLst/>
+      </c:spPr>
+      <c:txPr>
+        <a:bodyPr rot="0" spcFirstLastPara="1" vertOverflow="ellipsis" vert="horz" wrap="square" anchor="ctr" anchorCtr="1"/>
+        <a:lstStyle/>
+        <a:p>
+          <a:pPr>
+            <a:defRPr sz="1300" b="0" i="0" u="none" strike="noStrike" kern="1200" baseline="0">
+              <a:solidFill>
+                <a:schemeClr val="dk1">
+                  <a:lumMod val="75000"/>
+                  <a:lumOff val="25000"/>
+                </a:schemeClr>
+              </a:solidFill>
+              <a:latin typeface="+mn-lt"/>
+              <a:ea typeface="+mn-ea"/>
+              <a:cs typeface="+mn-cs"/>
+            </a:defRPr>
+          </a:pPr>
+          <a:endParaRPr lang="zh-CN"/>
+        </a:p>
+      </c:txPr>
+    </c:legend>
+    <c:plotVisOnly val="1"/>
+    <c:dispBlanksAs val="gap"/>
+    <c:extLst>
+      <c:ext xmlns:c16r3="http://schemas.microsoft.com/office/drawing/2017/03/chart" uri="{56B9EC1D-385E-4148-901F-78D8002777C0}">
+        <c16r3:dataDisplayOptions16>
+          <c16r3:dispNaAsBlank val="1"/>
+        </c16r3:dataDisplayOptions16>
+      </c:ext>
+    </c:extLst>
+    <c:showDLblsOverMax val="0"/>
+  </c:chart>
+  <c:spPr>
+    <a:gradFill flip="none" rotWithShape="1">
+      <a:gsLst>
+        <a:gs pos="0">
+          <a:schemeClr val="lt1"/>
+        </a:gs>
+        <a:gs pos="39000">
+          <a:schemeClr val="lt1"/>
+        </a:gs>
+        <a:gs pos="100000">
+          <a:schemeClr val="lt1">
+            <a:lumMod val="75000"/>
+          </a:schemeClr>
+        </a:gs>
+      </a:gsLst>
+      <a:path path="circle">
+        <a:fillToRect l="50000" t="-80000" r="50000" b="180000"/>
+      </a:path>
+      <a:tileRect/>
+    </a:gradFill>
+    <a:ln w="9525" cap="flat" cmpd="sng" algn="ctr">
+      <a:solidFill>
+        <a:schemeClr val="dk1">
+          <a:lumMod val="25000"/>
+          <a:lumOff val="75000"/>
+        </a:schemeClr>
+      </a:solidFill>
+      <a:round/>
+    </a:ln>
+    <a:effectLst/>
+  </c:spPr>
+  <c:txPr>
+    <a:bodyPr/>
+    <a:lstStyle/>
+    <a:p>
+      <a:pPr>
+        <a:defRPr/>
+      </a:pPr>
+      <a:endParaRPr lang="zh-CN"/>
+    </a:p>
+  </c:txPr>
+  <c:externalData r:id="rId3">
+    <c:autoUpdate val="0"/>
+  </c:externalData>
+</c:chartSpace>
+</file>
+
+<file path=ppt/charts/chart2.xml><?xml version="1.0" encoding="utf-8"?>
+<c:chartSpace xmlns:c="http://schemas.openxmlformats.org/drawingml/2006/chart" xmlns:a="http://schemas.openxmlformats.org/drawingml/2006/main" xmlns:r="http://schemas.openxmlformats.org/officeDocument/2006/relationships" xmlns:c16r2="http://schemas.microsoft.com/office/drawing/2015/06/chart">
+  <c:date1904 val="0"/>
+  <c:lang val="zh-CN"/>
+  <c:roundedCorners val="0"/>
+  <mc:AlternateContent xmlns:mc="http://schemas.openxmlformats.org/markup-compatibility/2006">
+    <mc:Choice xmlns:c14="http://schemas.microsoft.com/office/drawing/2007/8/2/chart" Requires="c14">
+      <c14:style val="102"/>
+    </mc:Choice>
+    <mc:Fallback>
+      <c:style val="2"/>
+    </mc:Fallback>
+  </mc:AlternateContent>
+  <c:chart>
+    <c:autoTitleDeleted val="1"/>
+    <c:plotArea>
+      <c:layout>
+        <c:manualLayout>
+          <c:layoutTarget val="inner"/>
+          <c:xMode val="edge"/>
+          <c:yMode val="edge"/>
           <c:x val="2.9161960034477873E-2"/>
           <c:y val="7.322571535296056E-2"/>
           <c:w val="0.96495710014148939"/>
@@ -162,248 +3955,6 @@
         <c:barDir val="col"/>
         <c:grouping val="clustered"/>
         <c:varyColors val="0"/>
-        <c:ser>
-          <c:idx val="0"/>
-          <c:order val="0"/>
-          <c:spPr>
-            <a:solidFill>
-              <a:schemeClr val="accent1">
-                <a:alpha val="70000"/>
-              </a:schemeClr>
-            </a:solidFill>
-            <a:ln>
-              <a:noFill/>
-            </a:ln>
-            <a:effectLst/>
-          </c:spPr>
-          <c:invertIfNegative val="0"/>
-          <c:cat>
-            <c:strRef>
-              <c:f>Sheet1!$A$1:$A$34</c:f>
-              <c:strCache>
-                <c:ptCount val="34"/>
-                <c:pt idx="0">
-                  <c:v>学习压力</c:v>
-                </c:pt>
-                <c:pt idx="1">
-                  <c:v>父母/家庭关系</c:v>
-                </c:pt>
-                <c:pt idx="2">
-                  <c:v>朋友/人际关系</c:v>
-                </c:pt>
-                <c:pt idx="3">
-                  <c:v>考试测试</c:v>
-                </c:pt>
-                <c:pt idx="4">
-                  <c:v>恋爱/异性</c:v>
-                </c:pt>
-                <c:pt idx="5">
-                  <c:v>追星/偶像</c:v>
-                </c:pt>
-                <c:pt idx="6">
-                  <c:v>学业</c:v>
-                </c:pt>
-                <c:pt idx="7">
-                  <c:v>天气</c:v>
-                </c:pt>
-                <c:pt idx="8">
-                  <c:v>周边环境</c:v>
-                </c:pt>
-                <c:pt idx="9">
-                  <c:v>托福成绩</c:v>
-                </c:pt>
-                <c:pt idx="10">
-                  <c:v>猪队友/小组项目</c:v>
-                </c:pt>
-                <c:pt idx="11">
-                  <c:v>做不完的事情</c:v>
-                </c:pt>
-                <c:pt idx="12">
-                  <c:v>烦人的规则</c:v>
-                </c:pt>
-                <c:pt idx="13">
-                  <c:v>朋友间的争吵</c:v>
-                </c:pt>
-                <c:pt idx="14">
-                  <c:v>睡眠</c:v>
-                </c:pt>
-                <c:pt idx="15">
-                  <c:v>财富自由</c:v>
-                </c:pt>
-                <c:pt idx="16">
-                  <c:v>饮食</c:v>
-                </c:pt>
-                <c:pt idx="17">
-                  <c:v>输掉游戏</c:v>
-                </c:pt>
-                <c:pt idx="18">
-                  <c:v>网络谣言</c:v>
-                </c:pt>
-                <c:pt idx="19">
-                  <c:v>体育</c:v>
-                </c:pt>
-                <c:pt idx="20">
-                  <c:v>影视</c:v>
-                </c:pt>
-                <c:pt idx="21">
-                  <c:v>食堂饮食</c:v>
-                </c:pt>
-                <c:pt idx="22">
-                  <c:v>自己的所作所为是否值得</c:v>
-                </c:pt>
-                <c:pt idx="23">
-                  <c:v>过的生活是否是自己所追求的</c:v>
-                </c:pt>
-                <c:pt idx="24">
-                  <c:v>健康</c:v>
-                </c:pt>
-                <c:pt idx="25">
-                  <c:v>娱乐时间</c:v>
-                </c:pt>
-                <c:pt idx="26">
-                  <c:v>是否达成计划</c:v>
-                </c:pt>
-                <c:pt idx="27">
-                  <c:v>做完某事的成就感</c:v>
-                </c:pt>
-                <c:pt idx="28">
-                  <c:v>个人形象</c:v>
-                </c:pt>
-                <c:pt idx="29">
-                  <c:v>卫生环境</c:v>
-                </c:pt>
-                <c:pt idx="30">
-                  <c:v>遭遇不幸</c:v>
-                </c:pt>
-                <c:pt idx="31">
-                  <c:v>竞争队手</c:v>
-                </c:pt>
-                <c:pt idx="32">
-                  <c:v>购物</c:v>
-                </c:pt>
-                <c:pt idx="33">
-                  <c:v>谈话的态度</c:v>
-                </c:pt>
-              </c:strCache>
-            </c:strRef>
-          </c:cat>
-          <c:val>
-            <c:numRef>
-              <c:f>Sheet1!$B$1:$B$34</c:f>
-              <c:numCache>
-                <c:formatCode>General</c:formatCode>
-                <c:ptCount val="34"/>
-                <c:pt idx="0">
-                  <c:v>14</c:v>
-                </c:pt>
-                <c:pt idx="1">
-                  <c:v>10</c:v>
-                </c:pt>
-                <c:pt idx="2">
-                  <c:v>10</c:v>
-                </c:pt>
-                <c:pt idx="3">
-                  <c:v>8</c:v>
-                </c:pt>
-                <c:pt idx="4">
-                  <c:v>7</c:v>
-                </c:pt>
-                <c:pt idx="5">
-                  <c:v>7</c:v>
-                </c:pt>
-                <c:pt idx="6">
-                  <c:v>6</c:v>
-                </c:pt>
-                <c:pt idx="7">
-                  <c:v>5</c:v>
-                </c:pt>
-                <c:pt idx="8">
-                  <c:v>4</c:v>
-                </c:pt>
-                <c:pt idx="9">
-                  <c:v>4</c:v>
-                </c:pt>
-                <c:pt idx="10">
-                  <c:v>4</c:v>
-                </c:pt>
-                <c:pt idx="11">
-                  <c:v>4</c:v>
-                </c:pt>
-                <c:pt idx="12">
-                  <c:v>3</c:v>
-                </c:pt>
-                <c:pt idx="13">
-                  <c:v>3</c:v>
-                </c:pt>
-                <c:pt idx="14">
-                  <c:v>3</c:v>
-                </c:pt>
-                <c:pt idx="15">
-                  <c:v>3</c:v>
-                </c:pt>
-                <c:pt idx="16">
-                  <c:v>3</c:v>
-                </c:pt>
-                <c:pt idx="17">
-                  <c:v>3</c:v>
-                </c:pt>
-                <c:pt idx="18">
-                  <c:v>2</c:v>
-                </c:pt>
-                <c:pt idx="19">
-                  <c:v>2</c:v>
-                </c:pt>
-                <c:pt idx="20">
-                  <c:v>2</c:v>
-                </c:pt>
-                <c:pt idx="21">
-                  <c:v>2</c:v>
-                </c:pt>
-                <c:pt idx="22">
-                  <c:v>1</c:v>
-                </c:pt>
-                <c:pt idx="23">
-                  <c:v>1</c:v>
-                </c:pt>
-                <c:pt idx="24">
-                  <c:v>1</c:v>
-                </c:pt>
-                <c:pt idx="25">
-                  <c:v>1</c:v>
-                </c:pt>
-                <c:pt idx="26">
-                  <c:v>1</c:v>
-                </c:pt>
-                <c:pt idx="27">
-                  <c:v>1</c:v>
-                </c:pt>
-                <c:pt idx="28">
-                  <c:v>1</c:v>
-                </c:pt>
-                <c:pt idx="29">
-                  <c:v>1</c:v>
-                </c:pt>
-                <c:pt idx="30">
-                  <c:v>1</c:v>
-                </c:pt>
-                <c:pt idx="31">
-                  <c:v>1</c:v>
-                </c:pt>
-                <c:pt idx="32">
-                  <c:v>1</c:v>
-                </c:pt>
-                <c:pt idx="33">
-                  <c:v>1</c:v>
-                </c:pt>
-              </c:numCache>
-            </c:numRef>
-          </c:val>
-          <c:extLst>
-            <c:ext xmlns:c16="http://schemas.microsoft.com/office/drawing/2014/chart" uri="{C3380CC4-5D6E-409C-BE32-E72D297353CC}">
-              <c16:uniqueId val="{00000000-DFC0-4B29-AC6B-C45AA5A1C3ED}"/>
-            </c:ext>
-          </c:extLst>
-        </c:ser>
         <c:dLbls>
           <c:showLegendKey val="0"/>
           <c:showVal val="0"/>
@@ -422,45 +3973,12 @@
         <c:scaling>
           <c:orientation val="minMax"/>
         </c:scaling>
-        <c:delete val="0"/>
+        <c:delete val="1"/>
         <c:axPos val="b"/>
         <c:numFmt formatCode="General" sourceLinked="1"/>
         <c:majorTickMark val="none"/>
         <c:minorTickMark val="none"/>
         <c:tickLblPos val="nextTo"/>
-        <c:spPr>
-          <a:noFill/>
-          <a:ln w="15875" cap="flat" cmpd="sng" algn="ctr">
-            <a:solidFill>
-              <a:schemeClr val="tx1">
-                <a:lumMod val="25000"/>
-                <a:lumOff val="75000"/>
-              </a:schemeClr>
-            </a:solidFill>
-            <a:round/>
-          </a:ln>
-          <a:effectLst/>
-        </c:spPr>
-        <c:txPr>
-          <a:bodyPr rot="-60000000" spcFirstLastPara="1" vertOverflow="ellipsis" vert="horz" wrap="square" anchor="ctr" anchorCtr="1"/>
-          <a:lstStyle/>
-          <a:p>
-            <a:pPr>
-              <a:defRPr sz="900" b="0" i="0" u="none" strike="noStrike" kern="1200" cap="none" spc="20" normalizeH="0" baseline="0">
-                <a:solidFill>
-                  <a:schemeClr val="tx1">
-                    <a:lumMod val="65000"/>
-                    <a:lumOff val="35000"/>
-                  </a:schemeClr>
-                </a:solidFill>
-                <a:latin typeface="+mn-lt"/>
-                <a:ea typeface="+mn-ea"/>
-                <a:cs typeface="+mn-cs"/>
-              </a:defRPr>
-            </a:pPr>
-            <a:endParaRPr lang="zh-CN"/>
-          </a:p>
-        </c:txPr>
         <c:crossAx val="777883807"/>
         <c:crosses val="autoZero"/>
         <c:auto val="1"/>
@@ -610,7 +4128,617 @@
 </cs:colorStyle>
 </file>
 
+<file path=ppt/charts/colors2.xml><?xml version="1.0" encoding="utf-8"?>
+<cs:colorStyle xmlns:cs="http://schemas.microsoft.com/office/drawing/2012/chartStyle" xmlns:a="http://schemas.openxmlformats.org/drawingml/2006/main" meth="cycle" id="10">
+  <a:schemeClr val="accent1"/>
+  <a:schemeClr val="accent2"/>
+  <a:schemeClr val="accent3"/>
+  <a:schemeClr val="accent4"/>
+  <a:schemeClr val="accent5"/>
+  <a:schemeClr val="accent6"/>
+  <cs:variation/>
+  <cs:variation>
+    <a:lumMod val="60000"/>
+  </cs:variation>
+  <cs:variation>
+    <a:lumMod val="80000"/>
+    <a:lumOff val="20000"/>
+  </cs:variation>
+  <cs:variation>
+    <a:lumMod val="80000"/>
+  </cs:variation>
+  <cs:variation>
+    <a:lumMod val="60000"/>
+    <a:lumOff val="40000"/>
+  </cs:variation>
+  <cs:variation>
+    <a:lumMod val="50000"/>
+  </cs:variation>
+  <cs:variation>
+    <a:lumMod val="70000"/>
+    <a:lumOff val="30000"/>
+  </cs:variation>
+  <cs:variation>
+    <a:lumMod val="70000"/>
+  </cs:variation>
+  <cs:variation>
+    <a:lumMod val="50000"/>
+    <a:lumOff val="50000"/>
+  </cs:variation>
+</cs:colorStyle>
+</file>
+
 <file path=ppt/charts/style1.xml><?xml version="1.0" encoding="utf-8"?>
+<cs:chartStyle xmlns:cs="http://schemas.microsoft.com/office/drawing/2012/chartStyle" xmlns:a="http://schemas.openxmlformats.org/drawingml/2006/main" id="205">
+  <cs:axisTitle>
+    <cs:lnRef idx="0"/>
+    <cs:fillRef idx="0"/>
+    <cs:effectRef idx="0"/>
+    <cs:fontRef idx="minor">
+      <a:schemeClr val="dk1">
+        <a:lumMod val="75000"/>
+        <a:lumOff val="25000"/>
+      </a:schemeClr>
+    </cs:fontRef>
+    <cs:defRPr sz="900" b="1" kern="1200"/>
+  </cs:axisTitle>
+  <cs:categoryAxis>
+    <cs:lnRef idx="0"/>
+    <cs:fillRef idx="0"/>
+    <cs:effectRef idx="0"/>
+    <cs:fontRef idx="minor">
+      <a:schemeClr val="dk1">
+        <a:lumMod val="75000"/>
+        <a:lumOff val="25000"/>
+      </a:schemeClr>
+    </cs:fontRef>
+    <cs:spPr>
+      <a:ln w="19050" cap="flat" cmpd="sng" algn="ctr">
+        <a:solidFill>
+          <a:schemeClr val="dk1">
+            <a:lumMod val="75000"/>
+            <a:lumOff val="25000"/>
+          </a:schemeClr>
+        </a:solidFill>
+        <a:round/>
+      </a:ln>
+    </cs:spPr>
+    <cs:defRPr sz="900" kern="1200" cap="all" baseline="0"/>
+  </cs:categoryAxis>
+  <cs:chartArea>
+    <cs:lnRef idx="0"/>
+    <cs:fillRef idx="0"/>
+    <cs:effectRef idx="0"/>
+    <cs:fontRef idx="minor">
+      <a:schemeClr val="dk1"/>
+    </cs:fontRef>
+    <cs:spPr>
+      <a:gradFill flip="none" rotWithShape="1">
+        <a:gsLst>
+          <a:gs pos="0">
+            <a:schemeClr val="lt1"/>
+          </a:gs>
+          <a:gs pos="39000">
+            <a:schemeClr val="lt1"/>
+          </a:gs>
+          <a:gs pos="100000">
+            <a:schemeClr val="lt1">
+              <a:lumMod val="75000"/>
+            </a:schemeClr>
+          </a:gs>
+        </a:gsLst>
+        <a:path path="circle">
+          <a:fillToRect l="50000" t="-80000" r="50000" b="180000"/>
+        </a:path>
+        <a:tileRect/>
+      </a:gradFill>
+      <a:ln w="9525" cap="flat" cmpd="sng" algn="ctr">
+        <a:solidFill>
+          <a:schemeClr val="dk1">
+            <a:lumMod val="25000"/>
+            <a:lumOff val="75000"/>
+          </a:schemeClr>
+        </a:solidFill>
+        <a:round/>
+      </a:ln>
+    </cs:spPr>
+    <cs:defRPr sz="900" kern="1200"/>
+  </cs:chartArea>
+  <cs:dataLabel>
+    <cs:lnRef idx="0"/>
+    <cs:fillRef idx="0"/>
+    <cs:effectRef idx="0"/>
+    <cs:fontRef idx="minor">
+      <a:schemeClr val="lt1"/>
+    </cs:fontRef>
+    <cs:defRPr sz="900" b="1" i="0" u="none" strike="noStrike" kern="1200" baseline="0"/>
+  </cs:dataLabel>
+  <cs:dataLabelCallout>
+    <cs:lnRef idx="0"/>
+    <cs:fillRef idx="0"/>
+    <cs:effectRef idx="0"/>
+    <cs:fontRef idx="minor">
+      <a:schemeClr val="lt1"/>
+    </cs:fontRef>
+    <cs:spPr>
+      <a:solidFill>
+        <a:schemeClr val="dk1">
+          <a:lumMod val="65000"/>
+          <a:lumOff val="35000"/>
+          <a:alpha val="75000"/>
+        </a:schemeClr>
+      </a:solidFill>
+    </cs:spPr>
+    <cs:defRPr sz="900" b="1" kern="1200"/>
+    <cs:bodyPr rot="0" spcFirstLastPara="1" vertOverflow="clip" horzOverflow="clip" vert="horz" wrap="square" lIns="36576" tIns="18288" rIns="36576" bIns="18288" anchor="ctr" anchorCtr="1">
+      <a:spAutoFit/>
+    </cs:bodyPr>
+  </cs:dataLabelCallout>
+  <cs:dataPoint>
+    <cs:lnRef idx="0"/>
+    <cs:fillRef idx="0">
+      <cs:styleClr val="auto"/>
+    </cs:fillRef>
+    <cs:effectRef idx="0"/>
+    <cs:fontRef idx="minor">
+      <a:schemeClr val="dk1"/>
+    </cs:fontRef>
+    <cs:spPr>
+      <a:solidFill>
+        <a:schemeClr val="phClr">
+          <a:alpha val="85000"/>
+        </a:schemeClr>
+      </a:solidFill>
+      <a:ln w="9525" cap="flat" cmpd="sng" algn="ctr">
+        <a:solidFill>
+          <a:schemeClr val="lt1">
+            <a:alpha val="50000"/>
+          </a:schemeClr>
+        </a:solidFill>
+        <a:round/>
+      </a:ln>
+    </cs:spPr>
+  </cs:dataPoint>
+  <cs:dataPoint3D>
+    <cs:lnRef idx="0"/>
+    <cs:fillRef idx="0">
+      <cs:styleClr val="auto"/>
+    </cs:fillRef>
+    <cs:effectRef idx="0"/>
+    <cs:fontRef idx="minor">
+      <a:schemeClr val="dk1"/>
+    </cs:fontRef>
+    <cs:spPr>
+      <a:solidFill>
+        <a:schemeClr val="phClr">
+          <a:alpha val="85000"/>
+        </a:schemeClr>
+      </a:solidFill>
+      <a:ln w="9525" cap="flat" cmpd="sng" algn="ctr">
+        <a:solidFill>
+          <a:schemeClr val="lt1">
+            <a:alpha val="50000"/>
+          </a:schemeClr>
+        </a:solidFill>
+        <a:round/>
+      </a:ln>
+    </cs:spPr>
+  </cs:dataPoint3D>
+  <cs:dataPointLine>
+    <cs:lnRef idx="0">
+      <cs:styleClr val="auto"/>
+    </cs:lnRef>
+    <cs:fillRef idx="0"/>
+    <cs:effectRef idx="0"/>
+    <cs:fontRef idx="minor">
+      <a:schemeClr val="dk1"/>
+    </cs:fontRef>
+    <cs:spPr>
+      <a:ln w="31750" cap="rnd">
+        <a:solidFill>
+          <a:schemeClr val="phClr">
+            <a:alpha val="85000"/>
+          </a:schemeClr>
+        </a:solidFill>
+        <a:round/>
+      </a:ln>
+    </cs:spPr>
+  </cs:dataPointLine>
+  <cs:dataPointMarker>
+    <cs:lnRef idx="0"/>
+    <cs:fillRef idx="0">
+      <cs:styleClr val="auto"/>
+    </cs:fillRef>
+    <cs:effectRef idx="0"/>
+    <cs:fontRef idx="minor">
+      <a:schemeClr val="dk1"/>
+    </cs:fontRef>
+    <cs:spPr>
+      <a:solidFill>
+        <a:schemeClr val="phClr">
+          <a:alpha val="85000"/>
+        </a:schemeClr>
+      </a:solidFill>
+    </cs:spPr>
+  </cs:dataPointMarker>
+  <cs:dataPointMarkerLayout symbol="circle" size="6"/>
+  <cs:dataPointWireframe>
+    <cs:lnRef idx="0">
+      <cs:styleClr val="auto"/>
+    </cs:lnRef>
+    <cs:fillRef idx="0"/>
+    <cs:effectRef idx="0"/>
+    <cs:fontRef idx="minor">
+      <a:schemeClr val="dk1"/>
+    </cs:fontRef>
+    <cs:spPr>
+      <a:ln w="9525" cap="rnd">
+        <a:solidFill>
+          <a:schemeClr val="phClr"/>
+        </a:solidFill>
+        <a:round/>
+      </a:ln>
+    </cs:spPr>
+  </cs:dataPointWireframe>
+  <cs:dataTable>
+    <cs:lnRef idx="0"/>
+    <cs:fillRef idx="0"/>
+    <cs:effectRef idx="0"/>
+    <cs:fontRef idx="minor">
+      <a:schemeClr val="dk1">
+        <a:lumMod val="75000"/>
+        <a:lumOff val="25000"/>
+      </a:schemeClr>
+    </cs:fontRef>
+    <cs:spPr>
+      <a:ln w="9525">
+        <a:solidFill>
+          <a:schemeClr val="dk1">
+            <a:lumMod val="35000"/>
+            <a:lumOff val="65000"/>
+          </a:schemeClr>
+        </a:solidFill>
+      </a:ln>
+    </cs:spPr>
+    <cs:defRPr sz="900" kern="1200"/>
+  </cs:dataTable>
+  <cs:downBar>
+    <cs:lnRef idx="0"/>
+    <cs:fillRef idx="0"/>
+    <cs:effectRef idx="0"/>
+    <cs:fontRef idx="minor">
+      <a:schemeClr val="dk1"/>
+    </cs:fontRef>
+    <cs:spPr>
+      <a:solidFill>
+        <a:schemeClr val="dk1">
+          <a:lumMod val="50000"/>
+          <a:lumOff val="50000"/>
+        </a:schemeClr>
+      </a:solidFill>
+      <a:ln w="9525">
+        <a:solidFill>
+          <a:schemeClr val="dk1">
+            <a:lumMod val="65000"/>
+            <a:lumOff val="35000"/>
+          </a:schemeClr>
+        </a:solidFill>
+      </a:ln>
+    </cs:spPr>
+  </cs:downBar>
+  <cs:dropLine>
+    <cs:lnRef idx="0"/>
+    <cs:fillRef idx="0"/>
+    <cs:effectRef idx="0"/>
+    <cs:fontRef idx="minor">
+      <a:schemeClr val="dk1"/>
+    </cs:fontRef>
+    <cs:spPr>
+      <a:ln w="9525">
+        <a:solidFill>
+          <a:schemeClr val="dk1">
+            <a:lumMod val="35000"/>
+            <a:lumOff val="65000"/>
+          </a:schemeClr>
+        </a:solidFill>
+        <a:prstDash val="dash"/>
+      </a:ln>
+    </cs:spPr>
+  </cs:dropLine>
+  <cs:errorBar>
+    <cs:lnRef idx="0"/>
+    <cs:fillRef idx="0"/>
+    <cs:effectRef idx="0"/>
+    <cs:fontRef idx="minor">
+      <a:schemeClr val="dk1"/>
+    </cs:fontRef>
+    <cs:spPr>
+      <a:ln w="9525">
+        <a:solidFill>
+          <a:schemeClr val="dk1">
+            <a:lumMod val="65000"/>
+            <a:lumOff val="35000"/>
+          </a:schemeClr>
+        </a:solidFill>
+        <a:round/>
+      </a:ln>
+    </cs:spPr>
+  </cs:errorBar>
+  <cs:floor>
+    <cs:lnRef idx="0"/>
+    <cs:fillRef idx="0"/>
+    <cs:effectRef idx="0"/>
+    <cs:fontRef idx="minor">
+      <a:schemeClr val="dk1"/>
+    </cs:fontRef>
+  </cs:floor>
+  <cs:gridlineMajor>
+    <cs:lnRef idx="0"/>
+    <cs:fillRef idx="0"/>
+    <cs:effectRef idx="0"/>
+    <cs:fontRef idx="minor">
+      <a:schemeClr val="dk1"/>
+    </cs:fontRef>
+    <cs:spPr>
+      <a:ln w="9525" cap="flat" cmpd="sng" algn="ctr">
+        <a:gradFill>
+          <a:gsLst>
+            <a:gs pos="100000">
+              <a:schemeClr val="dk1">
+                <a:lumMod val="95000"/>
+                <a:lumOff val="5000"/>
+                <a:alpha val="42000"/>
+              </a:schemeClr>
+            </a:gs>
+            <a:gs pos="0">
+              <a:schemeClr val="lt1">
+                <a:lumMod val="75000"/>
+                <a:alpha val="36000"/>
+              </a:schemeClr>
+            </a:gs>
+          </a:gsLst>
+          <a:lin ang="5400000" scaled="0"/>
+        </a:gradFill>
+        <a:round/>
+      </a:ln>
+    </cs:spPr>
+  </cs:gridlineMajor>
+  <cs:gridlineMinor>
+    <cs:lnRef idx="0"/>
+    <cs:fillRef idx="0"/>
+    <cs:effectRef idx="0"/>
+    <cs:fontRef idx="minor">
+      <a:schemeClr val="dk1"/>
+    </cs:fontRef>
+    <cs:spPr>
+      <a:ln>
+        <a:gradFill>
+          <a:gsLst>
+            <a:gs pos="100000">
+              <a:schemeClr val="dk1">
+                <a:lumMod val="95000"/>
+                <a:lumOff val="5000"/>
+                <a:alpha val="42000"/>
+              </a:schemeClr>
+            </a:gs>
+            <a:gs pos="0">
+              <a:schemeClr val="lt1">
+                <a:lumMod val="75000"/>
+                <a:alpha val="36000"/>
+              </a:schemeClr>
+            </a:gs>
+          </a:gsLst>
+          <a:lin ang="5400000" scaled="0"/>
+        </a:gradFill>
+      </a:ln>
+    </cs:spPr>
+  </cs:gridlineMinor>
+  <cs:hiLoLine>
+    <cs:lnRef idx="0"/>
+    <cs:fillRef idx="0"/>
+    <cs:effectRef idx="0"/>
+    <cs:fontRef idx="minor">
+      <a:schemeClr val="dk1"/>
+    </cs:fontRef>
+    <cs:spPr>
+      <a:ln w="9525">
+        <a:solidFill>
+          <a:schemeClr val="dk1">
+            <a:lumMod val="35000"/>
+            <a:lumOff val="65000"/>
+          </a:schemeClr>
+        </a:solidFill>
+        <a:prstDash val="dash"/>
+      </a:ln>
+    </cs:spPr>
+  </cs:hiLoLine>
+  <cs:leaderLine>
+    <cs:lnRef idx="0"/>
+    <cs:fillRef idx="0"/>
+    <cs:effectRef idx="0"/>
+    <cs:fontRef idx="minor">
+      <a:schemeClr val="dk1"/>
+    </cs:fontRef>
+    <cs:spPr>
+      <a:ln w="9525">
+        <a:solidFill>
+          <a:schemeClr val="dk1">
+            <a:lumMod val="50000"/>
+            <a:lumOff val="50000"/>
+          </a:schemeClr>
+        </a:solidFill>
+      </a:ln>
+    </cs:spPr>
+  </cs:leaderLine>
+  <cs:legend>
+    <cs:lnRef idx="0"/>
+    <cs:fillRef idx="0"/>
+    <cs:effectRef idx="0"/>
+    <cs:fontRef idx="minor">
+      <a:schemeClr val="dk1">
+        <a:lumMod val="75000"/>
+        <a:lumOff val="25000"/>
+      </a:schemeClr>
+    </cs:fontRef>
+    <cs:spPr>
+      <a:solidFill>
+        <a:schemeClr val="lt1">
+          <a:lumMod val="95000"/>
+          <a:alpha val="39000"/>
+        </a:schemeClr>
+      </a:solidFill>
+    </cs:spPr>
+    <cs:defRPr sz="900" kern="1200"/>
+  </cs:legend>
+  <cs:plotArea>
+    <cs:lnRef idx="0"/>
+    <cs:fillRef idx="0"/>
+    <cs:effectRef idx="0"/>
+    <cs:fontRef idx="minor">
+      <a:schemeClr val="dk1"/>
+    </cs:fontRef>
+  </cs:plotArea>
+  <cs:plotArea3D>
+    <cs:lnRef idx="0"/>
+    <cs:fillRef idx="0"/>
+    <cs:effectRef idx="0"/>
+    <cs:fontRef idx="minor">
+      <a:schemeClr val="dk1"/>
+    </cs:fontRef>
+  </cs:plotArea3D>
+  <cs:seriesAxis>
+    <cs:lnRef idx="0"/>
+    <cs:fillRef idx="0"/>
+    <cs:effectRef idx="0"/>
+    <cs:fontRef idx="minor">
+      <a:schemeClr val="dk1">
+        <a:lumMod val="75000"/>
+        <a:lumOff val="25000"/>
+      </a:schemeClr>
+    </cs:fontRef>
+    <cs:spPr>
+      <a:ln w="31750" cap="flat" cmpd="sng" algn="ctr">
+        <a:solidFill>
+          <a:schemeClr val="dk1">
+            <a:lumMod val="75000"/>
+            <a:lumOff val="25000"/>
+          </a:schemeClr>
+        </a:solidFill>
+        <a:round/>
+      </a:ln>
+    </cs:spPr>
+    <cs:defRPr sz="900" kern="1200"/>
+  </cs:seriesAxis>
+  <cs:seriesLine>
+    <cs:lnRef idx="0"/>
+    <cs:fillRef idx="0"/>
+    <cs:effectRef idx="0"/>
+    <cs:fontRef idx="minor">
+      <a:schemeClr val="dk1"/>
+    </cs:fontRef>
+    <cs:spPr>
+      <a:ln w="9525">
+        <a:solidFill>
+          <a:schemeClr val="dk1">
+            <a:lumMod val="50000"/>
+            <a:lumOff val="50000"/>
+          </a:schemeClr>
+        </a:solidFill>
+        <a:round/>
+      </a:ln>
+    </cs:spPr>
+  </cs:seriesLine>
+  <cs:title>
+    <cs:lnRef idx="0"/>
+    <cs:fillRef idx="0"/>
+    <cs:effectRef idx="0"/>
+    <cs:fontRef idx="minor">
+      <a:schemeClr val="dk1">
+        <a:lumMod val="75000"/>
+        <a:lumOff val="25000"/>
+      </a:schemeClr>
+    </cs:fontRef>
+    <cs:defRPr sz="1800" b="1" kern="1200" baseline="0"/>
+  </cs:title>
+  <cs:trendline>
+    <cs:lnRef idx="0">
+      <cs:styleClr val="auto"/>
+    </cs:lnRef>
+    <cs:fillRef idx="0"/>
+    <cs:effectRef idx="0"/>
+    <cs:fontRef idx="minor">
+      <a:schemeClr val="dk1"/>
+    </cs:fontRef>
+    <cs:spPr>
+      <a:ln w="19050" cap="rnd">
+        <a:solidFill>
+          <a:schemeClr val="phClr"/>
+        </a:solidFill>
+      </a:ln>
+    </cs:spPr>
+  </cs:trendline>
+  <cs:trendlineLabel>
+    <cs:lnRef idx="0"/>
+    <cs:fillRef idx="0"/>
+    <cs:effectRef idx="0"/>
+    <cs:fontRef idx="minor">
+      <a:schemeClr val="dk1">
+        <a:lumMod val="75000"/>
+        <a:lumOff val="25000"/>
+      </a:schemeClr>
+    </cs:fontRef>
+    <cs:defRPr sz="900" kern="1200"/>
+  </cs:trendlineLabel>
+  <cs:upBar>
+    <cs:lnRef idx="0"/>
+    <cs:fillRef idx="0"/>
+    <cs:effectRef idx="0"/>
+    <cs:fontRef idx="minor">
+      <a:schemeClr val="dk1"/>
+    </cs:fontRef>
+    <cs:spPr>
+      <a:solidFill>
+        <a:schemeClr val="lt1"/>
+      </a:solidFill>
+      <a:ln w="9525">
+        <a:solidFill>
+          <a:schemeClr val="dk1">
+            <a:lumMod val="65000"/>
+            <a:lumOff val="35000"/>
+          </a:schemeClr>
+        </a:solidFill>
+      </a:ln>
+    </cs:spPr>
+  </cs:upBar>
+  <cs:valueAxis>
+    <cs:lnRef idx="0"/>
+    <cs:fillRef idx="0"/>
+    <cs:effectRef idx="0"/>
+    <cs:fontRef idx="minor">
+      <a:schemeClr val="dk1">
+        <a:lumMod val="75000"/>
+        <a:lumOff val="25000"/>
+      </a:schemeClr>
+    </cs:fontRef>
+    <cs:spPr>
+      <a:ln>
+        <a:noFill/>
+      </a:ln>
+    </cs:spPr>
+    <cs:defRPr sz="900" kern="1200"/>
+  </cs:valueAxis>
+  <cs:wall>
+    <cs:lnRef idx="0"/>
+    <cs:fillRef idx="0"/>
+    <cs:effectRef idx="0"/>
+    <cs:fontRef idx="minor">
+      <a:schemeClr val="dk1"/>
+    </cs:fontRef>
+  </cs:wall>
+</cs:chartStyle>
+</file>
+
+<file path=ppt/charts/style2.xml><?xml version="1.0" encoding="utf-8"?>
 <cs:chartStyle xmlns:cs="http://schemas.microsoft.com/office/drawing/2012/chartStyle" xmlns:a="http://schemas.openxmlformats.org/drawingml/2006/main" id="215">
   <cs:axisTitle>
     <cs:lnRef idx="0"/>
@@ -6056,6 +10184,272 @@
       </p:grpSpPr>
       <p:sp>
         <p:nvSpPr>
+          <p:cNvPr id="99" name="TextShape 1"/>
+          <p:cNvSpPr txBox="1"/>
+          <p:nvPr/>
+        </p:nvSpPr>
+        <p:spPr>
+          <a:xfrm>
+            <a:off x="838080" y="365040"/>
+            <a:ext cx="10515240" cy="1325160"/>
+          </a:xfrm>
+          <a:prstGeom prst="rect">
+            <a:avLst/>
+          </a:prstGeom>
+          <a:noFill/>
+          <a:ln>
+            <a:noFill/>
+          </a:ln>
+        </p:spPr>
+        <p:txBody>
+          <a:bodyPr anchor="ctr"/>
+          <a:lstStyle/>
+          <a:p>
+            <a:pPr>
+              <a:lnSpc>
+                <a:spcPct val="90000"/>
+              </a:lnSpc>
+            </a:pPr>
+            <a:r>
+              <a:rPr lang="zh-CN" sz="4400" b="0" strike="noStrike" spc="-1" dirty="0">
+                <a:solidFill>
+                  <a:srgbClr val="000000"/>
+                </a:solidFill>
+                <a:uFill>
+                  <a:solidFill>
+                    <a:srgbClr val="FFFFFF"/>
+                  </a:solidFill>
+                </a:uFill>
+                <a:latin typeface="等线 Light"/>
+              </a:rPr>
+              <a:t>ER information system </a:t>
+            </a:r>
+            <a:r>
+              <a:rPr lang="en-US" altLang="zh-CN" sz="4400" b="0" strike="noStrike" spc="-1" dirty="0">
+                <a:solidFill>
+                  <a:srgbClr val="000000"/>
+                </a:solidFill>
+                <a:uFill>
+                  <a:solidFill>
+                    <a:srgbClr val="FFFFFF"/>
+                  </a:solidFill>
+                </a:uFill>
+                <a:latin typeface="等线 Light"/>
+              </a:rPr>
+              <a:t>introduction</a:t>
+            </a:r>
+            <a:r>
+              <a:rPr lang="zh-CN" sz="4400" b="0" strike="noStrike" spc="-1" dirty="0">
+                <a:solidFill>
+                  <a:srgbClr val="000000"/>
+                </a:solidFill>
+                <a:uFill>
+                  <a:solidFill>
+                    <a:srgbClr val="FFFFFF"/>
+                  </a:solidFill>
+                </a:uFill>
+                <a:latin typeface="等线 Light"/>
+              </a:rPr>
+              <a:t> </a:t>
+            </a:r>
+            <a:endParaRPr lang="zh-CN" sz="1800" b="0" strike="noStrike" spc="-1" dirty="0">
+              <a:solidFill>
+                <a:srgbClr val="000000"/>
+              </a:solidFill>
+              <a:uFill>
+                <a:solidFill>
+                  <a:srgbClr val="FFFFFF"/>
+                </a:solidFill>
+              </a:uFill>
+              <a:latin typeface="等线"/>
+            </a:endParaRPr>
+          </a:p>
+        </p:txBody>
+      </p:sp>
+      <p:sp>
+        <p:nvSpPr>
+          <p:cNvPr id="100" name="TextShape 2"/>
+          <p:cNvSpPr txBox="1"/>
+          <p:nvPr/>
+        </p:nvSpPr>
+        <p:spPr>
+          <a:xfrm>
+            <a:off x="838080" y="1825560"/>
+            <a:ext cx="10515240" cy="4350960"/>
+          </a:xfrm>
+          <a:prstGeom prst="rect">
+            <a:avLst/>
+          </a:prstGeom>
+          <a:noFill/>
+          <a:ln>
+            <a:noFill/>
+          </a:ln>
+        </p:spPr>
+        <p:txBody>
+          <a:bodyPr/>
+          <a:lstStyle/>
+          <a:p>
+            <a:pPr marL="228600" indent="-228240">
+              <a:lnSpc>
+                <a:spcPct val="90000"/>
+              </a:lnSpc>
+              <a:buClr>
+                <a:srgbClr val="000000"/>
+              </a:buClr>
+              <a:buFont typeface="Arial"/>
+              <a:buChar char="•"/>
+            </a:pPr>
+            <a:r>
+              <a:rPr lang="zh-CN" sz="2800" b="0" strike="noStrike" spc="-1" dirty="0">
+                <a:solidFill>
+                  <a:srgbClr val="000000"/>
+                </a:solidFill>
+                <a:uFill>
+                  <a:solidFill>
+                    <a:srgbClr val="FFFFFF"/>
+                  </a:solidFill>
+                </a:uFill>
+                <a:latin typeface="等线"/>
+              </a:rPr>
+              <a:t>Emotion indicators v1.0</a:t>
+            </a:r>
+          </a:p>
+          <a:p>
+            <a:pPr marL="864000" lvl="1" indent="-324000">
+              <a:buClr>
+                <a:srgbClr val="000000"/>
+              </a:buClr>
+              <a:buSzPct val="75000"/>
+              <a:buFont typeface="Symbol" charset="2"/>
+              <a:buChar char=""/>
+            </a:pPr>
+            <a:r>
+              <a:rPr lang="zh-CN" sz="2800" b="0" strike="noStrike" spc="-1" dirty="0">
+                <a:solidFill>
+                  <a:srgbClr val="000000"/>
+                </a:solidFill>
+                <a:uFill>
+                  <a:solidFill>
+                    <a:srgbClr val="FFFFFF"/>
+                  </a:solidFill>
+                </a:uFill>
+                <a:latin typeface="等线"/>
+              </a:rPr>
+              <a:t>so we need a flexible design</a:t>
+            </a:r>
+            <a:endParaRPr lang="en-US" altLang="zh-CN" sz="2800" b="0" strike="noStrike" spc="-1" dirty="0">
+              <a:solidFill>
+                <a:srgbClr val="000000"/>
+              </a:solidFill>
+              <a:uFill>
+                <a:solidFill>
+                  <a:srgbClr val="FFFFFF"/>
+                </a:solidFill>
+              </a:uFill>
+              <a:latin typeface="等线"/>
+            </a:endParaRPr>
+          </a:p>
+          <a:p>
+            <a:pPr marL="864000" lvl="1" indent="-324000">
+              <a:buClr>
+                <a:srgbClr val="000000"/>
+              </a:buClr>
+              <a:buSzPct val="75000"/>
+              <a:buFont typeface="Symbol" charset="2"/>
+              <a:buChar char=""/>
+            </a:pPr>
+            <a:endParaRPr lang="en-US" altLang="zh-CN" sz="2800" b="0" strike="noStrike" spc="-1" dirty="0">
+              <a:solidFill>
+                <a:srgbClr val="000000"/>
+              </a:solidFill>
+              <a:uFill>
+                <a:solidFill>
+                  <a:srgbClr val="FFFFFF"/>
+                </a:solidFill>
+              </a:uFill>
+              <a:latin typeface="等线"/>
+            </a:endParaRPr>
+          </a:p>
+          <a:p>
+            <a:pPr marL="540000" lvl="1">
+              <a:buClr>
+                <a:srgbClr val="000000"/>
+              </a:buClr>
+              <a:buSzPct val="75000"/>
+            </a:pPr>
+            <a:r>
+              <a:rPr lang="en-US" altLang="zh-CN" sz="2800" spc="-1" dirty="0">
+                <a:solidFill>
+                  <a:srgbClr val="000000"/>
+                </a:solidFill>
+                <a:uFill>
+                  <a:solidFill>
+                    <a:srgbClr val="FFFFFF"/>
+                  </a:solidFill>
+                </a:uFill>
+                <a:latin typeface="等线"/>
+              </a:rPr>
+              <a:t>	Video B: the poll &amp; quiz calculation</a:t>
+            </a:r>
+            <a:endParaRPr lang="zh-CN" sz="2000" b="0" strike="noStrike" spc="-1" dirty="0">
+              <a:solidFill>
+                <a:srgbClr val="000000"/>
+              </a:solidFill>
+              <a:uFill>
+                <a:solidFill>
+                  <a:srgbClr val="FFFFFF"/>
+                </a:solidFill>
+              </a:uFill>
+              <a:latin typeface="等线"/>
+            </a:endParaRPr>
+          </a:p>
+          <a:p>
+            <a:pPr>
+              <a:lnSpc>
+                <a:spcPct val="90000"/>
+              </a:lnSpc>
+            </a:pPr>
+            <a:endParaRPr lang="zh-CN" sz="2800" b="0" strike="noStrike" spc="-1" dirty="0">
+              <a:solidFill>
+                <a:srgbClr val="000000"/>
+              </a:solidFill>
+              <a:uFill>
+                <a:solidFill>
+                  <a:srgbClr val="FFFFFF"/>
+                </a:solidFill>
+              </a:uFill>
+              <a:latin typeface="等线"/>
+            </a:endParaRPr>
+          </a:p>
+        </p:txBody>
+      </p:sp>
+    </p:spTree>
+  </p:cSld>
+  <p:clrMapOvr>
+    <a:masterClrMapping/>
+  </p:clrMapOvr>
+</p:sld>
+</file>
+
+<file path=ppt/slides/slide11.xml><?xml version="1.0" encoding="utf-8"?>
+<p:sld xmlns:a="http://schemas.openxmlformats.org/drawingml/2006/main" xmlns:r="http://schemas.openxmlformats.org/officeDocument/2006/relationships" xmlns:p="http://schemas.openxmlformats.org/presentationml/2006/main">
+  <p:cSld>
+    <p:spTree>
+      <p:nvGrpSpPr>
+        <p:cNvPr id="1" name=""/>
+        <p:cNvGrpSpPr/>
+        <p:nvPr/>
+      </p:nvGrpSpPr>
+      <p:grpSpPr>
+        <a:xfrm>
+          <a:off x="0" y="0"/>
+          <a:ext cx="0" cy="0"/>
+          <a:chOff x="0" y="0"/>
+          <a:chExt cx="0" cy="0"/>
+        </a:xfrm>
+      </p:grpSpPr>
+      <p:sp>
+        <p:nvSpPr>
           <p:cNvPr id="101" name="TextShape 1"/>
           <p:cNvSpPr txBox="1"/>
           <p:nvPr/>
@@ -6083,7 +10477,7 @@
               </a:lnSpc>
             </a:pPr>
             <a:r>
-              <a:rPr lang="zh-CN" sz="4400" b="0" strike="noStrike" spc="-1">
+              <a:rPr lang="zh-CN" sz="4400" b="0" strike="noStrike" spc="-1" dirty="0">
                 <a:solidFill>
                   <a:srgbClr val="000000"/>
                 </a:solidFill>
@@ -6094,9 +10488,326 @@
                 </a:uFill>
                 <a:latin typeface="等线 Light"/>
               </a:rPr>
-              <a:t>ER information system intruduction </a:t>
-            </a:r>
-            <a:endParaRPr lang="zh-CN" sz="1800" b="0" strike="noStrike" spc="-1">
+              <a:t>ER information system </a:t>
+            </a:r>
+            <a:r>
+              <a:rPr lang="en-US" altLang="zh-CN" sz="4400" b="0" strike="noStrike" spc="-1" dirty="0">
+                <a:solidFill>
+                  <a:srgbClr val="000000"/>
+                </a:solidFill>
+                <a:uFill>
+                  <a:solidFill>
+                    <a:srgbClr val="FFFFFF"/>
+                  </a:solidFill>
+                </a:uFill>
+                <a:latin typeface="等线 Light"/>
+              </a:rPr>
+              <a:t>introduction</a:t>
+            </a:r>
+            <a:r>
+              <a:rPr lang="zh-CN" sz="4400" b="0" strike="noStrike" spc="-1" dirty="0">
+                <a:solidFill>
+                  <a:srgbClr val="000000"/>
+                </a:solidFill>
+                <a:uFill>
+                  <a:solidFill>
+                    <a:srgbClr val="FFFFFF"/>
+                  </a:solidFill>
+                </a:uFill>
+                <a:latin typeface="等线 Light"/>
+              </a:rPr>
+              <a:t> </a:t>
+            </a:r>
+            <a:endParaRPr lang="zh-CN" sz="1800" b="0" strike="noStrike" spc="-1" dirty="0">
+              <a:solidFill>
+                <a:srgbClr val="000000"/>
+              </a:solidFill>
+              <a:uFill>
+                <a:solidFill>
+                  <a:srgbClr val="FFFFFF"/>
+                </a:solidFill>
+              </a:uFill>
+              <a:latin typeface="等线"/>
+            </a:endParaRPr>
+          </a:p>
+        </p:txBody>
+      </p:sp>
+      <p:sp>
+        <p:nvSpPr>
+          <p:cNvPr id="102" name="TextShape 2"/>
+          <p:cNvSpPr txBox="1"/>
+          <p:nvPr/>
+        </p:nvSpPr>
+        <p:spPr>
+          <a:xfrm>
+            <a:off x="838080" y="1825560"/>
+            <a:ext cx="10515240" cy="4350960"/>
+          </a:xfrm>
+          <a:prstGeom prst="rect">
+            <a:avLst/>
+          </a:prstGeom>
+          <a:noFill/>
+          <a:ln>
+            <a:noFill/>
+          </a:ln>
+        </p:spPr>
+        <p:txBody>
+          <a:bodyPr/>
+          <a:lstStyle/>
+          <a:p>
+            <a:pPr marL="228600" indent="-228240">
+              <a:lnSpc>
+                <a:spcPct val="90000"/>
+              </a:lnSpc>
+              <a:buClr>
+                <a:srgbClr val="000000"/>
+              </a:buClr>
+              <a:buFont typeface="Arial"/>
+              <a:buChar char="•"/>
+            </a:pPr>
+            <a:r>
+              <a:rPr lang="zh-CN" sz="2800" b="0" strike="noStrike" spc="-1" dirty="0">
+                <a:solidFill>
+                  <a:srgbClr val="000000"/>
+                </a:solidFill>
+                <a:uFill>
+                  <a:solidFill>
+                    <a:srgbClr val="FFFFFF"/>
+                  </a:solidFill>
+                </a:uFill>
+                <a:latin typeface="等线"/>
+              </a:rPr>
+              <a:t>Emotion indicators v1.0</a:t>
+            </a:r>
+            <a:endParaRPr lang="en-US" altLang="zh-CN" sz="2800" b="0" strike="noStrike" spc="-1" dirty="0">
+              <a:solidFill>
+                <a:srgbClr val="000000"/>
+              </a:solidFill>
+              <a:uFill>
+                <a:solidFill>
+                  <a:srgbClr val="FFFFFF"/>
+                </a:solidFill>
+              </a:uFill>
+              <a:latin typeface="等线"/>
+            </a:endParaRPr>
+          </a:p>
+          <a:p>
+            <a:pPr marL="685800" lvl="1" indent="-228240">
+              <a:lnSpc>
+                <a:spcPct val="90000"/>
+              </a:lnSpc>
+              <a:buClr>
+                <a:srgbClr val="000000"/>
+              </a:buClr>
+              <a:buFont typeface="Arial"/>
+              <a:buChar char="•"/>
+            </a:pPr>
+            <a:r>
+              <a:rPr lang="en-US" altLang="zh-CN" sz="2800" spc="-1" dirty="0">
+                <a:solidFill>
+                  <a:srgbClr val="000000"/>
+                </a:solidFill>
+                <a:uFill>
+                  <a:solidFill>
+                    <a:srgbClr val="FFFFFF"/>
+                  </a:solidFill>
+                </a:uFill>
+                <a:latin typeface="等线"/>
+              </a:rPr>
+              <a:t>Results: extremely not user friendly</a:t>
+            </a:r>
+          </a:p>
+          <a:p>
+            <a:pPr marL="1143000" lvl="2" indent="-228240">
+              <a:lnSpc>
+                <a:spcPct val="90000"/>
+              </a:lnSpc>
+              <a:buClr>
+                <a:srgbClr val="000000"/>
+              </a:buClr>
+              <a:buFont typeface="Arial"/>
+              <a:buChar char="•"/>
+            </a:pPr>
+            <a:r>
+              <a:rPr lang="en-US" altLang="zh-CN" sz="2800" b="0" strike="noStrike" spc="-1" dirty="0">
+                <a:solidFill>
+                  <a:srgbClr val="000000"/>
+                </a:solidFill>
+                <a:uFill>
+                  <a:solidFill>
+                    <a:srgbClr val="FFFFFF"/>
+                  </a:solidFill>
+                </a:uFill>
+                <a:latin typeface="等线"/>
+              </a:rPr>
+              <a:t>Too much questions in one quiz</a:t>
+            </a:r>
+          </a:p>
+          <a:p>
+            <a:pPr marL="1143000" lvl="2" indent="-228240">
+              <a:lnSpc>
+                <a:spcPct val="90000"/>
+              </a:lnSpc>
+              <a:buClr>
+                <a:srgbClr val="000000"/>
+              </a:buClr>
+              <a:buFont typeface="Arial"/>
+              <a:buChar char="•"/>
+            </a:pPr>
+            <a:r>
+              <a:rPr lang="en-US" altLang="zh-CN" sz="2800" spc="-1" dirty="0">
+                <a:solidFill>
+                  <a:srgbClr val="000000"/>
+                </a:solidFill>
+                <a:uFill>
+                  <a:solidFill>
+                    <a:srgbClr val="FFFFFF"/>
+                  </a:solidFill>
+                </a:uFill>
+                <a:latin typeface="等线"/>
+              </a:rPr>
+              <a:t>Questions are hardly answerable</a:t>
+            </a:r>
+          </a:p>
+          <a:p>
+            <a:pPr marL="1143000" lvl="2" indent="-228240">
+              <a:lnSpc>
+                <a:spcPct val="90000"/>
+              </a:lnSpc>
+              <a:buClr>
+                <a:srgbClr val="000000"/>
+              </a:buClr>
+              <a:buFont typeface="Arial"/>
+              <a:buChar char="•"/>
+            </a:pPr>
+            <a:endParaRPr lang="zh-CN" sz="2800" b="0" strike="noStrike" spc="-1" dirty="0">
+              <a:solidFill>
+                <a:srgbClr val="000000"/>
+              </a:solidFill>
+              <a:uFill>
+                <a:solidFill>
+                  <a:srgbClr val="FFFFFF"/>
+                </a:solidFill>
+              </a:uFill>
+              <a:latin typeface="等线"/>
+            </a:endParaRPr>
+          </a:p>
+          <a:p>
+            <a:pPr>
+              <a:lnSpc>
+                <a:spcPct val="90000"/>
+              </a:lnSpc>
+            </a:pPr>
+            <a:endParaRPr lang="zh-CN" sz="2800" b="0" strike="noStrike" spc="-1" dirty="0">
+              <a:solidFill>
+                <a:srgbClr val="000000"/>
+              </a:solidFill>
+              <a:uFill>
+                <a:solidFill>
+                  <a:srgbClr val="FFFFFF"/>
+                </a:solidFill>
+              </a:uFill>
+              <a:latin typeface="等线"/>
+            </a:endParaRPr>
+          </a:p>
+        </p:txBody>
+      </p:sp>
+    </p:spTree>
+  </p:cSld>
+  <p:clrMapOvr>
+    <a:masterClrMapping/>
+  </p:clrMapOvr>
+</p:sld>
+</file>
+
+<file path=ppt/slides/slide12.xml><?xml version="1.0" encoding="utf-8"?>
+<p:sld xmlns:a="http://schemas.openxmlformats.org/drawingml/2006/main" xmlns:r="http://schemas.openxmlformats.org/officeDocument/2006/relationships" xmlns:p="http://schemas.openxmlformats.org/presentationml/2006/main">
+  <p:cSld>
+    <p:spTree>
+      <p:nvGrpSpPr>
+        <p:cNvPr id="1" name=""/>
+        <p:cNvGrpSpPr/>
+        <p:nvPr/>
+      </p:nvGrpSpPr>
+      <p:grpSpPr>
+        <a:xfrm>
+          <a:off x="0" y="0"/>
+          <a:ext cx="0" cy="0"/>
+          <a:chOff x="0" y="0"/>
+          <a:chExt cx="0" cy="0"/>
+        </a:xfrm>
+      </p:grpSpPr>
+      <p:sp>
+        <p:nvSpPr>
+          <p:cNvPr id="101" name="TextShape 1"/>
+          <p:cNvSpPr txBox="1"/>
+          <p:nvPr/>
+        </p:nvSpPr>
+        <p:spPr>
+          <a:xfrm>
+            <a:off x="838080" y="365040"/>
+            <a:ext cx="10515240" cy="1325160"/>
+          </a:xfrm>
+          <a:prstGeom prst="rect">
+            <a:avLst/>
+          </a:prstGeom>
+          <a:noFill/>
+          <a:ln>
+            <a:noFill/>
+          </a:ln>
+        </p:spPr>
+        <p:txBody>
+          <a:bodyPr anchor="ctr"/>
+          <a:lstStyle/>
+          <a:p>
+            <a:pPr>
+              <a:lnSpc>
+                <a:spcPct val="90000"/>
+              </a:lnSpc>
+            </a:pPr>
+            <a:r>
+              <a:rPr lang="zh-CN" sz="4400" b="0" strike="noStrike" spc="-1" dirty="0">
+                <a:solidFill>
+                  <a:srgbClr val="000000"/>
+                </a:solidFill>
+                <a:uFill>
+                  <a:solidFill>
+                    <a:srgbClr val="FFFFFF"/>
+                  </a:solidFill>
+                </a:uFill>
+                <a:latin typeface="等线 Light"/>
+              </a:rPr>
+              <a:t>ER information system </a:t>
+            </a:r>
+            <a:r>
+              <a:rPr lang="en-US" altLang="zh-CN" sz="4400" b="0" strike="noStrike" spc="-1" dirty="0">
+                <a:solidFill>
+                  <a:srgbClr val="000000"/>
+                </a:solidFill>
+                <a:uFill>
+                  <a:solidFill>
+                    <a:srgbClr val="FFFFFF"/>
+                  </a:solidFill>
+                </a:uFill>
+                <a:latin typeface="等线 Light"/>
+              </a:rPr>
+              <a:t>introduction</a:t>
+            </a:r>
+            <a:r>
+              <a:rPr lang="zh-CN" sz="4400" b="0" strike="noStrike" spc="-1" dirty="0">
+                <a:solidFill>
+                  <a:srgbClr val="000000"/>
+                </a:solidFill>
+                <a:uFill>
+                  <a:solidFill>
+                    <a:srgbClr val="FFFFFF"/>
+                  </a:solidFill>
+                </a:uFill>
+                <a:latin typeface="等线 Light"/>
+              </a:rPr>
+              <a:t> </a:t>
+            </a:r>
+            <a:endParaRPr lang="zh-CN" sz="1800" b="0" strike="noStrike" spc="-1" dirty="0">
               <a:solidFill>
                 <a:srgbClr val="000000"/>
               </a:solidFill>
@@ -6339,7 +11050,7 @@
 </p:sld>
 </file>
 
-<file path=ppt/slides/slide11.xml><?xml version="1.0" encoding="utf-8"?>
+<file path=ppt/slides/slide13.xml><?xml version="1.0" encoding="utf-8"?>
 <p:sld xmlns:a="http://schemas.openxmlformats.org/drawingml/2006/main" xmlns:r="http://schemas.openxmlformats.org/officeDocument/2006/relationships" xmlns:p="http://schemas.openxmlformats.org/presentationml/2006/main">
   <p:cSld>
     <p:spTree>
@@ -6385,7 +11096,7 @@
               </a:lnSpc>
             </a:pPr>
             <a:r>
-              <a:rPr lang="zh-CN" sz="4400" b="0" strike="noStrike" spc="-1">
+              <a:rPr lang="zh-CN" sz="4400" b="0" strike="noStrike" spc="-1" dirty="0">
                 <a:solidFill>
                   <a:srgbClr val="000000"/>
                 </a:solidFill>
@@ -6396,9 +11107,37 @@
                 </a:uFill>
                 <a:latin typeface="等线 Light"/>
               </a:rPr>
-              <a:t>ER information system intruduction </a:t>
-            </a:r>
-            <a:endParaRPr lang="zh-CN" sz="1800" b="0" strike="noStrike" spc="-1">
+              <a:t>ER information system </a:t>
+            </a:r>
+            <a:r>
+              <a:rPr lang="en-US" altLang="zh-CN" sz="4400" b="0" strike="noStrike" spc="-1" dirty="0">
+                <a:solidFill>
+                  <a:srgbClr val="000000"/>
+                </a:solidFill>
+                <a:uFill>
+                  <a:solidFill>
+                    <a:srgbClr val="FFFFFF"/>
+                  </a:solidFill>
+                </a:uFill>
+                <a:latin typeface="等线 Light"/>
+              </a:rPr>
+              <a:t>introduction</a:t>
+            </a:r>
+            <a:r>
+              <a:rPr lang="zh-CN" sz="4400" b="0" strike="noStrike" spc="-1" dirty="0">
+                <a:solidFill>
+                  <a:srgbClr val="000000"/>
+                </a:solidFill>
+                <a:uFill>
+                  <a:solidFill>
+                    <a:srgbClr val="FFFFFF"/>
+                  </a:solidFill>
+                </a:uFill>
+                <a:latin typeface="等线 Light"/>
+              </a:rPr>
+              <a:t> </a:t>
+            </a:r>
+            <a:endParaRPr lang="zh-CN" sz="1800" b="0" strike="noStrike" spc="-1" dirty="0">
               <a:solidFill>
                 <a:srgbClr val="000000"/>
               </a:solidFill>
@@ -6647,7 +11386,7 @@
 </p:sld>
 </file>
 
-<file path=ppt/slides/slide12.xml><?xml version="1.0" encoding="utf-8"?>
+<file path=ppt/slides/slide14.xml><?xml version="1.0" encoding="utf-8"?>
 <p:sld xmlns:a="http://schemas.openxmlformats.org/drawingml/2006/main" xmlns:r="http://schemas.openxmlformats.org/officeDocument/2006/relationships" xmlns:p="http://schemas.openxmlformats.org/presentationml/2006/main">
   <p:cSld>
     <p:spTree>
@@ -6693,7 +11432,7 @@
               </a:lnSpc>
             </a:pPr>
             <a:r>
-              <a:rPr lang="zh-CN" sz="4400" b="0" strike="noStrike" spc="-1">
+              <a:rPr lang="zh-CN" sz="4400" b="0" strike="noStrike" spc="-1" dirty="0">
                 <a:solidFill>
                   <a:srgbClr val="000000"/>
                 </a:solidFill>
@@ -6704,9 +11443,37 @@
                 </a:uFill>
                 <a:latin typeface="等线 Light"/>
               </a:rPr>
-              <a:t>ER information system intruduction </a:t>
-            </a:r>
-            <a:endParaRPr lang="zh-CN" sz="1800" b="0" strike="noStrike" spc="-1">
+              <a:t>ER information system </a:t>
+            </a:r>
+            <a:r>
+              <a:rPr lang="en-US" altLang="zh-CN" sz="4400" b="0" strike="noStrike" spc="-1" dirty="0">
+                <a:solidFill>
+                  <a:srgbClr val="000000"/>
+                </a:solidFill>
+                <a:uFill>
+                  <a:solidFill>
+                    <a:srgbClr val="FFFFFF"/>
+                  </a:solidFill>
+                </a:uFill>
+                <a:latin typeface="等线 Light"/>
+              </a:rPr>
+              <a:t>introduction</a:t>
+            </a:r>
+            <a:r>
+              <a:rPr lang="zh-CN" sz="4400" b="0" strike="noStrike" spc="-1" dirty="0">
+                <a:solidFill>
+                  <a:srgbClr val="000000"/>
+                </a:solidFill>
+                <a:uFill>
+                  <a:solidFill>
+                    <a:srgbClr val="FFFFFF"/>
+                  </a:solidFill>
+                </a:uFill>
+                <a:latin typeface="等线 Light"/>
+              </a:rPr>
+              <a:t> </a:t>
+            </a:r>
+            <a:endParaRPr lang="zh-CN" sz="1800" b="0" strike="noStrike" spc="-1" dirty="0">
               <a:solidFill>
                 <a:srgbClr val="000000"/>
               </a:solidFill>
@@ -6991,7 +11758,7 @@
 </p:sld>
 </file>
 
-<file path=ppt/slides/slide13.xml><?xml version="1.0" encoding="utf-8"?>
+<file path=ppt/slides/slide15.xml><?xml version="1.0" encoding="utf-8"?>
 <p:sld xmlns:a="http://schemas.openxmlformats.org/drawingml/2006/main" xmlns:r="http://schemas.openxmlformats.org/officeDocument/2006/relationships" xmlns:p="http://schemas.openxmlformats.org/presentationml/2006/main">
   <p:cSld>
     <p:spTree>
@@ -7037,7 +11804,7 @@
               </a:lnSpc>
             </a:pPr>
             <a:r>
-              <a:rPr lang="zh-CN" sz="4400" b="0" strike="noStrike" spc="-1">
+              <a:rPr lang="zh-CN" sz="4400" b="0" strike="noStrike" spc="-1" dirty="0">
                 <a:solidFill>
                   <a:srgbClr val="000000"/>
                 </a:solidFill>
@@ -7048,9 +11815,37 @@
                 </a:uFill>
                 <a:latin typeface="等线 Light"/>
               </a:rPr>
-              <a:t>ER information system intruduction </a:t>
-            </a:r>
-            <a:endParaRPr lang="zh-CN" sz="1800" b="0" strike="noStrike" spc="-1">
+              <a:t>ER information system </a:t>
+            </a:r>
+            <a:r>
+              <a:rPr lang="en-US" altLang="zh-CN" sz="4400" b="0" strike="noStrike" spc="-1" dirty="0">
+                <a:solidFill>
+                  <a:srgbClr val="000000"/>
+                </a:solidFill>
+                <a:uFill>
+                  <a:solidFill>
+                    <a:srgbClr val="FFFFFF"/>
+                  </a:solidFill>
+                </a:uFill>
+                <a:latin typeface="等线 Light"/>
+              </a:rPr>
+              <a:t>introduction</a:t>
+            </a:r>
+            <a:r>
+              <a:rPr lang="zh-CN" sz="4400" b="0" strike="noStrike" spc="-1" dirty="0">
+                <a:solidFill>
+                  <a:srgbClr val="000000"/>
+                </a:solidFill>
+                <a:uFill>
+                  <a:solidFill>
+                    <a:srgbClr val="FFFFFF"/>
+                  </a:solidFill>
+                </a:uFill>
+                <a:latin typeface="等线 Light"/>
+              </a:rPr>
+              <a:t> </a:t>
+            </a:r>
+            <a:endParaRPr lang="zh-CN" sz="1800" b="0" strike="noStrike" spc="-1" dirty="0">
               <a:solidFill>
                 <a:srgbClr val="000000"/>
               </a:solidFill>
@@ -7335,7 +12130,7 @@
 </p:sld>
 </file>
 
-<file path=ppt/slides/slide14.xml><?xml version="1.0" encoding="utf-8"?>
+<file path=ppt/slides/slide16.xml><?xml version="1.0" encoding="utf-8"?>
 <p:sld xmlns:a="http://schemas.openxmlformats.org/drawingml/2006/main" xmlns:r="http://schemas.openxmlformats.org/officeDocument/2006/relationships" xmlns:p="http://schemas.openxmlformats.org/presentationml/2006/main">
   <p:cSld>
     <p:spTree>
@@ -7381,7 +12176,7 @@
               </a:lnSpc>
             </a:pPr>
             <a:r>
-              <a:rPr lang="zh-CN" sz="4400" b="0" strike="noStrike" spc="-1">
+              <a:rPr lang="zh-CN" sz="4400" b="0" strike="noStrike" spc="-1" dirty="0">
                 <a:solidFill>
                   <a:srgbClr val="000000"/>
                 </a:solidFill>
@@ -7392,9 +12187,37 @@
                 </a:uFill>
                 <a:latin typeface="等线 Light"/>
               </a:rPr>
-              <a:t>ER information system intruduction </a:t>
-            </a:r>
-            <a:endParaRPr lang="zh-CN" sz="1800" b="0" strike="noStrike" spc="-1">
+              <a:t>ER information system </a:t>
+            </a:r>
+            <a:r>
+              <a:rPr lang="en-US" altLang="zh-CN" sz="4400" b="0" strike="noStrike" spc="-1" dirty="0">
+                <a:solidFill>
+                  <a:srgbClr val="000000"/>
+                </a:solidFill>
+                <a:uFill>
+                  <a:solidFill>
+                    <a:srgbClr val="FFFFFF"/>
+                  </a:solidFill>
+                </a:uFill>
+                <a:latin typeface="等线 Light"/>
+              </a:rPr>
+              <a:t>introduction</a:t>
+            </a:r>
+            <a:r>
+              <a:rPr lang="zh-CN" sz="4400" b="0" strike="noStrike" spc="-1" dirty="0">
+                <a:solidFill>
+                  <a:srgbClr val="000000"/>
+                </a:solidFill>
+                <a:uFill>
+                  <a:solidFill>
+                    <a:srgbClr val="FFFFFF"/>
+                  </a:solidFill>
+                </a:uFill>
+                <a:latin typeface="等线 Light"/>
+              </a:rPr>
+              <a:t> </a:t>
+            </a:r>
+            <a:endParaRPr lang="zh-CN" sz="1800" b="0" strike="noStrike" spc="-1" dirty="0">
               <a:solidFill>
                 <a:srgbClr val="000000"/>
               </a:solidFill>
@@ -7555,7 +12378,7 @@
 </p:sld>
 </file>
 
-<file path=ppt/slides/slide15.xml><?xml version="1.0" encoding="utf-8"?>
+<file path=ppt/slides/slide17.xml><?xml version="1.0" encoding="utf-8"?>
 <p:sld xmlns:a="http://schemas.openxmlformats.org/drawingml/2006/main" xmlns:r="http://schemas.openxmlformats.org/officeDocument/2006/relationships" xmlns:p="http://schemas.openxmlformats.org/presentationml/2006/main">
   <p:cSld>
     <p:spTree>
@@ -7692,7 +12515,7 @@
 </p:sld>
 </file>
 
-<file path=ppt/slides/slide16.xml><?xml version="1.0" encoding="utf-8"?>
+<file path=ppt/slides/slide18.xml><?xml version="1.0" encoding="utf-8"?>
 <p:sld xmlns:a="http://schemas.openxmlformats.org/drawingml/2006/main" xmlns:r="http://schemas.openxmlformats.org/officeDocument/2006/relationships" xmlns:p="http://schemas.openxmlformats.org/presentationml/2006/main">
   <p:cSld>
     <p:spTree>
@@ -7903,7 +12726,7 @@
 </p:sld>
 </file>
 
-<file path=ppt/slides/slide17.xml><?xml version="1.0" encoding="utf-8"?>
+<file path=ppt/slides/slide19.xml><?xml version="1.0" encoding="utf-8"?>
 <p:sld xmlns:a="http://schemas.openxmlformats.org/drawingml/2006/main" xmlns:r="http://schemas.openxmlformats.org/officeDocument/2006/relationships" xmlns:p="http://schemas.openxmlformats.org/presentationml/2006/main">
   <p:cSld>
     <p:spTree>
@@ -8080,613 +12903,6 @@
         </p:txBody>
       </p:sp>
     </p:spTree>
-  </p:cSld>
-  <p:clrMapOvr>
-    <a:masterClrMapping/>
-  </p:clrMapOvr>
-</p:sld>
-</file>
-
-<file path=ppt/slides/slide18.xml><?xml version="1.0" encoding="utf-8"?>
-<p:sld xmlns:a="http://schemas.openxmlformats.org/drawingml/2006/main" xmlns:r="http://schemas.openxmlformats.org/officeDocument/2006/relationships" xmlns:p="http://schemas.openxmlformats.org/presentationml/2006/main">
-  <p:cSld>
-    <p:spTree>
-      <p:nvGrpSpPr>
-        <p:cNvPr id="1" name=""/>
-        <p:cNvGrpSpPr/>
-        <p:nvPr/>
-      </p:nvGrpSpPr>
-      <p:grpSpPr>
-        <a:xfrm>
-          <a:off x="0" y="0"/>
-          <a:ext cx="0" cy="0"/>
-          <a:chOff x="0" y="0"/>
-          <a:chExt cx="0" cy="0"/>
-        </a:xfrm>
-      </p:grpSpPr>
-      <p:sp>
-        <p:nvSpPr>
-          <p:cNvPr id="112" name="TextShape 1"/>
-          <p:cNvSpPr txBox="1"/>
-          <p:nvPr/>
-        </p:nvSpPr>
-        <p:spPr>
-          <a:xfrm>
-            <a:off x="838080" y="365040"/>
-            <a:ext cx="10515240" cy="1325160"/>
-          </a:xfrm>
-          <a:prstGeom prst="rect">
-            <a:avLst/>
-          </a:prstGeom>
-          <a:noFill/>
-          <a:ln>
-            <a:noFill/>
-          </a:ln>
-        </p:spPr>
-        <p:txBody>
-          <a:bodyPr anchor="ctr"/>
-          <a:lstStyle/>
-          <a:p>
-            <a:pPr>
-              <a:lnSpc>
-                <a:spcPct val="90000"/>
-              </a:lnSpc>
-            </a:pPr>
-            <a:r>
-              <a:rPr lang="zh-CN" sz="4400" b="0" strike="noStrike" spc="-1">
-                <a:solidFill>
-                  <a:srgbClr val="000000"/>
-                </a:solidFill>
-                <a:uFill>
-                  <a:solidFill>
-                    <a:srgbClr val="FFFFFF"/>
-                  </a:solidFill>
-                </a:uFill>
-                <a:latin typeface="等线 Light"/>
-              </a:rPr>
-              <a:t>Why failed?</a:t>
-            </a:r>
-            <a:endParaRPr lang="zh-CN" sz="1800" b="0" strike="noStrike" spc="-1">
-              <a:solidFill>
-                <a:srgbClr val="000000"/>
-              </a:solidFill>
-              <a:uFill>
-                <a:solidFill>
-                  <a:srgbClr val="FFFFFF"/>
-                </a:solidFill>
-              </a:uFill>
-              <a:latin typeface="等线"/>
-            </a:endParaRPr>
-          </a:p>
-        </p:txBody>
-      </p:sp>
-      <p:sp>
-        <p:nvSpPr>
-          <p:cNvPr id="113" name="TextShape 2"/>
-          <p:cNvSpPr txBox="1"/>
-          <p:nvPr/>
-        </p:nvSpPr>
-        <p:spPr>
-          <a:xfrm>
-            <a:off x="438480" y="1825560"/>
-            <a:ext cx="11298240" cy="4350960"/>
-          </a:xfrm>
-          <a:prstGeom prst="rect">
-            <a:avLst/>
-          </a:prstGeom>
-          <a:noFill/>
-          <a:ln>
-            <a:noFill/>
-          </a:ln>
-        </p:spPr>
-        <p:txBody>
-          <a:bodyPr/>
-          <a:lstStyle/>
-          <a:p>
-            <a:pPr marL="228600" indent="-228240">
-              <a:lnSpc>
-                <a:spcPct val="90000"/>
-              </a:lnSpc>
-              <a:buClr>
-                <a:srgbClr val="000000"/>
-              </a:buClr>
-              <a:buFont typeface="Arial"/>
-              <a:buChar char="•"/>
-            </a:pPr>
-            <a:r>
-              <a:rPr lang="zh-CN" sz="2800" b="0" strike="noStrike" spc="-1" dirty="0">
-                <a:solidFill>
-                  <a:srgbClr val="000000"/>
-                </a:solidFill>
-                <a:uFill>
-                  <a:solidFill>
-                    <a:srgbClr val="FFFFFF"/>
-                  </a:solidFill>
-                </a:uFill>
-                <a:latin typeface="等线"/>
-              </a:rPr>
-              <a:t>Guessing the future direction: </a:t>
-            </a:r>
-          </a:p>
-          <a:p>
-            <a:endParaRPr lang="zh-CN" sz="2800" b="0" strike="noStrike" spc="-1" dirty="0">
-              <a:solidFill>
-                <a:srgbClr val="000000"/>
-              </a:solidFill>
-              <a:uFill>
-                <a:solidFill>
-                  <a:srgbClr val="FFFFFF"/>
-                </a:solidFill>
-              </a:uFill>
-              <a:latin typeface="等线"/>
-            </a:endParaRPr>
-          </a:p>
-          <a:p>
-            <a:endParaRPr lang="zh-CN" sz="2800" b="0" strike="noStrike" spc="-1" dirty="0">
-              <a:solidFill>
-                <a:srgbClr val="000000"/>
-              </a:solidFill>
-              <a:uFill>
-                <a:solidFill>
-                  <a:srgbClr val="FFFFFF"/>
-                </a:solidFill>
-              </a:uFill>
-              <a:latin typeface="等线"/>
-            </a:endParaRPr>
-          </a:p>
-          <a:p>
-            <a:r>
-              <a:rPr lang="zh-CN" sz="4000" b="1" strike="noStrike" spc="-1" dirty="0">
-                <a:solidFill>
-                  <a:srgbClr val="000000"/>
-                </a:solidFill>
-                <a:uFill>
-                  <a:solidFill>
-                    <a:srgbClr val="FFFFFF"/>
-                  </a:solidFill>
-                </a:uFill>
-                <a:latin typeface="等线"/>
-              </a:rPr>
-              <a:t>Is</a:t>
-            </a:r>
-            <a:r>
-              <a:rPr lang="en-US" altLang="zh-CN" sz="4000" b="1" strike="noStrike" spc="-1" dirty="0">
-                <a:solidFill>
-                  <a:srgbClr val="000000"/>
-                </a:solidFill>
-                <a:uFill>
-                  <a:solidFill>
-                    <a:srgbClr val="FFFFFF"/>
-                  </a:solidFill>
-                </a:uFill>
-                <a:latin typeface="等线"/>
-              </a:rPr>
-              <a:t> </a:t>
-            </a:r>
-            <a:r>
-              <a:rPr lang="zh-CN" sz="4000" b="1" strike="noStrike" spc="-1" dirty="0">
-                <a:solidFill>
-                  <a:srgbClr val="000000"/>
-                </a:solidFill>
-                <a:uFill>
-                  <a:solidFill>
-                    <a:srgbClr val="FFFFFF"/>
-                  </a:solidFill>
-                </a:uFill>
-                <a:latin typeface="等线"/>
-              </a:rPr>
-              <a:t>knowledge acquir</a:t>
-            </a:r>
-            <a:r>
-              <a:rPr lang="en-US" altLang="zh-CN" sz="4000" b="1" strike="noStrike" spc="-1" dirty="0" err="1">
-                <a:solidFill>
-                  <a:srgbClr val="000000"/>
-                </a:solidFill>
-                <a:uFill>
-                  <a:solidFill>
-                    <a:srgbClr val="FFFFFF"/>
-                  </a:solidFill>
-                </a:uFill>
-                <a:latin typeface="等线"/>
-              </a:rPr>
-              <a:t>ing</a:t>
-            </a:r>
-            <a:r>
-              <a:rPr lang="en-US" altLang="zh-CN" sz="4000" b="1" strike="noStrike" spc="-1" dirty="0">
-                <a:solidFill>
-                  <a:srgbClr val="000000"/>
-                </a:solidFill>
-                <a:uFill>
-                  <a:solidFill>
-                    <a:srgbClr val="FFFFFF"/>
-                  </a:solidFill>
-                </a:uFill>
-                <a:latin typeface="等线"/>
-              </a:rPr>
-              <a:t> / cognition</a:t>
-            </a:r>
-            <a:r>
-              <a:rPr lang="zh-CN" sz="4000" b="1" strike="noStrike" spc="-1" dirty="0">
-                <a:solidFill>
-                  <a:srgbClr val="000000"/>
-                </a:solidFill>
-                <a:uFill>
-                  <a:solidFill>
-                    <a:srgbClr val="FFFFFF"/>
-                  </a:solidFill>
-                </a:uFill>
-                <a:latin typeface="等线"/>
-              </a:rPr>
-              <a:t> the answer?</a:t>
-            </a:r>
-            <a:endParaRPr lang="zh-CN" sz="2800" b="0" strike="noStrike" spc="-1" dirty="0">
-              <a:solidFill>
-                <a:srgbClr val="000000"/>
-              </a:solidFill>
-              <a:uFill>
-                <a:solidFill>
-                  <a:srgbClr val="FFFFFF"/>
-                </a:solidFill>
-              </a:uFill>
-              <a:latin typeface="等线"/>
-            </a:endParaRPr>
-          </a:p>
-          <a:p>
-            <a:endParaRPr lang="zh-CN" sz="2800" b="0" strike="noStrike" spc="-1" dirty="0">
-              <a:solidFill>
-                <a:srgbClr val="000000"/>
-              </a:solidFill>
-              <a:uFill>
-                <a:solidFill>
-                  <a:srgbClr val="FFFFFF"/>
-                </a:solidFill>
-              </a:uFill>
-              <a:latin typeface="等线"/>
-            </a:endParaRPr>
-          </a:p>
-          <a:p>
-            <a:r>
-              <a:rPr lang="zh-CN" sz="3200" b="0" strike="noStrike" spc="-1" dirty="0">
-                <a:solidFill>
-                  <a:srgbClr val="000000"/>
-                </a:solidFill>
-                <a:uFill>
-                  <a:solidFill>
-                    <a:srgbClr val="FFFFFF"/>
-                  </a:solidFill>
-                </a:uFill>
-                <a:latin typeface="等线"/>
-              </a:rPr>
-              <a:t>e.g. like what Stoicism tells us:</a:t>
-            </a:r>
-            <a:endParaRPr lang="zh-CN" sz="2800" b="0" strike="noStrike" spc="-1" dirty="0">
-              <a:solidFill>
-                <a:srgbClr val="000000"/>
-              </a:solidFill>
-              <a:uFill>
-                <a:solidFill>
-                  <a:srgbClr val="FFFFFF"/>
-                </a:solidFill>
-              </a:uFill>
-              <a:latin typeface="等线"/>
-            </a:endParaRPr>
-          </a:p>
-          <a:p>
-            <a:r>
-              <a:rPr lang="zh-CN" sz="3200" b="0" strike="noStrike" spc="-1" dirty="0">
-                <a:solidFill>
-                  <a:srgbClr val="000000"/>
-                </a:solidFill>
-                <a:uFill>
-                  <a:solidFill>
-                    <a:srgbClr val="FFFFFF"/>
-                  </a:solidFill>
-                </a:uFill>
-                <a:latin typeface="等线"/>
-              </a:rPr>
-              <a:t>What happens in the real world can not be controlled, </a:t>
-            </a:r>
-            <a:endParaRPr lang="zh-CN" sz="2800" b="0" strike="noStrike" spc="-1" dirty="0">
-              <a:solidFill>
-                <a:srgbClr val="000000"/>
-              </a:solidFill>
-              <a:uFill>
-                <a:solidFill>
-                  <a:srgbClr val="FFFFFF"/>
-                </a:solidFill>
-              </a:uFill>
-              <a:latin typeface="等线"/>
-            </a:endParaRPr>
-          </a:p>
-          <a:p>
-            <a:r>
-              <a:rPr lang="zh-CN" sz="3200" b="0" strike="noStrike" spc="-1" dirty="0">
-                <a:solidFill>
-                  <a:srgbClr val="000000"/>
-                </a:solidFill>
-                <a:uFill>
-                  <a:solidFill>
-                    <a:srgbClr val="FFFFFF"/>
-                  </a:solidFill>
-                </a:uFill>
-                <a:latin typeface="等线"/>
-              </a:rPr>
-              <a:t>but what we feel is controllable.</a:t>
-            </a:r>
-            <a:endParaRPr lang="zh-CN" sz="2800" b="0" strike="noStrike" spc="-1" dirty="0">
-              <a:solidFill>
-                <a:srgbClr val="000000"/>
-              </a:solidFill>
-              <a:uFill>
-                <a:solidFill>
-                  <a:srgbClr val="FFFFFF"/>
-                </a:solidFill>
-              </a:uFill>
-              <a:latin typeface="等线"/>
-            </a:endParaRPr>
-          </a:p>
-        </p:txBody>
-      </p:sp>
-    </p:spTree>
-  </p:cSld>
-  <p:clrMapOvr>
-    <a:masterClrMapping/>
-  </p:clrMapOvr>
-</p:sld>
-</file>
-
-<file path=ppt/slides/slide19.xml><?xml version="1.0" encoding="utf-8"?>
-<p:sld xmlns:a="http://schemas.openxmlformats.org/drawingml/2006/main" xmlns:r="http://schemas.openxmlformats.org/officeDocument/2006/relationships" xmlns:p="http://schemas.openxmlformats.org/presentationml/2006/main">
-  <p:cSld>
-    <p:spTree>
-      <p:nvGrpSpPr>
-        <p:cNvPr id="1" name=""/>
-        <p:cNvGrpSpPr/>
-        <p:nvPr/>
-      </p:nvGrpSpPr>
-      <p:grpSpPr>
-        <a:xfrm>
-          <a:off x="0" y="0"/>
-          <a:ext cx="0" cy="0"/>
-          <a:chOff x="0" y="0"/>
-          <a:chExt cx="0" cy="0"/>
-        </a:xfrm>
-      </p:grpSpPr>
-      <p:sp>
-        <p:nvSpPr>
-          <p:cNvPr id="112" name="TextShape 1"/>
-          <p:cNvSpPr txBox="1"/>
-          <p:nvPr/>
-        </p:nvSpPr>
-        <p:spPr>
-          <a:xfrm>
-            <a:off x="838080" y="365040"/>
-            <a:ext cx="10515240" cy="1325160"/>
-          </a:xfrm>
-          <a:prstGeom prst="rect">
-            <a:avLst/>
-          </a:prstGeom>
-          <a:noFill/>
-          <a:ln>
-            <a:noFill/>
-          </a:ln>
-        </p:spPr>
-        <p:txBody>
-          <a:bodyPr anchor="ctr"/>
-          <a:lstStyle/>
-          <a:p>
-            <a:pPr>
-              <a:lnSpc>
-                <a:spcPct val="90000"/>
-              </a:lnSpc>
-            </a:pPr>
-            <a:r>
-              <a:rPr lang="zh-CN" sz="4400" b="0" strike="noStrike" spc="-1">
-                <a:solidFill>
-                  <a:srgbClr val="000000"/>
-                </a:solidFill>
-                <a:uFill>
-                  <a:solidFill>
-                    <a:srgbClr val="FFFFFF"/>
-                  </a:solidFill>
-                </a:uFill>
-                <a:latin typeface="等线 Light"/>
-              </a:rPr>
-              <a:t>Why failed?</a:t>
-            </a:r>
-            <a:endParaRPr lang="zh-CN" sz="1800" b="0" strike="noStrike" spc="-1">
-              <a:solidFill>
-                <a:srgbClr val="000000"/>
-              </a:solidFill>
-              <a:uFill>
-                <a:solidFill>
-                  <a:srgbClr val="FFFFFF"/>
-                </a:solidFill>
-              </a:uFill>
-              <a:latin typeface="等线"/>
-            </a:endParaRPr>
-          </a:p>
-        </p:txBody>
-      </p:sp>
-      <p:sp>
-        <p:nvSpPr>
-          <p:cNvPr id="113" name="TextShape 2"/>
-          <p:cNvSpPr txBox="1"/>
-          <p:nvPr/>
-        </p:nvSpPr>
-        <p:spPr>
-          <a:xfrm>
-            <a:off x="438480" y="1825560"/>
-            <a:ext cx="11298240" cy="4350960"/>
-          </a:xfrm>
-          <a:prstGeom prst="rect">
-            <a:avLst/>
-          </a:prstGeom>
-          <a:noFill/>
-          <a:ln>
-            <a:noFill/>
-          </a:ln>
-        </p:spPr>
-        <p:txBody>
-          <a:bodyPr/>
-          <a:lstStyle/>
-          <a:p>
-            <a:pPr marL="228600" indent="-228240">
-              <a:lnSpc>
-                <a:spcPct val="90000"/>
-              </a:lnSpc>
-              <a:buClr>
-                <a:srgbClr val="000000"/>
-              </a:buClr>
-              <a:buFont typeface="Arial"/>
-              <a:buChar char="•"/>
-            </a:pPr>
-            <a:r>
-              <a:rPr lang="zh-CN" sz="2800" b="0" strike="noStrike" spc="-1" dirty="0">
-                <a:solidFill>
-                  <a:srgbClr val="000000"/>
-                </a:solidFill>
-                <a:uFill>
-                  <a:solidFill>
-                    <a:srgbClr val="FFFFFF"/>
-                  </a:solidFill>
-                </a:uFill>
-                <a:latin typeface="等线"/>
-              </a:rPr>
-              <a:t>Guessing the future direction: </a:t>
-            </a:r>
-          </a:p>
-          <a:p>
-            <a:endParaRPr lang="zh-CN" sz="2800" b="0" strike="noStrike" spc="-1" dirty="0">
-              <a:solidFill>
-                <a:srgbClr val="000000"/>
-              </a:solidFill>
-              <a:uFill>
-                <a:solidFill>
-                  <a:srgbClr val="FFFFFF"/>
-                </a:solidFill>
-              </a:uFill>
-              <a:latin typeface="等线"/>
-            </a:endParaRPr>
-          </a:p>
-          <a:p>
-            <a:endParaRPr lang="zh-CN" sz="2800" b="0" strike="noStrike" spc="-1" dirty="0">
-              <a:solidFill>
-                <a:srgbClr val="000000"/>
-              </a:solidFill>
-              <a:uFill>
-                <a:solidFill>
-                  <a:srgbClr val="FFFFFF"/>
-                </a:solidFill>
-              </a:uFill>
-              <a:latin typeface="等线"/>
-            </a:endParaRPr>
-          </a:p>
-          <a:p>
-            <a:r>
-              <a:rPr lang="en-US" altLang="zh-CN" sz="4000" b="1" strike="noStrike" spc="-1" dirty="0">
-                <a:solidFill>
-                  <a:srgbClr val="000000"/>
-                </a:solidFill>
-                <a:uFill>
-                  <a:solidFill>
-                    <a:srgbClr val="FFFFFF"/>
-                  </a:solidFill>
-                </a:uFill>
-                <a:latin typeface="等线"/>
-              </a:rPr>
-              <a:t>Or supervised learning</a:t>
-            </a:r>
-            <a:r>
-              <a:rPr lang="zh-CN" sz="4000" b="1" strike="noStrike" spc="-1" dirty="0">
-                <a:solidFill>
-                  <a:srgbClr val="000000"/>
-                </a:solidFill>
-                <a:uFill>
-                  <a:solidFill>
-                    <a:srgbClr val="FFFFFF"/>
-                  </a:solidFill>
-                </a:uFill>
-                <a:latin typeface="等线"/>
-              </a:rPr>
-              <a:t>?</a:t>
-            </a:r>
-            <a:endParaRPr lang="zh-CN" sz="2800" b="0" strike="noStrike" spc="-1" dirty="0">
-              <a:solidFill>
-                <a:srgbClr val="000000"/>
-              </a:solidFill>
-              <a:uFill>
-                <a:solidFill>
-                  <a:srgbClr val="FFFFFF"/>
-                </a:solidFill>
-              </a:uFill>
-              <a:latin typeface="等线"/>
-            </a:endParaRPr>
-          </a:p>
-          <a:p>
-            <a:endParaRPr lang="zh-CN" sz="2800" b="0" strike="noStrike" spc="-1" dirty="0">
-              <a:solidFill>
-                <a:srgbClr val="000000"/>
-              </a:solidFill>
-              <a:uFill>
-                <a:solidFill>
-                  <a:srgbClr val="FFFFFF"/>
-                </a:solidFill>
-              </a:uFill>
-              <a:latin typeface="等线"/>
-            </a:endParaRPr>
-          </a:p>
-          <a:p>
-            <a:r>
-              <a:rPr lang="en-US" altLang="zh-CN" sz="3200" b="0" strike="noStrike" spc="-1" dirty="0">
-                <a:solidFill>
-                  <a:srgbClr val="000000"/>
-                </a:solidFill>
-                <a:uFill>
-                  <a:solidFill>
-                    <a:srgbClr val="FFFFFF"/>
-                  </a:solidFill>
-                </a:uFill>
-                <a:latin typeface="等线"/>
-              </a:rPr>
-              <a:t>An easy step to adapt to supervised learning process:</a:t>
-            </a:r>
-          </a:p>
-          <a:p>
-            <a:r>
-              <a:rPr lang="en-US" altLang="zh-CN" sz="3200" spc="-1" dirty="0">
-                <a:solidFill>
-                  <a:srgbClr val="000000"/>
-                </a:solidFill>
-                <a:uFill>
-                  <a:solidFill>
-                    <a:srgbClr val="FFFFFF"/>
-                  </a:solidFill>
-                </a:uFill>
-                <a:latin typeface="等线"/>
-              </a:rPr>
-              <a:t>- Have the users themselves rank their emotions</a:t>
-            </a:r>
-            <a:endParaRPr lang="zh-CN" sz="2800" b="0" strike="noStrike" spc="-1" dirty="0">
-              <a:solidFill>
-                <a:srgbClr val="000000"/>
-              </a:solidFill>
-              <a:uFill>
-                <a:solidFill>
-                  <a:srgbClr val="FFFFFF"/>
-                </a:solidFill>
-              </a:uFill>
-              <a:latin typeface="等线"/>
-            </a:endParaRPr>
-          </a:p>
-        </p:txBody>
-      </p:sp>
-    </p:spTree>
-    <p:extLst>
-      <p:ext uri="{BB962C8B-B14F-4D97-AF65-F5344CB8AC3E}">
-        <p14:creationId xmlns:p14="http://schemas.microsoft.com/office/powerpoint/2010/main" val="1062387310"/>
-      </p:ext>
-    </p:extLst>
   </p:cSld>
   <p:clrMapOvr>
     <a:masterClrMapping/>
@@ -8740,7 +12956,7 @@
               </a:lnSpc>
             </a:pPr>
             <a:r>
-              <a:rPr lang="zh-CN" sz="4400" b="0" strike="noStrike" spc="-1">
+              <a:rPr lang="zh-CN" sz="4400" b="0" strike="noStrike" spc="-1" dirty="0">
                 <a:solidFill>
                   <a:srgbClr val="000000"/>
                 </a:solidFill>
@@ -8751,9 +12967,37 @@
                 </a:uFill>
                 <a:latin typeface="等线 Light"/>
               </a:rPr>
-              <a:t>ER information system intruduction </a:t>
-            </a:r>
-            <a:endParaRPr lang="zh-CN" sz="1800" b="0" strike="noStrike" spc="-1">
+              <a:t>ER information system </a:t>
+            </a:r>
+            <a:r>
+              <a:rPr lang="en-US" altLang="zh-CN" sz="4400" b="0" strike="noStrike" spc="-1" dirty="0">
+                <a:solidFill>
+                  <a:srgbClr val="000000"/>
+                </a:solidFill>
+                <a:uFill>
+                  <a:solidFill>
+                    <a:srgbClr val="FFFFFF"/>
+                  </a:solidFill>
+                </a:uFill>
+                <a:latin typeface="等线 Light"/>
+              </a:rPr>
+              <a:t>introduction</a:t>
+            </a:r>
+            <a:r>
+              <a:rPr lang="zh-CN" sz="4400" b="0" strike="noStrike" spc="-1" dirty="0">
+                <a:solidFill>
+                  <a:srgbClr val="000000"/>
+                </a:solidFill>
+                <a:uFill>
+                  <a:solidFill>
+                    <a:srgbClr val="FFFFFF"/>
+                  </a:solidFill>
+                </a:uFill>
+                <a:latin typeface="等线 Light"/>
+              </a:rPr>
+              <a:t> </a:t>
+            </a:r>
+            <a:endParaRPr lang="zh-CN" sz="1800" b="0" strike="noStrike" spc="-1" dirty="0">
               <a:solidFill>
                 <a:srgbClr val="000000"/>
               </a:solidFill>
@@ -8940,6 +13184,1295 @@
         </p:txBody>
       </p:sp>
     </p:spTree>
+  </p:cSld>
+  <p:clrMapOvr>
+    <a:masterClrMapping/>
+  </p:clrMapOvr>
+</p:sld>
+</file>
+
+<file path=ppt/slides/slide20.xml><?xml version="1.0" encoding="utf-8"?>
+<p:sld xmlns:a="http://schemas.openxmlformats.org/drawingml/2006/main" xmlns:r="http://schemas.openxmlformats.org/officeDocument/2006/relationships" xmlns:p="http://schemas.openxmlformats.org/presentationml/2006/main">
+  <p:cSld>
+    <p:spTree>
+      <p:nvGrpSpPr>
+        <p:cNvPr id="1" name=""/>
+        <p:cNvGrpSpPr/>
+        <p:nvPr/>
+      </p:nvGrpSpPr>
+      <p:grpSpPr>
+        <a:xfrm>
+          <a:off x="0" y="0"/>
+          <a:ext cx="0" cy="0"/>
+          <a:chOff x="0" y="0"/>
+          <a:chExt cx="0" cy="0"/>
+        </a:xfrm>
+      </p:grpSpPr>
+      <p:sp>
+        <p:nvSpPr>
+          <p:cNvPr id="112" name="TextShape 1"/>
+          <p:cNvSpPr txBox="1"/>
+          <p:nvPr/>
+        </p:nvSpPr>
+        <p:spPr>
+          <a:xfrm>
+            <a:off x="838080" y="365040"/>
+            <a:ext cx="10515240" cy="1325160"/>
+          </a:xfrm>
+          <a:prstGeom prst="rect">
+            <a:avLst/>
+          </a:prstGeom>
+          <a:noFill/>
+          <a:ln>
+            <a:noFill/>
+          </a:ln>
+        </p:spPr>
+        <p:txBody>
+          <a:bodyPr anchor="ctr"/>
+          <a:lstStyle/>
+          <a:p>
+            <a:pPr>
+              <a:lnSpc>
+                <a:spcPct val="90000"/>
+              </a:lnSpc>
+            </a:pPr>
+            <a:r>
+              <a:rPr lang="en-US" altLang="zh-CN" sz="4400" b="0" strike="noStrike" spc="-1" dirty="0">
+                <a:solidFill>
+                  <a:srgbClr val="000000"/>
+                </a:solidFill>
+                <a:uFill>
+                  <a:solidFill>
+                    <a:srgbClr val="FFFFFF"/>
+                  </a:solidFill>
+                </a:uFill>
+                <a:latin typeface="等线 Light"/>
+              </a:rPr>
+              <a:t>Guessing the future direction</a:t>
+            </a:r>
+            <a:endParaRPr lang="zh-CN" sz="1800" b="0" strike="noStrike" spc="-1" dirty="0">
+              <a:solidFill>
+                <a:srgbClr val="000000"/>
+              </a:solidFill>
+              <a:uFill>
+                <a:solidFill>
+                  <a:srgbClr val="FFFFFF"/>
+                </a:solidFill>
+              </a:uFill>
+              <a:latin typeface="等线"/>
+            </a:endParaRPr>
+          </a:p>
+        </p:txBody>
+      </p:sp>
+      <p:sp>
+        <p:nvSpPr>
+          <p:cNvPr id="113" name="TextShape 2"/>
+          <p:cNvSpPr txBox="1"/>
+          <p:nvPr/>
+        </p:nvSpPr>
+        <p:spPr>
+          <a:xfrm>
+            <a:off x="438480" y="1825560"/>
+            <a:ext cx="11298240" cy="4350960"/>
+          </a:xfrm>
+          <a:prstGeom prst="rect">
+            <a:avLst/>
+          </a:prstGeom>
+          <a:noFill/>
+          <a:ln>
+            <a:noFill/>
+          </a:ln>
+        </p:spPr>
+        <p:txBody>
+          <a:bodyPr/>
+          <a:lstStyle/>
+          <a:p>
+            <a:endParaRPr lang="zh-CN" sz="2800" b="0" strike="noStrike" spc="-1" dirty="0">
+              <a:solidFill>
+                <a:srgbClr val="000000"/>
+              </a:solidFill>
+              <a:uFill>
+                <a:solidFill>
+                  <a:srgbClr val="FFFFFF"/>
+                </a:solidFill>
+              </a:uFill>
+              <a:latin typeface="等线"/>
+            </a:endParaRPr>
+          </a:p>
+          <a:p>
+            <a:r>
+              <a:rPr lang="zh-CN" sz="4000" b="1" strike="noStrike" spc="-1" dirty="0">
+                <a:solidFill>
+                  <a:srgbClr val="000000"/>
+                </a:solidFill>
+                <a:uFill>
+                  <a:solidFill>
+                    <a:srgbClr val="FFFFFF"/>
+                  </a:solidFill>
+                </a:uFill>
+                <a:latin typeface="等线"/>
+              </a:rPr>
+              <a:t>Is</a:t>
+            </a:r>
+            <a:r>
+              <a:rPr lang="en-US" altLang="zh-CN" sz="4000" b="1" strike="noStrike" spc="-1" dirty="0">
+                <a:solidFill>
+                  <a:srgbClr val="000000"/>
+                </a:solidFill>
+                <a:uFill>
+                  <a:solidFill>
+                    <a:srgbClr val="FFFFFF"/>
+                  </a:solidFill>
+                </a:uFill>
+                <a:latin typeface="等线"/>
+              </a:rPr>
+              <a:t> </a:t>
+            </a:r>
+            <a:r>
+              <a:rPr lang="zh-CN" sz="4000" b="1" strike="noStrike" spc="-1" dirty="0">
+                <a:solidFill>
+                  <a:srgbClr val="000000"/>
+                </a:solidFill>
+                <a:uFill>
+                  <a:solidFill>
+                    <a:srgbClr val="FFFFFF"/>
+                  </a:solidFill>
+                </a:uFill>
+                <a:latin typeface="等线"/>
+              </a:rPr>
+              <a:t>knowledge acquir</a:t>
+            </a:r>
+            <a:r>
+              <a:rPr lang="en-US" altLang="zh-CN" sz="4000" b="1" strike="noStrike" spc="-1" dirty="0">
+                <a:solidFill>
+                  <a:srgbClr val="000000"/>
+                </a:solidFill>
+                <a:uFill>
+                  <a:solidFill>
+                    <a:srgbClr val="FFFFFF"/>
+                  </a:solidFill>
+                </a:uFill>
+                <a:latin typeface="等线"/>
+              </a:rPr>
+              <a:t>e / cognition</a:t>
+            </a:r>
+            <a:r>
+              <a:rPr lang="zh-CN" sz="4000" b="1" strike="noStrike" spc="-1" dirty="0">
+                <a:solidFill>
+                  <a:srgbClr val="000000"/>
+                </a:solidFill>
+                <a:uFill>
+                  <a:solidFill>
+                    <a:srgbClr val="FFFFFF"/>
+                  </a:solidFill>
+                </a:uFill>
+                <a:latin typeface="等线"/>
+              </a:rPr>
+              <a:t> the answer?</a:t>
+            </a:r>
+            <a:endParaRPr lang="zh-CN" sz="2800" b="0" strike="noStrike" spc="-1" dirty="0">
+              <a:solidFill>
+                <a:srgbClr val="000000"/>
+              </a:solidFill>
+              <a:uFill>
+                <a:solidFill>
+                  <a:srgbClr val="FFFFFF"/>
+                </a:solidFill>
+              </a:uFill>
+              <a:latin typeface="等线"/>
+            </a:endParaRPr>
+          </a:p>
+          <a:p>
+            <a:endParaRPr lang="zh-CN" sz="2800" b="0" strike="noStrike" spc="-1" dirty="0">
+              <a:solidFill>
+                <a:srgbClr val="000000"/>
+              </a:solidFill>
+              <a:uFill>
+                <a:solidFill>
+                  <a:srgbClr val="FFFFFF"/>
+                </a:solidFill>
+              </a:uFill>
+              <a:latin typeface="等线"/>
+            </a:endParaRPr>
+          </a:p>
+          <a:p>
+            <a:r>
+              <a:rPr lang="zh-CN" sz="3200" b="0" strike="noStrike" spc="-1" dirty="0">
+                <a:solidFill>
+                  <a:srgbClr val="000000"/>
+                </a:solidFill>
+                <a:uFill>
+                  <a:solidFill>
+                    <a:srgbClr val="FFFFFF"/>
+                  </a:solidFill>
+                </a:uFill>
+                <a:latin typeface="等线"/>
+              </a:rPr>
+              <a:t>e.g. like what Stoicism tells us:</a:t>
+            </a:r>
+            <a:endParaRPr lang="zh-CN" sz="2800" b="0" strike="noStrike" spc="-1" dirty="0">
+              <a:solidFill>
+                <a:srgbClr val="000000"/>
+              </a:solidFill>
+              <a:uFill>
+                <a:solidFill>
+                  <a:srgbClr val="FFFFFF"/>
+                </a:solidFill>
+              </a:uFill>
+              <a:latin typeface="等线"/>
+            </a:endParaRPr>
+          </a:p>
+          <a:p>
+            <a:r>
+              <a:rPr lang="zh-CN" sz="3200" b="0" strike="noStrike" spc="-1" dirty="0">
+                <a:solidFill>
+                  <a:srgbClr val="000000"/>
+                </a:solidFill>
+                <a:uFill>
+                  <a:solidFill>
+                    <a:srgbClr val="FFFFFF"/>
+                  </a:solidFill>
+                </a:uFill>
+                <a:latin typeface="等线"/>
+              </a:rPr>
+              <a:t>What happens in the real world can not be controlled, </a:t>
+            </a:r>
+            <a:endParaRPr lang="zh-CN" sz="2800" b="0" strike="noStrike" spc="-1" dirty="0">
+              <a:solidFill>
+                <a:srgbClr val="000000"/>
+              </a:solidFill>
+              <a:uFill>
+                <a:solidFill>
+                  <a:srgbClr val="FFFFFF"/>
+                </a:solidFill>
+              </a:uFill>
+              <a:latin typeface="等线"/>
+            </a:endParaRPr>
+          </a:p>
+          <a:p>
+            <a:r>
+              <a:rPr lang="zh-CN" sz="3200" b="0" strike="noStrike" spc="-1" dirty="0">
+                <a:solidFill>
+                  <a:srgbClr val="000000"/>
+                </a:solidFill>
+                <a:uFill>
+                  <a:solidFill>
+                    <a:srgbClr val="FFFFFF"/>
+                  </a:solidFill>
+                </a:uFill>
+                <a:latin typeface="等线"/>
+              </a:rPr>
+              <a:t>but what we feel is controllable.</a:t>
+            </a:r>
+            <a:endParaRPr lang="zh-CN" sz="2800" b="0" strike="noStrike" spc="-1" dirty="0">
+              <a:solidFill>
+                <a:srgbClr val="000000"/>
+              </a:solidFill>
+              <a:uFill>
+                <a:solidFill>
+                  <a:srgbClr val="FFFFFF"/>
+                </a:solidFill>
+              </a:uFill>
+              <a:latin typeface="等线"/>
+            </a:endParaRPr>
+          </a:p>
+        </p:txBody>
+      </p:sp>
+    </p:spTree>
+  </p:cSld>
+  <p:clrMapOvr>
+    <a:masterClrMapping/>
+  </p:clrMapOvr>
+</p:sld>
+</file>
+
+<file path=ppt/slides/slide21.xml><?xml version="1.0" encoding="utf-8"?>
+<p:sld xmlns:a="http://schemas.openxmlformats.org/drawingml/2006/main" xmlns:r="http://schemas.openxmlformats.org/officeDocument/2006/relationships" xmlns:p="http://schemas.openxmlformats.org/presentationml/2006/main">
+  <p:cSld>
+    <p:spTree>
+      <p:nvGrpSpPr>
+        <p:cNvPr id="1" name=""/>
+        <p:cNvGrpSpPr/>
+        <p:nvPr/>
+      </p:nvGrpSpPr>
+      <p:grpSpPr>
+        <a:xfrm>
+          <a:off x="0" y="0"/>
+          <a:ext cx="0" cy="0"/>
+          <a:chOff x="0" y="0"/>
+          <a:chExt cx="0" cy="0"/>
+        </a:xfrm>
+      </p:grpSpPr>
+      <p:sp>
+        <p:nvSpPr>
+          <p:cNvPr id="112" name="TextShape 1"/>
+          <p:cNvSpPr txBox="1"/>
+          <p:nvPr/>
+        </p:nvSpPr>
+        <p:spPr>
+          <a:xfrm>
+            <a:off x="838080" y="365040"/>
+            <a:ext cx="10515240" cy="1325160"/>
+          </a:xfrm>
+          <a:prstGeom prst="rect">
+            <a:avLst/>
+          </a:prstGeom>
+          <a:noFill/>
+          <a:ln>
+            <a:noFill/>
+          </a:ln>
+        </p:spPr>
+        <p:txBody>
+          <a:bodyPr anchor="ctr"/>
+          <a:lstStyle/>
+          <a:p>
+            <a:pPr>
+              <a:lnSpc>
+                <a:spcPct val="90000"/>
+              </a:lnSpc>
+            </a:pPr>
+            <a:r>
+              <a:rPr lang="en-US" altLang="zh-CN" sz="4400" b="0" strike="noStrike" spc="-1" dirty="0">
+                <a:solidFill>
+                  <a:srgbClr val="000000"/>
+                </a:solidFill>
+                <a:uFill>
+                  <a:solidFill>
+                    <a:srgbClr val="FFFFFF"/>
+                  </a:solidFill>
+                </a:uFill>
+                <a:latin typeface="等线 Light"/>
+              </a:rPr>
+              <a:t>Guessing the future direction</a:t>
+            </a:r>
+            <a:endParaRPr lang="zh-CN" altLang="zh-CN" sz="1800" b="0" strike="noStrike" spc="-1" dirty="0">
+              <a:solidFill>
+                <a:srgbClr val="000000"/>
+              </a:solidFill>
+              <a:uFill>
+                <a:solidFill>
+                  <a:srgbClr val="FFFFFF"/>
+                </a:solidFill>
+              </a:uFill>
+              <a:latin typeface="等线"/>
+            </a:endParaRPr>
+          </a:p>
+        </p:txBody>
+      </p:sp>
+      <p:sp>
+        <p:nvSpPr>
+          <p:cNvPr id="113" name="TextShape 2"/>
+          <p:cNvSpPr txBox="1"/>
+          <p:nvPr/>
+        </p:nvSpPr>
+        <p:spPr>
+          <a:xfrm>
+            <a:off x="438480" y="1825560"/>
+            <a:ext cx="11298240" cy="4853032"/>
+          </a:xfrm>
+          <a:prstGeom prst="rect">
+            <a:avLst/>
+          </a:prstGeom>
+          <a:noFill/>
+          <a:ln>
+            <a:noFill/>
+          </a:ln>
+        </p:spPr>
+        <p:txBody>
+          <a:bodyPr/>
+          <a:lstStyle/>
+          <a:p>
+            <a:endParaRPr lang="zh-CN" sz="2800" b="0" strike="noStrike" spc="-1" dirty="0">
+              <a:solidFill>
+                <a:srgbClr val="000000"/>
+              </a:solidFill>
+              <a:uFill>
+                <a:solidFill>
+                  <a:srgbClr val="FFFFFF"/>
+                </a:solidFill>
+              </a:uFill>
+              <a:latin typeface="等线"/>
+            </a:endParaRPr>
+          </a:p>
+          <a:p>
+            <a:r>
+              <a:rPr lang="en-US" altLang="zh-CN" sz="3200" b="1" strike="noStrike" spc="-1" dirty="0">
+                <a:solidFill>
+                  <a:srgbClr val="000000"/>
+                </a:solidFill>
+                <a:uFill>
+                  <a:solidFill>
+                    <a:srgbClr val="FFFFFF"/>
+                  </a:solidFill>
+                </a:uFill>
+                <a:latin typeface="等线"/>
+              </a:rPr>
+              <a:t>Or supervised learning</a:t>
+            </a:r>
+            <a:r>
+              <a:rPr lang="zh-CN" sz="3200" b="1" strike="noStrike" spc="-1" dirty="0">
+                <a:solidFill>
+                  <a:srgbClr val="000000"/>
+                </a:solidFill>
+                <a:uFill>
+                  <a:solidFill>
+                    <a:srgbClr val="FFFFFF"/>
+                  </a:solidFill>
+                </a:uFill>
+                <a:latin typeface="等线"/>
+              </a:rPr>
+              <a:t>?</a:t>
+            </a:r>
+            <a:endParaRPr lang="zh-CN" sz="2000" b="0" strike="noStrike" spc="-1" dirty="0">
+              <a:solidFill>
+                <a:srgbClr val="000000"/>
+              </a:solidFill>
+              <a:uFill>
+                <a:solidFill>
+                  <a:srgbClr val="FFFFFF"/>
+                </a:solidFill>
+              </a:uFill>
+              <a:latin typeface="等线"/>
+            </a:endParaRPr>
+          </a:p>
+          <a:p>
+            <a:r>
+              <a:rPr lang="en-US" altLang="zh-CN" sz="3200" b="0" strike="noStrike" spc="-1" dirty="0">
+                <a:solidFill>
+                  <a:srgbClr val="000000"/>
+                </a:solidFill>
+                <a:uFill>
+                  <a:solidFill>
+                    <a:srgbClr val="FFFFFF"/>
+                  </a:solidFill>
+                </a:uFill>
+                <a:latin typeface="等线"/>
+              </a:rPr>
+              <a:t>An easy step to adapt to supervised learning process:</a:t>
+            </a:r>
+          </a:p>
+          <a:p>
+            <a:endParaRPr lang="en-US" altLang="zh-CN" sz="3200" b="0" strike="noStrike" spc="-1" dirty="0">
+              <a:solidFill>
+                <a:srgbClr val="000000"/>
+              </a:solidFill>
+              <a:uFill>
+                <a:solidFill>
+                  <a:srgbClr val="FFFFFF"/>
+                </a:solidFill>
+              </a:uFill>
+              <a:latin typeface="等线"/>
+            </a:endParaRPr>
+          </a:p>
+          <a:p>
+            <a:r>
+              <a:rPr lang="en-US" altLang="zh-CN" sz="3200" u="sng" spc="-1" dirty="0">
+                <a:solidFill>
+                  <a:srgbClr val="000000"/>
+                </a:solidFill>
+                <a:uFill>
+                  <a:solidFill>
+                    <a:srgbClr val="FFFFFF"/>
+                  </a:solidFill>
+                </a:uFill>
+                <a:latin typeface="等线"/>
+              </a:rPr>
+              <a:t>	Have the users themselves rank their emotions.</a:t>
+            </a:r>
+          </a:p>
+          <a:p>
+            <a:endParaRPr lang="en-US" altLang="zh-CN" sz="3200" b="0" u="sng" strike="noStrike" spc="-1" dirty="0">
+              <a:solidFill>
+                <a:srgbClr val="000000"/>
+              </a:solidFill>
+              <a:uFill>
+                <a:solidFill>
+                  <a:srgbClr val="FFFFFF"/>
+                </a:solidFill>
+              </a:uFill>
+              <a:latin typeface="等线"/>
+            </a:endParaRPr>
+          </a:p>
+          <a:p>
+            <a:r>
+              <a:rPr lang="en-US" altLang="zh-CN" sz="3200" u="sng" spc="-1" dirty="0">
+                <a:solidFill>
+                  <a:srgbClr val="000000"/>
+                </a:solidFill>
+                <a:uFill>
+                  <a:solidFill>
+                    <a:srgbClr val="FFFFFF"/>
+                  </a:solidFill>
+                </a:uFill>
+                <a:latin typeface="等线"/>
+              </a:rPr>
+              <a:t>	</a:t>
+            </a:r>
+            <a:r>
+              <a:rPr lang="en-US" altLang="zh-CN" sz="3200" b="1" spc="-1" dirty="0">
+                <a:solidFill>
+                  <a:srgbClr val="000000"/>
+                </a:solidFill>
+                <a:effectLst>
+                  <a:outerShdw blurRad="38100" dist="38100" dir="2700000" algn="tl">
+                    <a:srgbClr val="000000">
+                      <a:alpha val="43137"/>
+                    </a:srgbClr>
+                  </a:outerShdw>
+                </a:effectLst>
+                <a:uFill>
+                  <a:solidFill>
+                    <a:srgbClr val="FFFFFF"/>
+                  </a:solidFill>
+                </a:uFill>
+                <a:latin typeface="等线"/>
+              </a:rPr>
+              <a:t>Multiple Regression Model</a:t>
+            </a:r>
+            <a:endParaRPr lang="zh-CN" sz="2800" b="1" strike="noStrike" spc="-1" dirty="0">
+              <a:solidFill>
+                <a:srgbClr val="000000"/>
+              </a:solidFill>
+              <a:effectLst>
+                <a:outerShdw blurRad="38100" dist="38100" dir="2700000" algn="tl">
+                  <a:srgbClr val="000000">
+                    <a:alpha val="43137"/>
+                  </a:srgbClr>
+                </a:outerShdw>
+              </a:effectLst>
+              <a:uFill>
+                <a:solidFill>
+                  <a:srgbClr val="FFFFFF"/>
+                </a:solidFill>
+              </a:uFill>
+              <a:latin typeface="等线"/>
+            </a:endParaRPr>
+          </a:p>
+        </p:txBody>
+      </p:sp>
+    </p:spTree>
+    <p:extLst>
+      <p:ext uri="{BB962C8B-B14F-4D97-AF65-F5344CB8AC3E}">
+        <p14:creationId xmlns:p14="http://schemas.microsoft.com/office/powerpoint/2010/main" val="1062387310"/>
+      </p:ext>
+    </p:extLst>
+  </p:cSld>
+  <p:clrMapOvr>
+    <a:masterClrMapping/>
+  </p:clrMapOvr>
+</p:sld>
+</file>
+
+<file path=ppt/slides/slide22.xml><?xml version="1.0" encoding="utf-8"?>
+<p:sld xmlns:a="http://schemas.openxmlformats.org/drawingml/2006/main" xmlns:r="http://schemas.openxmlformats.org/officeDocument/2006/relationships" xmlns:p="http://schemas.openxmlformats.org/presentationml/2006/main">
+  <p:cSld>
+    <p:spTree>
+      <p:nvGrpSpPr>
+        <p:cNvPr id="1" name=""/>
+        <p:cNvGrpSpPr/>
+        <p:nvPr/>
+      </p:nvGrpSpPr>
+      <p:grpSpPr>
+        <a:xfrm>
+          <a:off x="0" y="0"/>
+          <a:ext cx="0" cy="0"/>
+          <a:chOff x="0" y="0"/>
+          <a:chExt cx="0" cy="0"/>
+        </a:xfrm>
+      </p:grpSpPr>
+      <p:sp>
+        <p:nvSpPr>
+          <p:cNvPr id="112" name="TextShape 1"/>
+          <p:cNvSpPr txBox="1"/>
+          <p:nvPr/>
+        </p:nvSpPr>
+        <p:spPr>
+          <a:xfrm>
+            <a:off x="838080" y="365040"/>
+            <a:ext cx="10515240" cy="1325160"/>
+          </a:xfrm>
+          <a:prstGeom prst="rect">
+            <a:avLst/>
+          </a:prstGeom>
+          <a:noFill/>
+          <a:ln>
+            <a:noFill/>
+          </a:ln>
+        </p:spPr>
+        <p:txBody>
+          <a:bodyPr anchor="ctr"/>
+          <a:lstStyle/>
+          <a:p>
+            <a:pPr>
+              <a:lnSpc>
+                <a:spcPct val="90000"/>
+              </a:lnSpc>
+            </a:pPr>
+            <a:r>
+              <a:rPr lang="en-US" altLang="zh-CN" sz="4400" b="0" strike="noStrike" spc="-1" dirty="0">
+                <a:solidFill>
+                  <a:srgbClr val="000000"/>
+                </a:solidFill>
+                <a:uFill>
+                  <a:solidFill>
+                    <a:srgbClr val="FFFFFF"/>
+                  </a:solidFill>
+                </a:uFill>
+                <a:latin typeface="等线 Light"/>
+              </a:rPr>
+              <a:t>Guessing the future direction</a:t>
+            </a:r>
+            <a:endParaRPr lang="zh-CN" altLang="zh-CN" sz="1800" b="0" strike="noStrike" spc="-1" dirty="0">
+              <a:solidFill>
+                <a:srgbClr val="000000"/>
+              </a:solidFill>
+              <a:uFill>
+                <a:solidFill>
+                  <a:srgbClr val="FFFFFF"/>
+                </a:solidFill>
+              </a:uFill>
+              <a:latin typeface="等线"/>
+            </a:endParaRPr>
+          </a:p>
+        </p:txBody>
+      </p:sp>
+      <p:sp>
+        <p:nvSpPr>
+          <p:cNvPr id="113" name="TextShape 2"/>
+          <p:cNvSpPr txBox="1"/>
+          <p:nvPr/>
+        </p:nvSpPr>
+        <p:spPr>
+          <a:xfrm>
+            <a:off x="446579" y="1432020"/>
+            <a:ext cx="11618173" cy="5258146"/>
+          </a:xfrm>
+          <a:prstGeom prst="rect">
+            <a:avLst/>
+          </a:prstGeom>
+          <a:noFill/>
+          <a:ln>
+            <a:noFill/>
+          </a:ln>
+        </p:spPr>
+        <p:txBody>
+          <a:bodyPr/>
+          <a:lstStyle/>
+          <a:p>
+            <a:pPr marL="228600" indent="-228240">
+              <a:lnSpc>
+                <a:spcPct val="90000"/>
+              </a:lnSpc>
+              <a:buClr>
+                <a:srgbClr val="000000"/>
+              </a:buClr>
+              <a:buFont typeface="Arial"/>
+              <a:buChar char="•"/>
+            </a:pPr>
+            <a:r>
+              <a:rPr lang="en-US" altLang="zh-CN" sz="3200" spc="-1" dirty="0">
+                <a:solidFill>
+                  <a:srgbClr val="000000"/>
+                </a:solidFill>
+                <a:uFill>
+                  <a:solidFill>
+                    <a:srgbClr val="FFFFFF"/>
+                  </a:solidFill>
+                </a:uFill>
+                <a:latin typeface="等线"/>
+              </a:rPr>
+              <a:t>Have the users themselves rank their emotions ( </a:t>
+            </a:r>
+            <a:r>
+              <a:rPr lang="en-US" altLang="zh-CN" sz="3200" i="1" spc="-1" dirty="0">
+                <a:solidFill>
+                  <a:srgbClr val="000000"/>
+                </a:solidFill>
+                <a:uFill>
+                  <a:solidFill>
+                    <a:srgbClr val="FFFFFF"/>
+                  </a:solidFill>
+                </a:uFill>
+                <a:latin typeface="等线"/>
+              </a:rPr>
+              <a:t>y </a:t>
+            </a:r>
+            <a:r>
+              <a:rPr lang="en-US" altLang="zh-CN" sz="3200" spc="-1" dirty="0">
+                <a:solidFill>
+                  <a:srgbClr val="000000"/>
+                </a:solidFill>
+                <a:uFill>
+                  <a:solidFill>
+                    <a:srgbClr val="FFFFFF"/>
+                  </a:solidFill>
+                </a:uFill>
+                <a:latin typeface="等线"/>
+              </a:rPr>
+              <a:t>).</a:t>
+            </a:r>
+          </a:p>
+          <a:p>
+            <a:pPr marL="914760" lvl="2">
+              <a:lnSpc>
+                <a:spcPct val="90000"/>
+              </a:lnSpc>
+              <a:buClr>
+                <a:srgbClr val="000000"/>
+              </a:buClr>
+            </a:pPr>
+            <a:r>
+              <a:rPr lang="en-US" altLang="zh-CN" sz="3200" i="1" spc="-1" dirty="0">
+                <a:solidFill>
+                  <a:srgbClr val="000000"/>
+                </a:solidFill>
+                <a:uFill>
+                  <a:solidFill>
+                    <a:srgbClr val="FFFFFF"/>
+                  </a:solidFill>
+                </a:uFill>
+                <a:latin typeface="等线"/>
+              </a:rPr>
+              <a:t>Multiple Regression Model</a:t>
+            </a:r>
+          </a:p>
+          <a:p>
+            <a:endParaRPr lang="en-US" altLang="zh-CN" sz="3200" b="0" u="sng" strike="noStrike" spc="-1" dirty="0">
+              <a:solidFill>
+                <a:srgbClr val="000000"/>
+              </a:solidFill>
+              <a:uFill>
+                <a:solidFill>
+                  <a:srgbClr val="FFFFFF"/>
+                </a:solidFill>
+              </a:uFill>
+              <a:latin typeface="等线"/>
+            </a:endParaRPr>
+          </a:p>
+          <a:p>
+            <a:endParaRPr lang="en-US" altLang="zh-CN" sz="3200" u="sng" spc="-1" dirty="0">
+              <a:solidFill>
+                <a:srgbClr val="000000"/>
+              </a:solidFill>
+              <a:uFill>
+                <a:solidFill>
+                  <a:srgbClr val="FFFFFF"/>
+                </a:solidFill>
+              </a:uFill>
+              <a:latin typeface="等线"/>
+            </a:endParaRPr>
+          </a:p>
+          <a:p>
+            <a:endParaRPr lang="en-US" altLang="zh-CN" sz="3200" b="0" u="sng" strike="noStrike" spc="-1" dirty="0">
+              <a:solidFill>
+                <a:srgbClr val="000000"/>
+              </a:solidFill>
+              <a:uFill>
+                <a:solidFill>
+                  <a:srgbClr val="FFFFFF"/>
+                </a:solidFill>
+              </a:uFill>
+              <a:latin typeface="等线"/>
+            </a:endParaRPr>
+          </a:p>
+          <a:p>
+            <a:r>
+              <a:rPr lang="en-US" altLang="zh-CN" sz="2800" b="0" u="sng" strike="noStrike" spc="-1" dirty="0">
+                <a:solidFill>
+                  <a:srgbClr val="000000"/>
+                </a:solidFill>
+                <a:uFill>
+                  <a:solidFill>
+                    <a:srgbClr val="FFFFFF"/>
+                  </a:solidFill>
+                </a:uFill>
+                <a:latin typeface="等线"/>
+              </a:rPr>
+              <a:t>	where</a:t>
+            </a:r>
+          </a:p>
+          <a:p>
+            <a:r>
+              <a:rPr lang="en-US" altLang="zh-CN" sz="2800" b="0" u="sng" strike="noStrike" spc="-1" dirty="0">
+                <a:solidFill>
+                  <a:srgbClr val="000000"/>
+                </a:solidFill>
+                <a:uFill>
+                  <a:solidFill>
+                    <a:srgbClr val="FFFFFF"/>
+                  </a:solidFill>
+                </a:uFill>
+                <a:latin typeface="等线"/>
+              </a:rPr>
+              <a:t>	</a:t>
+            </a:r>
+            <a:r>
+              <a:rPr lang="en-US" altLang="zh-CN" sz="2800" b="0" i="1" strike="noStrike" spc="-1" dirty="0">
+                <a:solidFill>
+                  <a:srgbClr val="000000"/>
+                </a:solidFill>
+                <a:uFill>
+                  <a:solidFill>
+                    <a:srgbClr val="FFFFFF"/>
+                  </a:solidFill>
+                </a:uFill>
+                <a:latin typeface="等线"/>
+              </a:rPr>
+              <a:t>y </a:t>
+            </a:r>
+            <a:r>
+              <a:rPr lang="en-US" altLang="zh-CN" sz="2800" b="0" strike="noStrike" spc="-1" dirty="0">
+                <a:solidFill>
+                  <a:srgbClr val="000000"/>
+                </a:solidFill>
+                <a:uFill>
+                  <a:solidFill>
+                    <a:srgbClr val="FFFFFF"/>
+                  </a:solidFill>
+                </a:uFill>
+                <a:latin typeface="等线"/>
+              </a:rPr>
+              <a:t>= </a:t>
+            </a:r>
+            <a:r>
+              <a:rPr lang="en-US" altLang="zh-CN" sz="2800" b="0" i="1" strike="noStrike" spc="-1" dirty="0">
+                <a:solidFill>
+                  <a:srgbClr val="000000"/>
+                </a:solidFill>
+                <a:uFill>
+                  <a:solidFill>
+                    <a:srgbClr val="FFFFFF"/>
+                  </a:solidFill>
+                </a:uFill>
+                <a:latin typeface="等线"/>
+              </a:rPr>
+              <a:t>n </a:t>
+            </a:r>
+            <a:r>
+              <a:rPr lang="en-US" altLang="zh-CN" sz="2800" b="0" strike="noStrike" spc="-1" dirty="0">
+                <a:solidFill>
+                  <a:srgbClr val="000000"/>
+                </a:solidFill>
+                <a:uFill>
+                  <a:solidFill>
+                    <a:srgbClr val="FFFFFF"/>
+                  </a:solidFill>
+                </a:uFill>
+                <a:latin typeface="等线"/>
+              </a:rPr>
+              <a:t>x</a:t>
+            </a:r>
+            <a:r>
+              <a:rPr lang="en-US" altLang="zh-CN" sz="2800" b="0" i="1" strike="noStrike" spc="-1" dirty="0">
+                <a:solidFill>
+                  <a:srgbClr val="000000"/>
+                </a:solidFill>
+                <a:uFill>
+                  <a:solidFill>
+                    <a:srgbClr val="FFFFFF"/>
+                  </a:solidFill>
+                </a:uFill>
+                <a:latin typeface="等线"/>
+              </a:rPr>
+              <a:t> </a:t>
+            </a:r>
+            <a:r>
+              <a:rPr lang="en-US" altLang="zh-CN" sz="2800" b="0" strike="noStrike" spc="-1" dirty="0">
+                <a:solidFill>
+                  <a:srgbClr val="000000"/>
+                </a:solidFill>
+                <a:uFill>
+                  <a:solidFill>
+                    <a:srgbClr val="FFFFFF"/>
+                  </a:solidFill>
+                </a:uFill>
+                <a:latin typeface="等线"/>
+              </a:rPr>
+              <a:t>1 column of different emotions labeled by users themselves</a:t>
+            </a:r>
+          </a:p>
+          <a:p>
+            <a:r>
+              <a:rPr lang="en-US" altLang="zh-CN" sz="2800" spc="-1" dirty="0">
+                <a:solidFill>
+                  <a:srgbClr val="000000"/>
+                </a:solidFill>
+                <a:uFill>
+                  <a:solidFill>
+                    <a:srgbClr val="FFFFFF"/>
+                  </a:solidFill>
+                </a:uFill>
+                <a:latin typeface="等线"/>
+              </a:rPr>
+              <a:t>	</a:t>
+            </a:r>
+            <a:r>
+              <a:rPr lang="en-US" altLang="zh-CN" sz="2800" i="1" spc="-1" dirty="0">
+                <a:solidFill>
+                  <a:srgbClr val="000000"/>
+                </a:solidFill>
+                <a:uFill>
+                  <a:solidFill>
+                    <a:srgbClr val="FFFFFF"/>
+                  </a:solidFill>
+                </a:uFill>
+                <a:latin typeface="等线"/>
+              </a:rPr>
+              <a:t>ŷ</a:t>
+            </a:r>
+            <a:r>
+              <a:rPr lang="en-US" altLang="zh-CN" sz="2800" spc="-1" dirty="0">
+                <a:solidFill>
+                  <a:srgbClr val="000000"/>
+                </a:solidFill>
+                <a:uFill>
+                  <a:solidFill>
+                    <a:srgbClr val="FFFFFF"/>
+                  </a:solidFill>
+                </a:uFill>
+                <a:latin typeface="等线"/>
+              </a:rPr>
+              <a:t> = </a:t>
+            </a:r>
+            <a:r>
+              <a:rPr lang="en-US" altLang="zh-CN" sz="2800" i="1" spc="-1" dirty="0">
+                <a:solidFill>
+                  <a:srgbClr val="000000"/>
+                </a:solidFill>
+                <a:uFill>
+                  <a:solidFill>
+                    <a:srgbClr val="FFFFFF"/>
+                  </a:solidFill>
+                </a:uFill>
+                <a:latin typeface="等线"/>
+              </a:rPr>
+              <a:t>n </a:t>
+            </a:r>
+            <a:r>
+              <a:rPr lang="en-US" altLang="zh-CN" sz="2800" spc="-1" dirty="0">
+                <a:solidFill>
+                  <a:srgbClr val="000000"/>
+                </a:solidFill>
+                <a:uFill>
+                  <a:solidFill>
+                    <a:srgbClr val="FFFFFF"/>
+                  </a:solidFill>
+                </a:uFill>
+                <a:latin typeface="等线"/>
+              </a:rPr>
+              <a:t>x 1 column of predicated </a:t>
+            </a:r>
+            <a:r>
+              <a:rPr lang="en-US" altLang="zh-CN" sz="2800" i="1" spc="-1" dirty="0">
+                <a:solidFill>
+                  <a:srgbClr val="000000"/>
+                </a:solidFill>
+                <a:uFill>
+                  <a:solidFill>
+                    <a:srgbClr val="FFFFFF"/>
+                  </a:solidFill>
+                </a:uFill>
+                <a:latin typeface="等线"/>
+              </a:rPr>
+              <a:t>y</a:t>
+            </a:r>
+          </a:p>
+          <a:p>
+            <a:r>
+              <a:rPr lang="en-US" altLang="zh-CN" sz="2800" i="1" spc="-1" dirty="0">
+                <a:solidFill>
+                  <a:srgbClr val="000000"/>
+                </a:solidFill>
+                <a:uFill>
+                  <a:solidFill>
+                    <a:srgbClr val="FFFFFF"/>
+                  </a:solidFill>
+                </a:uFill>
+                <a:latin typeface="等线"/>
+              </a:rPr>
+              <a:t>	X</a:t>
+            </a:r>
+            <a:r>
+              <a:rPr lang="en-US" altLang="zh-CN" sz="2800" spc="-1" dirty="0">
+                <a:solidFill>
+                  <a:srgbClr val="000000"/>
+                </a:solidFill>
+                <a:uFill>
+                  <a:solidFill>
+                    <a:srgbClr val="FFFFFF"/>
+                  </a:solidFill>
+                </a:uFill>
+                <a:latin typeface="等线"/>
+              </a:rPr>
+              <a:t> = </a:t>
+            </a:r>
+            <a:r>
+              <a:rPr lang="en-US" altLang="zh-CN" sz="2800" i="1" spc="-1" dirty="0">
+                <a:solidFill>
+                  <a:srgbClr val="000000"/>
+                </a:solidFill>
+                <a:uFill>
+                  <a:solidFill>
+                    <a:srgbClr val="FFFFFF"/>
+                  </a:solidFill>
+                </a:uFill>
+                <a:latin typeface="等线"/>
+              </a:rPr>
+              <a:t>n </a:t>
+            </a:r>
+            <a:r>
+              <a:rPr lang="en-US" altLang="zh-CN" sz="2800" spc="-1" dirty="0">
+                <a:solidFill>
+                  <a:srgbClr val="000000"/>
+                </a:solidFill>
+                <a:uFill>
+                  <a:solidFill>
+                    <a:srgbClr val="FFFFFF"/>
+                  </a:solidFill>
+                </a:uFill>
+                <a:latin typeface="等线"/>
+              </a:rPr>
+              <a:t>x </a:t>
+            </a:r>
+            <a:r>
+              <a:rPr lang="en-US" altLang="zh-CN" sz="2800" i="1" spc="-1" dirty="0">
+                <a:solidFill>
+                  <a:srgbClr val="000000"/>
+                </a:solidFill>
+                <a:uFill>
+                  <a:solidFill>
+                    <a:srgbClr val="FFFFFF"/>
+                  </a:solidFill>
+                </a:uFill>
+                <a:latin typeface="等线"/>
+              </a:rPr>
+              <a:t>k matrix of question weights</a:t>
+            </a:r>
+          </a:p>
+          <a:p>
+            <a:r>
+              <a:rPr lang="en-US" altLang="zh-CN" sz="2800" spc="-1" dirty="0">
+                <a:solidFill>
+                  <a:srgbClr val="000000"/>
+                </a:solidFill>
+                <a:uFill>
+                  <a:solidFill>
+                    <a:srgbClr val="FFFFFF"/>
+                  </a:solidFill>
+                </a:uFill>
+                <a:latin typeface="等线"/>
+              </a:rPr>
+              <a:t>	</a:t>
+            </a:r>
+            <a:r>
+              <a:rPr lang="en-US" altLang="zh-CN" sz="2800" i="1" spc="-1" dirty="0">
+                <a:solidFill>
+                  <a:srgbClr val="000000"/>
+                </a:solidFill>
+                <a:uFill>
+                  <a:solidFill>
+                    <a:srgbClr val="FFFFFF"/>
+                  </a:solidFill>
+                </a:uFill>
+                <a:latin typeface="等线"/>
+              </a:rPr>
+              <a:t>b</a:t>
+            </a:r>
+            <a:r>
+              <a:rPr lang="en-US" altLang="zh-CN" sz="2800" spc="-1" dirty="0">
+                <a:solidFill>
+                  <a:srgbClr val="000000"/>
+                </a:solidFill>
+                <a:uFill>
+                  <a:solidFill>
+                    <a:srgbClr val="FFFFFF"/>
+                  </a:solidFill>
+                </a:uFill>
+                <a:latin typeface="等线"/>
+              </a:rPr>
+              <a:t> = </a:t>
+            </a:r>
+            <a:r>
+              <a:rPr lang="en-US" altLang="zh-CN" sz="2800" i="1" spc="-1" dirty="0">
+                <a:solidFill>
+                  <a:srgbClr val="000000"/>
+                </a:solidFill>
+                <a:uFill>
+                  <a:solidFill>
+                    <a:srgbClr val="FFFFFF"/>
+                  </a:solidFill>
+                </a:uFill>
+                <a:latin typeface="等线"/>
+              </a:rPr>
+              <a:t>k</a:t>
+            </a:r>
+            <a:r>
+              <a:rPr lang="en-US" altLang="zh-CN" sz="2800" spc="-1" dirty="0">
+                <a:solidFill>
+                  <a:srgbClr val="000000"/>
+                </a:solidFill>
+                <a:uFill>
+                  <a:solidFill>
+                    <a:srgbClr val="FFFFFF"/>
+                  </a:solidFill>
+                </a:uFill>
+                <a:latin typeface="等线"/>
+              </a:rPr>
+              <a:t> x 1 column vector or regression coefficients</a:t>
+            </a:r>
+          </a:p>
+          <a:p>
+            <a:r>
+              <a:rPr lang="en-US" altLang="zh-CN" sz="2800" spc="-1" dirty="0">
+                <a:solidFill>
+                  <a:srgbClr val="000000"/>
+                </a:solidFill>
+                <a:uFill>
+                  <a:solidFill>
+                    <a:srgbClr val="FFFFFF"/>
+                  </a:solidFill>
+                </a:uFill>
+                <a:latin typeface="等线"/>
+              </a:rPr>
+              <a:t>	</a:t>
+            </a:r>
+            <a:r>
+              <a:rPr lang="en-US" altLang="zh-CN" sz="2800" i="1" spc="-1" dirty="0">
+                <a:solidFill>
+                  <a:srgbClr val="000000"/>
+                </a:solidFill>
+                <a:uFill>
+                  <a:solidFill>
+                    <a:srgbClr val="FFFFFF"/>
+                  </a:solidFill>
+                </a:uFill>
+                <a:latin typeface="等线"/>
+              </a:rPr>
+              <a:t>e</a:t>
+            </a:r>
+            <a:r>
+              <a:rPr lang="en-US" altLang="zh-CN" sz="2800" spc="-1" dirty="0">
+                <a:solidFill>
+                  <a:srgbClr val="000000"/>
+                </a:solidFill>
+                <a:uFill>
+                  <a:solidFill>
+                    <a:srgbClr val="FFFFFF"/>
+                  </a:solidFill>
+                </a:uFill>
+                <a:latin typeface="等线"/>
+              </a:rPr>
+              <a:t> = </a:t>
+            </a:r>
+            <a:r>
+              <a:rPr lang="en-US" altLang="zh-CN" sz="2800" i="1" spc="-1" dirty="0">
+                <a:solidFill>
+                  <a:srgbClr val="000000"/>
+                </a:solidFill>
+                <a:uFill>
+                  <a:solidFill>
+                    <a:srgbClr val="FFFFFF"/>
+                  </a:solidFill>
+                </a:uFill>
+                <a:latin typeface="等线"/>
+              </a:rPr>
+              <a:t>n</a:t>
+            </a:r>
+            <a:r>
+              <a:rPr lang="en-US" altLang="zh-CN" sz="2800" spc="-1" dirty="0">
+                <a:solidFill>
+                  <a:srgbClr val="000000"/>
+                </a:solidFill>
+                <a:uFill>
+                  <a:solidFill>
+                    <a:srgbClr val="FFFFFF"/>
+                  </a:solidFill>
+                </a:uFill>
+                <a:latin typeface="等线"/>
+              </a:rPr>
+              <a:t> x 1 column vector of </a:t>
+            </a:r>
+            <a:r>
+              <a:rPr lang="en-US" altLang="zh-CN" sz="2800" i="1" spc="-1" dirty="0">
+                <a:solidFill>
+                  <a:srgbClr val="000000"/>
+                </a:solidFill>
+                <a:uFill>
+                  <a:solidFill>
+                    <a:srgbClr val="FFFFFF"/>
+                  </a:solidFill>
+                </a:uFill>
+                <a:latin typeface="等线"/>
+              </a:rPr>
+              <a:t>n</a:t>
+            </a:r>
+            <a:r>
+              <a:rPr lang="en-US" altLang="zh-CN" sz="2800" spc="-1" dirty="0">
+                <a:solidFill>
+                  <a:srgbClr val="000000"/>
+                </a:solidFill>
+                <a:uFill>
+                  <a:solidFill>
+                    <a:srgbClr val="FFFFFF"/>
+                  </a:solidFill>
+                </a:uFill>
+                <a:latin typeface="等线"/>
+              </a:rPr>
+              <a:t> residual values</a:t>
+            </a:r>
+            <a:r>
+              <a:rPr lang="en-US" altLang="zh-CN" sz="2800" u="sng" spc="-1" dirty="0">
+                <a:solidFill>
+                  <a:srgbClr val="000000"/>
+                </a:solidFill>
+                <a:uFill>
+                  <a:solidFill>
+                    <a:srgbClr val="FFFFFF"/>
+                  </a:solidFill>
+                </a:uFill>
+                <a:latin typeface="等线"/>
+              </a:rPr>
+              <a:t>	</a:t>
+            </a:r>
+          </a:p>
+        </p:txBody>
+      </p:sp>
+      <p:pic>
+        <p:nvPicPr>
+          <p:cNvPr id="5" name="图片 4">
+            <a:extLst>
+              <a:ext uri="{FF2B5EF4-FFF2-40B4-BE49-F238E27FC236}">
+                <a16:creationId xmlns:a16="http://schemas.microsoft.com/office/drawing/2014/main" id="{82F88CAC-4A12-D155-14D6-00718525ACCB}"/>
+              </a:ext>
+            </a:extLst>
+          </p:cNvPr>
+          <p:cNvPicPr>
+            <a:picLocks noChangeAspect="1"/>
+          </p:cNvPicPr>
+          <p:nvPr/>
+        </p:nvPicPr>
+        <p:blipFill>
+          <a:blip r:embed="rId2"/>
+          <a:stretch>
+            <a:fillRect/>
+          </a:stretch>
+        </p:blipFill>
+        <p:spPr>
+          <a:xfrm>
+            <a:off x="3650065" y="2442208"/>
+            <a:ext cx="3150786" cy="1440359"/>
+          </a:xfrm>
+          <a:prstGeom prst="rect">
+            <a:avLst/>
+          </a:prstGeom>
+        </p:spPr>
+      </p:pic>
+    </p:spTree>
+    <p:extLst>
+      <p:ext uri="{BB962C8B-B14F-4D97-AF65-F5344CB8AC3E}">
+        <p14:creationId xmlns:p14="http://schemas.microsoft.com/office/powerpoint/2010/main" val="68896380"/>
+      </p:ext>
+    </p:extLst>
   </p:cSld>
   <p:clrMapOvr>
     <a:masterClrMapping/>
@@ -8993,7 +14526,7 @@
               </a:lnSpc>
             </a:pPr>
             <a:r>
-              <a:rPr lang="zh-CN" sz="4400" b="0" strike="noStrike" spc="-1">
+              <a:rPr lang="zh-CN" sz="4400" b="0" strike="noStrike" spc="-1" dirty="0">
                 <a:solidFill>
                   <a:srgbClr val="000000"/>
                 </a:solidFill>
@@ -9004,9 +14537,37 @@
                 </a:uFill>
                 <a:latin typeface="等线 Light"/>
               </a:rPr>
-              <a:t>ER information system intruduction </a:t>
-            </a:r>
-            <a:endParaRPr lang="zh-CN" sz="1800" b="0" strike="noStrike" spc="-1">
+              <a:t>ER information system </a:t>
+            </a:r>
+            <a:r>
+              <a:rPr lang="en-US" altLang="zh-CN" sz="4400" b="0" strike="noStrike" spc="-1" dirty="0">
+                <a:solidFill>
+                  <a:srgbClr val="000000"/>
+                </a:solidFill>
+                <a:uFill>
+                  <a:solidFill>
+                    <a:srgbClr val="FFFFFF"/>
+                  </a:solidFill>
+                </a:uFill>
+                <a:latin typeface="等线 Light"/>
+              </a:rPr>
+              <a:t>introduction</a:t>
+            </a:r>
+            <a:r>
+              <a:rPr lang="zh-CN" sz="4400" b="0" strike="noStrike" spc="-1" dirty="0">
+                <a:solidFill>
+                  <a:srgbClr val="000000"/>
+                </a:solidFill>
+                <a:uFill>
+                  <a:solidFill>
+                    <a:srgbClr val="FFFFFF"/>
+                  </a:solidFill>
+                </a:uFill>
+                <a:latin typeface="等线 Light"/>
+              </a:rPr>
+              <a:t> </a:t>
+            </a:r>
+            <a:endParaRPr lang="zh-CN" sz="1800" b="0" strike="noStrike" spc="-1" dirty="0">
               <a:solidFill>
                 <a:srgbClr val="000000"/>
               </a:solidFill>
@@ -9237,6 +14798,86 @@
       </p:grpSpPr>
       <p:graphicFrame>
         <p:nvGraphicFramePr>
+          <p:cNvPr id="3" name="图表 2">
+            <a:extLst>
+              <a:ext uri="{FF2B5EF4-FFF2-40B4-BE49-F238E27FC236}">
+                <a16:creationId xmlns:a16="http://schemas.microsoft.com/office/drawing/2014/main" id="{0A52F04A-A088-9BAA-12C7-24FFD6C3A4A0}"/>
+              </a:ext>
+            </a:extLst>
+          </p:cNvPr>
+          <p:cNvGraphicFramePr>
+            <a:graphicFrameLocks/>
+          </p:cNvGraphicFramePr>
+          <p:nvPr>
+            <p:extLst>
+              <p:ext uri="{D42A27DB-BD31-4B8C-83A1-F6EECF244321}">
+                <p14:modId xmlns:p14="http://schemas.microsoft.com/office/powerpoint/2010/main" val="2776434765"/>
+              </p:ext>
+            </p:extLst>
+          </p:nvPr>
+        </p:nvGraphicFramePr>
+        <p:xfrm>
+          <a:off x="276224" y="1333500"/>
+          <a:ext cx="11572875" cy="5770589"/>
+        </p:xfrm>
+        <a:graphic>
+          <a:graphicData uri="http://schemas.openxmlformats.org/drawingml/2006/chart">
+            <c:chart xmlns:c="http://schemas.openxmlformats.org/drawingml/2006/chart" xmlns:r="http://schemas.openxmlformats.org/officeDocument/2006/relationships" r:id="rId2"/>
+          </a:graphicData>
+        </a:graphic>
+      </p:graphicFrame>
+      <p:sp>
+        <p:nvSpPr>
+          <p:cNvPr id="90" name="TextShape 2"/>
+          <p:cNvSpPr txBox="1"/>
+          <p:nvPr/>
+        </p:nvSpPr>
+        <p:spPr>
+          <a:xfrm>
+            <a:off x="838080" y="1444113"/>
+            <a:ext cx="10515240" cy="4732407"/>
+          </a:xfrm>
+          <a:prstGeom prst="rect">
+            <a:avLst/>
+          </a:prstGeom>
+          <a:noFill/>
+          <a:ln>
+            <a:noFill/>
+          </a:ln>
+        </p:spPr>
+        <p:txBody>
+          <a:bodyPr/>
+          <a:lstStyle/>
+          <a:p>
+            <a:pPr marL="228600" indent="-228240">
+              <a:lnSpc>
+                <a:spcPct val="90000"/>
+              </a:lnSpc>
+              <a:buClr>
+                <a:srgbClr val="000000"/>
+              </a:buClr>
+              <a:buFont typeface="Arial"/>
+              <a:buChar char="•"/>
+            </a:pPr>
+            <a:r>
+              <a:rPr lang="zh-CN" sz="2800" b="0" strike="noStrike" spc="-1" dirty="0">
+                <a:solidFill>
+                  <a:srgbClr val="000000"/>
+                </a:solidFill>
+                <a:uFill>
+                  <a:solidFill>
+                    <a:srgbClr val="FFFFFF"/>
+                  </a:solidFill>
+                </a:uFill>
+                <a:latin typeface="等线"/>
+              </a:rPr>
+              <a:t>Initializing with the psychologic poll</a:t>
+            </a:r>
+          </a:p>
+        </p:txBody>
+      </p:sp>
+      <p:graphicFrame>
+        <p:nvGraphicFramePr>
           <p:cNvPr id="2" name="图表 1">
             <a:extLst>
               <a:ext uri="{FF2B5EF4-FFF2-40B4-BE49-F238E27FC236}">
@@ -9250,18 +14891,18 @@
           <p:nvPr>
             <p:extLst>
               <p:ext uri="{D42A27DB-BD31-4B8C-83A1-F6EECF244321}">
-                <p14:modId xmlns:p14="http://schemas.microsoft.com/office/powerpoint/2010/main" val="3952589234"/>
+                <p14:modId xmlns:p14="http://schemas.microsoft.com/office/powerpoint/2010/main" val="3875140385"/>
               </p:ext>
             </p:extLst>
           </p:nvPr>
         </p:nvGraphicFramePr>
         <p:xfrm>
-          <a:off x="1185529" y="1690200"/>
-          <a:ext cx="9600840" cy="5438569"/>
+          <a:off x="1185529" y="1690201"/>
+          <a:ext cx="9600840" cy="5167800"/>
         </p:xfrm>
         <a:graphic>
           <a:graphicData uri="http://schemas.openxmlformats.org/drawingml/2006/chart">
-            <c:chart xmlns:c="http://schemas.openxmlformats.org/drawingml/2006/chart" xmlns:r="http://schemas.openxmlformats.org/officeDocument/2006/relationships" r:id="rId2"/>
+            <c:chart xmlns:c="http://schemas.openxmlformats.org/drawingml/2006/chart" xmlns:r="http://schemas.openxmlformats.org/officeDocument/2006/relationships" r:id="rId3"/>
           </a:graphicData>
         </a:graphic>
       </p:graphicFrame>
@@ -9305,7 +14946,35 @@
                 </a:uFill>
                 <a:latin typeface="等线 Light"/>
               </a:rPr>
-              <a:t>ER information system intruduction </a:t>
+              <a:t>ER information system </a:t>
+            </a:r>
+            <a:r>
+              <a:rPr lang="en-US" altLang="zh-CN" sz="4400" b="0" strike="noStrike" spc="-1" dirty="0">
+                <a:solidFill>
+                  <a:srgbClr val="000000"/>
+                </a:solidFill>
+                <a:uFill>
+                  <a:solidFill>
+                    <a:srgbClr val="FFFFFF"/>
+                  </a:solidFill>
+                </a:uFill>
+                <a:latin typeface="等线 Light"/>
+              </a:rPr>
+              <a:t>introduction</a:t>
+            </a:r>
+            <a:r>
+              <a:rPr lang="zh-CN" sz="4400" b="0" strike="noStrike" spc="-1" dirty="0">
+                <a:solidFill>
+                  <a:srgbClr val="000000"/>
+                </a:solidFill>
+                <a:uFill>
+                  <a:solidFill>
+                    <a:srgbClr val="FFFFFF"/>
+                  </a:solidFill>
+                </a:uFill>
+                <a:latin typeface="等线 Light"/>
+              </a:rPr>
+              <a:t> </a:t>
             </a:r>
             <a:endParaRPr lang="zh-CN" sz="1800" b="0" strike="noStrike" spc="-1" dirty="0">
               <a:solidFill>
@@ -9318,56 +14987,6 @@
               </a:uFill>
               <a:latin typeface="等线"/>
             </a:endParaRPr>
-          </a:p>
-        </p:txBody>
-      </p:sp>
-      <p:sp>
-        <p:nvSpPr>
-          <p:cNvPr id="90" name="TextShape 2"/>
-          <p:cNvSpPr txBox="1"/>
-          <p:nvPr/>
-        </p:nvSpPr>
-        <p:spPr>
-          <a:xfrm>
-            <a:off x="838080" y="1597981"/>
-            <a:ext cx="10515240" cy="4578539"/>
-          </a:xfrm>
-          <a:prstGeom prst="rect">
-            <a:avLst/>
-          </a:prstGeom>
-          <a:noFill/>
-          <a:ln>
-            <a:noFill/>
-          </a:ln>
-        </p:spPr>
-        <p:txBody>
-          <a:bodyPr/>
-          <a:lstStyle/>
-          <a:p>
-            <a:pPr marL="228600" indent="-228240">
-              <a:lnSpc>
-                <a:spcPct val="90000"/>
-              </a:lnSpc>
-              <a:buClr>
-                <a:srgbClr val="000000"/>
-              </a:buClr>
-              <a:buFont typeface="Arial"/>
-              <a:buChar char="•"/>
-            </a:pPr>
-            <a:r>
-              <a:rPr lang="zh-CN" sz="2800" b="0" strike="noStrike" spc="-1" dirty="0">
-                <a:solidFill>
-                  <a:srgbClr val="000000"/>
-                </a:solidFill>
-                <a:uFill>
-                  <a:solidFill>
-                    <a:srgbClr val="FFFFFF"/>
-                  </a:solidFill>
-                </a:uFill>
-                <a:latin typeface="等线"/>
-              </a:rPr>
-              <a:t>Initializing with the psychologic poll</a:t>
-            </a:r>
           </a:p>
         </p:txBody>
       </p:sp>
@@ -9425,7 +15044,7 @@
               </a:lnSpc>
             </a:pPr>
             <a:r>
-              <a:rPr lang="zh-CN" sz="4400" b="0" strike="noStrike" spc="-1">
+              <a:rPr lang="zh-CN" sz="4400" b="0" strike="noStrike" spc="-1" dirty="0">
                 <a:solidFill>
                   <a:srgbClr val="000000"/>
                 </a:solidFill>
@@ -9436,9 +15055,37 @@
                 </a:uFill>
                 <a:latin typeface="等线 Light"/>
               </a:rPr>
-              <a:t>ER information system intruduction </a:t>
-            </a:r>
-            <a:endParaRPr lang="zh-CN" sz="1800" b="0" strike="noStrike" spc="-1">
+              <a:t>ER information system </a:t>
+            </a:r>
+            <a:r>
+              <a:rPr lang="en-US" altLang="zh-CN" sz="4400" b="0" strike="noStrike" spc="-1" dirty="0">
+                <a:solidFill>
+                  <a:srgbClr val="000000"/>
+                </a:solidFill>
+                <a:uFill>
+                  <a:solidFill>
+                    <a:srgbClr val="FFFFFF"/>
+                  </a:solidFill>
+                </a:uFill>
+                <a:latin typeface="等线 Light"/>
+              </a:rPr>
+              <a:t>introduction</a:t>
+            </a:r>
+            <a:r>
+              <a:rPr lang="zh-CN" sz="4400" b="0" strike="noStrike" spc="-1" dirty="0">
+                <a:solidFill>
+                  <a:srgbClr val="000000"/>
+                </a:solidFill>
+                <a:uFill>
+                  <a:solidFill>
+                    <a:srgbClr val="FFFFFF"/>
+                  </a:solidFill>
+                </a:uFill>
+                <a:latin typeface="等线 Light"/>
+              </a:rPr>
+              <a:t> </a:t>
+            </a:r>
+            <a:endParaRPr lang="zh-CN" sz="1800" b="0" strike="noStrike" spc="-1" dirty="0">
               <a:solidFill>
                 <a:srgbClr val="000000"/>
               </a:solidFill>
@@ -9486,7 +15133,7 @@
               <a:buChar char="•"/>
             </a:pPr>
             <a:r>
-              <a:rPr lang="zh-CN" sz="2800" b="0" strike="noStrike" spc="-1">
+              <a:rPr lang="zh-CN" sz="2800" b="0" strike="noStrike" spc="-1" dirty="0">
                 <a:solidFill>
                   <a:srgbClr val="000000"/>
                 </a:solidFill>
@@ -9510,7 +15157,7 @@
               <a:buChar char=""/>
             </a:pPr>
             <a:r>
-              <a:rPr lang="zh-CN" sz="2800" b="0" strike="noStrike" spc="-1">
+              <a:rPr lang="zh-CN" sz="2800" b="0" strike="noStrike" spc="-1" dirty="0">
                 <a:solidFill>
                   <a:srgbClr val="000000"/>
                 </a:solidFill>
@@ -9523,7 +15170,7 @@
               </a:rPr>
               <a:t>Top 10</a:t>
             </a:r>
-            <a:endParaRPr lang="zh-CN" sz="2000" b="0" strike="noStrike" spc="-1">
+            <a:endParaRPr lang="zh-CN" sz="2000" b="0" strike="noStrike" spc="-1" dirty="0">
               <a:solidFill>
                 <a:srgbClr val="000000"/>
               </a:solidFill>
@@ -9544,49 +15191,49 @@
           <p:nvPr>
             <p:extLst>
               <p:ext uri="{D42A27DB-BD31-4B8C-83A1-F6EECF244321}">
-                <p14:modId xmlns:p14="http://schemas.microsoft.com/office/powerpoint/2010/main" val="901134699"/>
+                <p14:modId xmlns:p14="http://schemas.microsoft.com/office/powerpoint/2010/main" val="2032519923"/>
               </p:ext>
             </p:extLst>
           </p:nvPr>
         </p:nvGraphicFramePr>
         <p:xfrm>
-          <a:off x="761040" y="3154057"/>
-          <a:ext cx="10669320" cy="2494797"/>
+          <a:off x="567344" y="3200356"/>
+          <a:ext cx="11056712" cy="2494797"/>
         </p:xfrm>
         <a:graphic>
           <a:graphicData uri="http://schemas.openxmlformats.org/drawingml/2006/table">
             <a:tbl>
               <a:tblPr/>
               <a:tblGrid>
-                <a:gridCol w="4840619">
+                <a:gridCol w="4887406">
                   <a:extLst>
                     <a:ext uri="{9D8B030D-6E8A-4147-A177-3AD203B41FA5}">
                       <a16:colId xmlns:a16="http://schemas.microsoft.com/office/drawing/2014/main" val="20000"/>
                     </a:ext>
                   </a:extLst>
                 </a:gridCol>
-                <a:gridCol w="550416">
+                <a:gridCol w="474562">
                   <a:extLst>
                     <a:ext uri="{9D8B030D-6E8A-4147-A177-3AD203B41FA5}">
                       <a16:colId xmlns:a16="http://schemas.microsoft.com/office/drawing/2014/main" val="20001"/>
                     </a:ext>
                   </a:extLst>
                 </a:gridCol>
-                <a:gridCol w="275358">
+                <a:gridCol w="393539">
                   <a:extLst>
                     <a:ext uri="{9D8B030D-6E8A-4147-A177-3AD203B41FA5}">
                       <a16:colId xmlns:a16="http://schemas.microsoft.com/office/drawing/2014/main" val="20002"/>
                     </a:ext>
                   </a:extLst>
                 </a:gridCol>
-                <a:gridCol w="4403174">
+                <a:gridCol w="4679676">
                   <a:extLst>
                     <a:ext uri="{9D8B030D-6E8A-4147-A177-3AD203B41FA5}">
                       <a16:colId xmlns:a16="http://schemas.microsoft.com/office/drawing/2014/main" val="20003"/>
                     </a:ext>
                   </a:extLst>
                 </a:gridCol>
-                <a:gridCol w="599753">
+                <a:gridCol w="621529">
                   <a:extLst>
                     <a:ext uri="{9D8B030D-6E8A-4147-A177-3AD203B41FA5}">
                       <a16:colId xmlns:a16="http://schemas.microsoft.com/office/drawing/2014/main" val="20004"/>
@@ -9742,7 +15389,7 @@
                     <a:lstStyle/>
                     <a:p>
                       <a:r>
-                        <a:rPr lang="en-HK" sz="1800" b="0" strike="noStrike" spc="-1">
+                        <a:rPr lang="en-HK" sz="1800" b="0" strike="noStrike" spc="-1" dirty="0" err="1">
                           <a:solidFill>
                             <a:srgbClr val="000000"/>
                           </a:solidFill>
@@ -9753,7 +15400,49 @@
                           </a:uFill>
                           <a:latin typeface="Arial"/>
                         </a:rPr>
-                        <a:t>追星/偶像 / Stars</a:t>
+                        <a:t>追星</a:t>
+                      </a:r>
+                      <a:r>
+                        <a:rPr lang="en-HK" sz="1800" b="0" strike="noStrike" spc="-1" dirty="0">
+                          <a:solidFill>
+                            <a:srgbClr val="000000"/>
+                          </a:solidFill>
+                          <a:uFill>
+                            <a:solidFill>
+                              <a:srgbClr val="FFFFFF"/>
+                            </a:solidFill>
+                          </a:uFill>
+                          <a:latin typeface="Arial"/>
+                        </a:rPr>
+                        <a:t>/</a:t>
+                      </a:r>
+                      <a:r>
+                        <a:rPr lang="en-HK" sz="1800" b="0" strike="noStrike" spc="-1" dirty="0" err="1">
+                          <a:solidFill>
+                            <a:srgbClr val="000000"/>
+                          </a:solidFill>
+                          <a:uFill>
+                            <a:solidFill>
+                              <a:srgbClr val="FFFFFF"/>
+                            </a:solidFill>
+                          </a:uFill>
+                          <a:latin typeface="Arial"/>
+                        </a:rPr>
+                        <a:t>偶像</a:t>
+                      </a:r>
+                      <a:r>
+                        <a:rPr lang="en-HK" sz="1800" b="0" strike="noStrike" spc="-1" dirty="0">
+                          <a:solidFill>
+                            <a:srgbClr val="000000"/>
+                          </a:solidFill>
+                          <a:uFill>
+                            <a:solidFill>
+                              <a:srgbClr val="FFFFFF"/>
+                            </a:solidFill>
+                          </a:uFill>
+                          <a:latin typeface="Arial"/>
+                        </a:rPr>
+                        <a:t> / Stars &amp; Elites </a:t>
                       </a:r>
                     </a:p>
                   </a:txBody>
@@ -9934,7 +15623,7 @@
                     <a:p>
                       <a:pPr algn="r"/>
                       <a:r>
-                        <a:rPr lang="en-HK" sz="1800" b="0" strike="noStrike" spc="-1">
+                        <a:rPr lang="en-HK" sz="1800" b="0" strike="noStrike" spc="-1" dirty="0">
                           <a:solidFill>
                             <a:srgbClr val="000000"/>
                           </a:solidFill>
@@ -11060,7 +16749,7 @@
               </a:lnSpc>
             </a:pPr>
             <a:r>
-              <a:rPr lang="zh-CN" sz="4400" b="0" strike="noStrike" spc="-1">
+              <a:rPr lang="zh-CN" sz="4400" b="0" strike="noStrike" spc="-1" dirty="0">
                 <a:solidFill>
                   <a:srgbClr val="000000"/>
                 </a:solidFill>
@@ -11071,9 +16760,37 @@
                 </a:uFill>
                 <a:latin typeface="等线 Light"/>
               </a:rPr>
-              <a:t>ER information system intruduction </a:t>
-            </a:r>
-            <a:endParaRPr lang="zh-CN" sz="1800" b="0" strike="noStrike" spc="-1">
+              <a:t>ER information system </a:t>
+            </a:r>
+            <a:r>
+              <a:rPr lang="en-US" altLang="zh-CN" sz="4400" b="0" strike="noStrike" spc="-1" dirty="0">
+                <a:solidFill>
+                  <a:srgbClr val="000000"/>
+                </a:solidFill>
+                <a:uFill>
+                  <a:solidFill>
+                    <a:srgbClr val="FFFFFF"/>
+                  </a:solidFill>
+                </a:uFill>
+                <a:latin typeface="等线 Light"/>
+              </a:rPr>
+              <a:t>introduction</a:t>
+            </a:r>
+            <a:r>
+              <a:rPr lang="zh-CN" sz="4400" b="0" strike="noStrike" spc="-1" dirty="0">
+                <a:solidFill>
+                  <a:srgbClr val="000000"/>
+                </a:solidFill>
+                <a:uFill>
+                  <a:solidFill>
+                    <a:srgbClr val="FFFFFF"/>
+                  </a:solidFill>
+                </a:uFill>
+                <a:latin typeface="等线 Light"/>
+              </a:rPr>
+              <a:t> </a:t>
+            </a:r>
+            <a:endParaRPr lang="zh-CN" sz="1800" b="0" strike="noStrike" spc="-1" dirty="0">
               <a:solidFill>
                 <a:srgbClr val="000000"/>
               </a:solidFill>
@@ -11121,7 +16838,7 @@
               <a:buChar char="•"/>
             </a:pPr>
             <a:r>
-              <a:rPr lang="zh-CN" sz="2800" b="0" strike="noStrike" spc="-1">
+              <a:rPr lang="zh-CN" sz="2800" b="0" strike="noStrike" spc="-1" dirty="0">
                 <a:solidFill>
                   <a:srgbClr val="000000"/>
                 </a:solidFill>
@@ -11145,7 +16862,7 @@
               <a:buChar char=""/>
             </a:pPr>
             <a:r>
-              <a:rPr lang="zh-CN" sz="2800" b="0" strike="noStrike" spc="-1">
+              <a:rPr lang="zh-CN" sz="2800" b="0" strike="noStrike" spc="-1" dirty="0">
                 <a:solidFill>
                   <a:srgbClr val="000000"/>
                 </a:solidFill>
@@ -11158,7 +16875,7 @@
               </a:rPr>
               <a:t>the first intuitive thinking</a:t>
             </a:r>
-            <a:endParaRPr lang="zh-CN" sz="2000" b="0" strike="noStrike" spc="-1">
+            <a:endParaRPr lang="zh-CN" sz="2000" b="0" strike="noStrike" spc="-1" dirty="0">
               <a:solidFill>
                 <a:srgbClr val="000000"/>
               </a:solidFill>
@@ -11176,7 +16893,7 @@
                 <a:spcPct val="90000"/>
               </a:lnSpc>
             </a:pPr>
-            <a:endParaRPr lang="zh-CN" sz="2800" b="0" strike="noStrike" spc="-1">
+            <a:endParaRPr lang="zh-CN" sz="2800" b="0" strike="noStrike" spc="-1" dirty="0">
               <a:solidFill>
                 <a:srgbClr val="000000"/>
               </a:solidFill>
@@ -11192,25 +16909,39 @@
       </p:sp>
       <p:pic>
         <p:nvPicPr>
-          <p:cNvPr id="96" name="图片 95"/>
-          <p:cNvPicPr/>
+          <p:cNvPr id="7" name="图片 6">
+            <a:extLst>
+              <a:ext uri="{FF2B5EF4-FFF2-40B4-BE49-F238E27FC236}">
+                <a16:creationId xmlns:a16="http://schemas.microsoft.com/office/drawing/2014/main" id="{EF3A0482-5AF5-0FCA-06EC-F12AD2827035}"/>
+              </a:ext>
+            </a:extLst>
+          </p:cNvPr>
+          <p:cNvPicPr>
+            <a:picLocks noChangeAspect="1"/>
+          </p:cNvPicPr>
           <p:nvPr/>
         </p:nvPicPr>
         <p:blipFill>
           <a:blip r:embed="rId2"/>
-          <a:stretch/>
+          <a:stretch>
+            <a:fillRect/>
+          </a:stretch>
         </p:blipFill>
         <p:spPr>
           <a:xfrm>
-            <a:off x="1828800" y="2926080"/>
-            <a:ext cx="7522560" cy="3525480"/>
+            <a:off x="1811508" y="2828925"/>
+            <a:ext cx="6432028" cy="3749846"/>
           </a:xfrm>
           <a:prstGeom prst="rect">
             <a:avLst/>
           </a:prstGeom>
-          <a:ln>
-            <a:noFill/>
-          </a:ln>
+          <a:effectLst>
+            <a:outerShdw blurRad="50800" dist="38100" algn="l" rotWithShape="0">
+              <a:prstClr val="black">
+                <a:alpha val="40000"/>
+              </a:prstClr>
+            </a:outerShdw>
+          </a:effectLst>
         </p:spPr>
       </p:pic>
     </p:spTree>
@@ -11267,7 +16998,7 @@
               </a:lnSpc>
             </a:pPr>
             <a:r>
-              <a:rPr lang="zh-CN" sz="4400" b="0" strike="noStrike" spc="-1">
+              <a:rPr lang="zh-CN" sz="4400" b="0" strike="noStrike" spc="-1" dirty="0">
                 <a:solidFill>
                   <a:srgbClr val="000000"/>
                 </a:solidFill>
@@ -11278,9 +17009,37 @@
                 </a:uFill>
                 <a:latin typeface="等线 Light"/>
               </a:rPr>
-              <a:t>ER information system intruduction </a:t>
-            </a:r>
-            <a:endParaRPr lang="zh-CN" sz="1800" b="0" strike="noStrike" spc="-1">
+              <a:t>ER information system </a:t>
+            </a:r>
+            <a:r>
+              <a:rPr lang="en-US" altLang="zh-CN" sz="4400" b="0" strike="noStrike" spc="-1" dirty="0">
+                <a:solidFill>
+                  <a:srgbClr val="000000"/>
+                </a:solidFill>
+                <a:uFill>
+                  <a:solidFill>
+                    <a:srgbClr val="FFFFFF"/>
+                  </a:solidFill>
+                </a:uFill>
+                <a:latin typeface="等线 Light"/>
+              </a:rPr>
+              <a:t>introduction</a:t>
+            </a:r>
+            <a:r>
+              <a:rPr lang="zh-CN" sz="4400" b="0" strike="noStrike" spc="-1" dirty="0">
+                <a:solidFill>
+                  <a:srgbClr val="000000"/>
+                </a:solidFill>
+                <a:uFill>
+                  <a:solidFill>
+                    <a:srgbClr val="FFFFFF"/>
+                  </a:solidFill>
+                </a:uFill>
+                <a:latin typeface="等线 Light"/>
+              </a:rPr>
+              <a:t> </a:t>
+            </a:r>
+            <a:endParaRPr lang="zh-CN" sz="1800" b="0" strike="noStrike" spc="-1" dirty="0">
               <a:solidFill>
                 <a:srgbClr val="000000"/>
               </a:solidFill>
@@ -11495,7 +17254,7 @@
       </p:grpSpPr>
       <p:sp>
         <p:nvSpPr>
-          <p:cNvPr id="99" name="TextShape 1"/>
+          <p:cNvPr id="97" name="TextShape 1"/>
           <p:cNvSpPr txBox="1"/>
           <p:nvPr/>
         </p:nvSpPr>
@@ -11522,7 +17281,7 @@
               </a:lnSpc>
             </a:pPr>
             <a:r>
-              <a:rPr lang="zh-CN" sz="4400" b="0" strike="noStrike" spc="-1">
+              <a:rPr lang="zh-CN" sz="4400" b="0" strike="noStrike" spc="-1" dirty="0">
                 <a:solidFill>
                   <a:srgbClr val="000000"/>
                 </a:solidFill>
@@ -11533,9 +17292,37 @@
                 </a:uFill>
                 <a:latin typeface="等线 Light"/>
               </a:rPr>
-              <a:t>ER information system intruduction </a:t>
-            </a:r>
-            <a:endParaRPr lang="zh-CN" sz="1800" b="0" strike="noStrike" spc="-1">
+              <a:t>ER information system </a:t>
+            </a:r>
+            <a:r>
+              <a:rPr lang="en-US" altLang="zh-CN" sz="4400" b="0" strike="noStrike" spc="-1" dirty="0">
+                <a:solidFill>
+                  <a:srgbClr val="000000"/>
+                </a:solidFill>
+                <a:uFill>
+                  <a:solidFill>
+                    <a:srgbClr val="FFFFFF"/>
+                  </a:solidFill>
+                </a:uFill>
+                <a:latin typeface="等线 Light"/>
+              </a:rPr>
+              <a:t>introduction</a:t>
+            </a:r>
+            <a:r>
+              <a:rPr lang="zh-CN" sz="4400" b="0" strike="noStrike" spc="-1" dirty="0">
+                <a:solidFill>
+                  <a:srgbClr val="000000"/>
+                </a:solidFill>
+                <a:uFill>
+                  <a:solidFill>
+                    <a:srgbClr val="FFFFFF"/>
+                  </a:solidFill>
+                </a:uFill>
+                <a:latin typeface="等线 Light"/>
+              </a:rPr>
+              <a:t> </a:t>
+            </a:r>
+            <a:endParaRPr lang="zh-CN" sz="1800" b="0" strike="noStrike" spc="-1" dirty="0">
               <a:solidFill>
                 <a:srgbClr val="000000"/>
               </a:solidFill>
@@ -11549,164 +17336,292 @@
           </a:p>
         </p:txBody>
       </p:sp>
+      <p:pic>
+        <p:nvPicPr>
+          <p:cNvPr id="3" name="图片 2">
+            <a:extLst>
+              <a:ext uri="{FF2B5EF4-FFF2-40B4-BE49-F238E27FC236}">
+                <a16:creationId xmlns:a16="http://schemas.microsoft.com/office/drawing/2014/main" id="{5732382A-C8A8-6DFF-D432-269C8FFFB8CE}"/>
+              </a:ext>
+            </a:extLst>
+          </p:cNvPr>
+          <p:cNvPicPr>
+            <a:picLocks noChangeAspect="1"/>
+          </p:cNvPicPr>
+          <p:nvPr/>
+        </p:nvPicPr>
+        <p:blipFill>
+          <a:blip r:embed="rId2">
+            <a:extLst>
+              <a:ext uri="{28A0092B-C50C-407E-A947-70E740481C1C}">
+                <a14:useLocalDpi xmlns:a14="http://schemas.microsoft.com/office/drawing/2010/main" val="0"/>
+              </a:ext>
+            </a:extLst>
+          </a:blip>
+          <a:stretch>
+            <a:fillRect/>
+          </a:stretch>
+        </p:blipFill>
+        <p:spPr>
+          <a:xfrm>
+            <a:off x="836405" y="1567513"/>
+            <a:ext cx="10058067" cy="5539066"/>
+          </a:xfrm>
+          <a:prstGeom prst="rect">
+            <a:avLst/>
+          </a:prstGeom>
+        </p:spPr>
+      </p:pic>
       <p:sp>
         <p:nvSpPr>
-          <p:cNvPr id="100" name="TextShape 2"/>
+          <p:cNvPr id="4" name="文本框 3">
+            <a:extLst>
+              <a:ext uri="{FF2B5EF4-FFF2-40B4-BE49-F238E27FC236}">
+                <a16:creationId xmlns:a16="http://schemas.microsoft.com/office/drawing/2014/main" id="{8840E2D8-D673-C934-C6B3-12021CC4ECAB}"/>
+              </a:ext>
+            </a:extLst>
+          </p:cNvPr>
           <p:cNvSpPr txBox="1"/>
           <p:nvPr/>
         </p:nvSpPr>
         <p:spPr>
           <a:xfrm>
-            <a:off x="838080" y="1825560"/>
-            <a:ext cx="10515240" cy="4350960"/>
+            <a:off x="879516" y="1878547"/>
+            <a:ext cx="1425390" cy="338554"/>
           </a:xfrm>
           <a:prstGeom prst="rect">
             <a:avLst/>
           </a:prstGeom>
           <a:noFill/>
-          <a:ln>
-            <a:noFill/>
-          </a:ln>
         </p:spPr>
         <p:txBody>
-          <a:bodyPr/>
+          <a:bodyPr wrap="none" rtlCol="0">
+            <a:spAutoFit/>
+          </a:bodyPr>
           <a:lstStyle/>
           <a:p>
-            <a:pPr marL="228600" indent="-228240">
-              <a:lnSpc>
-                <a:spcPct val="90000"/>
-              </a:lnSpc>
-              <a:buClr>
-                <a:srgbClr val="000000"/>
-              </a:buClr>
-              <a:buFont typeface="Arial"/>
-              <a:buChar char="•"/>
-            </a:pPr>
-            <a:r>
-              <a:rPr lang="zh-CN" sz="2800" b="0" strike="noStrike" spc="-1" dirty="0">
-                <a:solidFill>
-                  <a:srgbClr val="000000"/>
-                </a:solidFill>
-                <a:uFill>
-                  <a:solidFill>
-                    <a:srgbClr val="FFFFFF"/>
-                  </a:solidFill>
-                </a:uFill>
-                <a:latin typeface="等线"/>
-              </a:rPr>
-              <a:t>Emotion indicators v1.0</a:t>
-            </a:r>
-          </a:p>
-          <a:p>
-            <a:pPr marL="864000" lvl="1" indent="-324000">
-              <a:buClr>
-                <a:srgbClr val="000000"/>
-              </a:buClr>
-              <a:buSzPct val="75000"/>
-              <a:buFont typeface="Symbol" charset="2"/>
-              <a:buChar char=""/>
-            </a:pPr>
-            <a:r>
-              <a:rPr lang="zh-CN" sz="2800" b="0" strike="noStrike" spc="-1" dirty="0">
-                <a:solidFill>
-                  <a:srgbClr val="000000"/>
-                </a:solidFill>
-                <a:uFill>
-                  <a:solidFill>
-                    <a:srgbClr val="FFFFFF"/>
-                  </a:solidFill>
-                </a:uFill>
-                <a:latin typeface="等线"/>
-              </a:rPr>
-              <a:t>so we need a flexible design</a:t>
-            </a:r>
-            <a:endParaRPr lang="en-US" altLang="zh-CN" sz="2800" b="0" strike="noStrike" spc="-1" dirty="0">
-              <a:solidFill>
-                <a:srgbClr val="000000"/>
-              </a:solidFill>
-              <a:uFill>
-                <a:solidFill>
-                  <a:srgbClr val="FFFFFF"/>
-                </a:solidFill>
-              </a:uFill>
-              <a:latin typeface="等线"/>
-            </a:endParaRPr>
-          </a:p>
-          <a:p>
-            <a:pPr marL="864000" lvl="1" indent="-324000">
-              <a:buClr>
-                <a:srgbClr val="000000"/>
-              </a:buClr>
-              <a:buSzPct val="75000"/>
-              <a:buFont typeface="Symbol" charset="2"/>
-              <a:buChar char=""/>
-            </a:pPr>
-            <a:endParaRPr lang="en-US" altLang="zh-CN" sz="2800" b="0" strike="noStrike" spc="-1" dirty="0">
-              <a:solidFill>
-                <a:srgbClr val="000000"/>
-              </a:solidFill>
-              <a:uFill>
-                <a:solidFill>
-                  <a:srgbClr val="FFFFFF"/>
-                </a:solidFill>
-              </a:uFill>
-              <a:latin typeface="等线"/>
-            </a:endParaRPr>
-          </a:p>
-          <a:p>
-            <a:pPr marL="540000" lvl="1">
-              <a:buClr>
-                <a:srgbClr val="000000"/>
-              </a:buClr>
-              <a:buSzPct val="75000"/>
-            </a:pPr>
-            <a:r>
-              <a:rPr lang="en-US" altLang="zh-CN" sz="2800" spc="-1" dirty="0">
-                <a:solidFill>
-                  <a:srgbClr val="000000"/>
-                </a:solidFill>
-                <a:uFill>
-                  <a:solidFill>
-                    <a:srgbClr val="FFFFFF"/>
-                  </a:solidFill>
-                </a:uFill>
-                <a:latin typeface="等线"/>
-              </a:rPr>
-              <a:t>	Video B: the poll &amp; quiz calculation</a:t>
-            </a:r>
-            <a:endParaRPr lang="zh-CN" sz="2000" b="0" strike="noStrike" spc="-1" dirty="0">
-              <a:solidFill>
-                <a:srgbClr val="000000"/>
-              </a:solidFill>
-              <a:uFill>
-                <a:solidFill>
-                  <a:srgbClr val="FFFFFF"/>
-                </a:solidFill>
-              </a:uFill>
-              <a:latin typeface="等线"/>
-            </a:endParaRPr>
-          </a:p>
-          <a:p>
-            <a:pPr>
-              <a:lnSpc>
-                <a:spcPct val="90000"/>
-              </a:lnSpc>
-            </a:pPr>
-            <a:endParaRPr lang="zh-CN" sz="2800" b="0" strike="noStrike" spc="-1" dirty="0">
-              <a:solidFill>
-                <a:srgbClr val="000000"/>
-              </a:solidFill>
-              <a:uFill>
-                <a:solidFill>
-                  <a:srgbClr val="FFFFFF"/>
-                </a:solidFill>
-              </a:uFill>
-              <a:latin typeface="等线"/>
-            </a:endParaRPr>
+            <a:r>
+              <a:rPr lang="en-US" altLang="zh-CN" sz="1600" u="sng" dirty="0"/>
+              <a:t>Poll Subjects </a:t>
+            </a:r>
+            <a:endParaRPr lang="zh-CN" altLang="en-US" sz="1600" u="sng" dirty="0"/>
+          </a:p>
+        </p:txBody>
+      </p:sp>
+      <p:sp>
+        <p:nvSpPr>
+          <p:cNvPr id="5" name="文本框 4">
+            <a:extLst>
+              <a:ext uri="{FF2B5EF4-FFF2-40B4-BE49-F238E27FC236}">
+                <a16:creationId xmlns:a16="http://schemas.microsoft.com/office/drawing/2014/main" id="{378526E1-4F2F-5CB3-DF40-D6D11A876600}"/>
+              </a:ext>
+            </a:extLst>
+          </p:cNvPr>
+          <p:cNvSpPr txBox="1"/>
+          <p:nvPr/>
+        </p:nvSpPr>
+        <p:spPr>
+          <a:xfrm>
+            <a:off x="791386" y="5129448"/>
+            <a:ext cx="1601650" cy="584775"/>
+          </a:xfrm>
+          <a:prstGeom prst="rect">
+            <a:avLst/>
+          </a:prstGeom>
+          <a:noFill/>
+        </p:spPr>
+        <p:txBody>
+          <a:bodyPr wrap="square" rtlCol="0">
+            <a:spAutoFit/>
+          </a:bodyPr>
+          <a:lstStyle/>
+          <a:p>
+            <a:pPr algn="ctr"/>
+            <a:r>
+              <a:rPr lang="en-US" altLang="zh-CN" sz="1600" u="sng" dirty="0"/>
+              <a:t>Polls</a:t>
+            </a:r>
+          </a:p>
+          <a:p>
+            <a:r>
+              <a:rPr lang="en-US" altLang="zh-CN" sz="1600" dirty="0"/>
+              <a:t>The poll events</a:t>
+            </a:r>
+            <a:endParaRPr lang="zh-CN" altLang="en-US" sz="1600" dirty="0"/>
+          </a:p>
+        </p:txBody>
+      </p:sp>
+      <p:sp>
+        <p:nvSpPr>
+          <p:cNvPr id="7" name="文本框 6">
+            <a:extLst>
+              <a:ext uri="{FF2B5EF4-FFF2-40B4-BE49-F238E27FC236}">
+                <a16:creationId xmlns:a16="http://schemas.microsoft.com/office/drawing/2014/main" id="{AD73C228-C1B6-8926-5481-CA78DDE879D0}"/>
+              </a:ext>
+            </a:extLst>
+          </p:cNvPr>
+          <p:cNvSpPr txBox="1"/>
+          <p:nvPr/>
+        </p:nvSpPr>
+        <p:spPr>
+          <a:xfrm>
+            <a:off x="6268296" y="1275125"/>
+            <a:ext cx="2331263" cy="584775"/>
+          </a:xfrm>
+          <a:prstGeom prst="rect">
+            <a:avLst/>
+          </a:prstGeom>
+          <a:noFill/>
+        </p:spPr>
+        <p:txBody>
+          <a:bodyPr wrap="square" rtlCol="0">
+            <a:spAutoFit/>
+          </a:bodyPr>
+          <a:lstStyle/>
+          <a:p>
+            <a:pPr algn="ctr"/>
+            <a:r>
+              <a:rPr lang="en-US" altLang="zh-CN" sz="1600" u="sng" dirty="0"/>
+              <a:t>Questions</a:t>
+            </a:r>
+          </a:p>
+          <a:p>
+            <a:r>
+              <a:rPr lang="en-US" altLang="zh-CN" sz="1600" dirty="0"/>
+              <a:t>The indicators’ instance</a:t>
+            </a:r>
+            <a:endParaRPr lang="zh-CN" altLang="en-US" sz="1600" dirty="0"/>
+          </a:p>
+        </p:txBody>
+      </p:sp>
+      <p:sp>
+        <p:nvSpPr>
+          <p:cNvPr id="8" name="文本框 7">
+            <a:extLst>
+              <a:ext uri="{FF2B5EF4-FFF2-40B4-BE49-F238E27FC236}">
+                <a16:creationId xmlns:a16="http://schemas.microsoft.com/office/drawing/2014/main" id="{4415401F-FFD1-06C2-8A0D-0297264B11A8}"/>
+              </a:ext>
+            </a:extLst>
+          </p:cNvPr>
+          <p:cNvSpPr txBox="1"/>
+          <p:nvPr/>
+        </p:nvSpPr>
+        <p:spPr>
+          <a:xfrm>
+            <a:off x="3142099" y="2039153"/>
+            <a:ext cx="2034916" cy="584775"/>
+          </a:xfrm>
+          <a:prstGeom prst="rect">
+            <a:avLst/>
+          </a:prstGeom>
+          <a:noFill/>
+        </p:spPr>
+        <p:txBody>
+          <a:bodyPr wrap="none" rtlCol="0">
+            <a:spAutoFit/>
+          </a:bodyPr>
+          <a:lstStyle/>
+          <a:p>
+            <a:pPr algn="ctr"/>
+            <a:r>
+              <a:rPr lang="en-US" altLang="zh-CN" sz="1600" u="sng" dirty="0"/>
+              <a:t>Detailed Answers</a:t>
+            </a:r>
+          </a:p>
+          <a:p>
+            <a:r>
+              <a:rPr lang="en-US" altLang="zh-CN" sz="1600" dirty="0"/>
+              <a:t>The users’ response</a:t>
+            </a:r>
+            <a:endParaRPr lang="zh-CN" altLang="en-US" sz="1400" dirty="0"/>
+          </a:p>
+        </p:txBody>
+      </p:sp>
+      <p:sp>
+        <p:nvSpPr>
+          <p:cNvPr id="9" name="文本框 8">
+            <a:extLst>
+              <a:ext uri="{FF2B5EF4-FFF2-40B4-BE49-F238E27FC236}">
+                <a16:creationId xmlns:a16="http://schemas.microsoft.com/office/drawing/2014/main" id="{A1AE6318-267B-45AF-B598-1BE186CE3292}"/>
+              </a:ext>
+            </a:extLst>
+          </p:cNvPr>
+          <p:cNvSpPr txBox="1"/>
+          <p:nvPr/>
+        </p:nvSpPr>
+        <p:spPr>
+          <a:xfrm>
+            <a:off x="4159557" y="5421836"/>
+            <a:ext cx="1424659" cy="830997"/>
+          </a:xfrm>
+          <a:prstGeom prst="rect">
+            <a:avLst/>
+          </a:prstGeom>
+          <a:noFill/>
+        </p:spPr>
+        <p:txBody>
+          <a:bodyPr wrap="square" rtlCol="0">
+            <a:spAutoFit/>
+          </a:bodyPr>
+          <a:lstStyle/>
+          <a:p>
+            <a:pPr algn="ctr"/>
+            <a:r>
+              <a:rPr lang="en-US" altLang="zh-CN" sz="1600" u="sng" dirty="0"/>
+              <a:t>Quiz</a:t>
+            </a:r>
+          </a:p>
+          <a:p>
+            <a:r>
+              <a:rPr lang="en-US" altLang="zh-CN" sz="1600" dirty="0"/>
+              <a:t>The combine of questions</a:t>
+            </a:r>
+            <a:endParaRPr lang="zh-CN" altLang="en-US" sz="1600" dirty="0"/>
+          </a:p>
+        </p:txBody>
+      </p:sp>
+      <p:sp>
+        <p:nvSpPr>
+          <p:cNvPr id="10" name="文本框 9">
+            <a:extLst>
+              <a:ext uri="{FF2B5EF4-FFF2-40B4-BE49-F238E27FC236}">
+                <a16:creationId xmlns:a16="http://schemas.microsoft.com/office/drawing/2014/main" id="{C3D56521-75C9-797C-E303-8D74F168F517}"/>
+              </a:ext>
+            </a:extLst>
+          </p:cNvPr>
+          <p:cNvSpPr txBox="1"/>
+          <p:nvPr/>
+        </p:nvSpPr>
+        <p:spPr>
+          <a:xfrm>
+            <a:off x="8999054" y="1351646"/>
+            <a:ext cx="1495923" cy="338554"/>
+          </a:xfrm>
+          <a:prstGeom prst="rect">
+            <a:avLst/>
+          </a:prstGeom>
+          <a:noFill/>
+        </p:spPr>
+        <p:txBody>
+          <a:bodyPr wrap="none" rtlCol="0">
+            <a:spAutoFit/>
+          </a:bodyPr>
+          <a:lstStyle/>
+          <a:p>
+            <a:pPr algn="ctr"/>
+            <a:r>
+              <a:rPr lang="en-US" altLang="zh-CN" sz="1600" u="sng" dirty="0"/>
+              <a:t>Emotion Index</a:t>
+            </a:r>
           </a:p>
         </p:txBody>
       </p:sp>
     </p:spTree>
+    <p:extLst>
+      <p:ext uri="{BB962C8B-B14F-4D97-AF65-F5344CB8AC3E}">
+        <p14:creationId xmlns:p14="http://schemas.microsoft.com/office/powerpoint/2010/main" val="2543727697"/>
+      </p:ext>
+    </p:extLst>
   </p:cSld>
   <p:clrMapOvr>
     <a:masterClrMapping/>
@@ -11733,241 +17648,96 @@
       </p:grpSpPr>
       <p:sp>
         <p:nvSpPr>
-          <p:cNvPr id="101" name="TextShape 1"/>
-          <p:cNvSpPr txBox="1"/>
+          <p:cNvPr id="2" name="标题 1">
+            <a:extLst>
+              <a:ext uri="{FF2B5EF4-FFF2-40B4-BE49-F238E27FC236}">
+                <a16:creationId xmlns:a16="http://schemas.microsoft.com/office/drawing/2014/main" id="{4E4504B2-A330-5539-06A3-46EC691225CB}"/>
+              </a:ext>
+            </a:extLst>
+          </p:cNvPr>
+          <p:cNvSpPr>
+            <a:spLocks noGrp="1"/>
+          </p:cNvSpPr>
+          <p:nvPr>
+            <p:ph type="title"/>
+          </p:nvPr>
+        </p:nvSpPr>
+        <p:spPr/>
+        <p:txBody>
+          <a:bodyPr/>
+          <a:lstStyle/>
+          <a:p>
+            <a:endParaRPr lang="zh-CN" altLang="en-US"/>
+          </a:p>
+        </p:txBody>
+      </p:sp>
+      <p:sp>
+        <p:nvSpPr>
+          <p:cNvPr id="3" name="副标题 2">
+            <a:extLst>
+              <a:ext uri="{FF2B5EF4-FFF2-40B4-BE49-F238E27FC236}">
+                <a16:creationId xmlns:a16="http://schemas.microsoft.com/office/drawing/2014/main" id="{A8E104C5-3100-87F7-7661-42120C3D2205}"/>
+              </a:ext>
+            </a:extLst>
+          </p:cNvPr>
+          <p:cNvSpPr>
+            <a:spLocks noGrp="1"/>
+          </p:cNvSpPr>
+          <p:nvPr>
+            <p:ph type="subTitle"/>
+          </p:nvPr>
+        </p:nvSpPr>
+        <p:spPr/>
+        <p:txBody>
+          <a:bodyPr/>
+          <a:lstStyle/>
+          <a:p>
+            <a:endParaRPr lang="zh-CN" altLang="en-US"/>
+          </a:p>
+        </p:txBody>
+      </p:sp>
+      <p:pic>
+        <p:nvPicPr>
+          <p:cNvPr id="5" name="图片 4">
+            <a:extLst>
+              <a:ext uri="{FF2B5EF4-FFF2-40B4-BE49-F238E27FC236}">
+                <a16:creationId xmlns:a16="http://schemas.microsoft.com/office/drawing/2014/main" id="{7D9E816A-3E37-0458-2097-76AF9BEB2A12}"/>
+              </a:ext>
+            </a:extLst>
+          </p:cNvPr>
+          <p:cNvPicPr>
+            <a:picLocks noChangeAspect="1"/>
+          </p:cNvPicPr>
           <p:nvPr/>
-        </p:nvSpPr>
+        </p:nvPicPr>
+        <p:blipFill>
+          <a:blip r:embed="rId2">
+            <a:extLst>
+              <a:ext uri="{28A0092B-C50C-407E-A947-70E740481C1C}">
+                <a14:useLocalDpi xmlns:a14="http://schemas.microsoft.com/office/drawing/2010/main" val="0"/>
+              </a:ext>
+            </a:extLst>
+          </a:blip>
+          <a:stretch>
+            <a:fillRect/>
+          </a:stretch>
+        </p:blipFill>
         <p:spPr>
           <a:xfrm>
-            <a:off x="838080" y="365040"/>
-            <a:ext cx="10515240" cy="1325160"/>
+            <a:off x="0" y="208345"/>
+            <a:ext cx="12192000" cy="6933234"/>
           </a:xfrm>
           <a:prstGeom prst="rect">
             <a:avLst/>
           </a:prstGeom>
-          <a:noFill/>
-          <a:ln>
-            <a:noFill/>
-          </a:ln>
         </p:spPr>
-        <p:txBody>
-          <a:bodyPr anchor="ctr"/>
-          <a:lstStyle/>
-          <a:p>
-            <a:pPr>
-              <a:lnSpc>
-                <a:spcPct val="90000"/>
-              </a:lnSpc>
-            </a:pPr>
-            <a:r>
-              <a:rPr lang="zh-CN" sz="4400" b="0" strike="noStrike" spc="-1">
-                <a:solidFill>
-                  <a:srgbClr val="000000"/>
-                </a:solidFill>
-                <a:uFill>
-                  <a:solidFill>
-                    <a:srgbClr val="FFFFFF"/>
-                  </a:solidFill>
-                </a:uFill>
-                <a:latin typeface="等线 Light"/>
-              </a:rPr>
-              <a:t>ER information system intruduction </a:t>
-            </a:r>
-            <a:endParaRPr lang="zh-CN" sz="1800" b="0" strike="noStrike" spc="-1">
-              <a:solidFill>
-                <a:srgbClr val="000000"/>
-              </a:solidFill>
-              <a:uFill>
-                <a:solidFill>
-                  <a:srgbClr val="FFFFFF"/>
-                </a:solidFill>
-              </a:uFill>
-              <a:latin typeface="等线"/>
-            </a:endParaRPr>
-          </a:p>
-        </p:txBody>
-      </p:sp>
-      <p:sp>
-        <p:nvSpPr>
-          <p:cNvPr id="102" name="TextShape 2"/>
-          <p:cNvSpPr txBox="1"/>
-          <p:nvPr/>
-        </p:nvSpPr>
-        <p:spPr>
-          <a:xfrm>
-            <a:off x="838080" y="1825560"/>
-            <a:ext cx="10515240" cy="4350960"/>
-          </a:xfrm>
-          <a:prstGeom prst="rect">
-            <a:avLst/>
-          </a:prstGeom>
-          <a:noFill/>
-          <a:ln>
-            <a:noFill/>
-          </a:ln>
-        </p:spPr>
-        <p:txBody>
-          <a:bodyPr/>
-          <a:lstStyle/>
-          <a:p>
-            <a:pPr marL="228600" indent="-228240">
-              <a:lnSpc>
-                <a:spcPct val="90000"/>
-              </a:lnSpc>
-              <a:buClr>
-                <a:srgbClr val="000000"/>
-              </a:buClr>
-              <a:buFont typeface="Arial"/>
-              <a:buChar char="•"/>
-            </a:pPr>
-            <a:r>
-              <a:rPr lang="zh-CN" sz="2800" b="0" strike="noStrike" spc="-1" dirty="0">
-                <a:solidFill>
-                  <a:srgbClr val="000000"/>
-                </a:solidFill>
-                <a:uFill>
-                  <a:solidFill>
-                    <a:srgbClr val="FFFFFF"/>
-                  </a:solidFill>
-                </a:uFill>
-                <a:latin typeface="等线"/>
-              </a:rPr>
-              <a:t>Emotion indicators v1.0</a:t>
-            </a:r>
-            <a:endParaRPr lang="en-US" altLang="zh-CN" sz="2800" b="0" strike="noStrike" spc="-1" dirty="0">
-              <a:solidFill>
-                <a:srgbClr val="000000"/>
-              </a:solidFill>
-              <a:uFill>
-                <a:solidFill>
-                  <a:srgbClr val="FFFFFF"/>
-                </a:solidFill>
-              </a:uFill>
-              <a:latin typeface="等线"/>
-            </a:endParaRPr>
-          </a:p>
-          <a:p>
-            <a:pPr marL="685800" lvl="1" indent="-228240">
-              <a:lnSpc>
-                <a:spcPct val="90000"/>
-              </a:lnSpc>
-              <a:buClr>
-                <a:srgbClr val="000000"/>
-              </a:buClr>
-              <a:buFont typeface="Arial"/>
-              <a:buChar char="•"/>
-            </a:pPr>
-            <a:r>
-              <a:rPr lang="en-US" altLang="zh-CN" sz="2800" spc="-1" dirty="0">
-                <a:solidFill>
-                  <a:srgbClr val="000000"/>
-                </a:solidFill>
-                <a:uFill>
-                  <a:solidFill>
-                    <a:srgbClr val="FFFFFF"/>
-                  </a:solidFill>
-                </a:uFill>
-                <a:latin typeface="等线"/>
-              </a:rPr>
-              <a:t>Results: extremely not user friendly</a:t>
-            </a:r>
-          </a:p>
-          <a:p>
-            <a:pPr marL="1143000" lvl="2" indent="-228240">
-              <a:lnSpc>
-                <a:spcPct val="90000"/>
-              </a:lnSpc>
-              <a:buClr>
-                <a:srgbClr val="000000"/>
-              </a:buClr>
-              <a:buFont typeface="Arial"/>
-              <a:buChar char="•"/>
-            </a:pPr>
-            <a:r>
-              <a:rPr lang="en-US" altLang="zh-CN" sz="2800" b="0" strike="noStrike" spc="-1" dirty="0">
-                <a:solidFill>
-                  <a:srgbClr val="000000"/>
-                </a:solidFill>
-                <a:uFill>
-                  <a:solidFill>
-                    <a:srgbClr val="FFFFFF"/>
-                  </a:solidFill>
-                </a:uFill>
-                <a:latin typeface="等线"/>
-              </a:rPr>
-              <a:t>Too much questions in one quiz</a:t>
-            </a:r>
-          </a:p>
-          <a:p>
-            <a:pPr marL="1143000" lvl="2" indent="-228240">
-              <a:lnSpc>
-                <a:spcPct val="90000"/>
-              </a:lnSpc>
-              <a:buClr>
-                <a:srgbClr val="000000"/>
-              </a:buClr>
-              <a:buFont typeface="Arial"/>
-              <a:buChar char="•"/>
-            </a:pPr>
-            <a:r>
-              <a:rPr lang="en-US" altLang="zh-CN" sz="2800" spc="-1" dirty="0">
-                <a:solidFill>
-                  <a:srgbClr val="000000"/>
-                </a:solidFill>
-                <a:uFill>
-                  <a:solidFill>
-                    <a:srgbClr val="FFFFFF"/>
-                  </a:solidFill>
-                </a:uFill>
-                <a:latin typeface="等线"/>
-              </a:rPr>
-              <a:t>Questions are hardly answerable</a:t>
-            </a:r>
-          </a:p>
-          <a:p>
-            <a:pPr marL="1143000" lvl="2" indent="-228240">
-              <a:lnSpc>
-                <a:spcPct val="90000"/>
-              </a:lnSpc>
-              <a:buClr>
-                <a:srgbClr val="000000"/>
-              </a:buClr>
-              <a:buFont typeface="Arial"/>
-              <a:buChar char="•"/>
-            </a:pPr>
-            <a:endParaRPr lang="zh-CN" sz="2800" b="0" strike="noStrike" spc="-1" dirty="0">
-              <a:solidFill>
-                <a:srgbClr val="000000"/>
-              </a:solidFill>
-              <a:uFill>
-                <a:solidFill>
-                  <a:srgbClr val="FFFFFF"/>
-                </a:solidFill>
-              </a:uFill>
-              <a:latin typeface="等线"/>
-            </a:endParaRPr>
-          </a:p>
-          <a:p>
-            <a:pPr>
-              <a:lnSpc>
-                <a:spcPct val="90000"/>
-              </a:lnSpc>
-            </a:pPr>
-            <a:endParaRPr lang="zh-CN" sz="2800" b="0" strike="noStrike" spc="-1" dirty="0">
-              <a:solidFill>
-                <a:srgbClr val="000000"/>
-              </a:solidFill>
-              <a:uFill>
-                <a:solidFill>
-                  <a:srgbClr val="FFFFFF"/>
-                </a:solidFill>
-              </a:uFill>
-              <a:latin typeface="等线"/>
-            </a:endParaRPr>
-          </a:p>
-        </p:txBody>
-      </p:sp>
+      </p:pic>
     </p:spTree>
+    <p:extLst>
+      <p:ext uri="{BB962C8B-B14F-4D97-AF65-F5344CB8AC3E}">
+        <p14:creationId xmlns:p14="http://schemas.microsoft.com/office/powerpoint/2010/main" val="3801625660"/>
+      </p:ext>
+    </p:extLst>
   </p:cSld>
   <p:clrMapOvr>
     <a:masterClrMapping/>

--- a/maker/2 ER design v2.0.pptx
+++ b/maker/2 ER design v2.0.pptx
@@ -8,26 +8,19 @@
   <p:sldIdLst>
     <p:sldId id="256" r:id="rId3"/>
     <p:sldId id="257" r:id="rId4"/>
-    <p:sldId id="258" r:id="rId5"/>
-    <p:sldId id="259" r:id="rId6"/>
-    <p:sldId id="260" r:id="rId7"/>
-    <p:sldId id="261" r:id="rId8"/>
-    <p:sldId id="262" r:id="rId9"/>
-    <p:sldId id="280" r:id="rId10"/>
-    <p:sldId id="279" r:id="rId11"/>
-    <p:sldId id="263" r:id="rId12"/>
-    <p:sldId id="264" r:id="rId13"/>
-    <p:sldId id="271" r:id="rId14"/>
-    <p:sldId id="273" r:id="rId15"/>
-    <p:sldId id="275" r:id="rId16"/>
-    <p:sldId id="274" r:id="rId17"/>
-    <p:sldId id="265" r:id="rId18"/>
-    <p:sldId id="266" r:id="rId19"/>
-    <p:sldId id="267" r:id="rId20"/>
-    <p:sldId id="268" r:id="rId21"/>
-    <p:sldId id="269" r:id="rId22"/>
-    <p:sldId id="276" r:id="rId23"/>
-    <p:sldId id="277" r:id="rId24"/>
+    <p:sldId id="259" r:id="rId5"/>
+    <p:sldId id="260" r:id="rId6"/>
+    <p:sldId id="262" r:id="rId7"/>
+    <p:sldId id="280" r:id="rId8"/>
+    <p:sldId id="279" r:id="rId9"/>
+    <p:sldId id="263" r:id="rId10"/>
+    <p:sldId id="264" r:id="rId11"/>
+    <p:sldId id="273" r:id="rId12"/>
+    <p:sldId id="274" r:id="rId13"/>
+    <p:sldId id="265" r:id="rId14"/>
+    <p:sldId id="266" r:id="rId15"/>
+    <p:sldId id="267" r:id="rId16"/>
+    <p:sldId id="277" r:id="rId17"/>
   </p:sldIdLst>
   <p:sldSz cx="12192000" cy="6858000"/>
   <p:notesSz cx="7559675" cy="10691813"/>
@@ -10184,7 +10177,7 @@
       </p:grpSpPr>
       <p:sp>
         <p:nvSpPr>
-          <p:cNvPr id="99" name="TextShape 1"/>
+          <p:cNvPr id="101" name="TextShape 1"/>
           <p:cNvSpPr txBox="1"/>
           <p:nvPr/>
         </p:nvSpPr>
@@ -10222,7 +10215,7 @@
                 </a:uFill>
                 <a:latin typeface="等线 Light"/>
               </a:rPr>
-              <a:t>ER information system </a:t>
+              <a:t>ER information system intr</a:t>
             </a:r>
             <a:r>
               <a:rPr lang="en-US" altLang="zh-CN" sz="4400" b="0" strike="noStrike" spc="-1" dirty="0">
@@ -10236,7 +10229,7 @@
                 </a:uFill>
                 <a:latin typeface="等线 Light"/>
               </a:rPr>
-              <a:t>introduction</a:t>
+              <a:t>o</a:t>
             </a:r>
             <a:r>
               <a:rPr lang="zh-CN" sz="4400" b="0" strike="noStrike" spc="-1" dirty="0">
@@ -10250,7 +10243,7 @@
                 </a:uFill>
                 <a:latin typeface="等线 Light"/>
               </a:rPr>
-              <a:t> </a:t>
+              <a:t>duction </a:t>
             </a:r>
             <a:endParaRPr lang="zh-CN" sz="1800" b="0" strike="noStrike" spc="-1" dirty="0">
               <a:solidFill>
@@ -10268,7 +10261,7 @@
       </p:sp>
       <p:sp>
         <p:nvSpPr>
-          <p:cNvPr id="100" name="TextShape 2"/>
+          <p:cNvPr id="102" name="TextShape 2"/>
           <p:cNvSpPr txBox="1"/>
           <p:nvPr/>
         </p:nvSpPr>
@@ -10311,20 +10304,10 @@
                 </a:uFill>
                 <a:latin typeface="等线"/>
               </a:rPr>
-              <a:t>Emotion indicators v1.0</a:t>
+              <a:t>Emotion indicators v</a:t>
             </a:r>
-          </a:p>
-          <a:p>
-            <a:pPr marL="864000" lvl="1" indent="-324000">
-              <a:buClr>
-                <a:srgbClr val="000000"/>
-              </a:buClr>
-              <a:buSzPct val="75000"/>
-              <a:buFont typeface="Symbol" charset="2"/>
-              <a:buChar char=""/>
-            </a:pPr>
             <a:r>
-              <a:rPr lang="zh-CN" sz="2800" b="0" strike="noStrike" spc="-1" dirty="0">
+              <a:rPr lang="en-US" altLang="zh-CN" sz="2800" b="0" strike="noStrike" spc="-1" dirty="0">
                 <a:solidFill>
                   <a:srgbClr val="000000"/>
                 </a:solidFill>
@@ -10335,50 +10318,10 @@
                 </a:uFill>
                 <a:latin typeface="等线"/>
               </a:rPr>
-              <a:t>so we need a flexible design</a:t>
+              <a:t>2</a:t>
             </a:r>
-            <a:endParaRPr lang="en-US" altLang="zh-CN" sz="2800" b="0" strike="noStrike" spc="-1" dirty="0">
-              <a:solidFill>
-                <a:srgbClr val="000000"/>
-              </a:solidFill>
-              <a:uFill>
-                <a:solidFill>
-                  <a:srgbClr val="FFFFFF"/>
-                </a:solidFill>
-              </a:uFill>
-              <a:latin typeface="等线"/>
-            </a:endParaRPr>
-          </a:p>
-          <a:p>
-            <a:pPr marL="864000" lvl="1" indent="-324000">
-              <a:buClr>
-                <a:srgbClr val="000000"/>
-              </a:buClr>
-              <a:buSzPct val="75000"/>
-              <a:buFont typeface="Symbol" charset="2"/>
-              <a:buChar char=""/>
-            </a:pPr>
-            <a:endParaRPr lang="en-US" altLang="zh-CN" sz="2800" b="0" strike="noStrike" spc="-1" dirty="0">
-              <a:solidFill>
-                <a:srgbClr val="000000"/>
-              </a:solidFill>
-              <a:uFill>
-                <a:solidFill>
-                  <a:srgbClr val="FFFFFF"/>
-                </a:solidFill>
-              </a:uFill>
-              <a:latin typeface="等线"/>
-            </a:endParaRPr>
-          </a:p>
-          <a:p>
-            <a:pPr marL="540000" lvl="1">
-              <a:buClr>
-                <a:srgbClr val="000000"/>
-              </a:buClr>
-              <a:buSzPct val="75000"/>
-            </a:pPr>
             <a:r>
-              <a:rPr lang="en-US" altLang="zh-CN" sz="2800" spc="-1" dirty="0">
+              <a:rPr lang="zh-CN" sz="2800" b="0" strike="noStrike" spc="-1" dirty="0">
                 <a:solidFill>
                   <a:srgbClr val="000000"/>
                 </a:solidFill>
@@ -10389,9 +10332,124 @@
                 </a:uFill>
                 <a:latin typeface="等线"/>
               </a:rPr>
-              <a:t>	Video B: the poll &amp; quiz calculation</a:t>
+              <a:t>.0</a:t>
             </a:r>
-            <a:endParaRPr lang="zh-CN" sz="2000" b="0" strike="noStrike" spc="-1" dirty="0">
+            <a:endParaRPr lang="en-US" altLang="zh-CN" sz="2800" b="0" strike="noStrike" spc="-1" dirty="0">
+              <a:solidFill>
+                <a:srgbClr val="000000"/>
+              </a:solidFill>
+              <a:uFill>
+                <a:solidFill>
+                  <a:srgbClr val="FFFFFF"/>
+                </a:solidFill>
+              </a:uFill>
+              <a:latin typeface="等线"/>
+            </a:endParaRPr>
+          </a:p>
+          <a:p>
+            <a:pPr marL="685800" lvl="1" indent="-228240">
+              <a:lnSpc>
+                <a:spcPct val="90000"/>
+              </a:lnSpc>
+              <a:buClr>
+                <a:srgbClr val="000000"/>
+              </a:buClr>
+              <a:buFont typeface="Arial"/>
+              <a:buChar char="•"/>
+            </a:pPr>
+            <a:r>
+              <a:rPr lang="en-US" altLang="zh-CN" sz="2800" spc="-1" dirty="0">
+                <a:solidFill>
+                  <a:srgbClr val="000000"/>
+                </a:solidFill>
+                <a:uFill>
+                  <a:solidFill>
+                    <a:srgbClr val="FFFFFF"/>
+                  </a:solidFill>
+                </a:uFill>
+                <a:latin typeface="等线"/>
+              </a:rPr>
+              <a:t>Changes:</a:t>
+            </a:r>
+          </a:p>
+          <a:p>
+            <a:pPr marL="1143000" lvl="2" indent="-228240">
+              <a:lnSpc>
+                <a:spcPct val="90000"/>
+              </a:lnSpc>
+              <a:buClr>
+                <a:srgbClr val="000000"/>
+              </a:buClr>
+              <a:buFont typeface="Arial"/>
+              <a:buChar char="•"/>
+            </a:pPr>
+            <a:r>
+              <a:rPr lang="en-US" altLang="zh-CN" sz="2800" spc="-1" dirty="0">
+                <a:solidFill>
+                  <a:srgbClr val="000000"/>
+                </a:solidFill>
+                <a:uFill>
+                  <a:solidFill>
+                    <a:srgbClr val="FFFFFF"/>
+                  </a:solidFill>
+                </a:uFill>
+                <a:latin typeface="等线"/>
+              </a:rPr>
+              <a:t>Add &amp; divide the questions into multiple equivalent parts</a:t>
+            </a:r>
+          </a:p>
+          <a:p>
+            <a:pPr marL="1143000" lvl="2" indent="-228240">
+              <a:lnSpc>
+                <a:spcPct val="90000"/>
+              </a:lnSpc>
+              <a:buClr>
+                <a:srgbClr val="000000"/>
+              </a:buClr>
+              <a:buFont typeface="Arial"/>
+              <a:buChar char="•"/>
+            </a:pPr>
+            <a:r>
+              <a:rPr lang="en-US" altLang="zh-CN" sz="2800" b="0" strike="noStrike" spc="-1" dirty="0">
+                <a:solidFill>
+                  <a:srgbClr val="000000"/>
+                </a:solidFill>
+                <a:uFill>
+                  <a:solidFill>
+                    <a:srgbClr val="FFFFFF"/>
+                  </a:solidFill>
+                </a:uFill>
+                <a:latin typeface="等线"/>
+              </a:rPr>
+              <a:t>Keep each quiz has only 8 – 9 questions</a:t>
+            </a:r>
+          </a:p>
+          <a:p>
+            <a:pPr marL="1143000" lvl="2" indent="-228240">
+              <a:lnSpc>
+                <a:spcPct val="90000"/>
+              </a:lnSpc>
+              <a:buClr>
+                <a:srgbClr val="000000"/>
+              </a:buClr>
+              <a:buFont typeface="Arial"/>
+              <a:buChar char="•"/>
+            </a:pPr>
+            <a:r>
+              <a:rPr lang="en-US" altLang="zh-CN" sz="2800" b="0" strike="noStrike" spc="-1" dirty="0">
+                <a:solidFill>
+                  <a:srgbClr val="000000"/>
+                </a:solidFill>
+                <a:uFill>
+                  <a:solidFill>
+                    <a:srgbClr val="FFFFFF"/>
+                  </a:solidFill>
+                </a:uFill>
+                <a:latin typeface="等线"/>
+              </a:rPr>
+              <a:t>Simplify the question types to 1 type: 5 star ranking</a:t>
+            </a:r>
+            <a:endParaRPr lang="zh-CN" sz="2800" b="0" strike="noStrike" spc="-1" dirty="0">
               <a:solidFill>
                 <a:srgbClr val="000000"/>
               </a:solidFill>
@@ -10424,6 +10482,11 @@
         </p:txBody>
       </p:sp>
     </p:spTree>
+    <p:extLst>
+      <p:ext uri="{BB962C8B-B14F-4D97-AF65-F5344CB8AC3E}">
+        <p14:creationId xmlns:p14="http://schemas.microsoft.com/office/powerpoint/2010/main" val="2549108047"/>
+      </p:ext>
+    </p:extLst>
   </p:cSld>
   <p:clrMapOvr>
     <a:masterClrMapping/>
@@ -10477,7 +10540,7 @@
               </a:lnSpc>
             </a:pPr>
             <a:r>
-              <a:rPr lang="zh-CN" sz="4400" b="0" strike="noStrike" spc="-1" dirty="0">
+              <a:rPr lang="zh-CN" sz="4400" b="0" strike="noStrike" spc="-1">
                 <a:solidFill>
                   <a:srgbClr val="000000"/>
                 </a:solidFill>
@@ -10488,1364 +10551,9 @@
                 </a:uFill>
                 <a:latin typeface="等线 Light"/>
               </a:rPr>
-              <a:t>ER information system </a:t>
+              <a:t>ER information system intruduction </a:t>
             </a:r>
-            <a:r>
-              <a:rPr lang="en-US" altLang="zh-CN" sz="4400" b="0" strike="noStrike" spc="-1" dirty="0">
-                <a:solidFill>
-                  <a:srgbClr val="000000"/>
-                </a:solidFill>
-                <a:uFill>
-                  <a:solidFill>
-                    <a:srgbClr val="FFFFFF"/>
-                  </a:solidFill>
-                </a:uFill>
-                <a:latin typeface="等线 Light"/>
-              </a:rPr>
-              <a:t>introduction</a:t>
-            </a:r>
-            <a:r>
-              <a:rPr lang="zh-CN" sz="4400" b="0" strike="noStrike" spc="-1" dirty="0">
-                <a:solidFill>
-                  <a:srgbClr val="000000"/>
-                </a:solidFill>
-                <a:uFill>
-                  <a:solidFill>
-                    <a:srgbClr val="FFFFFF"/>
-                  </a:solidFill>
-                </a:uFill>
-                <a:latin typeface="等线 Light"/>
-              </a:rPr>
-              <a:t> </a:t>
-            </a:r>
-            <a:endParaRPr lang="zh-CN" sz="1800" b="0" strike="noStrike" spc="-1" dirty="0">
-              <a:solidFill>
-                <a:srgbClr val="000000"/>
-              </a:solidFill>
-              <a:uFill>
-                <a:solidFill>
-                  <a:srgbClr val="FFFFFF"/>
-                </a:solidFill>
-              </a:uFill>
-              <a:latin typeface="等线"/>
-            </a:endParaRPr>
-          </a:p>
-        </p:txBody>
-      </p:sp>
-      <p:sp>
-        <p:nvSpPr>
-          <p:cNvPr id="102" name="TextShape 2"/>
-          <p:cNvSpPr txBox="1"/>
-          <p:nvPr/>
-        </p:nvSpPr>
-        <p:spPr>
-          <a:xfrm>
-            <a:off x="838080" y="1825560"/>
-            <a:ext cx="10515240" cy="4350960"/>
-          </a:xfrm>
-          <a:prstGeom prst="rect">
-            <a:avLst/>
-          </a:prstGeom>
-          <a:noFill/>
-          <a:ln>
-            <a:noFill/>
-          </a:ln>
-        </p:spPr>
-        <p:txBody>
-          <a:bodyPr/>
-          <a:lstStyle/>
-          <a:p>
-            <a:pPr marL="228600" indent="-228240">
-              <a:lnSpc>
-                <a:spcPct val="90000"/>
-              </a:lnSpc>
-              <a:buClr>
-                <a:srgbClr val="000000"/>
-              </a:buClr>
-              <a:buFont typeface="Arial"/>
-              <a:buChar char="•"/>
-            </a:pPr>
-            <a:r>
-              <a:rPr lang="zh-CN" sz="2800" b="0" strike="noStrike" spc="-1" dirty="0">
-                <a:solidFill>
-                  <a:srgbClr val="000000"/>
-                </a:solidFill>
-                <a:uFill>
-                  <a:solidFill>
-                    <a:srgbClr val="FFFFFF"/>
-                  </a:solidFill>
-                </a:uFill>
-                <a:latin typeface="等线"/>
-              </a:rPr>
-              <a:t>Emotion indicators v1.0</a:t>
-            </a:r>
-            <a:endParaRPr lang="en-US" altLang="zh-CN" sz="2800" b="0" strike="noStrike" spc="-1" dirty="0">
-              <a:solidFill>
-                <a:srgbClr val="000000"/>
-              </a:solidFill>
-              <a:uFill>
-                <a:solidFill>
-                  <a:srgbClr val="FFFFFF"/>
-                </a:solidFill>
-              </a:uFill>
-              <a:latin typeface="等线"/>
-            </a:endParaRPr>
-          </a:p>
-          <a:p>
-            <a:pPr marL="685800" lvl="1" indent="-228240">
-              <a:lnSpc>
-                <a:spcPct val="90000"/>
-              </a:lnSpc>
-              <a:buClr>
-                <a:srgbClr val="000000"/>
-              </a:buClr>
-              <a:buFont typeface="Arial"/>
-              <a:buChar char="•"/>
-            </a:pPr>
-            <a:r>
-              <a:rPr lang="en-US" altLang="zh-CN" sz="2800" spc="-1" dirty="0">
-                <a:solidFill>
-                  <a:srgbClr val="000000"/>
-                </a:solidFill>
-                <a:uFill>
-                  <a:solidFill>
-                    <a:srgbClr val="FFFFFF"/>
-                  </a:solidFill>
-                </a:uFill>
-                <a:latin typeface="等线"/>
-              </a:rPr>
-              <a:t>Results: extremely not user friendly</a:t>
-            </a:r>
-          </a:p>
-          <a:p>
-            <a:pPr marL="1143000" lvl="2" indent="-228240">
-              <a:lnSpc>
-                <a:spcPct val="90000"/>
-              </a:lnSpc>
-              <a:buClr>
-                <a:srgbClr val="000000"/>
-              </a:buClr>
-              <a:buFont typeface="Arial"/>
-              <a:buChar char="•"/>
-            </a:pPr>
-            <a:r>
-              <a:rPr lang="en-US" altLang="zh-CN" sz="2800" b="0" strike="noStrike" spc="-1" dirty="0">
-                <a:solidFill>
-                  <a:srgbClr val="000000"/>
-                </a:solidFill>
-                <a:uFill>
-                  <a:solidFill>
-                    <a:srgbClr val="FFFFFF"/>
-                  </a:solidFill>
-                </a:uFill>
-                <a:latin typeface="等线"/>
-              </a:rPr>
-              <a:t>Too much questions in one quiz</a:t>
-            </a:r>
-          </a:p>
-          <a:p>
-            <a:pPr marL="1143000" lvl="2" indent="-228240">
-              <a:lnSpc>
-                <a:spcPct val="90000"/>
-              </a:lnSpc>
-              <a:buClr>
-                <a:srgbClr val="000000"/>
-              </a:buClr>
-              <a:buFont typeface="Arial"/>
-              <a:buChar char="•"/>
-            </a:pPr>
-            <a:r>
-              <a:rPr lang="en-US" altLang="zh-CN" sz="2800" spc="-1" dirty="0">
-                <a:solidFill>
-                  <a:srgbClr val="000000"/>
-                </a:solidFill>
-                <a:uFill>
-                  <a:solidFill>
-                    <a:srgbClr val="FFFFFF"/>
-                  </a:solidFill>
-                </a:uFill>
-                <a:latin typeface="等线"/>
-              </a:rPr>
-              <a:t>Questions are hardly answerable</a:t>
-            </a:r>
-          </a:p>
-          <a:p>
-            <a:pPr marL="1143000" lvl="2" indent="-228240">
-              <a:lnSpc>
-                <a:spcPct val="90000"/>
-              </a:lnSpc>
-              <a:buClr>
-                <a:srgbClr val="000000"/>
-              </a:buClr>
-              <a:buFont typeface="Arial"/>
-              <a:buChar char="•"/>
-            </a:pPr>
-            <a:endParaRPr lang="zh-CN" sz="2800" b="0" strike="noStrike" spc="-1" dirty="0">
-              <a:solidFill>
-                <a:srgbClr val="000000"/>
-              </a:solidFill>
-              <a:uFill>
-                <a:solidFill>
-                  <a:srgbClr val="FFFFFF"/>
-                </a:solidFill>
-              </a:uFill>
-              <a:latin typeface="等线"/>
-            </a:endParaRPr>
-          </a:p>
-          <a:p>
-            <a:pPr>
-              <a:lnSpc>
-                <a:spcPct val="90000"/>
-              </a:lnSpc>
-            </a:pPr>
-            <a:endParaRPr lang="zh-CN" sz="2800" b="0" strike="noStrike" spc="-1" dirty="0">
-              <a:solidFill>
-                <a:srgbClr val="000000"/>
-              </a:solidFill>
-              <a:uFill>
-                <a:solidFill>
-                  <a:srgbClr val="FFFFFF"/>
-                </a:solidFill>
-              </a:uFill>
-              <a:latin typeface="等线"/>
-            </a:endParaRPr>
-          </a:p>
-        </p:txBody>
-      </p:sp>
-    </p:spTree>
-  </p:cSld>
-  <p:clrMapOvr>
-    <a:masterClrMapping/>
-  </p:clrMapOvr>
-</p:sld>
-</file>
-
-<file path=ppt/slides/slide12.xml><?xml version="1.0" encoding="utf-8"?>
-<p:sld xmlns:a="http://schemas.openxmlformats.org/drawingml/2006/main" xmlns:r="http://schemas.openxmlformats.org/officeDocument/2006/relationships" xmlns:p="http://schemas.openxmlformats.org/presentationml/2006/main">
-  <p:cSld>
-    <p:spTree>
-      <p:nvGrpSpPr>
-        <p:cNvPr id="1" name=""/>
-        <p:cNvGrpSpPr/>
-        <p:nvPr/>
-      </p:nvGrpSpPr>
-      <p:grpSpPr>
-        <a:xfrm>
-          <a:off x="0" y="0"/>
-          <a:ext cx="0" cy="0"/>
-          <a:chOff x="0" y="0"/>
-          <a:chExt cx="0" cy="0"/>
-        </a:xfrm>
-      </p:grpSpPr>
-      <p:sp>
-        <p:nvSpPr>
-          <p:cNvPr id="101" name="TextShape 1"/>
-          <p:cNvSpPr txBox="1"/>
-          <p:nvPr/>
-        </p:nvSpPr>
-        <p:spPr>
-          <a:xfrm>
-            <a:off x="838080" y="365040"/>
-            <a:ext cx="10515240" cy="1325160"/>
-          </a:xfrm>
-          <a:prstGeom prst="rect">
-            <a:avLst/>
-          </a:prstGeom>
-          <a:noFill/>
-          <a:ln>
-            <a:noFill/>
-          </a:ln>
-        </p:spPr>
-        <p:txBody>
-          <a:bodyPr anchor="ctr"/>
-          <a:lstStyle/>
-          <a:p>
-            <a:pPr>
-              <a:lnSpc>
-                <a:spcPct val="90000"/>
-              </a:lnSpc>
-            </a:pPr>
-            <a:r>
-              <a:rPr lang="zh-CN" sz="4400" b="0" strike="noStrike" spc="-1" dirty="0">
-                <a:solidFill>
-                  <a:srgbClr val="000000"/>
-                </a:solidFill>
-                <a:uFill>
-                  <a:solidFill>
-                    <a:srgbClr val="FFFFFF"/>
-                  </a:solidFill>
-                </a:uFill>
-                <a:latin typeface="等线 Light"/>
-              </a:rPr>
-              <a:t>ER information system </a:t>
-            </a:r>
-            <a:r>
-              <a:rPr lang="en-US" altLang="zh-CN" sz="4400" b="0" strike="noStrike" spc="-1" dirty="0">
-                <a:solidFill>
-                  <a:srgbClr val="000000"/>
-                </a:solidFill>
-                <a:uFill>
-                  <a:solidFill>
-                    <a:srgbClr val="FFFFFF"/>
-                  </a:solidFill>
-                </a:uFill>
-                <a:latin typeface="等线 Light"/>
-              </a:rPr>
-              <a:t>introduction</a:t>
-            </a:r>
-            <a:r>
-              <a:rPr lang="zh-CN" sz="4400" b="0" strike="noStrike" spc="-1" dirty="0">
-                <a:solidFill>
-                  <a:srgbClr val="000000"/>
-                </a:solidFill>
-                <a:uFill>
-                  <a:solidFill>
-                    <a:srgbClr val="FFFFFF"/>
-                  </a:solidFill>
-                </a:uFill>
-                <a:latin typeface="等线 Light"/>
-              </a:rPr>
-              <a:t> </a:t>
-            </a:r>
-            <a:endParaRPr lang="zh-CN" sz="1800" b="0" strike="noStrike" spc="-1" dirty="0">
-              <a:solidFill>
-                <a:srgbClr val="000000"/>
-              </a:solidFill>
-              <a:uFill>
-                <a:solidFill>
-                  <a:srgbClr val="FFFFFF"/>
-                </a:solidFill>
-              </a:uFill>
-              <a:latin typeface="等线"/>
-            </a:endParaRPr>
-          </a:p>
-        </p:txBody>
-      </p:sp>
-      <p:sp>
-        <p:nvSpPr>
-          <p:cNvPr id="102" name="TextShape 2"/>
-          <p:cNvSpPr txBox="1"/>
-          <p:nvPr/>
-        </p:nvSpPr>
-        <p:spPr>
-          <a:xfrm>
-            <a:off x="838080" y="1825560"/>
-            <a:ext cx="10515240" cy="4350960"/>
-          </a:xfrm>
-          <a:prstGeom prst="rect">
-            <a:avLst/>
-          </a:prstGeom>
-          <a:noFill/>
-          <a:ln>
-            <a:noFill/>
-          </a:ln>
-        </p:spPr>
-        <p:txBody>
-          <a:bodyPr/>
-          <a:lstStyle/>
-          <a:p>
-            <a:pPr marL="228600" indent="-228240">
-              <a:lnSpc>
-                <a:spcPct val="90000"/>
-              </a:lnSpc>
-              <a:buClr>
-                <a:srgbClr val="000000"/>
-              </a:buClr>
-              <a:buFont typeface="Arial"/>
-              <a:buChar char="•"/>
-            </a:pPr>
-            <a:r>
-              <a:rPr lang="zh-CN" sz="2800" b="0" strike="noStrike" spc="-1" dirty="0">
-                <a:solidFill>
-                  <a:srgbClr val="000000"/>
-                </a:solidFill>
-                <a:uFill>
-                  <a:solidFill>
-                    <a:srgbClr val="FFFFFF"/>
-                  </a:solidFill>
-                </a:uFill>
-                <a:latin typeface="等线"/>
-              </a:rPr>
-              <a:t>Emotion indicators v1.0</a:t>
-            </a:r>
-            <a:endParaRPr lang="en-US" altLang="zh-CN" sz="2800" b="0" strike="noStrike" spc="-1" dirty="0">
-              <a:solidFill>
-                <a:srgbClr val="000000"/>
-              </a:solidFill>
-              <a:uFill>
-                <a:solidFill>
-                  <a:srgbClr val="FFFFFF"/>
-                </a:solidFill>
-              </a:uFill>
-              <a:latin typeface="等线"/>
-            </a:endParaRPr>
-          </a:p>
-          <a:p>
-            <a:pPr marL="685800" lvl="1" indent="-228240">
-              <a:lnSpc>
-                <a:spcPct val="90000"/>
-              </a:lnSpc>
-              <a:buClr>
-                <a:srgbClr val="000000"/>
-              </a:buClr>
-              <a:buFont typeface="Arial"/>
-              <a:buChar char="•"/>
-            </a:pPr>
-            <a:r>
-              <a:rPr lang="en-US" altLang="zh-CN" sz="2800" spc="-1" dirty="0">
-                <a:solidFill>
-                  <a:srgbClr val="000000"/>
-                </a:solidFill>
-                <a:uFill>
-                  <a:solidFill>
-                    <a:srgbClr val="FFFFFF"/>
-                  </a:solidFill>
-                </a:uFill>
-                <a:latin typeface="等线"/>
-              </a:rPr>
-              <a:t>Results: extremely not user friendly</a:t>
-            </a:r>
-          </a:p>
-          <a:p>
-            <a:pPr marL="1143000" lvl="2" indent="-228240">
-              <a:lnSpc>
-                <a:spcPct val="90000"/>
-              </a:lnSpc>
-              <a:buClr>
-                <a:srgbClr val="000000"/>
-              </a:buClr>
-              <a:buFont typeface="Arial"/>
-              <a:buChar char="•"/>
-            </a:pPr>
-            <a:r>
-              <a:rPr lang="en-US" altLang="zh-CN" sz="2800" b="0" strike="noStrike" spc="-1" dirty="0">
-                <a:solidFill>
-                  <a:srgbClr val="000000"/>
-                </a:solidFill>
-                <a:uFill>
-                  <a:solidFill>
-                    <a:srgbClr val="FFFFFF"/>
-                  </a:solidFill>
-                </a:uFill>
-                <a:latin typeface="等线"/>
-              </a:rPr>
-              <a:t>Too much questions in one quiz</a:t>
-            </a:r>
-          </a:p>
-          <a:p>
-            <a:pPr marL="1143000" lvl="2" indent="-228240">
-              <a:lnSpc>
-                <a:spcPct val="90000"/>
-              </a:lnSpc>
-              <a:buClr>
-                <a:srgbClr val="000000"/>
-              </a:buClr>
-              <a:buFont typeface="Arial"/>
-              <a:buChar char="•"/>
-            </a:pPr>
-            <a:r>
-              <a:rPr lang="en-US" altLang="zh-CN" sz="2800" spc="-1" dirty="0">
-                <a:solidFill>
-                  <a:srgbClr val="000000"/>
-                </a:solidFill>
-                <a:uFill>
-                  <a:solidFill>
-                    <a:srgbClr val="FFFFFF"/>
-                  </a:solidFill>
-                </a:uFill>
-                <a:latin typeface="等线"/>
-              </a:rPr>
-              <a:t>Questions are hardly answerable</a:t>
-            </a:r>
-          </a:p>
-          <a:p>
-            <a:pPr marL="1143000" lvl="2" indent="-228240">
-              <a:lnSpc>
-                <a:spcPct val="90000"/>
-              </a:lnSpc>
-              <a:buClr>
-                <a:srgbClr val="000000"/>
-              </a:buClr>
-              <a:buFont typeface="Arial"/>
-              <a:buChar char="•"/>
-            </a:pPr>
-            <a:endParaRPr lang="zh-CN" sz="2800" b="0" strike="noStrike" spc="-1" dirty="0">
-              <a:solidFill>
-                <a:srgbClr val="000000"/>
-              </a:solidFill>
-              <a:uFill>
-                <a:solidFill>
-                  <a:srgbClr val="FFFFFF"/>
-                </a:solidFill>
-              </a:uFill>
-              <a:latin typeface="等线"/>
-            </a:endParaRPr>
-          </a:p>
-          <a:p>
-            <a:pPr>
-              <a:lnSpc>
-                <a:spcPct val="90000"/>
-              </a:lnSpc>
-            </a:pPr>
-            <a:endParaRPr lang="zh-CN" sz="2800" b="0" strike="noStrike" spc="-1" dirty="0">
-              <a:solidFill>
-                <a:srgbClr val="000000"/>
-              </a:solidFill>
-              <a:uFill>
-                <a:solidFill>
-                  <a:srgbClr val="FFFFFF"/>
-                </a:solidFill>
-              </a:uFill>
-              <a:latin typeface="等线"/>
-            </a:endParaRPr>
-          </a:p>
-        </p:txBody>
-      </p:sp>
-      <p:pic>
-        <p:nvPicPr>
-          <p:cNvPr id="2" name="图片 1">
-            <a:extLst>
-              <a:ext uri="{FF2B5EF4-FFF2-40B4-BE49-F238E27FC236}">
-                <a16:creationId xmlns:a16="http://schemas.microsoft.com/office/drawing/2014/main" id="{A5D24ACC-3137-EAEB-A008-E6E666751EAC}"/>
-              </a:ext>
-            </a:extLst>
-          </p:cNvPr>
-          <p:cNvPicPr>
-            <a:picLocks noChangeAspect="1"/>
-          </p:cNvPicPr>
-          <p:nvPr/>
-        </p:nvPicPr>
-        <p:blipFill>
-          <a:blip r:embed="rId2">
-            <a:extLst>
-              <a:ext uri="{28A0092B-C50C-407E-A947-70E740481C1C}">
-                <a14:useLocalDpi xmlns:a14="http://schemas.microsoft.com/office/drawing/2010/main" val="0"/>
-              </a:ext>
-            </a:extLst>
-          </a:blip>
-          <a:stretch>
-            <a:fillRect/>
-          </a:stretch>
-        </p:blipFill>
-        <p:spPr>
-          <a:xfrm>
-            <a:off x="1147425" y="323680"/>
-            <a:ext cx="9896550" cy="6858000"/>
-          </a:xfrm>
-          <a:prstGeom prst="rect">
-            <a:avLst/>
-          </a:prstGeom>
-        </p:spPr>
-      </p:pic>
-    </p:spTree>
-    <p:extLst>
-      <p:ext uri="{BB962C8B-B14F-4D97-AF65-F5344CB8AC3E}">
-        <p14:creationId xmlns:p14="http://schemas.microsoft.com/office/powerpoint/2010/main" val="2162747175"/>
-      </p:ext>
-    </p:extLst>
-  </p:cSld>
-  <p:clrMapOvr>
-    <a:masterClrMapping/>
-  </p:clrMapOvr>
-</p:sld>
-</file>
-
-<file path=ppt/slides/slide13.xml><?xml version="1.0" encoding="utf-8"?>
-<p:sld xmlns:a="http://schemas.openxmlformats.org/drawingml/2006/main" xmlns:r="http://schemas.openxmlformats.org/officeDocument/2006/relationships" xmlns:p="http://schemas.openxmlformats.org/presentationml/2006/main">
-  <p:cSld>
-    <p:spTree>
-      <p:nvGrpSpPr>
-        <p:cNvPr id="1" name=""/>
-        <p:cNvGrpSpPr/>
-        <p:nvPr/>
-      </p:nvGrpSpPr>
-      <p:grpSpPr>
-        <a:xfrm>
-          <a:off x="0" y="0"/>
-          <a:ext cx="0" cy="0"/>
-          <a:chOff x="0" y="0"/>
-          <a:chExt cx="0" cy="0"/>
-        </a:xfrm>
-      </p:grpSpPr>
-      <p:sp>
-        <p:nvSpPr>
-          <p:cNvPr id="101" name="TextShape 1"/>
-          <p:cNvSpPr txBox="1"/>
-          <p:nvPr/>
-        </p:nvSpPr>
-        <p:spPr>
-          <a:xfrm>
-            <a:off x="838080" y="365040"/>
-            <a:ext cx="10515240" cy="1325160"/>
-          </a:xfrm>
-          <a:prstGeom prst="rect">
-            <a:avLst/>
-          </a:prstGeom>
-          <a:noFill/>
-          <a:ln>
-            <a:noFill/>
-          </a:ln>
-        </p:spPr>
-        <p:txBody>
-          <a:bodyPr anchor="ctr"/>
-          <a:lstStyle/>
-          <a:p>
-            <a:pPr>
-              <a:lnSpc>
-                <a:spcPct val="90000"/>
-              </a:lnSpc>
-            </a:pPr>
-            <a:r>
-              <a:rPr lang="zh-CN" sz="4400" b="0" strike="noStrike" spc="-1" dirty="0">
-                <a:solidFill>
-                  <a:srgbClr val="000000"/>
-                </a:solidFill>
-                <a:uFill>
-                  <a:solidFill>
-                    <a:srgbClr val="FFFFFF"/>
-                  </a:solidFill>
-                </a:uFill>
-                <a:latin typeface="等线 Light"/>
-              </a:rPr>
-              <a:t>ER information system </a:t>
-            </a:r>
-            <a:r>
-              <a:rPr lang="en-US" altLang="zh-CN" sz="4400" b="0" strike="noStrike" spc="-1" dirty="0">
-                <a:solidFill>
-                  <a:srgbClr val="000000"/>
-                </a:solidFill>
-                <a:uFill>
-                  <a:solidFill>
-                    <a:srgbClr val="FFFFFF"/>
-                  </a:solidFill>
-                </a:uFill>
-                <a:latin typeface="等线 Light"/>
-              </a:rPr>
-              <a:t>introduction</a:t>
-            </a:r>
-            <a:r>
-              <a:rPr lang="zh-CN" sz="4400" b="0" strike="noStrike" spc="-1" dirty="0">
-                <a:solidFill>
-                  <a:srgbClr val="000000"/>
-                </a:solidFill>
-                <a:uFill>
-                  <a:solidFill>
-                    <a:srgbClr val="FFFFFF"/>
-                  </a:solidFill>
-                </a:uFill>
-                <a:latin typeface="等线 Light"/>
-              </a:rPr>
-              <a:t> </a:t>
-            </a:r>
-            <a:endParaRPr lang="zh-CN" sz="1800" b="0" strike="noStrike" spc="-1" dirty="0">
-              <a:solidFill>
-                <a:srgbClr val="000000"/>
-              </a:solidFill>
-              <a:uFill>
-                <a:solidFill>
-                  <a:srgbClr val="FFFFFF"/>
-                </a:solidFill>
-              </a:uFill>
-              <a:latin typeface="等线"/>
-            </a:endParaRPr>
-          </a:p>
-        </p:txBody>
-      </p:sp>
-      <p:sp>
-        <p:nvSpPr>
-          <p:cNvPr id="102" name="TextShape 2"/>
-          <p:cNvSpPr txBox="1"/>
-          <p:nvPr/>
-        </p:nvSpPr>
-        <p:spPr>
-          <a:xfrm>
-            <a:off x="838080" y="1825560"/>
-            <a:ext cx="10515240" cy="4350960"/>
-          </a:xfrm>
-          <a:prstGeom prst="rect">
-            <a:avLst/>
-          </a:prstGeom>
-          <a:noFill/>
-          <a:ln>
-            <a:noFill/>
-          </a:ln>
-        </p:spPr>
-        <p:txBody>
-          <a:bodyPr/>
-          <a:lstStyle/>
-          <a:p>
-            <a:pPr marL="228600" indent="-228240">
-              <a:lnSpc>
-                <a:spcPct val="90000"/>
-              </a:lnSpc>
-              <a:buClr>
-                <a:srgbClr val="000000"/>
-              </a:buClr>
-              <a:buFont typeface="Arial"/>
-              <a:buChar char="•"/>
-            </a:pPr>
-            <a:r>
-              <a:rPr lang="zh-CN" sz="2800" b="0" strike="noStrike" spc="-1" dirty="0">
-                <a:solidFill>
-                  <a:srgbClr val="000000"/>
-                </a:solidFill>
-                <a:uFill>
-                  <a:solidFill>
-                    <a:srgbClr val="FFFFFF"/>
-                  </a:solidFill>
-                </a:uFill>
-                <a:latin typeface="等线"/>
-              </a:rPr>
-              <a:t>Emotion indicators v</a:t>
-            </a:r>
-            <a:r>
-              <a:rPr lang="en-US" altLang="zh-CN" sz="2800" b="0" strike="noStrike" spc="-1" dirty="0">
-                <a:solidFill>
-                  <a:srgbClr val="000000"/>
-                </a:solidFill>
-                <a:uFill>
-                  <a:solidFill>
-                    <a:srgbClr val="FFFFFF"/>
-                  </a:solidFill>
-                </a:uFill>
-                <a:latin typeface="等线"/>
-              </a:rPr>
-              <a:t>2</a:t>
-            </a:r>
-            <a:r>
-              <a:rPr lang="zh-CN" sz="2800" b="0" strike="noStrike" spc="-1" dirty="0">
-                <a:solidFill>
-                  <a:srgbClr val="000000"/>
-                </a:solidFill>
-                <a:uFill>
-                  <a:solidFill>
-                    <a:srgbClr val="FFFFFF"/>
-                  </a:solidFill>
-                </a:uFill>
-                <a:latin typeface="等线"/>
-              </a:rPr>
-              <a:t>.0</a:t>
-            </a:r>
-            <a:endParaRPr lang="en-US" altLang="zh-CN" sz="2800" b="0" strike="noStrike" spc="-1" dirty="0">
-              <a:solidFill>
-                <a:srgbClr val="000000"/>
-              </a:solidFill>
-              <a:uFill>
-                <a:solidFill>
-                  <a:srgbClr val="FFFFFF"/>
-                </a:solidFill>
-              </a:uFill>
-              <a:latin typeface="等线"/>
-            </a:endParaRPr>
-          </a:p>
-          <a:p>
-            <a:pPr marL="685800" lvl="1" indent="-228240">
-              <a:lnSpc>
-                <a:spcPct val="90000"/>
-              </a:lnSpc>
-              <a:buClr>
-                <a:srgbClr val="000000"/>
-              </a:buClr>
-              <a:buFont typeface="Arial"/>
-              <a:buChar char="•"/>
-            </a:pPr>
-            <a:r>
-              <a:rPr lang="en-US" altLang="zh-CN" sz="2800" spc="-1" dirty="0">
-                <a:solidFill>
-                  <a:srgbClr val="000000"/>
-                </a:solidFill>
-                <a:uFill>
-                  <a:solidFill>
-                    <a:srgbClr val="FFFFFF"/>
-                  </a:solidFill>
-                </a:uFill>
-                <a:latin typeface="等线"/>
-              </a:rPr>
-              <a:t>Changes:</a:t>
-            </a:r>
-          </a:p>
-          <a:p>
-            <a:pPr marL="1143000" lvl="2" indent="-228240">
-              <a:lnSpc>
-                <a:spcPct val="90000"/>
-              </a:lnSpc>
-              <a:buClr>
-                <a:srgbClr val="000000"/>
-              </a:buClr>
-              <a:buFont typeface="Arial"/>
-              <a:buChar char="•"/>
-            </a:pPr>
-            <a:r>
-              <a:rPr lang="en-US" altLang="zh-CN" sz="2800" spc="-1" dirty="0">
-                <a:solidFill>
-                  <a:srgbClr val="000000"/>
-                </a:solidFill>
-                <a:uFill>
-                  <a:solidFill>
-                    <a:srgbClr val="FFFFFF"/>
-                  </a:solidFill>
-                </a:uFill>
-                <a:latin typeface="等线"/>
-              </a:rPr>
-              <a:t>Add &amp; divide the questions into multiple equivalent parts</a:t>
-            </a:r>
-          </a:p>
-          <a:p>
-            <a:pPr marL="1143000" lvl="2" indent="-228240">
-              <a:lnSpc>
-                <a:spcPct val="90000"/>
-              </a:lnSpc>
-              <a:buClr>
-                <a:srgbClr val="000000"/>
-              </a:buClr>
-              <a:buFont typeface="Arial"/>
-              <a:buChar char="•"/>
-            </a:pPr>
-            <a:r>
-              <a:rPr lang="en-US" altLang="zh-CN" sz="2800" b="0" strike="noStrike" spc="-1" dirty="0">
-                <a:solidFill>
-                  <a:srgbClr val="000000"/>
-                </a:solidFill>
-                <a:uFill>
-                  <a:solidFill>
-                    <a:srgbClr val="FFFFFF"/>
-                  </a:solidFill>
-                </a:uFill>
-                <a:latin typeface="等线"/>
-              </a:rPr>
-              <a:t>Keep each quiz has only 8 – 9 questions</a:t>
-            </a:r>
-          </a:p>
-          <a:p>
-            <a:pPr marL="1143000" lvl="2" indent="-228240">
-              <a:lnSpc>
-                <a:spcPct val="90000"/>
-              </a:lnSpc>
-              <a:buClr>
-                <a:srgbClr val="000000"/>
-              </a:buClr>
-              <a:buFont typeface="Arial"/>
-              <a:buChar char="•"/>
-            </a:pPr>
-            <a:r>
-              <a:rPr lang="en-US" altLang="zh-CN" sz="2800" b="0" strike="noStrike" spc="-1" dirty="0">
-                <a:solidFill>
-                  <a:srgbClr val="000000"/>
-                </a:solidFill>
-                <a:uFill>
-                  <a:solidFill>
-                    <a:srgbClr val="FFFFFF"/>
-                  </a:solidFill>
-                </a:uFill>
-                <a:latin typeface="等线"/>
-              </a:rPr>
-              <a:t>Simplify the question types to 1 type: 5 star ranking</a:t>
-            </a:r>
-            <a:endParaRPr lang="zh-CN" sz="2800" b="0" strike="noStrike" spc="-1" dirty="0">
-              <a:solidFill>
-                <a:srgbClr val="000000"/>
-              </a:solidFill>
-              <a:uFill>
-                <a:solidFill>
-                  <a:srgbClr val="FFFFFF"/>
-                </a:solidFill>
-              </a:uFill>
-              <a:latin typeface="等线"/>
-            </a:endParaRPr>
-          </a:p>
-          <a:p>
-            <a:pPr>
-              <a:lnSpc>
-                <a:spcPct val="90000"/>
-              </a:lnSpc>
-            </a:pPr>
-            <a:endParaRPr lang="zh-CN" sz="2800" b="0" strike="noStrike" spc="-1" dirty="0">
-              <a:solidFill>
-                <a:srgbClr val="000000"/>
-              </a:solidFill>
-              <a:uFill>
-                <a:solidFill>
-                  <a:srgbClr val="FFFFFF"/>
-                </a:solidFill>
-              </a:uFill>
-              <a:latin typeface="等线"/>
-            </a:endParaRPr>
-          </a:p>
-        </p:txBody>
-      </p:sp>
-    </p:spTree>
-    <p:extLst>
-      <p:ext uri="{BB962C8B-B14F-4D97-AF65-F5344CB8AC3E}">
-        <p14:creationId xmlns:p14="http://schemas.microsoft.com/office/powerpoint/2010/main" val="2549108047"/>
-      </p:ext>
-    </p:extLst>
-  </p:cSld>
-  <p:clrMapOvr>
-    <a:masterClrMapping/>
-  </p:clrMapOvr>
-</p:sld>
-</file>
-
-<file path=ppt/slides/slide14.xml><?xml version="1.0" encoding="utf-8"?>
-<p:sld xmlns:a="http://schemas.openxmlformats.org/drawingml/2006/main" xmlns:r="http://schemas.openxmlformats.org/officeDocument/2006/relationships" xmlns:p="http://schemas.openxmlformats.org/presentationml/2006/main">
-  <p:cSld>
-    <p:spTree>
-      <p:nvGrpSpPr>
-        <p:cNvPr id="1" name=""/>
-        <p:cNvGrpSpPr/>
-        <p:nvPr/>
-      </p:nvGrpSpPr>
-      <p:grpSpPr>
-        <a:xfrm>
-          <a:off x="0" y="0"/>
-          <a:ext cx="0" cy="0"/>
-          <a:chOff x="0" y="0"/>
-          <a:chExt cx="0" cy="0"/>
-        </a:xfrm>
-      </p:grpSpPr>
-      <p:sp>
-        <p:nvSpPr>
-          <p:cNvPr id="101" name="TextShape 1"/>
-          <p:cNvSpPr txBox="1"/>
-          <p:nvPr/>
-        </p:nvSpPr>
-        <p:spPr>
-          <a:xfrm>
-            <a:off x="838080" y="365040"/>
-            <a:ext cx="10515240" cy="1325160"/>
-          </a:xfrm>
-          <a:prstGeom prst="rect">
-            <a:avLst/>
-          </a:prstGeom>
-          <a:noFill/>
-          <a:ln>
-            <a:noFill/>
-          </a:ln>
-        </p:spPr>
-        <p:txBody>
-          <a:bodyPr anchor="ctr"/>
-          <a:lstStyle/>
-          <a:p>
-            <a:pPr>
-              <a:lnSpc>
-                <a:spcPct val="90000"/>
-              </a:lnSpc>
-            </a:pPr>
-            <a:r>
-              <a:rPr lang="zh-CN" sz="4400" b="0" strike="noStrike" spc="-1" dirty="0">
-                <a:solidFill>
-                  <a:srgbClr val="000000"/>
-                </a:solidFill>
-                <a:uFill>
-                  <a:solidFill>
-                    <a:srgbClr val="FFFFFF"/>
-                  </a:solidFill>
-                </a:uFill>
-                <a:latin typeface="等线 Light"/>
-              </a:rPr>
-              <a:t>ER information system </a:t>
-            </a:r>
-            <a:r>
-              <a:rPr lang="en-US" altLang="zh-CN" sz="4400" b="0" strike="noStrike" spc="-1" dirty="0">
-                <a:solidFill>
-                  <a:srgbClr val="000000"/>
-                </a:solidFill>
-                <a:uFill>
-                  <a:solidFill>
-                    <a:srgbClr val="FFFFFF"/>
-                  </a:solidFill>
-                </a:uFill>
-                <a:latin typeface="等线 Light"/>
-              </a:rPr>
-              <a:t>introduction</a:t>
-            </a:r>
-            <a:r>
-              <a:rPr lang="zh-CN" sz="4400" b="0" strike="noStrike" spc="-1" dirty="0">
-                <a:solidFill>
-                  <a:srgbClr val="000000"/>
-                </a:solidFill>
-                <a:uFill>
-                  <a:solidFill>
-                    <a:srgbClr val="FFFFFF"/>
-                  </a:solidFill>
-                </a:uFill>
-                <a:latin typeface="等线 Light"/>
-              </a:rPr>
-              <a:t> </a:t>
-            </a:r>
-            <a:endParaRPr lang="zh-CN" sz="1800" b="0" strike="noStrike" spc="-1" dirty="0">
-              <a:solidFill>
-                <a:srgbClr val="000000"/>
-              </a:solidFill>
-              <a:uFill>
-                <a:solidFill>
-                  <a:srgbClr val="FFFFFF"/>
-                </a:solidFill>
-              </a:uFill>
-              <a:latin typeface="等线"/>
-            </a:endParaRPr>
-          </a:p>
-        </p:txBody>
-      </p:sp>
-      <p:sp>
-        <p:nvSpPr>
-          <p:cNvPr id="102" name="TextShape 2"/>
-          <p:cNvSpPr txBox="1"/>
-          <p:nvPr/>
-        </p:nvSpPr>
-        <p:spPr>
-          <a:xfrm>
-            <a:off x="838080" y="1825560"/>
-            <a:ext cx="10515240" cy="4350960"/>
-          </a:xfrm>
-          <a:prstGeom prst="rect">
-            <a:avLst/>
-          </a:prstGeom>
-          <a:noFill/>
-          <a:ln>
-            <a:noFill/>
-          </a:ln>
-        </p:spPr>
-        <p:txBody>
-          <a:bodyPr/>
-          <a:lstStyle/>
-          <a:p>
-            <a:pPr marL="228600" indent="-228240">
-              <a:lnSpc>
-                <a:spcPct val="90000"/>
-              </a:lnSpc>
-              <a:buClr>
-                <a:srgbClr val="000000"/>
-              </a:buClr>
-              <a:buFont typeface="Arial"/>
-              <a:buChar char="•"/>
-            </a:pPr>
-            <a:r>
-              <a:rPr lang="zh-CN" sz="2800" b="0" strike="noStrike" spc="-1" dirty="0">
-                <a:solidFill>
-                  <a:srgbClr val="000000"/>
-                </a:solidFill>
-                <a:uFill>
-                  <a:solidFill>
-                    <a:srgbClr val="FFFFFF"/>
-                  </a:solidFill>
-                </a:uFill>
-                <a:latin typeface="等线"/>
-              </a:rPr>
-              <a:t>Emotion indicators v</a:t>
-            </a:r>
-            <a:r>
-              <a:rPr lang="en-US" altLang="zh-CN" sz="2800" b="0" strike="noStrike" spc="-1" dirty="0">
-                <a:solidFill>
-                  <a:srgbClr val="000000"/>
-                </a:solidFill>
-                <a:uFill>
-                  <a:solidFill>
-                    <a:srgbClr val="FFFFFF"/>
-                  </a:solidFill>
-                </a:uFill>
-                <a:latin typeface="等线"/>
-              </a:rPr>
-              <a:t>2</a:t>
-            </a:r>
-            <a:r>
-              <a:rPr lang="zh-CN" sz="2800" b="0" strike="noStrike" spc="-1" dirty="0">
-                <a:solidFill>
-                  <a:srgbClr val="000000"/>
-                </a:solidFill>
-                <a:uFill>
-                  <a:solidFill>
-                    <a:srgbClr val="FFFFFF"/>
-                  </a:solidFill>
-                </a:uFill>
-                <a:latin typeface="等线"/>
-              </a:rPr>
-              <a:t>.0</a:t>
-            </a:r>
-            <a:endParaRPr lang="en-US" altLang="zh-CN" sz="2800" b="0" strike="noStrike" spc="-1" dirty="0">
-              <a:solidFill>
-                <a:srgbClr val="000000"/>
-              </a:solidFill>
-              <a:uFill>
-                <a:solidFill>
-                  <a:srgbClr val="FFFFFF"/>
-                </a:solidFill>
-              </a:uFill>
-              <a:latin typeface="等线"/>
-            </a:endParaRPr>
-          </a:p>
-          <a:p>
-            <a:pPr marL="685800" lvl="1" indent="-228240">
-              <a:lnSpc>
-                <a:spcPct val="90000"/>
-              </a:lnSpc>
-              <a:buClr>
-                <a:srgbClr val="000000"/>
-              </a:buClr>
-              <a:buFont typeface="Arial"/>
-              <a:buChar char="•"/>
-            </a:pPr>
-            <a:r>
-              <a:rPr lang="en-US" altLang="zh-CN" sz="2800" spc="-1" dirty="0">
-                <a:solidFill>
-                  <a:srgbClr val="000000"/>
-                </a:solidFill>
-                <a:uFill>
-                  <a:solidFill>
-                    <a:srgbClr val="FFFFFF"/>
-                  </a:solidFill>
-                </a:uFill>
-                <a:latin typeface="等线"/>
-              </a:rPr>
-              <a:t>Changes:</a:t>
-            </a:r>
-          </a:p>
-          <a:p>
-            <a:pPr marL="1143000" lvl="2" indent="-228240">
-              <a:lnSpc>
-                <a:spcPct val="90000"/>
-              </a:lnSpc>
-              <a:buClr>
-                <a:srgbClr val="000000"/>
-              </a:buClr>
-              <a:buFont typeface="Arial"/>
-              <a:buChar char="•"/>
-            </a:pPr>
-            <a:r>
-              <a:rPr lang="en-US" altLang="zh-CN" sz="2800" spc="-1" dirty="0">
-                <a:solidFill>
-                  <a:srgbClr val="000000"/>
-                </a:solidFill>
-                <a:uFill>
-                  <a:solidFill>
-                    <a:srgbClr val="FFFFFF"/>
-                  </a:solidFill>
-                </a:uFill>
-                <a:latin typeface="等线"/>
-              </a:rPr>
-              <a:t>Add &amp; divide the questions into multiple equivalent parts</a:t>
-            </a:r>
-          </a:p>
-          <a:p>
-            <a:pPr marL="1143000" lvl="2" indent="-228240">
-              <a:lnSpc>
-                <a:spcPct val="90000"/>
-              </a:lnSpc>
-              <a:buClr>
-                <a:srgbClr val="000000"/>
-              </a:buClr>
-              <a:buFont typeface="Arial"/>
-              <a:buChar char="•"/>
-            </a:pPr>
-            <a:r>
-              <a:rPr lang="en-US" altLang="zh-CN" sz="2800" b="0" strike="noStrike" spc="-1" dirty="0">
-                <a:solidFill>
-                  <a:srgbClr val="000000"/>
-                </a:solidFill>
-                <a:uFill>
-                  <a:solidFill>
-                    <a:srgbClr val="FFFFFF"/>
-                  </a:solidFill>
-                </a:uFill>
-                <a:latin typeface="等线"/>
-              </a:rPr>
-              <a:t>Keep each quiz has only 8 – 9 questions</a:t>
-            </a:r>
-          </a:p>
-          <a:p>
-            <a:pPr marL="1143000" lvl="2" indent="-228240">
-              <a:lnSpc>
-                <a:spcPct val="90000"/>
-              </a:lnSpc>
-              <a:buClr>
-                <a:srgbClr val="000000"/>
-              </a:buClr>
-              <a:buFont typeface="Arial"/>
-              <a:buChar char="•"/>
-            </a:pPr>
-            <a:r>
-              <a:rPr lang="en-US" altLang="zh-CN" sz="2800" b="0" strike="noStrike" spc="-1" dirty="0">
-                <a:solidFill>
-                  <a:srgbClr val="000000"/>
-                </a:solidFill>
-                <a:uFill>
-                  <a:solidFill>
-                    <a:srgbClr val="FFFFFF"/>
-                  </a:solidFill>
-                </a:uFill>
-                <a:latin typeface="等线"/>
-              </a:rPr>
-              <a:t>Simplify the question types to 1 type: 5 star ranking</a:t>
-            </a:r>
-            <a:endParaRPr lang="zh-CN" sz="2800" b="0" strike="noStrike" spc="-1" dirty="0">
-              <a:solidFill>
-                <a:srgbClr val="000000"/>
-              </a:solidFill>
-              <a:uFill>
-                <a:solidFill>
-                  <a:srgbClr val="FFFFFF"/>
-                </a:solidFill>
-              </a:uFill>
-              <a:latin typeface="等线"/>
-            </a:endParaRPr>
-          </a:p>
-          <a:p>
-            <a:pPr>
-              <a:lnSpc>
-                <a:spcPct val="90000"/>
-              </a:lnSpc>
-            </a:pPr>
-            <a:endParaRPr lang="zh-CN" sz="2800" b="0" strike="noStrike" spc="-1" dirty="0">
-              <a:solidFill>
-                <a:srgbClr val="000000"/>
-              </a:solidFill>
-              <a:uFill>
-                <a:solidFill>
-                  <a:srgbClr val="FFFFFF"/>
-                </a:solidFill>
-              </a:uFill>
-              <a:latin typeface="等线"/>
-            </a:endParaRPr>
-          </a:p>
-        </p:txBody>
-      </p:sp>
-      <p:pic>
-        <p:nvPicPr>
-          <p:cNvPr id="3" name="图片 2">
-            <a:extLst>
-              <a:ext uri="{FF2B5EF4-FFF2-40B4-BE49-F238E27FC236}">
-                <a16:creationId xmlns:a16="http://schemas.microsoft.com/office/drawing/2014/main" id="{5D38D472-CCA9-05EF-75A8-2FAF27D439CF}"/>
-              </a:ext>
-            </a:extLst>
-          </p:cNvPr>
-          <p:cNvPicPr>
-            <a:picLocks noChangeAspect="1"/>
-          </p:cNvPicPr>
-          <p:nvPr/>
-        </p:nvPicPr>
-        <p:blipFill>
-          <a:blip r:embed="rId2">
-            <a:extLst>
-              <a:ext uri="{28A0092B-C50C-407E-A947-70E740481C1C}">
-                <a14:useLocalDpi xmlns:a14="http://schemas.microsoft.com/office/drawing/2010/main" val="0"/>
-              </a:ext>
-            </a:extLst>
-          </a:blip>
-          <a:stretch>
-            <a:fillRect/>
-          </a:stretch>
-        </p:blipFill>
-        <p:spPr>
-          <a:xfrm>
-            <a:off x="467210" y="1519108"/>
-            <a:ext cx="11256980" cy="5410904"/>
-          </a:xfrm>
-          <a:prstGeom prst="rect">
-            <a:avLst/>
-          </a:prstGeom>
-        </p:spPr>
-      </p:pic>
-    </p:spTree>
-    <p:extLst>
-      <p:ext uri="{BB962C8B-B14F-4D97-AF65-F5344CB8AC3E}">
-        <p14:creationId xmlns:p14="http://schemas.microsoft.com/office/powerpoint/2010/main" val="4109876697"/>
-      </p:ext>
-    </p:extLst>
-  </p:cSld>
-  <p:clrMapOvr>
-    <a:masterClrMapping/>
-  </p:clrMapOvr>
-</p:sld>
-</file>
-
-<file path=ppt/slides/slide15.xml><?xml version="1.0" encoding="utf-8"?>
-<p:sld xmlns:a="http://schemas.openxmlformats.org/drawingml/2006/main" xmlns:r="http://schemas.openxmlformats.org/officeDocument/2006/relationships" xmlns:p="http://schemas.openxmlformats.org/presentationml/2006/main">
-  <p:cSld>
-    <p:spTree>
-      <p:nvGrpSpPr>
-        <p:cNvPr id="1" name=""/>
-        <p:cNvGrpSpPr/>
-        <p:nvPr/>
-      </p:nvGrpSpPr>
-      <p:grpSpPr>
-        <a:xfrm>
-          <a:off x="0" y="0"/>
-          <a:ext cx="0" cy="0"/>
-          <a:chOff x="0" y="0"/>
-          <a:chExt cx="0" cy="0"/>
-        </a:xfrm>
-      </p:grpSpPr>
-      <p:sp>
-        <p:nvSpPr>
-          <p:cNvPr id="101" name="TextShape 1"/>
-          <p:cNvSpPr txBox="1"/>
-          <p:nvPr/>
-        </p:nvSpPr>
-        <p:spPr>
-          <a:xfrm>
-            <a:off x="838080" y="365040"/>
-            <a:ext cx="10515240" cy="1325160"/>
-          </a:xfrm>
-          <a:prstGeom prst="rect">
-            <a:avLst/>
-          </a:prstGeom>
-          <a:noFill/>
-          <a:ln>
-            <a:noFill/>
-          </a:ln>
-        </p:spPr>
-        <p:txBody>
-          <a:bodyPr anchor="ctr"/>
-          <a:lstStyle/>
-          <a:p>
-            <a:pPr>
-              <a:lnSpc>
-                <a:spcPct val="90000"/>
-              </a:lnSpc>
-            </a:pPr>
-            <a:r>
-              <a:rPr lang="zh-CN" sz="4400" b="0" strike="noStrike" spc="-1" dirty="0">
-                <a:solidFill>
-                  <a:srgbClr val="000000"/>
-                </a:solidFill>
-                <a:uFill>
-                  <a:solidFill>
-                    <a:srgbClr val="FFFFFF"/>
-                  </a:solidFill>
-                </a:uFill>
-                <a:latin typeface="等线 Light"/>
-              </a:rPr>
-              <a:t>ER information system </a:t>
-            </a:r>
-            <a:r>
-              <a:rPr lang="en-US" altLang="zh-CN" sz="4400" b="0" strike="noStrike" spc="-1" dirty="0">
-                <a:solidFill>
-                  <a:srgbClr val="000000"/>
-                </a:solidFill>
-                <a:uFill>
-                  <a:solidFill>
-                    <a:srgbClr val="FFFFFF"/>
-                  </a:solidFill>
-                </a:uFill>
-                <a:latin typeface="等线 Light"/>
-              </a:rPr>
-              <a:t>introduction</a:t>
-            </a:r>
-            <a:r>
-              <a:rPr lang="zh-CN" sz="4400" b="0" strike="noStrike" spc="-1" dirty="0">
-                <a:solidFill>
-                  <a:srgbClr val="000000"/>
-                </a:solidFill>
-                <a:uFill>
-                  <a:solidFill>
-                    <a:srgbClr val="FFFFFF"/>
-                  </a:solidFill>
-                </a:uFill>
-                <a:latin typeface="等线 Light"/>
-              </a:rPr>
-              <a:t> </a:t>
-            </a:r>
-            <a:endParaRPr lang="zh-CN" sz="1800" b="0" strike="noStrike" spc="-1" dirty="0">
+            <a:endParaRPr lang="zh-CN" sz="1800" b="0" strike="noStrike" spc="-1">
               <a:solidFill>
                 <a:srgbClr val="000000"/>
               </a:solidFill>
@@ -12130,7 +10838,7 @@
 </p:sld>
 </file>
 
-<file path=ppt/slides/slide16.xml><?xml version="1.0" encoding="utf-8"?>
+<file path=ppt/slides/slide12.xml><?xml version="1.0" encoding="utf-8"?>
 <p:sld xmlns:a="http://schemas.openxmlformats.org/drawingml/2006/main" xmlns:r="http://schemas.openxmlformats.org/officeDocument/2006/relationships" xmlns:p="http://schemas.openxmlformats.org/presentationml/2006/main">
   <p:cSld>
     <p:spTree>
@@ -12187,7 +10895,7 @@
                 </a:uFill>
                 <a:latin typeface="等线 Light"/>
               </a:rPr>
-              <a:t>ER information system </a:t>
+              <a:t>ER information system intr</a:t>
             </a:r>
             <a:r>
               <a:rPr lang="en-US" altLang="zh-CN" sz="4400" b="0" strike="noStrike" spc="-1" dirty="0">
@@ -12201,7 +10909,7 @@
                 </a:uFill>
                 <a:latin typeface="等线 Light"/>
               </a:rPr>
-              <a:t>introduction</a:t>
+              <a:t>o</a:t>
             </a:r>
             <a:r>
               <a:rPr lang="zh-CN" sz="4400" b="0" strike="noStrike" spc="-1" dirty="0">
@@ -12215,7 +10923,7 @@
                 </a:uFill>
                 <a:latin typeface="等线 Light"/>
               </a:rPr>
-              <a:t> </a:t>
+              <a:t>duction </a:t>
             </a:r>
             <a:endParaRPr lang="zh-CN" sz="1800" b="0" strike="noStrike" spc="-1" dirty="0">
               <a:solidFill>
@@ -12325,7 +11033,7 @@
               <a:buChar char="•"/>
             </a:pPr>
             <a:r>
-              <a:rPr lang="en-US" altLang="zh-CN" sz="2800" spc="-1" dirty="0">
+              <a:rPr lang="en-US" altLang="zh-CN" sz="2800" b="0" strike="noStrike" spc="-1">
                 <a:solidFill>
                   <a:srgbClr val="000000"/>
                 </a:solidFill>
@@ -12336,7 +11044,7 @@
                 </a:uFill>
                 <a:latin typeface="等线"/>
               </a:rPr>
-              <a:t>TODO …</a:t>
+              <a:t>Colley Method &amp; Massey Method</a:t>
             </a:r>
             <a:endParaRPr lang="zh-CN" sz="2800" b="0" strike="noStrike" spc="-1" dirty="0">
               <a:solidFill>
@@ -12378,7 +11086,7 @@
 </p:sld>
 </file>
 
-<file path=ppt/slides/slide17.xml><?xml version="1.0" encoding="utf-8"?>
+<file path=ppt/slides/slide13.xml><?xml version="1.0" encoding="utf-8"?>
 <p:sld xmlns:a="http://schemas.openxmlformats.org/drawingml/2006/main" xmlns:r="http://schemas.openxmlformats.org/officeDocument/2006/relationships" xmlns:p="http://schemas.openxmlformats.org/presentationml/2006/main">
   <p:cSld>
     <p:spTree>
@@ -12515,7 +11223,7 @@
 </p:sld>
 </file>
 
-<file path=ppt/slides/slide18.xml><?xml version="1.0" encoding="utf-8"?>
+<file path=ppt/slides/slide14.xml><?xml version="1.0" encoding="utf-8"?>
 <p:sld xmlns:a="http://schemas.openxmlformats.org/drawingml/2006/main" xmlns:r="http://schemas.openxmlformats.org/officeDocument/2006/relationships" xmlns:p="http://schemas.openxmlformats.org/presentationml/2006/main">
   <p:cSld>
     <p:spTree>
@@ -12726,7 +11434,7 @@
 </p:sld>
 </file>
 
-<file path=ppt/slides/slide19.xml><?xml version="1.0" encoding="utf-8"?>
+<file path=ppt/slides/slide15.xml><?xml version="1.0" encoding="utf-8"?>
 <p:sld xmlns:a="http://schemas.openxmlformats.org/drawingml/2006/main" xmlns:r="http://schemas.openxmlformats.org/officeDocument/2006/relationships" xmlns:p="http://schemas.openxmlformats.org/presentationml/2006/main">
   <p:cSld>
     <p:spTree>
@@ -12745,7 +11453,7 @@
       </p:grpSpPr>
       <p:sp>
         <p:nvSpPr>
-          <p:cNvPr id="110" name="TextShape 1"/>
+          <p:cNvPr id="112" name="TextShape 1"/>
           <p:cNvSpPr txBox="1"/>
           <p:nvPr/>
         </p:nvSpPr>
@@ -12772,7 +11480,7 @@
               </a:lnSpc>
             </a:pPr>
             <a:r>
-              <a:rPr lang="zh-CN" sz="4400" b="0" strike="noStrike" spc="-1">
+              <a:rPr lang="en-US" altLang="zh-CN" sz="4400" b="0" strike="noStrike" spc="-1" dirty="0">
                 <a:solidFill>
                   <a:srgbClr val="000000"/>
                 </a:solidFill>
@@ -12783,9 +11491,9 @@
                 </a:uFill>
                 <a:latin typeface="等线 Light"/>
               </a:rPr>
-              <a:t>Why failed?</a:t>
+              <a:t>Guessing the future direction</a:t>
             </a:r>
-            <a:endParaRPr lang="zh-CN" sz="1800" b="0" strike="noStrike" spc="-1">
+            <a:endParaRPr lang="zh-CN" altLang="zh-CN" sz="1800" b="0" strike="noStrike" spc="-1" dirty="0">
               <a:solidFill>
                 <a:srgbClr val="000000"/>
               </a:solidFill>
@@ -12801,14 +11509,14 @@
       </p:sp>
       <p:sp>
         <p:nvSpPr>
-          <p:cNvPr id="111" name="TextShape 2"/>
+          <p:cNvPr id="113" name="TextShape 2"/>
           <p:cNvSpPr txBox="1"/>
           <p:nvPr/>
         </p:nvSpPr>
         <p:spPr>
           <a:xfrm>
-            <a:off x="438480" y="1825560"/>
-            <a:ext cx="11298240" cy="4350960"/>
+            <a:off x="446579" y="1432020"/>
+            <a:ext cx="11618173" cy="5258146"/>
           </a:xfrm>
           <a:prstGeom prst="rect">
             <a:avLst/>
@@ -12833,7 +11541,7 @@
               <a:buChar char="•"/>
             </a:pPr>
             <a:r>
-              <a:rPr lang="zh-CN" sz="2800" b="0" strike="noStrike" spc="-1" dirty="0">
+              <a:rPr lang="en-US" altLang="zh-CN" sz="3200" spc="-1" dirty="0">
                 <a:solidFill>
                   <a:srgbClr val="000000"/>
                 </a:solidFill>
@@ -12844,38 +11552,10 @@
                 </a:uFill>
                 <a:latin typeface="等线"/>
               </a:rPr>
-              <a:t>The most important: </a:t>
+              <a:t>Have the users themselves rank their emotions ( </a:t>
             </a:r>
-          </a:p>
-          <a:p>
-            <a:endParaRPr lang="zh-CN" sz="2800" b="0" strike="noStrike" spc="-1" dirty="0">
-              <a:solidFill>
-                <a:srgbClr val="000000"/>
-              </a:solidFill>
-              <a:uFill>
-                <a:solidFill>
-                  <a:srgbClr val="FFFFFF"/>
-                </a:solidFill>
-              </a:uFill>
-              <a:latin typeface="等线"/>
-            </a:endParaRPr>
-          </a:p>
-          <a:p>
-            <a:endParaRPr lang="zh-CN" sz="2800" b="0" strike="noStrike" spc="-1" dirty="0">
-              <a:solidFill>
-                <a:srgbClr val="000000"/>
-              </a:solidFill>
-              <a:uFill>
-                <a:solidFill>
-                  <a:srgbClr val="FFFFFF"/>
-                </a:solidFill>
-              </a:uFill>
-              <a:latin typeface="等线"/>
-            </a:endParaRPr>
-          </a:p>
-          <a:p>
             <a:r>
-              <a:rPr lang="zh-CN" sz="4000" b="1" strike="noStrike" spc="-1" dirty="0">
+              <a:rPr lang="en-US" altLang="zh-CN" sz="3200" i="1" spc="-1" dirty="0">
                 <a:solidFill>
                   <a:srgbClr val="000000"/>
                 </a:solidFill>
@@ -12886,9 +11566,49 @@
                 </a:uFill>
                 <a:latin typeface="等线"/>
               </a:rPr>
-              <a:t>I need a solid understanding of emotion!</a:t>
+              <a:t>y </a:t>
             </a:r>
-            <a:endParaRPr lang="zh-CN" sz="2800" b="0" strike="noStrike" spc="-1" dirty="0">
+            <a:r>
+              <a:rPr lang="en-US" altLang="zh-CN" sz="3200" spc="-1" dirty="0">
+                <a:solidFill>
+                  <a:srgbClr val="000000"/>
+                </a:solidFill>
+                <a:uFill>
+                  <a:solidFill>
+                    <a:srgbClr val="FFFFFF"/>
+                  </a:solidFill>
+                </a:uFill>
+                <a:latin typeface="等线"/>
+              </a:rPr>
+              <a:t>).</a:t>
+            </a:r>
+          </a:p>
+          <a:p>
+            <a:pPr marL="914760" lvl="2">
+              <a:lnSpc>
+                <a:spcPct val="90000"/>
+              </a:lnSpc>
+              <a:buClr>
+                <a:srgbClr val="000000"/>
+              </a:buClr>
+            </a:pPr>
+            <a:r>
+              <a:rPr lang="en-US" altLang="zh-CN" sz="3200" i="1" spc="-1" dirty="0">
+                <a:solidFill>
+                  <a:srgbClr val="000000"/>
+                </a:solidFill>
+                <a:uFill>
+                  <a:solidFill>
+                    <a:srgbClr val="FFFFFF"/>
+                  </a:solidFill>
+                </a:uFill>
+                <a:latin typeface="等线"/>
+              </a:rPr>
+              <a:t>Multiple Regression Model</a:t>
+            </a:r>
+          </a:p>
+          <a:p>
+            <a:endParaRPr lang="en-US" altLang="zh-CN" sz="3200" b="0" u="sng" strike="noStrike" spc="-1" dirty="0">
               <a:solidFill>
                 <a:srgbClr val="000000"/>
               </a:solidFill>
@@ -12900,9 +11620,530 @@
               <a:latin typeface="等线"/>
             </a:endParaRPr>
           </a:p>
+          <a:p>
+            <a:endParaRPr lang="en-US" altLang="zh-CN" sz="3200" u="sng" spc="-1" dirty="0">
+              <a:solidFill>
+                <a:srgbClr val="000000"/>
+              </a:solidFill>
+              <a:uFill>
+                <a:solidFill>
+                  <a:srgbClr val="FFFFFF"/>
+                </a:solidFill>
+              </a:uFill>
+              <a:latin typeface="等线"/>
+            </a:endParaRPr>
+          </a:p>
+          <a:p>
+            <a:endParaRPr lang="en-US" altLang="zh-CN" sz="3200" b="0" u="sng" strike="noStrike" spc="-1" dirty="0">
+              <a:solidFill>
+                <a:srgbClr val="000000"/>
+              </a:solidFill>
+              <a:uFill>
+                <a:solidFill>
+                  <a:srgbClr val="FFFFFF"/>
+                </a:solidFill>
+              </a:uFill>
+              <a:latin typeface="等线"/>
+            </a:endParaRPr>
+          </a:p>
+          <a:p>
+            <a:r>
+              <a:rPr lang="en-US" altLang="zh-CN" sz="2800" b="0" u="sng" strike="noStrike" spc="-1" dirty="0">
+                <a:solidFill>
+                  <a:srgbClr val="000000"/>
+                </a:solidFill>
+                <a:uFill>
+                  <a:solidFill>
+                    <a:srgbClr val="FFFFFF"/>
+                  </a:solidFill>
+                </a:uFill>
+                <a:latin typeface="等线"/>
+              </a:rPr>
+              <a:t>	where</a:t>
+            </a:r>
+          </a:p>
+          <a:p>
+            <a:r>
+              <a:rPr lang="en-US" altLang="zh-CN" sz="2800" b="0" u="sng" strike="noStrike" spc="-1" dirty="0">
+                <a:solidFill>
+                  <a:srgbClr val="000000"/>
+                </a:solidFill>
+                <a:uFill>
+                  <a:solidFill>
+                    <a:srgbClr val="FFFFFF"/>
+                  </a:solidFill>
+                </a:uFill>
+                <a:latin typeface="等线"/>
+              </a:rPr>
+              <a:t>	</a:t>
+            </a:r>
+            <a:r>
+              <a:rPr lang="en-US" altLang="zh-CN" sz="2800" b="0" i="1" strike="noStrike" spc="-1" dirty="0">
+                <a:solidFill>
+                  <a:srgbClr val="000000"/>
+                </a:solidFill>
+                <a:uFill>
+                  <a:solidFill>
+                    <a:srgbClr val="FFFFFF"/>
+                  </a:solidFill>
+                </a:uFill>
+                <a:latin typeface="等线"/>
+              </a:rPr>
+              <a:t>y </a:t>
+            </a:r>
+            <a:r>
+              <a:rPr lang="en-US" altLang="zh-CN" sz="2800" b="0" strike="noStrike" spc="-1" dirty="0">
+                <a:solidFill>
+                  <a:srgbClr val="000000"/>
+                </a:solidFill>
+                <a:uFill>
+                  <a:solidFill>
+                    <a:srgbClr val="FFFFFF"/>
+                  </a:solidFill>
+                </a:uFill>
+                <a:latin typeface="等线"/>
+              </a:rPr>
+              <a:t>= </a:t>
+            </a:r>
+            <a:r>
+              <a:rPr lang="en-US" altLang="zh-CN" sz="2800" b="0" i="1" strike="noStrike" spc="-1" dirty="0">
+                <a:solidFill>
+                  <a:srgbClr val="000000"/>
+                </a:solidFill>
+                <a:uFill>
+                  <a:solidFill>
+                    <a:srgbClr val="FFFFFF"/>
+                  </a:solidFill>
+                </a:uFill>
+                <a:latin typeface="等线"/>
+              </a:rPr>
+              <a:t>n </a:t>
+            </a:r>
+            <a:r>
+              <a:rPr lang="en-US" altLang="zh-CN" sz="2800" b="0" strike="noStrike" spc="-1" dirty="0">
+                <a:solidFill>
+                  <a:srgbClr val="000000"/>
+                </a:solidFill>
+                <a:uFill>
+                  <a:solidFill>
+                    <a:srgbClr val="FFFFFF"/>
+                  </a:solidFill>
+                </a:uFill>
+                <a:latin typeface="等线"/>
+              </a:rPr>
+              <a:t>x</a:t>
+            </a:r>
+            <a:r>
+              <a:rPr lang="en-US" altLang="zh-CN" sz="2800" b="0" i="1" strike="noStrike" spc="-1" dirty="0">
+                <a:solidFill>
+                  <a:srgbClr val="000000"/>
+                </a:solidFill>
+                <a:uFill>
+                  <a:solidFill>
+                    <a:srgbClr val="FFFFFF"/>
+                  </a:solidFill>
+                </a:uFill>
+                <a:latin typeface="等线"/>
+              </a:rPr>
+              <a:t> </a:t>
+            </a:r>
+            <a:r>
+              <a:rPr lang="en-US" altLang="zh-CN" sz="2800" b="0" strike="noStrike" spc="-1" dirty="0">
+                <a:solidFill>
+                  <a:srgbClr val="000000"/>
+                </a:solidFill>
+                <a:uFill>
+                  <a:solidFill>
+                    <a:srgbClr val="FFFFFF"/>
+                  </a:solidFill>
+                </a:uFill>
+                <a:latin typeface="等线"/>
+              </a:rPr>
+              <a:t>1 column of different emotions labeled by users themselves</a:t>
+            </a:r>
+          </a:p>
+          <a:p>
+            <a:r>
+              <a:rPr lang="en-US" altLang="zh-CN" sz="2800" spc="-1" dirty="0">
+                <a:solidFill>
+                  <a:srgbClr val="000000"/>
+                </a:solidFill>
+                <a:uFill>
+                  <a:solidFill>
+                    <a:srgbClr val="FFFFFF"/>
+                  </a:solidFill>
+                </a:uFill>
+                <a:latin typeface="等线"/>
+              </a:rPr>
+              <a:t>	</a:t>
+            </a:r>
+            <a:r>
+              <a:rPr lang="en-US" altLang="zh-CN" sz="2800" i="1" spc="-1" dirty="0">
+                <a:solidFill>
+                  <a:srgbClr val="000000"/>
+                </a:solidFill>
+                <a:uFill>
+                  <a:solidFill>
+                    <a:srgbClr val="FFFFFF"/>
+                  </a:solidFill>
+                </a:uFill>
+                <a:latin typeface="等线"/>
+              </a:rPr>
+              <a:t>ŷ</a:t>
+            </a:r>
+            <a:r>
+              <a:rPr lang="en-US" altLang="zh-CN" sz="2800" spc="-1" dirty="0">
+                <a:solidFill>
+                  <a:srgbClr val="000000"/>
+                </a:solidFill>
+                <a:uFill>
+                  <a:solidFill>
+                    <a:srgbClr val="FFFFFF"/>
+                  </a:solidFill>
+                </a:uFill>
+                <a:latin typeface="等线"/>
+              </a:rPr>
+              <a:t> = </a:t>
+            </a:r>
+            <a:r>
+              <a:rPr lang="en-US" altLang="zh-CN" sz="2800" i="1" spc="-1" dirty="0">
+                <a:solidFill>
+                  <a:srgbClr val="000000"/>
+                </a:solidFill>
+                <a:uFill>
+                  <a:solidFill>
+                    <a:srgbClr val="FFFFFF"/>
+                  </a:solidFill>
+                </a:uFill>
+                <a:latin typeface="等线"/>
+              </a:rPr>
+              <a:t>n </a:t>
+            </a:r>
+            <a:r>
+              <a:rPr lang="en-US" altLang="zh-CN" sz="2800" spc="-1" dirty="0">
+                <a:solidFill>
+                  <a:srgbClr val="000000"/>
+                </a:solidFill>
+                <a:uFill>
+                  <a:solidFill>
+                    <a:srgbClr val="FFFFFF"/>
+                  </a:solidFill>
+                </a:uFill>
+                <a:latin typeface="等线"/>
+              </a:rPr>
+              <a:t>x 1 column of predicated </a:t>
+            </a:r>
+            <a:r>
+              <a:rPr lang="en-US" altLang="zh-CN" sz="2800" i="1" spc="-1" dirty="0">
+                <a:solidFill>
+                  <a:srgbClr val="000000"/>
+                </a:solidFill>
+                <a:uFill>
+                  <a:solidFill>
+                    <a:srgbClr val="FFFFFF"/>
+                  </a:solidFill>
+                </a:uFill>
+                <a:latin typeface="等线"/>
+              </a:rPr>
+              <a:t>y</a:t>
+            </a:r>
+          </a:p>
+          <a:p>
+            <a:r>
+              <a:rPr lang="en-US" altLang="zh-CN" sz="2800" i="1" spc="-1" dirty="0">
+                <a:solidFill>
+                  <a:srgbClr val="000000"/>
+                </a:solidFill>
+                <a:uFill>
+                  <a:solidFill>
+                    <a:srgbClr val="FFFFFF"/>
+                  </a:solidFill>
+                </a:uFill>
+                <a:latin typeface="等线"/>
+              </a:rPr>
+              <a:t>	X</a:t>
+            </a:r>
+            <a:r>
+              <a:rPr lang="en-US" altLang="zh-CN" sz="2800" spc="-1" dirty="0">
+                <a:solidFill>
+                  <a:srgbClr val="000000"/>
+                </a:solidFill>
+                <a:uFill>
+                  <a:solidFill>
+                    <a:srgbClr val="FFFFFF"/>
+                  </a:solidFill>
+                </a:uFill>
+                <a:latin typeface="等线"/>
+              </a:rPr>
+              <a:t> = </a:t>
+            </a:r>
+            <a:r>
+              <a:rPr lang="en-US" altLang="zh-CN" sz="2800" i="1" spc="-1" dirty="0">
+                <a:solidFill>
+                  <a:srgbClr val="000000"/>
+                </a:solidFill>
+                <a:uFill>
+                  <a:solidFill>
+                    <a:srgbClr val="FFFFFF"/>
+                  </a:solidFill>
+                </a:uFill>
+                <a:latin typeface="等线"/>
+              </a:rPr>
+              <a:t>n </a:t>
+            </a:r>
+            <a:r>
+              <a:rPr lang="en-US" altLang="zh-CN" sz="2800" spc="-1" dirty="0">
+                <a:solidFill>
+                  <a:srgbClr val="000000"/>
+                </a:solidFill>
+                <a:uFill>
+                  <a:solidFill>
+                    <a:srgbClr val="FFFFFF"/>
+                  </a:solidFill>
+                </a:uFill>
+                <a:latin typeface="等线"/>
+              </a:rPr>
+              <a:t>x </a:t>
+            </a:r>
+            <a:r>
+              <a:rPr lang="en-US" altLang="zh-CN" sz="2800" i="1" spc="-1" dirty="0">
+                <a:solidFill>
+                  <a:srgbClr val="000000"/>
+                </a:solidFill>
+                <a:uFill>
+                  <a:solidFill>
+                    <a:srgbClr val="FFFFFF"/>
+                  </a:solidFill>
+                </a:uFill>
+                <a:latin typeface="等线"/>
+              </a:rPr>
+              <a:t>k matrix of question weights</a:t>
+            </a:r>
+          </a:p>
+          <a:p>
+            <a:r>
+              <a:rPr lang="en-US" altLang="zh-CN" sz="2800" spc="-1" dirty="0">
+                <a:solidFill>
+                  <a:srgbClr val="000000"/>
+                </a:solidFill>
+                <a:uFill>
+                  <a:solidFill>
+                    <a:srgbClr val="FFFFFF"/>
+                  </a:solidFill>
+                </a:uFill>
+                <a:latin typeface="等线"/>
+              </a:rPr>
+              <a:t>	</a:t>
+            </a:r>
+            <a:r>
+              <a:rPr lang="en-US" altLang="zh-CN" sz="2800" i="1" spc="-1" dirty="0">
+                <a:solidFill>
+                  <a:srgbClr val="000000"/>
+                </a:solidFill>
+                <a:uFill>
+                  <a:solidFill>
+                    <a:srgbClr val="FFFFFF"/>
+                  </a:solidFill>
+                </a:uFill>
+                <a:latin typeface="等线"/>
+              </a:rPr>
+              <a:t>b</a:t>
+            </a:r>
+            <a:r>
+              <a:rPr lang="en-US" altLang="zh-CN" sz="2800" spc="-1" dirty="0">
+                <a:solidFill>
+                  <a:srgbClr val="000000"/>
+                </a:solidFill>
+                <a:uFill>
+                  <a:solidFill>
+                    <a:srgbClr val="FFFFFF"/>
+                  </a:solidFill>
+                </a:uFill>
+                <a:latin typeface="等线"/>
+              </a:rPr>
+              <a:t> = </a:t>
+            </a:r>
+            <a:r>
+              <a:rPr lang="en-US" altLang="zh-CN" sz="2800" i="1" spc="-1" dirty="0">
+                <a:solidFill>
+                  <a:srgbClr val="000000"/>
+                </a:solidFill>
+                <a:uFill>
+                  <a:solidFill>
+                    <a:srgbClr val="FFFFFF"/>
+                  </a:solidFill>
+                </a:uFill>
+                <a:latin typeface="等线"/>
+              </a:rPr>
+              <a:t>k</a:t>
+            </a:r>
+            <a:r>
+              <a:rPr lang="en-US" altLang="zh-CN" sz="2800" spc="-1" dirty="0">
+                <a:solidFill>
+                  <a:srgbClr val="000000"/>
+                </a:solidFill>
+                <a:uFill>
+                  <a:solidFill>
+                    <a:srgbClr val="FFFFFF"/>
+                  </a:solidFill>
+                </a:uFill>
+                <a:latin typeface="等线"/>
+              </a:rPr>
+              <a:t> x 1 column vector or regression coefficients</a:t>
+            </a:r>
+          </a:p>
+          <a:p>
+            <a:r>
+              <a:rPr lang="en-US" altLang="zh-CN" sz="2800" spc="-1" dirty="0">
+                <a:solidFill>
+                  <a:srgbClr val="000000"/>
+                </a:solidFill>
+                <a:uFill>
+                  <a:solidFill>
+                    <a:srgbClr val="FFFFFF"/>
+                  </a:solidFill>
+                </a:uFill>
+                <a:latin typeface="等线"/>
+              </a:rPr>
+              <a:t>	</a:t>
+            </a:r>
+            <a:r>
+              <a:rPr lang="en-US" altLang="zh-CN" sz="2800" i="1" spc="-1" dirty="0">
+                <a:solidFill>
+                  <a:srgbClr val="000000"/>
+                </a:solidFill>
+                <a:uFill>
+                  <a:solidFill>
+                    <a:srgbClr val="FFFFFF"/>
+                  </a:solidFill>
+                </a:uFill>
+                <a:latin typeface="等线"/>
+              </a:rPr>
+              <a:t>e</a:t>
+            </a:r>
+            <a:r>
+              <a:rPr lang="en-US" altLang="zh-CN" sz="2800" spc="-1" dirty="0">
+                <a:solidFill>
+                  <a:srgbClr val="000000"/>
+                </a:solidFill>
+                <a:uFill>
+                  <a:solidFill>
+                    <a:srgbClr val="FFFFFF"/>
+                  </a:solidFill>
+                </a:uFill>
+                <a:latin typeface="等线"/>
+              </a:rPr>
+              <a:t> = </a:t>
+            </a:r>
+            <a:r>
+              <a:rPr lang="en-US" altLang="zh-CN" sz="2800" i="1" spc="-1" dirty="0">
+                <a:solidFill>
+                  <a:srgbClr val="000000"/>
+                </a:solidFill>
+                <a:uFill>
+                  <a:solidFill>
+                    <a:srgbClr val="FFFFFF"/>
+                  </a:solidFill>
+                </a:uFill>
+                <a:latin typeface="等线"/>
+              </a:rPr>
+              <a:t>n</a:t>
+            </a:r>
+            <a:r>
+              <a:rPr lang="en-US" altLang="zh-CN" sz="2800" spc="-1" dirty="0">
+                <a:solidFill>
+                  <a:srgbClr val="000000"/>
+                </a:solidFill>
+                <a:uFill>
+                  <a:solidFill>
+                    <a:srgbClr val="FFFFFF"/>
+                  </a:solidFill>
+                </a:uFill>
+                <a:latin typeface="等线"/>
+              </a:rPr>
+              <a:t> x 1 column vector of </a:t>
+            </a:r>
+            <a:r>
+              <a:rPr lang="en-US" altLang="zh-CN" sz="2800" i="1" spc="-1" dirty="0">
+                <a:solidFill>
+                  <a:srgbClr val="000000"/>
+                </a:solidFill>
+                <a:uFill>
+                  <a:solidFill>
+                    <a:srgbClr val="FFFFFF"/>
+                  </a:solidFill>
+                </a:uFill>
+                <a:latin typeface="等线"/>
+              </a:rPr>
+              <a:t>n</a:t>
+            </a:r>
+            <a:r>
+              <a:rPr lang="en-US" altLang="zh-CN" sz="2800" spc="-1" dirty="0">
+                <a:solidFill>
+                  <a:srgbClr val="000000"/>
+                </a:solidFill>
+                <a:uFill>
+                  <a:solidFill>
+                    <a:srgbClr val="FFFFFF"/>
+                  </a:solidFill>
+                </a:uFill>
+                <a:latin typeface="等线"/>
+              </a:rPr>
+              <a:t> residual values</a:t>
+            </a:r>
+            <a:r>
+              <a:rPr lang="en-US" altLang="zh-CN" sz="2800" u="sng" spc="-1" dirty="0">
+                <a:solidFill>
+                  <a:srgbClr val="000000"/>
+                </a:solidFill>
+                <a:uFill>
+                  <a:solidFill>
+                    <a:srgbClr val="FFFFFF"/>
+                  </a:solidFill>
+                </a:uFill>
+                <a:latin typeface="等线"/>
+              </a:rPr>
+              <a:t>	</a:t>
+            </a:r>
+          </a:p>
         </p:txBody>
       </p:sp>
+      <p:pic>
+        <p:nvPicPr>
+          <p:cNvPr id="5" name="图片 4">
+            <a:extLst>
+              <a:ext uri="{FF2B5EF4-FFF2-40B4-BE49-F238E27FC236}">
+                <a16:creationId xmlns:a16="http://schemas.microsoft.com/office/drawing/2014/main" id="{82F88CAC-4A12-D155-14D6-00718525ACCB}"/>
+              </a:ext>
+            </a:extLst>
+          </p:cNvPr>
+          <p:cNvPicPr>
+            <a:picLocks noChangeAspect="1"/>
+          </p:cNvPicPr>
+          <p:nvPr/>
+        </p:nvPicPr>
+        <p:blipFill>
+          <a:blip r:embed="rId2"/>
+          <a:stretch>
+            <a:fillRect/>
+          </a:stretch>
+        </p:blipFill>
+        <p:spPr>
+          <a:xfrm>
+            <a:off x="3650065" y="2442208"/>
+            <a:ext cx="3150786" cy="1440359"/>
+          </a:xfrm>
+          <a:prstGeom prst="rect">
+            <a:avLst/>
+          </a:prstGeom>
+        </p:spPr>
+      </p:pic>
     </p:spTree>
+    <p:extLst>
+      <p:ext uri="{BB962C8B-B14F-4D97-AF65-F5344CB8AC3E}">
+        <p14:creationId xmlns:p14="http://schemas.microsoft.com/office/powerpoint/2010/main" val="68896380"/>
+      </p:ext>
+    </p:extLst>
   </p:cSld>
   <p:clrMapOvr>
     <a:masterClrMapping/>
@@ -12967,7 +12208,7 @@
                 </a:uFill>
                 <a:latin typeface="等线 Light"/>
               </a:rPr>
-              <a:t>ER information system </a:t>
+              <a:t>ER information system intr</a:t>
             </a:r>
             <a:r>
               <a:rPr lang="en-US" altLang="zh-CN" sz="4400" b="0" strike="noStrike" spc="-1" dirty="0">
@@ -12981,7 +12222,7 @@
                 </a:uFill>
                 <a:latin typeface="等线 Light"/>
               </a:rPr>
-              <a:t>introduction</a:t>
+              <a:t>o</a:t>
             </a:r>
             <a:r>
               <a:rPr lang="zh-CN" sz="4400" b="0" strike="noStrike" spc="-1" dirty="0">
@@ -12995,7 +12236,7 @@
                 </a:uFill>
                 <a:latin typeface="等线 Light"/>
               </a:rPr>
-              <a:t> </a:t>
+              <a:t>duction </a:t>
             </a:r>
             <a:endParaRPr lang="zh-CN" sz="1800" b="0" strike="noStrike" spc="-1" dirty="0">
               <a:solidFill>
@@ -13191,1595 +12432,7 @@
 </p:sld>
 </file>
 
-<file path=ppt/slides/slide20.xml><?xml version="1.0" encoding="utf-8"?>
-<p:sld xmlns:a="http://schemas.openxmlformats.org/drawingml/2006/main" xmlns:r="http://schemas.openxmlformats.org/officeDocument/2006/relationships" xmlns:p="http://schemas.openxmlformats.org/presentationml/2006/main">
-  <p:cSld>
-    <p:spTree>
-      <p:nvGrpSpPr>
-        <p:cNvPr id="1" name=""/>
-        <p:cNvGrpSpPr/>
-        <p:nvPr/>
-      </p:nvGrpSpPr>
-      <p:grpSpPr>
-        <a:xfrm>
-          <a:off x="0" y="0"/>
-          <a:ext cx="0" cy="0"/>
-          <a:chOff x="0" y="0"/>
-          <a:chExt cx="0" cy="0"/>
-        </a:xfrm>
-      </p:grpSpPr>
-      <p:sp>
-        <p:nvSpPr>
-          <p:cNvPr id="112" name="TextShape 1"/>
-          <p:cNvSpPr txBox="1"/>
-          <p:nvPr/>
-        </p:nvSpPr>
-        <p:spPr>
-          <a:xfrm>
-            <a:off x="838080" y="365040"/>
-            <a:ext cx="10515240" cy="1325160"/>
-          </a:xfrm>
-          <a:prstGeom prst="rect">
-            <a:avLst/>
-          </a:prstGeom>
-          <a:noFill/>
-          <a:ln>
-            <a:noFill/>
-          </a:ln>
-        </p:spPr>
-        <p:txBody>
-          <a:bodyPr anchor="ctr"/>
-          <a:lstStyle/>
-          <a:p>
-            <a:pPr>
-              <a:lnSpc>
-                <a:spcPct val="90000"/>
-              </a:lnSpc>
-            </a:pPr>
-            <a:r>
-              <a:rPr lang="en-US" altLang="zh-CN" sz="4400" b="0" strike="noStrike" spc="-1" dirty="0">
-                <a:solidFill>
-                  <a:srgbClr val="000000"/>
-                </a:solidFill>
-                <a:uFill>
-                  <a:solidFill>
-                    <a:srgbClr val="FFFFFF"/>
-                  </a:solidFill>
-                </a:uFill>
-                <a:latin typeface="等线 Light"/>
-              </a:rPr>
-              <a:t>Guessing the future direction</a:t>
-            </a:r>
-            <a:endParaRPr lang="zh-CN" sz="1800" b="0" strike="noStrike" spc="-1" dirty="0">
-              <a:solidFill>
-                <a:srgbClr val="000000"/>
-              </a:solidFill>
-              <a:uFill>
-                <a:solidFill>
-                  <a:srgbClr val="FFFFFF"/>
-                </a:solidFill>
-              </a:uFill>
-              <a:latin typeface="等线"/>
-            </a:endParaRPr>
-          </a:p>
-        </p:txBody>
-      </p:sp>
-      <p:sp>
-        <p:nvSpPr>
-          <p:cNvPr id="113" name="TextShape 2"/>
-          <p:cNvSpPr txBox="1"/>
-          <p:nvPr/>
-        </p:nvSpPr>
-        <p:spPr>
-          <a:xfrm>
-            <a:off x="438480" y="1825560"/>
-            <a:ext cx="11298240" cy="4350960"/>
-          </a:xfrm>
-          <a:prstGeom prst="rect">
-            <a:avLst/>
-          </a:prstGeom>
-          <a:noFill/>
-          <a:ln>
-            <a:noFill/>
-          </a:ln>
-        </p:spPr>
-        <p:txBody>
-          <a:bodyPr/>
-          <a:lstStyle/>
-          <a:p>
-            <a:endParaRPr lang="zh-CN" sz="2800" b="0" strike="noStrike" spc="-1" dirty="0">
-              <a:solidFill>
-                <a:srgbClr val="000000"/>
-              </a:solidFill>
-              <a:uFill>
-                <a:solidFill>
-                  <a:srgbClr val="FFFFFF"/>
-                </a:solidFill>
-              </a:uFill>
-              <a:latin typeface="等线"/>
-            </a:endParaRPr>
-          </a:p>
-          <a:p>
-            <a:r>
-              <a:rPr lang="zh-CN" sz="4000" b="1" strike="noStrike" spc="-1" dirty="0">
-                <a:solidFill>
-                  <a:srgbClr val="000000"/>
-                </a:solidFill>
-                <a:uFill>
-                  <a:solidFill>
-                    <a:srgbClr val="FFFFFF"/>
-                  </a:solidFill>
-                </a:uFill>
-                <a:latin typeface="等线"/>
-              </a:rPr>
-              <a:t>Is</a:t>
-            </a:r>
-            <a:r>
-              <a:rPr lang="en-US" altLang="zh-CN" sz="4000" b="1" strike="noStrike" spc="-1" dirty="0">
-                <a:solidFill>
-                  <a:srgbClr val="000000"/>
-                </a:solidFill>
-                <a:uFill>
-                  <a:solidFill>
-                    <a:srgbClr val="FFFFFF"/>
-                  </a:solidFill>
-                </a:uFill>
-                <a:latin typeface="等线"/>
-              </a:rPr>
-              <a:t> </a:t>
-            </a:r>
-            <a:r>
-              <a:rPr lang="zh-CN" sz="4000" b="1" strike="noStrike" spc="-1" dirty="0">
-                <a:solidFill>
-                  <a:srgbClr val="000000"/>
-                </a:solidFill>
-                <a:uFill>
-                  <a:solidFill>
-                    <a:srgbClr val="FFFFFF"/>
-                  </a:solidFill>
-                </a:uFill>
-                <a:latin typeface="等线"/>
-              </a:rPr>
-              <a:t>knowledge acquir</a:t>
-            </a:r>
-            <a:r>
-              <a:rPr lang="en-US" altLang="zh-CN" sz="4000" b="1" strike="noStrike" spc="-1" dirty="0">
-                <a:solidFill>
-                  <a:srgbClr val="000000"/>
-                </a:solidFill>
-                <a:uFill>
-                  <a:solidFill>
-                    <a:srgbClr val="FFFFFF"/>
-                  </a:solidFill>
-                </a:uFill>
-                <a:latin typeface="等线"/>
-              </a:rPr>
-              <a:t>e / cognition</a:t>
-            </a:r>
-            <a:r>
-              <a:rPr lang="zh-CN" sz="4000" b="1" strike="noStrike" spc="-1" dirty="0">
-                <a:solidFill>
-                  <a:srgbClr val="000000"/>
-                </a:solidFill>
-                <a:uFill>
-                  <a:solidFill>
-                    <a:srgbClr val="FFFFFF"/>
-                  </a:solidFill>
-                </a:uFill>
-                <a:latin typeface="等线"/>
-              </a:rPr>
-              <a:t> the answer?</a:t>
-            </a:r>
-            <a:endParaRPr lang="zh-CN" sz="2800" b="0" strike="noStrike" spc="-1" dirty="0">
-              <a:solidFill>
-                <a:srgbClr val="000000"/>
-              </a:solidFill>
-              <a:uFill>
-                <a:solidFill>
-                  <a:srgbClr val="FFFFFF"/>
-                </a:solidFill>
-              </a:uFill>
-              <a:latin typeface="等线"/>
-            </a:endParaRPr>
-          </a:p>
-          <a:p>
-            <a:endParaRPr lang="zh-CN" sz="2800" b="0" strike="noStrike" spc="-1" dirty="0">
-              <a:solidFill>
-                <a:srgbClr val="000000"/>
-              </a:solidFill>
-              <a:uFill>
-                <a:solidFill>
-                  <a:srgbClr val="FFFFFF"/>
-                </a:solidFill>
-              </a:uFill>
-              <a:latin typeface="等线"/>
-            </a:endParaRPr>
-          </a:p>
-          <a:p>
-            <a:r>
-              <a:rPr lang="zh-CN" sz="3200" b="0" strike="noStrike" spc="-1" dirty="0">
-                <a:solidFill>
-                  <a:srgbClr val="000000"/>
-                </a:solidFill>
-                <a:uFill>
-                  <a:solidFill>
-                    <a:srgbClr val="FFFFFF"/>
-                  </a:solidFill>
-                </a:uFill>
-                <a:latin typeface="等线"/>
-              </a:rPr>
-              <a:t>e.g. like what Stoicism tells us:</a:t>
-            </a:r>
-            <a:endParaRPr lang="zh-CN" sz="2800" b="0" strike="noStrike" spc="-1" dirty="0">
-              <a:solidFill>
-                <a:srgbClr val="000000"/>
-              </a:solidFill>
-              <a:uFill>
-                <a:solidFill>
-                  <a:srgbClr val="FFFFFF"/>
-                </a:solidFill>
-              </a:uFill>
-              <a:latin typeface="等线"/>
-            </a:endParaRPr>
-          </a:p>
-          <a:p>
-            <a:r>
-              <a:rPr lang="zh-CN" sz="3200" b="0" strike="noStrike" spc="-1" dirty="0">
-                <a:solidFill>
-                  <a:srgbClr val="000000"/>
-                </a:solidFill>
-                <a:uFill>
-                  <a:solidFill>
-                    <a:srgbClr val="FFFFFF"/>
-                  </a:solidFill>
-                </a:uFill>
-                <a:latin typeface="等线"/>
-              </a:rPr>
-              <a:t>What happens in the real world can not be controlled, </a:t>
-            </a:r>
-            <a:endParaRPr lang="zh-CN" sz="2800" b="0" strike="noStrike" spc="-1" dirty="0">
-              <a:solidFill>
-                <a:srgbClr val="000000"/>
-              </a:solidFill>
-              <a:uFill>
-                <a:solidFill>
-                  <a:srgbClr val="FFFFFF"/>
-                </a:solidFill>
-              </a:uFill>
-              <a:latin typeface="等线"/>
-            </a:endParaRPr>
-          </a:p>
-          <a:p>
-            <a:r>
-              <a:rPr lang="zh-CN" sz="3200" b="0" strike="noStrike" spc="-1" dirty="0">
-                <a:solidFill>
-                  <a:srgbClr val="000000"/>
-                </a:solidFill>
-                <a:uFill>
-                  <a:solidFill>
-                    <a:srgbClr val="FFFFFF"/>
-                  </a:solidFill>
-                </a:uFill>
-                <a:latin typeface="等线"/>
-              </a:rPr>
-              <a:t>but what we feel is controllable.</a:t>
-            </a:r>
-            <a:endParaRPr lang="zh-CN" sz="2800" b="0" strike="noStrike" spc="-1" dirty="0">
-              <a:solidFill>
-                <a:srgbClr val="000000"/>
-              </a:solidFill>
-              <a:uFill>
-                <a:solidFill>
-                  <a:srgbClr val="FFFFFF"/>
-                </a:solidFill>
-              </a:uFill>
-              <a:latin typeface="等线"/>
-            </a:endParaRPr>
-          </a:p>
-        </p:txBody>
-      </p:sp>
-    </p:spTree>
-  </p:cSld>
-  <p:clrMapOvr>
-    <a:masterClrMapping/>
-  </p:clrMapOvr>
-</p:sld>
-</file>
-
-<file path=ppt/slides/slide21.xml><?xml version="1.0" encoding="utf-8"?>
-<p:sld xmlns:a="http://schemas.openxmlformats.org/drawingml/2006/main" xmlns:r="http://schemas.openxmlformats.org/officeDocument/2006/relationships" xmlns:p="http://schemas.openxmlformats.org/presentationml/2006/main">
-  <p:cSld>
-    <p:spTree>
-      <p:nvGrpSpPr>
-        <p:cNvPr id="1" name=""/>
-        <p:cNvGrpSpPr/>
-        <p:nvPr/>
-      </p:nvGrpSpPr>
-      <p:grpSpPr>
-        <a:xfrm>
-          <a:off x="0" y="0"/>
-          <a:ext cx="0" cy="0"/>
-          <a:chOff x="0" y="0"/>
-          <a:chExt cx="0" cy="0"/>
-        </a:xfrm>
-      </p:grpSpPr>
-      <p:sp>
-        <p:nvSpPr>
-          <p:cNvPr id="112" name="TextShape 1"/>
-          <p:cNvSpPr txBox="1"/>
-          <p:nvPr/>
-        </p:nvSpPr>
-        <p:spPr>
-          <a:xfrm>
-            <a:off x="838080" y="365040"/>
-            <a:ext cx="10515240" cy="1325160"/>
-          </a:xfrm>
-          <a:prstGeom prst="rect">
-            <a:avLst/>
-          </a:prstGeom>
-          <a:noFill/>
-          <a:ln>
-            <a:noFill/>
-          </a:ln>
-        </p:spPr>
-        <p:txBody>
-          <a:bodyPr anchor="ctr"/>
-          <a:lstStyle/>
-          <a:p>
-            <a:pPr>
-              <a:lnSpc>
-                <a:spcPct val="90000"/>
-              </a:lnSpc>
-            </a:pPr>
-            <a:r>
-              <a:rPr lang="en-US" altLang="zh-CN" sz="4400" b="0" strike="noStrike" spc="-1" dirty="0">
-                <a:solidFill>
-                  <a:srgbClr val="000000"/>
-                </a:solidFill>
-                <a:uFill>
-                  <a:solidFill>
-                    <a:srgbClr val="FFFFFF"/>
-                  </a:solidFill>
-                </a:uFill>
-                <a:latin typeface="等线 Light"/>
-              </a:rPr>
-              <a:t>Guessing the future direction</a:t>
-            </a:r>
-            <a:endParaRPr lang="zh-CN" altLang="zh-CN" sz="1800" b="0" strike="noStrike" spc="-1" dirty="0">
-              <a:solidFill>
-                <a:srgbClr val="000000"/>
-              </a:solidFill>
-              <a:uFill>
-                <a:solidFill>
-                  <a:srgbClr val="FFFFFF"/>
-                </a:solidFill>
-              </a:uFill>
-              <a:latin typeface="等线"/>
-            </a:endParaRPr>
-          </a:p>
-        </p:txBody>
-      </p:sp>
-      <p:sp>
-        <p:nvSpPr>
-          <p:cNvPr id="113" name="TextShape 2"/>
-          <p:cNvSpPr txBox="1"/>
-          <p:nvPr/>
-        </p:nvSpPr>
-        <p:spPr>
-          <a:xfrm>
-            <a:off x="438480" y="1825560"/>
-            <a:ext cx="11298240" cy="4853032"/>
-          </a:xfrm>
-          <a:prstGeom prst="rect">
-            <a:avLst/>
-          </a:prstGeom>
-          <a:noFill/>
-          <a:ln>
-            <a:noFill/>
-          </a:ln>
-        </p:spPr>
-        <p:txBody>
-          <a:bodyPr/>
-          <a:lstStyle/>
-          <a:p>
-            <a:endParaRPr lang="zh-CN" sz="2800" b="0" strike="noStrike" spc="-1" dirty="0">
-              <a:solidFill>
-                <a:srgbClr val="000000"/>
-              </a:solidFill>
-              <a:uFill>
-                <a:solidFill>
-                  <a:srgbClr val="FFFFFF"/>
-                </a:solidFill>
-              </a:uFill>
-              <a:latin typeface="等线"/>
-            </a:endParaRPr>
-          </a:p>
-          <a:p>
-            <a:r>
-              <a:rPr lang="en-US" altLang="zh-CN" sz="3200" b="1" strike="noStrike" spc="-1" dirty="0">
-                <a:solidFill>
-                  <a:srgbClr val="000000"/>
-                </a:solidFill>
-                <a:uFill>
-                  <a:solidFill>
-                    <a:srgbClr val="FFFFFF"/>
-                  </a:solidFill>
-                </a:uFill>
-                <a:latin typeface="等线"/>
-              </a:rPr>
-              <a:t>Or supervised learning</a:t>
-            </a:r>
-            <a:r>
-              <a:rPr lang="zh-CN" sz="3200" b="1" strike="noStrike" spc="-1" dirty="0">
-                <a:solidFill>
-                  <a:srgbClr val="000000"/>
-                </a:solidFill>
-                <a:uFill>
-                  <a:solidFill>
-                    <a:srgbClr val="FFFFFF"/>
-                  </a:solidFill>
-                </a:uFill>
-                <a:latin typeface="等线"/>
-              </a:rPr>
-              <a:t>?</a:t>
-            </a:r>
-            <a:endParaRPr lang="zh-CN" sz="2000" b="0" strike="noStrike" spc="-1" dirty="0">
-              <a:solidFill>
-                <a:srgbClr val="000000"/>
-              </a:solidFill>
-              <a:uFill>
-                <a:solidFill>
-                  <a:srgbClr val="FFFFFF"/>
-                </a:solidFill>
-              </a:uFill>
-              <a:latin typeface="等线"/>
-            </a:endParaRPr>
-          </a:p>
-          <a:p>
-            <a:r>
-              <a:rPr lang="en-US" altLang="zh-CN" sz="3200" b="0" strike="noStrike" spc="-1" dirty="0">
-                <a:solidFill>
-                  <a:srgbClr val="000000"/>
-                </a:solidFill>
-                <a:uFill>
-                  <a:solidFill>
-                    <a:srgbClr val="FFFFFF"/>
-                  </a:solidFill>
-                </a:uFill>
-                <a:latin typeface="等线"/>
-              </a:rPr>
-              <a:t>An easy step to adapt to supervised learning process:</a:t>
-            </a:r>
-          </a:p>
-          <a:p>
-            <a:endParaRPr lang="en-US" altLang="zh-CN" sz="3200" b="0" strike="noStrike" spc="-1" dirty="0">
-              <a:solidFill>
-                <a:srgbClr val="000000"/>
-              </a:solidFill>
-              <a:uFill>
-                <a:solidFill>
-                  <a:srgbClr val="FFFFFF"/>
-                </a:solidFill>
-              </a:uFill>
-              <a:latin typeface="等线"/>
-            </a:endParaRPr>
-          </a:p>
-          <a:p>
-            <a:r>
-              <a:rPr lang="en-US" altLang="zh-CN" sz="3200" u="sng" spc="-1" dirty="0">
-                <a:solidFill>
-                  <a:srgbClr val="000000"/>
-                </a:solidFill>
-                <a:uFill>
-                  <a:solidFill>
-                    <a:srgbClr val="FFFFFF"/>
-                  </a:solidFill>
-                </a:uFill>
-                <a:latin typeface="等线"/>
-              </a:rPr>
-              <a:t>	Have the users themselves rank their emotions.</a:t>
-            </a:r>
-          </a:p>
-          <a:p>
-            <a:endParaRPr lang="en-US" altLang="zh-CN" sz="3200" b="0" u="sng" strike="noStrike" spc="-1" dirty="0">
-              <a:solidFill>
-                <a:srgbClr val="000000"/>
-              </a:solidFill>
-              <a:uFill>
-                <a:solidFill>
-                  <a:srgbClr val="FFFFFF"/>
-                </a:solidFill>
-              </a:uFill>
-              <a:latin typeface="等线"/>
-            </a:endParaRPr>
-          </a:p>
-          <a:p>
-            <a:r>
-              <a:rPr lang="en-US" altLang="zh-CN" sz="3200" u="sng" spc="-1" dirty="0">
-                <a:solidFill>
-                  <a:srgbClr val="000000"/>
-                </a:solidFill>
-                <a:uFill>
-                  <a:solidFill>
-                    <a:srgbClr val="FFFFFF"/>
-                  </a:solidFill>
-                </a:uFill>
-                <a:latin typeface="等线"/>
-              </a:rPr>
-              <a:t>	</a:t>
-            </a:r>
-            <a:r>
-              <a:rPr lang="en-US" altLang="zh-CN" sz="3200" b="1" spc="-1" dirty="0">
-                <a:solidFill>
-                  <a:srgbClr val="000000"/>
-                </a:solidFill>
-                <a:effectLst>
-                  <a:outerShdw blurRad="38100" dist="38100" dir="2700000" algn="tl">
-                    <a:srgbClr val="000000">
-                      <a:alpha val="43137"/>
-                    </a:srgbClr>
-                  </a:outerShdw>
-                </a:effectLst>
-                <a:uFill>
-                  <a:solidFill>
-                    <a:srgbClr val="FFFFFF"/>
-                  </a:solidFill>
-                </a:uFill>
-                <a:latin typeface="等线"/>
-              </a:rPr>
-              <a:t>Multiple Regression Model</a:t>
-            </a:r>
-            <a:endParaRPr lang="zh-CN" sz="2800" b="1" strike="noStrike" spc="-1" dirty="0">
-              <a:solidFill>
-                <a:srgbClr val="000000"/>
-              </a:solidFill>
-              <a:effectLst>
-                <a:outerShdw blurRad="38100" dist="38100" dir="2700000" algn="tl">
-                  <a:srgbClr val="000000">
-                    <a:alpha val="43137"/>
-                  </a:srgbClr>
-                </a:outerShdw>
-              </a:effectLst>
-              <a:uFill>
-                <a:solidFill>
-                  <a:srgbClr val="FFFFFF"/>
-                </a:solidFill>
-              </a:uFill>
-              <a:latin typeface="等线"/>
-            </a:endParaRPr>
-          </a:p>
-        </p:txBody>
-      </p:sp>
-    </p:spTree>
-    <p:extLst>
-      <p:ext uri="{BB962C8B-B14F-4D97-AF65-F5344CB8AC3E}">
-        <p14:creationId xmlns:p14="http://schemas.microsoft.com/office/powerpoint/2010/main" val="1062387310"/>
-      </p:ext>
-    </p:extLst>
-  </p:cSld>
-  <p:clrMapOvr>
-    <a:masterClrMapping/>
-  </p:clrMapOvr>
-</p:sld>
-</file>
-
-<file path=ppt/slides/slide22.xml><?xml version="1.0" encoding="utf-8"?>
-<p:sld xmlns:a="http://schemas.openxmlformats.org/drawingml/2006/main" xmlns:r="http://schemas.openxmlformats.org/officeDocument/2006/relationships" xmlns:p="http://schemas.openxmlformats.org/presentationml/2006/main">
-  <p:cSld>
-    <p:spTree>
-      <p:nvGrpSpPr>
-        <p:cNvPr id="1" name=""/>
-        <p:cNvGrpSpPr/>
-        <p:nvPr/>
-      </p:nvGrpSpPr>
-      <p:grpSpPr>
-        <a:xfrm>
-          <a:off x="0" y="0"/>
-          <a:ext cx="0" cy="0"/>
-          <a:chOff x="0" y="0"/>
-          <a:chExt cx="0" cy="0"/>
-        </a:xfrm>
-      </p:grpSpPr>
-      <p:sp>
-        <p:nvSpPr>
-          <p:cNvPr id="112" name="TextShape 1"/>
-          <p:cNvSpPr txBox="1"/>
-          <p:nvPr/>
-        </p:nvSpPr>
-        <p:spPr>
-          <a:xfrm>
-            <a:off x="838080" y="365040"/>
-            <a:ext cx="10515240" cy="1325160"/>
-          </a:xfrm>
-          <a:prstGeom prst="rect">
-            <a:avLst/>
-          </a:prstGeom>
-          <a:noFill/>
-          <a:ln>
-            <a:noFill/>
-          </a:ln>
-        </p:spPr>
-        <p:txBody>
-          <a:bodyPr anchor="ctr"/>
-          <a:lstStyle/>
-          <a:p>
-            <a:pPr>
-              <a:lnSpc>
-                <a:spcPct val="90000"/>
-              </a:lnSpc>
-            </a:pPr>
-            <a:r>
-              <a:rPr lang="en-US" altLang="zh-CN" sz="4400" b="0" strike="noStrike" spc="-1" dirty="0">
-                <a:solidFill>
-                  <a:srgbClr val="000000"/>
-                </a:solidFill>
-                <a:uFill>
-                  <a:solidFill>
-                    <a:srgbClr val="FFFFFF"/>
-                  </a:solidFill>
-                </a:uFill>
-                <a:latin typeface="等线 Light"/>
-              </a:rPr>
-              <a:t>Guessing the future direction</a:t>
-            </a:r>
-            <a:endParaRPr lang="zh-CN" altLang="zh-CN" sz="1800" b="0" strike="noStrike" spc="-1" dirty="0">
-              <a:solidFill>
-                <a:srgbClr val="000000"/>
-              </a:solidFill>
-              <a:uFill>
-                <a:solidFill>
-                  <a:srgbClr val="FFFFFF"/>
-                </a:solidFill>
-              </a:uFill>
-              <a:latin typeface="等线"/>
-            </a:endParaRPr>
-          </a:p>
-        </p:txBody>
-      </p:sp>
-      <p:sp>
-        <p:nvSpPr>
-          <p:cNvPr id="113" name="TextShape 2"/>
-          <p:cNvSpPr txBox="1"/>
-          <p:nvPr/>
-        </p:nvSpPr>
-        <p:spPr>
-          <a:xfrm>
-            <a:off x="446579" y="1432020"/>
-            <a:ext cx="11618173" cy="5258146"/>
-          </a:xfrm>
-          <a:prstGeom prst="rect">
-            <a:avLst/>
-          </a:prstGeom>
-          <a:noFill/>
-          <a:ln>
-            <a:noFill/>
-          </a:ln>
-        </p:spPr>
-        <p:txBody>
-          <a:bodyPr/>
-          <a:lstStyle/>
-          <a:p>
-            <a:pPr marL="228600" indent="-228240">
-              <a:lnSpc>
-                <a:spcPct val="90000"/>
-              </a:lnSpc>
-              <a:buClr>
-                <a:srgbClr val="000000"/>
-              </a:buClr>
-              <a:buFont typeface="Arial"/>
-              <a:buChar char="•"/>
-            </a:pPr>
-            <a:r>
-              <a:rPr lang="en-US" altLang="zh-CN" sz="3200" spc="-1" dirty="0">
-                <a:solidFill>
-                  <a:srgbClr val="000000"/>
-                </a:solidFill>
-                <a:uFill>
-                  <a:solidFill>
-                    <a:srgbClr val="FFFFFF"/>
-                  </a:solidFill>
-                </a:uFill>
-                <a:latin typeface="等线"/>
-              </a:rPr>
-              <a:t>Have the users themselves rank their emotions ( </a:t>
-            </a:r>
-            <a:r>
-              <a:rPr lang="en-US" altLang="zh-CN" sz="3200" i="1" spc="-1" dirty="0">
-                <a:solidFill>
-                  <a:srgbClr val="000000"/>
-                </a:solidFill>
-                <a:uFill>
-                  <a:solidFill>
-                    <a:srgbClr val="FFFFFF"/>
-                  </a:solidFill>
-                </a:uFill>
-                <a:latin typeface="等线"/>
-              </a:rPr>
-              <a:t>y </a:t>
-            </a:r>
-            <a:r>
-              <a:rPr lang="en-US" altLang="zh-CN" sz="3200" spc="-1" dirty="0">
-                <a:solidFill>
-                  <a:srgbClr val="000000"/>
-                </a:solidFill>
-                <a:uFill>
-                  <a:solidFill>
-                    <a:srgbClr val="FFFFFF"/>
-                  </a:solidFill>
-                </a:uFill>
-                <a:latin typeface="等线"/>
-              </a:rPr>
-              <a:t>).</a:t>
-            </a:r>
-          </a:p>
-          <a:p>
-            <a:pPr marL="914760" lvl="2">
-              <a:lnSpc>
-                <a:spcPct val="90000"/>
-              </a:lnSpc>
-              <a:buClr>
-                <a:srgbClr val="000000"/>
-              </a:buClr>
-            </a:pPr>
-            <a:r>
-              <a:rPr lang="en-US" altLang="zh-CN" sz="3200" i="1" spc="-1" dirty="0">
-                <a:solidFill>
-                  <a:srgbClr val="000000"/>
-                </a:solidFill>
-                <a:uFill>
-                  <a:solidFill>
-                    <a:srgbClr val="FFFFFF"/>
-                  </a:solidFill>
-                </a:uFill>
-                <a:latin typeface="等线"/>
-              </a:rPr>
-              <a:t>Multiple Regression Model</a:t>
-            </a:r>
-          </a:p>
-          <a:p>
-            <a:endParaRPr lang="en-US" altLang="zh-CN" sz="3200" b="0" u="sng" strike="noStrike" spc="-1" dirty="0">
-              <a:solidFill>
-                <a:srgbClr val="000000"/>
-              </a:solidFill>
-              <a:uFill>
-                <a:solidFill>
-                  <a:srgbClr val="FFFFFF"/>
-                </a:solidFill>
-              </a:uFill>
-              <a:latin typeface="等线"/>
-            </a:endParaRPr>
-          </a:p>
-          <a:p>
-            <a:endParaRPr lang="en-US" altLang="zh-CN" sz="3200" u="sng" spc="-1" dirty="0">
-              <a:solidFill>
-                <a:srgbClr val="000000"/>
-              </a:solidFill>
-              <a:uFill>
-                <a:solidFill>
-                  <a:srgbClr val="FFFFFF"/>
-                </a:solidFill>
-              </a:uFill>
-              <a:latin typeface="等线"/>
-            </a:endParaRPr>
-          </a:p>
-          <a:p>
-            <a:endParaRPr lang="en-US" altLang="zh-CN" sz="3200" b="0" u="sng" strike="noStrike" spc="-1" dirty="0">
-              <a:solidFill>
-                <a:srgbClr val="000000"/>
-              </a:solidFill>
-              <a:uFill>
-                <a:solidFill>
-                  <a:srgbClr val="FFFFFF"/>
-                </a:solidFill>
-              </a:uFill>
-              <a:latin typeface="等线"/>
-            </a:endParaRPr>
-          </a:p>
-          <a:p>
-            <a:r>
-              <a:rPr lang="en-US" altLang="zh-CN" sz="2800" b="0" u="sng" strike="noStrike" spc="-1" dirty="0">
-                <a:solidFill>
-                  <a:srgbClr val="000000"/>
-                </a:solidFill>
-                <a:uFill>
-                  <a:solidFill>
-                    <a:srgbClr val="FFFFFF"/>
-                  </a:solidFill>
-                </a:uFill>
-                <a:latin typeface="等线"/>
-              </a:rPr>
-              <a:t>	where</a:t>
-            </a:r>
-          </a:p>
-          <a:p>
-            <a:r>
-              <a:rPr lang="en-US" altLang="zh-CN" sz="2800" b="0" u="sng" strike="noStrike" spc="-1" dirty="0">
-                <a:solidFill>
-                  <a:srgbClr val="000000"/>
-                </a:solidFill>
-                <a:uFill>
-                  <a:solidFill>
-                    <a:srgbClr val="FFFFFF"/>
-                  </a:solidFill>
-                </a:uFill>
-                <a:latin typeface="等线"/>
-              </a:rPr>
-              <a:t>	</a:t>
-            </a:r>
-            <a:r>
-              <a:rPr lang="en-US" altLang="zh-CN" sz="2800" b="0" i="1" strike="noStrike" spc="-1" dirty="0">
-                <a:solidFill>
-                  <a:srgbClr val="000000"/>
-                </a:solidFill>
-                <a:uFill>
-                  <a:solidFill>
-                    <a:srgbClr val="FFFFFF"/>
-                  </a:solidFill>
-                </a:uFill>
-                <a:latin typeface="等线"/>
-              </a:rPr>
-              <a:t>y </a:t>
-            </a:r>
-            <a:r>
-              <a:rPr lang="en-US" altLang="zh-CN" sz="2800" b="0" strike="noStrike" spc="-1" dirty="0">
-                <a:solidFill>
-                  <a:srgbClr val="000000"/>
-                </a:solidFill>
-                <a:uFill>
-                  <a:solidFill>
-                    <a:srgbClr val="FFFFFF"/>
-                  </a:solidFill>
-                </a:uFill>
-                <a:latin typeface="等线"/>
-              </a:rPr>
-              <a:t>= </a:t>
-            </a:r>
-            <a:r>
-              <a:rPr lang="en-US" altLang="zh-CN" sz="2800" b="0" i="1" strike="noStrike" spc="-1" dirty="0">
-                <a:solidFill>
-                  <a:srgbClr val="000000"/>
-                </a:solidFill>
-                <a:uFill>
-                  <a:solidFill>
-                    <a:srgbClr val="FFFFFF"/>
-                  </a:solidFill>
-                </a:uFill>
-                <a:latin typeface="等线"/>
-              </a:rPr>
-              <a:t>n </a:t>
-            </a:r>
-            <a:r>
-              <a:rPr lang="en-US" altLang="zh-CN" sz="2800" b="0" strike="noStrike" spc="-1" dirty="0">
-                <a:solidFill>
-                  <a:srgbClr val="000000"/>
-                </a:solidFill>
-                <a:uFill>
-                  <a:solidFill>
-                    <a:srgbClr val="FFFFFF"/>
-                  </a:solidFill>
-                </a:uFill>
-                <a:latin typeface="等线"/>
-              </a:rPr>
-              <a:t>x</a:t>
-            </a:r>
-            <a:r>
-              <a:rPr lang="en-US" altLang="zh-CN" sz="2800" b="0" i="1" strike="noStrike" spc="-1" dirty="0">
-                <a:solidFill>
-                  <a:srgbClr val="000000"/>
-                </a:solidFill>
-                <a:uFill>
-                  <a:solidFill>
-                    <a:srgbClr val="FFFFFF"/>
-                  </a:solidFill>
-                </a:uFill>
-                <a:latin typeface="等线"/>
-              </a:rPr>
-              <a:t> </a:t>
-            </a:r>
-            <a:r>
-              <a:rPr lang="en-US" altLang="zh-CN" sz="2800" b="0" strike="noStrike" spc="-1" dirty="0">
-                <a:solidFill>
-                  <a:srgbClr val="000000"/>
-                </a:solidFill>
-                <a:uFill>
-                  <a:solidFill>
-                    <a:srgbClr val="FFFFFF"/>
-                  </a:solidFill>
-                </a:uFill>
-                <a:latin typeface="等线"/>
-              </a:rPr>
-              <a:t>1 column of different emotions labeled by users themselves</a:t>
-            </a:r>
-          </a:p>
-          <a:p>
-            <a:r>
-              <a:rPr lang="en-US" altLang="zh-CN" sz="2800" spc="-1" dirty="0">
-                <a:solidFill>
-                  <a:srgbClr val="000000"/>
-                </a:solidFill>
-                <a:uFill>
-                  <a:solidFill>
-                    <a:srgbClr val="FFFFFF"/>
-                  </a:solidFill>
-                </a:uFill>
-                <a:latin typeface="等线"/>
-              </a:rPr>
-              <a:t>	</a:t>
-            </a:r>
-            <a:r>
-              <a:rPr lang="en-US" altLang="zh-CN" sz="2800" i="1" spc="-1" dirty="0">
-                <a:solidFill>
-                  <a:srgbClr val="000000"/>
-                </a:solidFill>
-                <a:uFill>
-                  <a:solidFill>
-                    <a:srgbClr val="FFFFFF"/>
-                  </a:solidFill>
-                </a:uFill>
-                <a:latin typeface="等线"/>
-              </a:rPr>
-              <a:t>ŷ</a:t>
-            </a:r>
-            <a:r>
-              <a:rPr lang="en-US" altLang="zh-CN" sz="2800" spc="-1" dirty="0">
-                <a:solidFill>
-                  <a:srgbClr val="000000"/>
-                </a:solidFill>
-                <a:uFill>
-                  <a:solidFill>
-                    <a:srgbClr val="FFFFFF"/>
-                  </a:solidFill>
-                </a:uFill>
-                <a:latin typeface="等线"/>
-              </a:rPr>
-              <a:t> = </a:t>
-            </a:r>
-            <a:r>
-              <a:rPr lang="en-US" altLang="zh-CN" sz="2800" i="1" spc="-1" dirty="0">
-                <a:solidFill>
-                  <a:srgbClr val="000000"/>
-                </a:solidFill>
-                <a:uFill>
-                  <a:solidFill>
-                    <a:srgbClr val="FFFFFF"/>
-                  </a:solidFill>
-                </a:uFill>
-                <a:latin typeface="等线"/>
-              </a:rPr>
-              <a:t>n </a:t>
-            </a:r>
-            <a:r>
-              <a:rPr lang="en-US" altLang="zh-CN" sz="2800" spc="-1" dirty="0">
-                <a:solidFill>
-                  <a:srgbClr val="000000"/>
-                </a:solidFill>
-                <a:uFill>
-                  <a:solidFill>
-                    <a:srgbClr val="FFFFFF"/>
-                  </a:solidFill>
-                </a:uFill>
-                <a:latin typeface="等线"/>
-              </a:rPr>
-              <a:t>x 1 column of predicated </a:t>
-            </a:r>
-            <a:r>
-              <a:rPr lang="en-US" altLang="zh-CN" sz="2800" i="1" spc="-1" dirty="0">
-                <a:solidFill>
-                  <a:srgbClr val="000000"/>
-                </a:solidFill>
-                <a:uFill>
-                  <a:solidFill>
-                    <a:srgbClr val="FFFFFF"/>
-                  </a:solidFill>
-                </a:uFill>
-                <a:latin typeface="等线"/>
-              </a:rPr>
-              <a:t>y</a:t>
-            </a:r>
-          </a:p>
-          <a:p>
-            <a:r>
-              <a:rPr lang="en-US" altLang="zh-CN" sz="2800" i="1" spc="-1" dirty="0">
-                <a:solidFill>
-                  <a:srgbClr val="000000"/>
-                </a:solidFill>
-                <a:uFill>
-                  <a:solidFill>
-                    <a:srgbClr val="FFFFFF"/>
-                  </a:solidFill>
-                </a:uFill>
-                <a:latin typeface="等线"/>
-              </a:rPr>
-              <a:t>	X</a:t>
-            </a:r>
-            <a:r>
-              <a:rPr lang="en-US" altLang="zh-CN" sz="2800" spc="-1" dirty="0">
-                <a:solidFill>
-                  <a:srgbClr val="000000"/>
-                </a:solidFill>
-                <a:uFill>
-                  <a:solidFill>
-                    <a:srgbClr val="FFFFFF"/>
-                  </a:solidFill>
-                </a:uFill>
-                <a:latin typeface="等线"/>
-              </a:rPr>
-              <a:t> = </a:t>
-            </a:r>
-            <a:r>
-              <a:rPr lang="en-US" altLang="zh-CN" sz="2800" i="1" spc="-1" dirty="0">
-                <a:solidFill>
-                  <a:srgbClr val="000000"/>
-                </a:solidFill>
-                <a:uFill>
-                  <a:solidFill>
-                    <a:srgbClr val="FFFFFF"/>
-                  </a:solidFill>
-                </a:uFill>
-                <a:latin typeface="等线"/>
-              </a:rPr>
-              <a:t>n </a:t>
-            </a:r>
-            <a:r>
-              <a:rPr lang="en-US" altLang="zh-CN" sz="2800" spc="-1" dirty="0">
-                <a:solidFill>
-                  <a:srgbClr val="000000"/>
-                </a:solidFill>
-                <a:uFill>
-                  <a:solidFill>
-                    <a:srgbClr val="FFFFFF"/>
-                  </a:solidFill>
-                </a:uFill>
-                <a:latin typeface="等线"/>
-              </a:rPr>
-              <a:t>x </a:t>
-            </a:r>
-            <a:r>
-              <a:rPr lang="en-US" altLang="zh-CN" sz="2800" i="1" spc="-1" dirty="0">
-                <a:solidFill>
-                  <a:srgbClr val="000000"/>
-                </a:solidFill>
-                <a:uFill>
-                  <a:solidFill>
-                    <a:srgbClr val="FFFFFF"/>
-                  </a:solidFill>
-                </a:uFill>
-                <a:latin typeface="等线"/>
-              </a:rPr>
-              <a:t>k matrix of question weights</a:t>
-            </a:r>
-          </a:p>
-          <a:p>
-            <a:r>
-              <a:rPr lang="en-US" altLang="zh-CN" sz="2800" spc="-1" dirty="0">
-                <a:solidFill>
-                  <a:srgbClr val="000000"/>
-                </a:solidFill>
-                <a:uFill>
-                  <a:solidFill>
-                    <a:srgbClr val="FFFFFF"/>
-                  </a:solidFill>
-                </a:uFill>
-                <a:latin typeface="等线"/>
-              </a:rPr>
-              <a:t>	</a:t>
-            </a:r>
-            <a:r>
-              <a:rPr lang="en-US" altLang="zh-CN" sz="2800" i="1" spc="-1" dirty="0">
-                <a:solidFill>
-                  <a:srgbClr val="000000"/>
-                </a:solidFill>
-                <a:uFill>
-                  <a:solidFill>
-                    <a:srgbClr val="FFFFFF"/>
-                  </a:solidFill>
-                </a:uFill>
-                <a:latin typeface="等线"/>
-              </a:rPr>
-              <a:t>b</a:t>
-            </a:r>
-            <a:r>
-              <a:rPr lang="en-US" altLang="zh-CN" sz="2800" spc="-1" dirty="0">
-                <a:solidFill>
-                  <a:srgbClr val="000000"/>
-                </a:solidFill>
-                <a:uFill>
-                  <a:solidFill>
-                    <a:srgbClr val="FFFFFF"/>
-                  </a:solidFill>
-                </a:uFill>
-                <a:latin typeface="等线"/>
-              </a:rPr>
-              <a:t> = </a:t>
-            </a:r>
-            <a:r>
-              <a:rPr lang="en-US" altLang="zh-CN" sz="2800" i="1" spc="-1" dirty="0">
-                <a:solidFill>
-                  <a:srgbClr val="000000"/>
-                </a:solidFill>
-                <a:uFill>
-                  <a:solidFill>
-                    <a:srgbClr val="FFFFFF"/>
-                  </a:solidFill>
-                </a:uFill>
-                <a:latin typeface="等线"/>
-              </a:rPr>
-              <a:t>k</a:t>
-            </a:r>
-            <a:r>
-              <a:rPr lang="en-US" altLang="zh-CN" sz="2800" spc="-1" dirty="0">
-                <a:solidFill>
-                  <a:srgbClr val="000000"/>
-                </a:solidFill>
-                <a:uFill>
-                  <a:solidFill>
-                    <a:srgbClr val="FFFFFF"/>
-                  </a:solidFill>
-                </a:uFill>
-                <a:latin typeface="等线"/>
-              </a:rPr>
-              <a:t> x 1 column vector or regression coefficients</a:t>
-            </a:r>
-          </a:p>
-          <a:p>
-            <a:r>
-              <a:rPr lang="en-US" altLang="zh-CN" sz="2800" spc="-1" dirty="0">
-                <a:solidFill>
-                  <a:srgbClr val="000000"/>
-                </a:solidFill>
-                <a:uFill>
-                  <a:solidFill>
-                    <a:srgbClr val="FFFFFF"/>
-                  </a:solidFill>
-                </a:uFill>
-                <a:latin typeface="等线"/>
-              </a:rPr>
-              <a:t>	</a:t>
-            </a:r>
-            <a:r>
-              <a:rPr lang="en-US" altLang="zh-CN" sz="2800" i="1" spc="-1" dirty="0">
-                <a:solidFill>
-                  <a:srgbClr val="000000"/>
-                </a:solidFill>
-                <a:uFill>
-                  <a:solidFill>
-                    <a:srgbClr val="FFFFFF"/>
-                  </a:solidFill>
-                </a:uFill>
-                <a:latin typeface="等线"/>
-              </a:rPr>
-              <a:t>e</a:t>
-            </a:r>
-            <a:r>
-              <a:rPr lang="en-US" altLang="zh-CN" sz="2800" spc="-1" dirty="0">
-                <a:solidFill>
-                  <a:srgbClr val="000000"/>
-                </a:solidFill>
-                <a:uFill>
-                  <a:solidFill>
-                    <a:srgbClr val="FFFFFF"/>
-                  </a:solidFill>
-                </a:uFill>
-                <a:latin typeface="等线"/>
-              </a:rPr>
-              <a:t> = </a:t>
-            </a:r>
-            <a:r>
-              <a:rPr lang="en-US" altLang="zh-CN" sz="2800" i="1" spc="-1" dirty="0">
-                <a:solidFill>
-                  <a:srgbClr val="000000"/>
-                </a:solidFill>
-                <a:uFill>
-                  <a:solidFill>
-                    <a:srgbClr val="FFFFFF"/>
-                  </a:solidFill>
-                </a:uFill>
-                <a:latin typeface="等线"/>
-              </a:rPr>
-              <a:t>n</a:t>
-            </a:r>
-            <a:r>
-              <a:rPr lang="en-US" altLang="zh-CN" sz="2800" spc="-1" dirty="0">
-                <a:solidFill>
-                  <a:srgbClr val="000000"/>
-                </a:solidFill>
-                <a:uFill>
-                  <a:solidFill>
-                    <a:srgbClr val="FFFFFF"/>
-                  </a:solidFill>
-                </a:uFill>
-                <a:latin typeface="等线"/>
-              </a:rPr>
-              <a:t> x 1 column vector of </a:t>
-            </a:r>
-            <a:r>
-              <a:rPr lang="en-US" altLang="zh-CN" sz="2800" i="1" spc="-1" dirty="0">
-                <a:solidFill>
-                  <a:srgbClr val="000000"/>
-                </a:solidFill>
-                <a:uFill>
-                  <a:solidFill>
-                    <a:srgbClr val="FFFFFF"/>
-                  </a:solidFill>
-                </a:uFill>
-                <a:latin typeface="等线"/>
-              </a:rPr>
-              <a:t>n</a:t>
-            </a:r>
-            <a:r>
-              <a:rPr lang="en-US" altLang="zh-CN" sz="2800" spc="-1" dirty="0">
-                <a:solidFill>
-                  <a:srgbClr val="000000"/>
-                </a:solidFill>
-                <a:uFill>
-                  <a:solidFill>
-                    <a:srgbClr val="FFFFFF"/>
-                  </a:solidFill>
-                </a:uFill>
-                <a:latin typeface="等线"/>
-              </a:rPr>
-              <a:t> residual values</a:t>
-            </a:r>
-            <a:r>
-              <a:rPr lang="en-US" altLang="zh-CN" sz="2800" u="sng" spc="-1" dirty="0">
-                <a:solidFill>
-                  <a:srgbClr val="000000"/>
-                </a:solidFill>
-                <a:uFill>
-                  <a:solidFill>
-                    <a:srgbClr val="FFFFFF"/>
-                  </a:solidFill>
-                </a:uFill>
-                <a:latin typeface="等线"/>
-              </a:rPr>
-              <a:t>	</a:t>
-            </a:r>
-          </a:p>
-        </p:txBody>
-      </p:sp>
-      <p:pic>
-        <p:nvPicPr>
-          <p:cNvPr id="5" name="图片 4">
-            <a:extLst>
-              <a:ext uri="{FF2B5EF4-FFF2-40B4-BE49-F238E27FC236}">
-                <a16:creationId xmlns:a16="http://schemas.microsoft.com/office/drawing/2014/main" id="{82F88CAC-4A12-D155-14D6-00718525ACCB}"/>
-              </a:ext>
-            </a:extLst>
-          </p:cNvPr>
-          <p:cNvPicPr>
-            <a:picLocks noChangeAspect="1"/>
-          </p:cNvPicPr>
-          <p:nvPr/>
-        </p:nvPicPr>
-        <p:blipFill>
-          <a:blip r:embed="rId2"/>
-          <a:stretch>
-            <a:fillRect/>
-          </a:stretch>
-        </p:blipFill>
-        <p:spPr>
-          <a:xfrm>
-            <a:off x="3650065" y="2442208"/>
-            <a:ext cx="3150786" cy="1440359"/>
-          </a:xfrm>
-          <a:prstGeom prst="rect">
-            <a:avLst/>
-          </a:prstGeom>
-        </p:spPr>
-      </p:pic>
-    </p:spTree>
-    <p:extLst>
-      <p:ext uri="{BB962C8B-B14F-4D97-AF65-F5344CB8AC3E}">
-        <p14:creationId xmlns:p14="http://schemas.microsoft.com/office/powerpoint/2010/main" val="68896380"/>
-      </p:ext>
-    </p:extLst>
-  </p:cSld>
-  <p:clrMapOvr>
-    <a:masterClrMapping/>
-  </p:clrMapOvr>
-</p:sld>
-</file>
-
 <file path=ppt/slides/slide3.xml><?xml version="1.0" encoding="utf-8"?>
-<p:sld xmlns:a="http://schemas.openxmlformats.org/drawingml/2006/main" xmlns:r="http://schemas.openxmlformats.org/officeDocument/2006/relationships" xmlns:p="http://schemas.openxmlformats.org/presentationml/2006/main">
-  <p:cSld>
-    <p:spTree>
-      <p:nvGrpSpPr>
-        <p:cNvPr id="1" name=""/>
-        <p:cNvGrpSpPr/>
-        <p:nvPr/>
-      </p:nvGrpSpPr>
-      <p:grpSpPr>
-        <a:xfrm>
-          <a:off x="0" y="0"/>
-          <a:ext cx="0" cy="0"/>
-          <a:chOff x="0" y="0"/>
-          <a:chExt cx="0" cy="0"/>
-        </a:xfrm>
-      </p:grpSpPr>
-      <p:sp>
-        <p:nvSpPr>
-          <p:cNvPr id="86" name="TextShape 1"/>
-          <p:cNvSpPr txBox="1"/>
-          <p:nvPr/>
-        </p:nvSpPr>
-        <p:spPr>
-          <a:xfrm>
-            <a:off x="838080" y="365040"/>
-            <a:ext cx="10515240" cy="1325160"/>
-          </a:xfrm>
-          <a:prstGeom prst="rect">
-            <a:avLst/>
-          </a:prstGeom>
-          <a:noFill/>
-          <a:ln>
-            <a:noFill/>
-          </a:ln>
-        </p:spPr>
-        <p:txBody>
-          <a:bodyPr anchor="ctr"/>
-          <a:lstStyle/>
-          <a:p>
-            <a:pPr>
-              <a:lnSpc>
-                <a:spcPct val="90000"/>
-              </a:lnSpc>
-            </a:pPr>
-            <a:r>
-              <a:rPr lang="zh-CN" sz="4400" b="0" strike="noStrike" spc="-1" dirty="0">
-                <a:solidFill>
-                  <a:srgbClr val="000000"/>
-                </a:solidFill>
-                <a:uFill>
-                  <a:solidFill>
-                    <a:srgbClr val="FFFFFF"/>
-                  </a:solidFill>
-                </a:uFill>
-                <a:latin typeface="等线 Light"/>
-              </a:rPr>
-              <a:t>ER information system </a:t>
-            </a:r>
-            <a:r>
-              <a:rPr lang="en-US" altLang="zh-CN" sz="4400" b="0" strike="noStrike" spc="-1" dirty="0">
-                <a:solidFill>
-                  <a:srgbClr val="000000"/>
-                </a:solidFill>
-                <a:uFill>
-                  <a:solidFill>
-                    <a:srgbClr val="FFFFFF"/>
-                  </a:solidFill>
-                </a:uFill>
-                <a:latin typeface="等线 Light"/>
-              </a:rPr>
-              <a:t>introduction</a:t>
-            </a:r>
-            <a:r>
-              <a:rPr lang="zh-CN" sz="4400" b="0" strike="noStrike" spc="-1" dirty="0">
-                <a:solidFill>
-                  <a:srgbClr val="000000"/>
-                </a:solidFill>
-                <a:uFill>
-                  <a:solidFill>
-                    <a:srgbClr val="FFFFFF"/>
-                  </a:solidFill>
-                </a:uFill>
-                <a:latin typeface="等线 Light"/>
-              </a:rPr>
-              <a:t> </a:t>
-            </a:r>
-            <a:endParaRPr lang="zh-CN" sz="1800" b="0" strike="noStrike" spc="-1" dirty="0">
-              <a:solidFill>
-                <a:srgbClr val="000000"/>
-              </a:solidFill>
-              <a:uFill>
-                <a:solidFill>
-                  <a:srgbClr val="FFFFFF"/>
-                </a:solidFill>
-              </a:uFill>
-              <a:latin typeface="等线"/>
-            </a:endParaRPr>
-          </a:p>
-        </p:txBody>
-      </p:sp>
-      <p:sp>
-        <p:nvSpPr>
-          <p:cNvPr id="87" name="TextShape 2"/>
-          <p:cNvSpPr txBox="1"/>
-          <p:nvPr/>
-        </p:nvSpPr>
-        <p:spPr>
-          <a:xfrm>
-            <a:off x="838080" y="1825560"/>
-            <a:ext cx="10515240" cy="4350960"/>
-          </a:xfrm>
-          <a:prstGeom prst="rect">
-            <a:avLst/>
-          </a:prstGeom>
-          <a:noFill/>
-          <a:ln>
-            <a:noFill/>
-          </a:ln>
-        </p:spPr>
-        <p:txBody>
-          <a:bodyPr/>
-          <a:lstStyle/>
-          <a:p>
-            <a:pPr marL="228600" indent="-228240">
-              <a:lnSpc>
-                <a:spcPct val="90000"/>
-              </a:lnSpc>
-              <a:buClr>
-                <a:srgbClr val="000000"/>
-              </a:buClr>
-              <a:buFont typeface="Arial"/>
-              <a:buChar char="•"/>
-            </a:pPr>
-            <a:r>
-              <a:rPr lang="zh-CN" sz="2800" b="0" strike="noStrike" spc="-1">
-                <a:solidFill>
-                  <a:srgbClr val="000000"/>
-                </a:solidFill>
-                <a:uFill>
-                  <a:solidFill>
-                    <a:srgbClr val="FFFFFF"/>
-                  </a:solidFill>
-                </a:uFill>
-                <a:latin typeface="等线"/>
-              </a:rPr>
-              <a:t>Brain storm &amp; hope on the horizon</a:t>
-            </a:r>
-          </a:p>
-          <a:p>
-            <a:pPr marL="864000" lvl="1" indent="-324000">
-              <a:buClr>
-                <a:srgbClr val="000000"/>
-              </a:buClr>
-              <a:buSzPct val="75000"/>
-              <a:buFont typeface="Symbol" charset="2"/>
-              <a:buChar char=""/>
-            </a:pPr>
-            <a:r>
-              <a:rPr lang="zh-CN" sz="2800" b="0" strike="noStrike" spc="-1">
-                <a:solidFill>
-                  <a:srgbClr val="000000"/>
-                </a:solidFill>
-                <a:uFill>
-                  <a:solidFill>
-                    <a:srgbClr val="FFFFFF"/>
-                  </a:solidFill>
-                </a:uFill>
-                <a:latin typeface="等线"/>
-              </a:rPr>
-              <a:t>Emotion status can be break down into indicators</a:t>
-            </a:r>
-            <a:endParaRPr lang="zh-CN" sz="2000" b="0" strike="noStrike" spc="-1">
-              <a:solidFill>
-                <a:srgbClr val="000000"/>
-              </a:solidFill>
-              <a:uFill>
-                <a:solidFill>
-                  <a:srgbClr val="FFFFFF"/>
-                </a:solidFill>
-              </a:uFill>
-              <a:latin typeface="等线"/>
-            </a:endParaRPr>
-          </a:p>
-          <a:p>
-            <a:pPr marL="864000" lvl="1" indent="-324000">
-              <a:buClr>
-                <a:srgbClr val="000000"/>
-              </a:buClr>
-              <a:buSzPct val="75000"/>
-              <a:buFont typeface="Symbol" charset="2"/>
-              <a:buChar char=""/>
-            </a:pPr>
-            <a:r>
-              <a:rPr lang="zh-CN" sz="2800" b="0" strike="noStrike" spc="-1">
-                <a:solidFill>
-                  <a:srgbClr val="000000"/>
-                </a:solidFill>
-                <a:uFill>
-                  <a:solidFill>
-                    <a:srgbClr val="FFFFFF"/>
-                  </a:solidFill>
-                </a:uFill>
-                <a:latin typeface="等线"/>
-              </a:rPr>
-              <a:t>That's how we react to incidents &amp; environment</a:t>
-            </a:r>
-            <a:endParaRPr lang="zh-CN" sz="2000" b="0" strike="noStrike" spc="-1">
-              <a:solidFill>
-                <a:srgbClr val="000000"/>
-              </a:solidFill>
-              <a:uFill>
-                <a:solidFill>
-                  <a:srgbClr val="FFFFFF"/>
-                </a:solidFill>
-              </a:uFill>
-              <a:latin typeface="等线"/>
-            </a:endParaRPr>
-          </a:p>
-          <a:p>
-            <a:pPr marL="864000" lvl="1" indent="-324000">
-              <a:buClr>
-                <a:srgbClr val="000000"/>
-              </a:buClr>
-              <a:buSzPct val="75000"/>
-              <a:buFont typeface="Symbol" charset="2"/>
-              <a:buChar char=""/>
-            </a:pPr>
-            <a:r>
-              <a:rPr lang="zh-CN" sz="2800" b="0" strike="noStrike" spc="-1">
-                <a:solidFill>
-                  <a:srgbClr val="000000"/>
-                </a:solidFill>
-                <a:uFill>
-                  <a:solidFill>
-                    <a:srgbClr val="FFFFFF"/>
-                  </a:solidFill>
-                </a:uFill>
-                <a:latin typeface="等线"/>
-              </a:rPr>
-              <a:t>What's important can be polled </a:t>
-            </a:r>
-            <a:endParaRPr lang="zh-CN" sz="2000" b="0" strike="noStrike" spc="-1">
-              <a:solidFill>
-                <a:srgbClr val="000000"/>
-              </a:solidFill>
-              <a:uFill>
-                <a:solidFill>
-                  <a:srgbClr val="FFFFFF"/>
-                </a:solidFill>
-              </a:uFill>
-              <a:latin typeface="等线"/>
-            </a:endParaRPr>
-          </a:p>
-          <a:p>
-            <a:pPr marL="864000" lvl="1" indent="-324000">
-              <a:buClr>
-                <a:srgbClr val="000000"/>
-              </a:buClr>
-              <a:buSzPct val="75000"/>
-              <a:buFont typeface="Symbol" charset="2"/>
-              <a:buChar char=""/>
-            </a:pPr>
-            <a:r>
-              <a:rPr lang="zh-CN" sz="2800" b="0" strike="noStrike" spc="-1">
-                <a:solidFill>
-                  <a:srgbClr val="000000"/>
-                </a:solidFill>
-                <a:uFill>
-                  <a:solidFill>
-                    <a:srgbClr val="FFFFFF"/>
-                  </a:solidFill>
-                </a:uFill>
-                <a:latin typeface="等线"/>
-              </a:rPr>
-              <a:t>(according to the psychology teacher)</a:t>
-            </a:r>
-            <a:endParaRPr lang="zh-CN" sz="2000" b="0" strike="noStrike" spc="-1">
-              <a:solidFill>
-                <a:srgbClr val="000000"/>
-              </a:solidFill>
-              <a:uFill>
-                <a:solidFill>
-                  <a:srgbClr val="FFFFFF"/>
-                </a:solidFill>
-              </a:uFill>
-              <a:latin typeface="等线"/>
-            </a:endParaRPr>
-          </a:p>
-        </p:txBody>
-      </p:sp>
-    </p:spTree>
-  </p:cSld>
-  <p:clrMapOvr>
-    <a:masterClrMapping/>
-  </p:clrMapOvr>
-</p:sld>
-</file>
-
-<file path=ppt/slides/slide4.xml><?xml version="1.0" encoding="utf-8"?>
 <p:sld xmlns:a="http://schemas.openxmlformats.org/drawingml/2006/main" xmlns:r="http://schemas.openxmlformats.org/officeDocument/2006/relationships" xmlns:p="http://schemas.openxmlformats.org/presentationml/2006/main">
   <p:cSld>
     <p:spTree>
@@ -14946,7 +12599,7 @@
                 </a:uFill>
                 <a:latin typeface="等线 Light"/>
               </a:rPr>
-              <a:t>ER information system </a:t>
+              <a:t>ER information system intr</a:t>
             </a:r>
             <a:r>
               <a:rPr lang="en-US" altLang="zh-CN" sz="4400" b="0" strike="noStrike" spc="-1" dirty="0">
@@ -14960,7 +12613,7 @@
                 </a:uFill>
                 <a:latin typeface="等线 Light"/>
               </a:rPr>
-              <a:t>introduction</a:t>
+              <a:t>o</a:t>
             </a:r>
             <a:r>
               <a:rPr lang="zh-CN" sz="4400" b="0" strike="noStrike" spc="-1" dirty="0">
@@ -14974,7 +12627,7 @@
                 </a:uFill>
                 <a:latin typeface="等线 Light"/>
               </a:rPr>
-              <a:t> </a:t>
+              <a:t>duction </a:t>
             </a:r>
             <a:endParaRPr lang="zh-CN" sz="1800" b="0" strike="noStrike" spc="-1" dirty="0">
               <a:solidFill>
@@ -14998,7 +12651,7 @@
 </p:sld>
 </file>
 
-<file path=ppt/slides/slide5.xml><?xml version="1.0" encoding="utf-8"?>
+<file path=ppt/slides/slide4.xml><?xml version="1.0" encoding="utf-8"?>
 <p:sld xmlns:a="http://schemas.openxmlformats.org/drawingml/2006/main" xmlns:r="http://schemas.openxmlformats.org/officeDocument/2006/relationships" xmlns:p="http://schemas.openxmlformats.org/presentationml/2006/main">
   <p:cSld>
     <p:spTree>
@@ -15055,7 +12708,7 @@
                 </a:uFill>
                 <a:latin typeface="等线 Light"/>
               </a:rPr>
-              <a:t>ER information system </a:t>
+              <a:t>ER information system intr</a:t>
             </a:r>
             <a:r>
               <a:rPr lang="en-US" altLang="zh-CN" sz="4400" b="0" strike="noStrike" spc="-1" dirty="0">
@@ -15069,7 +12722,7 @@
                 </a:uFill>
                 <a:latin typeface="等线 Light"/>
               </a:rPr>
-              <a:t>introduction</a:t>
+              <a:t>o</a:t>
             </a:r>
             <a:r>
               <a:rPr lang="zh-CN" sz="4400" b="0" strike="noStrike" spc="-1" dirty="0">
@@ -15083,7 +12736,7 @@
                 </a:uFill>
                 <a:latin typeface="等线 Light"/>
               </a:rPr>
-              <a:t> </a:t>
+              <a:t>duction </a:t>
             </a:r>
             <a:endParaRPr lang="zh-CN" sz="1800" b="0" strike="noStrike" spc="-1" dirty="0">
               <a:solidFill>
@@ -16703,256 +14356,7 @@
 </p:sld>
 </file>
 
-<file path=ppt/slides/slide6.xml><?xml version="1.0" encoding="utf-8"?>
-<p:sld xmlns:a="http://schemas.openxmlformats.org/drawingml/2006/main" xmlns:r="http://schemas.openxmlformats.org/officeDocument/2006/relationships" xmlns:p="http://schemas.openxmlformats.org/presentationml/2006/main">
-  <p:cSld>
-    <p:spTree>
-      <p:nvGrpSpPr>
-        <p:cNvPr id="1" name=""/>
-        <p:cNvGrpSpPr/>
-        <p:nvPr/>
-      </p:nvGrpSpPr>
-      <p:grpSpPr>
-        <a:xfrm>
-          <a:off x="0" y="0"/>
-          <a:ext cx="0" cy="0"/>
-          <a:chOff x="0" y="0"/>
-          <a:chExt cx="0" cy="0"/>
-        </a:xfrm>
-      </p:grpSpPr>
-      <p:sp>
-        <p:nvSpPr>
-          <p:cNvPr id="94" name="TextShape 1"/>
-          <p:cNvSpPr txBox="1"/>
-          <p:nvPr/>
-        </p:nvSpPr>
-        <p:spPr>
-          <a:xfrm>
-            <a:off x="838080" y="365040"/>
-            <a:ext cx="10515240" cy="1325160"/>
-          </a:xfrm>
-          <a:prstGeom prst="rect">
-            <a:avLst/>
-          </a:prstGeom>
-          <a:noFill/>
-          <a:ln>
-            <a:noFill/>
-          </a:ln>
-        </p:spPr>
-        <p:txBody>
-          <a:bodyPr anchor="ctr"/>
-          <a:lstStyle/>
-          <a:p>
-            <a:pPr>
-              <a:lnSpc>
-                <a:spcPct val="90000"/>
-              </a:lnSpc>
-            </a:pPr>
-            <a:r>
-              <a:rPr lang="zh-CN" sz="4400" b="0" strike="noStrike" spc="-1" dirty="0">
-                <a:solidFill>
-                  <a:srgbClr val="000000"/>
-                </a:solidFill>
-                <a:uFill>
-                  <a:solidFill>
-                    <a:srgbClr val="FFFFFF"/>
-                  </a:solidFill>
-                </a:uFill>
-                <a:latin typeface="等线 Light"/>
-              </a:rPr>
-              <a:t>ER information system </a:t>
-            </a:r>
-            <a:r>
-              <a:rPr lang="en-US" altLang="zh-CN" sz="4400" b="0" strike="noStrike" spc="-1" dirty="0">
-                <a:solidFill>
-                  <a:srgbClr val="000000"/>
-                </a:solidFill>
-                <a:uFill>
-                  <a:solidFill>
-                    <a:srgbClr val="FFFFFF"/>
-                  </a:solidFill>
-                </a:uFill>
-                <a:latin typeface="等线 Light"/>
-              </a:rPr>
-              <a:t>introduction</a:t>
-            </a:r>
-            <a:r>
-              <a:rPr lang="zh-CN" sz="4400" b="0" strike="noStrike" spc="-1" dirty="0">
-                <a:solidFill>
-                  <a:srgbClr val="000000"/>
-                </a:solidFill>
-                <a:uFill>
-                  <a:solidFill>
-                    <a:srgbClr val="FFFFFF"/>
-                  </a:solidFill>
-                </a:uFill>
-                <a:latin typeface="等线 Light"/>
-              </a:rPr>
-              <a:t> </a:t>
-            </a:r>
-            <a:endParaRPr lang="zh-CN" sz="1800" b="0" strike="noStrike" spc="-1" dirty="0">
-              <a:solidFill>
-                <a:srgbClr val="000000"/>
-              </a:solidFill>
-              <a:uFill>
-                <a:solidFill>
-                  <a:srgbClr val="FFFFFF"/>
-                </a:solidFill>
-              </a:uFill>
-              <a:latin typeface="等线"/>
-            </a:endParaRPr>
-          </a:p>
-        </p:txBody>
-      </p:sp>
-      <p:sp>
-        <p:nvSpPr>
-          <p:cNvPr id="95" name="TextShape 2"/>
-          <p:cNvSpPr txBox="1"/>
-          <p:nvPr/>
-        </p:nvSpPr>
-        <p:spPr>
-          <a:xfrm>
-            <a:off x="838080" y="1825560"/>
-            <a:ext cx="10515240" cy="4350960"/>
-          </a:xfrm>
-          <a:prstGeom prst="rect">
-            <a:avLst/>
-          </a:prstGeom>
-          <a:noFill/>
-          <a:ln>
-            <a:noFill/>
-          </a:ln>
-        </p:spPr>
-        <p:txBody>
-          <a:bodyPr/>
-          <a:lstStyle/>
-          <a:p>
-            <a:pPr marL="228600" indent="-228240">
-              <a:lnSpc>
-                <a:spcPct val="90000"/>
-              </a:lnSpc>
-              <a:buClr>
-                <a:srgbClr val="000000"/>
-              </a:buClr>
-              <a:buFont typeface="Arial"/>
-              <a:buChar char="•"/>
-            </a:pPr>
-            <a:r>
-              <a:rPr lang="zh-CN" sz="2800" b="0" strike="noStrike" spc="-1" dirty="0">
-                <a:solidFill>
-                  <a:srgbClr val="000000"/>
-                </a:solidFill>
-                <a:uFill>
-                  <a:solidFill>
-                    <a:srgbClr val="FFFFFF"/>
-                  </a:solidFill>
-                </a:uFill>
-                <a:latin typeface="等线"/>
-              </a:rPr>
-              <a:t>Emotion indicators v1.0</a:t>
-            </a:r>
-          </a:p>
-          <a:p>
-            <a:pPr marL="864000" lvl="1" indent="-324000">
-              <a:buClr>
-                <a:srgbClr val="000000"/>
-              </a:buClr>
-              <a:buSzPct val="75000"/>
-              <a:buFont typeface="Symbol" charset="2"/>
-              <a:buChar char=""/>
-            </a:pPr>
-            <a:r>
-              <a:rPr lang="zh-CN" sz="2800" b="0" strike="noStrike" spc="-1" dirty="0">
-                <a:solidFill>
-                  <a:srgbClr val="000000"/>
-                </a:solidFill>
-                <a:uFill>
-                  <a:solidFill>
-                    <a:srgbClr val="FFFFFF"/>
-                  </a:solidFill>
-                </a:uFill>
-                <a:latin typeface="等线"/>
-              </a:rPr>
-              <a:t>the first intuitive thinking</a:t>
-            </a:r>
-            <a:endParaRPr lang="zh-CN" sz="2000" b="0" strike="noStrike" spc="-1" dirty="0">
-              <a:solidFill>
-                <a:srgbClr val="000000"/>
-              </a:solidFill>
-              <a:uFill>
-                <a:solidFill>
-                  <a:srgbClr val="FFFFFF"/>
-                </a:solidFill>
-              </a:uFill>
-              <a:latin typeface="等线"/>
-            </a:endParaRPr>
-          </a:p>
-          <a:p>
-            <a:pPr>
-              <a:lnSpc>
-                <a:spcPct val="90000"/>
-              </a:lnSpc>
-            </a:pPr>
-            <a:endParaRPr lang="zh-CN" sz="2800" b="0" strike="noStrike" spc="-1" dirty="0">
-              <a:solidFill>
-                <a:srgbClr val="000000"/>
-              </a:solidFill>
-              <a:uFill>
-                <a:solidFill>
-                  <a:srgbClr val="FFFFFF"/>
-                </a:solidFill>
-              </a:uFill>
-              <a:latin typeface="等线"/>
-            </a:endParaRPr>
-          </a:p>
-        </p:txBody>
-      </p:sp>
-      <p:pic>
-        <p:nvPicPr>
-          <p:cNvPr id="7" name="图片 6">
-            <a:extLst>
-              <a:ext uri="{FF2B5EF4-FFF2-40B4-BE49-F238E27FC236}">
-                <a16:creationId xmlns:a16="http://schemas.microsoft.com/office/drawing/2014/main" id="{EF3A0482-5AF5-0FCA-06EC-F12AD2827035}"/>
-              </a:ext>
-            </a:extLst>
-          </p:cNvPr>
-          <p:cNvPicPr>
-            <a:picLocks noChangeAspect="1"/>
-          </p:cNvPicPr>
-          <p:nvPr/>
-        </p:nvPicPr>
-        <p:blipFill>
-          <a:blip r:embed="rId2"/>
-          <a:stretch>
-            <a:fillRect/>
-          </a:stretch>
-        </p:blipFill>
-        <p:spPr>
-          <a:xfrm>
-            <a:off x="1811508" y="2828925"/>
-            <a:ext cx="6432028" cy="3749846"/>
-          </a:xfrm>
-          <a:prstGeom prst="rect">
-            <a:avLst/>
-          </a:prstGeom>
-          <a:effectLst>
-            <a:outerShdw blurRad="50800" dist="38100" algn="l" rotWithShape="0">
-              <a:prstClr val="black">
-                <a:alpha val="40000"/>
-              </a:prstClr>
-            </a:outerShdw>
-          </a:effectLst>
-        </p:spPr>
-      </p:pic>
-    </p:spTree>
-  </p:cSld>
-  <p:clrMapOvr>
-    <a:masterClrMapping/>
-  </p:clrMapOvr>
-</p:sld>
-</file>
-
-<file path=ppt/slides/slide7.xml><?xml version="1.0" encoding="utf-8"?>
+<file path=ppt/slides/slide5.xml><?xml version="1.0" encoding="utf-8"?>
 <p:sld xmlns:a="http://schemas.openxmlformats.org/drawingml/2006/main" xmlns:r="http://schemas.openxmlformats.org/officeDocument/2006/relationships" xmlns:p="http://schemas.openxmlformats.org/presentationml/2006/main">
   <p:cSld>
     <p:spTree>
@@ -17009,7 +14413,7 @@
                 </a:uFill>
                 <a:latin typeface="等线 Light"/>
               </a:rPr>
-              <a:t>ER information system </a:t>
+              <a:t>ER information system intr</a:t>
             </a:r>
             <a:r>
               <a:rPr lang="en-US" altLang="zh-CN" sz="4400" b="0" strike="noStrike" spc="-1" dirty="0">
@@ -17023,7 +14427,7 @@
                 </a:uFill>
                 <a:latin typeface="等线 Light"/>
               </a:rPr>
-              <a:t>introduction</a:t>
+              <a:t>o</a:t>
             </a:r>
             <a:r>
               <a:rPr lang="zh-CN" sz="4400" b="0" strike="noStrike" spc="-1" dirty="0">
@@ -17037,7 +14441,7 @@
                 </a:uFill>
                 <a:latin typeface="等线 Light"/>
               </a:rPr>
-              <a:t> </a:t>
+              <a:t>duction </a:t>
             </a:r>
             <a:endParaRPr lang="zh-CN" sz="1800" b="0" strike="noStrike" spc="-1" dirty="0">
               <a:solidFill>
@@ -17235,7 +14639,7 @@
 </p:sld>
 </file>
 
-<file path=ppt/slides/slide8.xml><?xml version="1.0" encoding="utf-8"?>
+<file path=ppt/slides/slide6.xml><?xml version="1.0" encoding="utf-8"?>
 <p:sld xmlns:a="http://schemas.openxmlformats.org/drawingml/2006/main" xmlns:r="http://schemas.openxmlformats.org/officeDocument/2006/relationships" xmlns:p="http://schemas.openxmlformats.org/presentationml/2006/main">
   <p:cSld>
     <p:spTree>
@@ -17292,7 +14696,7 @@
                 </a:uFill>
                 <a:latin typeface="等线 Light"/>
               </a:rPr>
-              <a:t>ER information system </a:t>
+              <a:t>ER information system intr</a:t>
             </a:r>
             <a:r>
               <a:rPr lang="en-US" altLang="zh-CN" sz="4400" b="0" strike="noStrike" spc="-1" dirty="0">
@@ -17306,7 +14710,7 @@
                 </a:uFill>
                 <a:latin typeface="等线 Light"/>
               </a:rPr>
-              <a:t>introduction</a:t>
+              <a:t>o</a:t>
             </a:r>
             <a:r>
               <a:rPr lang="zh-CN" sz="4400" b="0" strike="noStrike" spc="-1" dirty="0">
@@ -17320,7 +14724,7 @@
                 </a:uFill>
                 <a:latin typeface="等线 Light"/>
               </a:rPr>
-              <a:t> </a:t>
+              <a:t>duction </a:t>
             </a:r>
             <a:endParaRPr lang="zh-CN" sz="1800" b="0" strike="noStrike" spc="-1" dirty="0">
               <a:solidFill>
@@ -17629,7 +15033,7 @@
 </p:sld>
 </file>
 
-<file path=ppt/slides/slide9.xml><?xml version="1.0" encoding="utf-8"?>
+<file path=ppt/slides/slide7.xml><?xml version="1.0" encoding="utf-8"?>
 <p:sld xmlns:a="http://schemas.openxmlformats.org/drawingml/2006/main" xmlns:r="http://schemas.openxmlformats.org/officeDocument/2006/relationships" xmlns:p="http://schemas.openxmlformats.org/presentationml/2006/main">
   <p:cSld>
     <p:spTree>
@@ -17738,6 +15142,561 @@
         <p14:creationId xmlns:p14="http://schemas.microsoft.com/office/powerpoint/2010/main" val="3801625660"/>
       </p:ext>
     </p:extLst>
+  </p:cSld>
+  <p:clrMapOvr>
+    <a:masterClrMapping/>
+  </p:clrMapOvr>
+</p:sld>
+</file>
+
+<file path=ppt/slides/slide8.xml><?xml version="1.0" encoding="utf-8"?>
+<p:sld xmlns:a="http://schemas.openxmlformats.org/drawingml/2006/main" xmlns:r="http://schemas.openxmlformats.org/officeDocument/2006/relationships" xmlns:p="http://schemas.openxmlformats.org/presentationml/2006/main">
+  <p:cSld>
+    <p:spTree>
+      <p:nvGrpSpPr>
+        <p:cNvPr id="1" name=""/>
+        <p:cNvGrpSpPr/>
+        <p:nvPr/>
+      </p:nvGrpSpPr>
+      <p:grpSpPr>
+        <a:xfrm>
+          <a:off x="0" y="0"/>
+          <a:ext cx="0" cy="0"/>
+          <a:chOff x="0" y="0"/>
+          <a:chExt cx="0" cy="0"/>
+        </a:xfrm>
+      </p:grpSpPr>
+      <p:sp>
+        <p:nvSpPr>
+          <p:cNvPr id="99" name="TextShape 1"/>
+          <p:cNvSpPr txBox="1"/>
+          <p:nvPr/>
+        </p:nvSpPr>
+        <p:spPr>
+          <a:xfrm>
+            <a:off x="838080" y="365040"/>
+            <a:ext cx="10515240" cy="1325160"/>
+          </a:xfrm>
+          <a:prstGeom prst="rect">
+            <a:avLst/>
+          </a:prstGeom>
+          <a:noFill/>
+          <a:ln>
+            <a:noFill/>
+          </a:ln>
+        </p:spPr>
+        <p:txBody>
+          <a:bodyPr anchor="ctr"/>
+          <a:lstStyle/>
+          <a:p>
+            <a:pPr>
+              <a:lnSpc>
+                <a:spcPct val="90000"/>
+              </a:lnSpc>
+            </a:pPr>
+            <a:r>
+              <a:rPr lang="zh-CN" sz="4400" b="0" strike="noStrike" spc="-1" dirty="0">
+                <a:solidFill>
+                  <a:srgbClr val="000000"/>
+                </a:solidFill>
+                <a:uFill>
+                  <a:solidFill>
+                    <a:srgbClr val="FFFFFF"/>
+                  </a:solidFill>
+                </a:uFill>
+                <a:latin typeface="等线 Light"/>
+              </a:rPr>
+              <a:t>ER information system intr</a:t>
+            </a:r>
+            <a:r>
+              <a:rPr lang="en-US" altLang="zh-CN" sz="4400" b="0" strike="noStrike" spc="-1" dirty="0">
+                <a:solidFill>
+                  <a:srgbClr val="000000"/>
+                </a:solidFill>
+                <a:uFill>
+                  <a:solidFill>
+                    <a:srgbClr val="FFFFFF"/>
+                  </a:solidFill>
+                </a:uFill>
+                <a:latin typeface="等线 Light"/>
+              </a:rPr>
+              <a:t>o</a:t>
+            </a:r>
+            <a:r>
+              <a:rPr lang="zh-CN" sz="4400" b="0" strike="noStrike" spc="-1" dirty="0">
+                <a:solidFill>
+                  <a:srgbClr val="000000"/>
+                </a:solidFill>
+                <a:uFill>
+                  <a:solidFill>
+                    <a:srgbClr val="FFFFFF"/>
+                  </a:solidFill>
+                </a:uFill>
+                <a:latin typeface="等线 Light"/>
+              </a:rPr>
+              <a:t>duction </a:t>
+            </a:r>
+            <a:endParaRPr lang="zh-CN" sz="1800" b="0" strike="noStrike" spc="-1" dirty="0">
+              <a:solidFill>
+                <a:srgbClr val="000000"/>
+              </a:solidFill>
+              <a:uFill>
+                <a:solidFill>
+                  <a:srgbClr val="FFFFFF"/>
+                </a:solidFill>
+              </a:uFill>
+              <a:latin typeface="等线"/>
+            </a:endParaRPr>
+          </a:p>
+        </p:txBody>
+      </p:sp>
+      <p:sp>
+        <p:nvSpPr>
+          <p:cNvPr id="100" name="TextShape 2"/>
+          <p:cNvSpPr txBox="1"/>
+          <p:nvPr/>
+        </p:nvSpPr>
+        <p:spPr>
+          <a:xfrm>
+            <a:off x="838080" y="1825560"/>
+            <a:ext cx="10515240" cy="4350960"/>
+          </a:xfrm>
+          <a:prstGeom prst="rect">
+            <a:avLst/>
+          </a:prstGeom>
+          <a:noFill/>
+          <a:ln>
+            <a:noFill/>
+          </a:ln>
+        </p:spPr>
+        <p:txBody>
+          <a:bodyPr/>
+          <a:lstStyle/>
+          <a:p>
+            <a:pPr marL="228600" indent="-228240">
+              <a:lnSpc>
+                <a:spcPct val="90000"/>
+              </a:lnSpc>
+              <a:buClr>
+                <a:srgbClr val="000000"/>
+              </a:buClr>
+              <a:buFont typeface="Arial"/>
+              <a:buChar char="•"/>
+            </a:pPr>
+            <a:r>
+              <a:rPr lang="zh-CN" sz="2800" b="0" strike="noStrike" spc="-1" dirty="0">
+                <a:solidFill>
+                  <a:srgbClr val="000000"/>
+                </a:solidFill>
+                <a:uFill>
+                  <a:solidFill>
+                    <a:srgbClr val="FFFFFF"/>
+                  </a:solidFill>
+                </a:uFill>
+                <a:latin typeface="等线"/>
+              </a:rPr>
+              <a:t>Emotion indicators v1.0</a:t>
+            </a:r>
+          </a:p>
+          <a:p>
+            <a:pPr marL="864000" lvl="1" indent="-324000">
+              <a:buClr>
+                <a:srgbClr val="000000"/>
+              </a:buClr>
+              <a:buSzPct val="75000"/>
+              <a:buFont typeface="Symbol" charset="2"/>
+              <a:buChar char=""/>
+            </a:pPr>
+            <a:r>
+              <a:rPr lang="zh-CN" sz="2800" b="0" strike="noStrike" spc="-1" dirty="0">
+                <a:solidFill>
+                  <a:srgbClr val="000000"/>
+                </a:solidFill>
+                <a:uFill>
+                  <a:solidFill>
+                    <a:srgbClr val="FFFFFF"/>
+                  </a:solidFill>
+                </a:uFill>
+                <a:latin typeface="等线"/>
+              </a:rPr>
+              <a:t>so we need a flexible design</a:t>
+            </a:r>
+            <a:endParaRPr lang="en-US" altLang="zh-CN" sz="2800" b="0" strike="noStrike" spc="-1" dirty="0">
+              <a:solidFill>
+                <a:srgbClr val="000000"/>
+              </a:solidFill>
+              <a:uFill>
+                <a:solidFill>
+                  <a:srgbClr val="FFFFFF"/>
+                </a:solidFill>
+              </a:uFill>
+              <a:latin typeface="等线"/>
+            </a:endParaRPr>
+          </a:p>
+          <a:p>
+            <a:pPr marL="864000" lvl="1" indent="-324000">
+              <a:buClr>
+                <a:srgbClr val="000000"/>
+              </a:buClr>
+              <a:buSzPct val="75000"/>
+              <a:buFont typeface="Symbol" charset="2"/>
+              <a:buChar char=""/>
+            </a:pPr>
+            <a:endParaRPr lang="en-US" altLang="zh-CN" sz="2800" b="0" strike="noStrike" spc="-1" dirty="0">
+              <a:solidFill>
+                <a:srgbClr val="000000"/>
+              </a:solidFill>
+              <a:uFill>
+                <a:solidFill>
+                  <a:srgbClr val="FFFFFF"/>
+                </a:solidFill>
+              </a:uFill>
+              <a:latin typeface="等线"/>
+            </a:endParaRPr>
+          </a:p>
+          <a:p>
+            <a:pPr marL="540000" lvl="1">
+              <a:buClr>
+                <a:srgbClr val="000000"/>
+              </a:buClr>
+              <a:buSzPct val="75000"/>
+            </a:pPr>
+            <a:r>
+              <a:rPr lang="en-US" altLang="zh-CN" sz="2800" spc="-1" dirty="0">
+                <a:solidFill>
+                  <a:srgbClr val="000000"/>
+                </a:solidFill>
+                <a:uFill>
+                  <a:solidFill>
+                    <a:srgbClr val="FFFFFF"/>
+                  </a:solidFill>
+                </a:uFill>
+                <a:latin typeface="等线"/>
+              </a:rPr>
+              <a:t>	Video B: the poll &amp; quiz calculation</a:t>
+            </a:r>
+            <a:endParaRPr lang="zh-CN" sz="2000" b="0" strike="noStrike" spc="-1" dirty="0">
+              <a:solidFill>
+                <a:srgbClr val="000000"/>
+              </a:solidFill>
+              <a:uFill>
+                <a:solidFill>
+                  <a:srgbClr val="FFFFFF"/>
+                </a:solidFill>
+              </a:uFill>
+              <a:latin typeface="等线"/>
+            </a:endParaRPr>
+          </a:p>
+          <a:p>
+            <a:pPr>
+              <a:lnSpc>
+                <a:spcPct val="90000"/>
+              </a:lnSpc>
+            </a:pPr>
+            <a:endParaRPr lang="zh-CN" sz="2800" b="0" strike="noStrike" spc="-1" dirty="0">
+              <a:solidFill>
+                <a:srgbClr val="000000"/>
+              </a:solidFill>
+              <a:uFill>
+                <a:solidFill>
+                  <a:srgbClr val="FFFFFF"/>
+                </a:solidFill>
+              </a:uFill>
+              <a:latin typeface="等线"/>
+            </a:endParaRPr>
+          </a:p>
+        </p:txBody>
+      </p:sp>
+    </p:spTree>
+  </p:cSld>
+  <p:clrMapOvr>
+    <a:masterClrMapping/>
+  </p:clrMapOvr>
+</p:sld>
+</file>
+
+<file path=ppt/slides/slide9.xml><?xml version="1.0" encoding="utf-8"?>
+<p:sld xmlns:a="http://schemas.openxmlformats.org/drawingml/2006/main" xmlns:r="http://schemas.openxmlformats.org/officeDocument/2006/relationships" xmlns:p="http://schemas.openxmlformats.org/presentationml/2006/main">
+  <p:cSld>
+    <p:spTree>
+      <p:nvGrpSpPr>
+        <p:cNvPr id="1" name=""/>
+        <p:cNvGrpSpPr/>
+        <p:nvPr/>
+      </p:nvGrpSpPr>
+      <p:grpSpPr>
+        <a:xfrm>
+          <a:off x="0" y="0"/>
+          <a:ext cx="0" cy="0"/>
+          <a:chOff x="0" y="0"/>
+          <a:chExt cx="0" cy="0"/>
+        </a:xfrm>
+      </p:grpSpPr>
+      <p:sp>
+        <p:nvSpPr>
+          <p:cNvPr id="101" name="TextShape 1"/>
+          <p:cNvSpPr txBox="1"/>
+          <p:nvPr/>
+        </p:nvSpPr>
+        <p:spPr>
+          <a:xfrm>
+            <a:off x="838080" y="365040"/>
+            <a:ext cx="10515240" cy="1325160"/>
+          </a:xfrm>
+          <a:prstGeom prst="rect">
+            <a:avLst/>
+          </a:prstGeom>
+          <a:noFill/>
+          <a:ln>
+            <a:noFill/>
+          </a:ln>
+        </p:spPr>
+        <p:txBody>
+          <a:bodyPr anchor="ctr"/>
+          <a:lstStyle/>
+          <a:p>
+            <a:pPr>
+              <a:lnSpc>
+                <a:spcPct val="90000"/>
+              </a:lnSpc>
+            </a:pPr>
+            <a:r>
+              <a:rPr lang="zh-CN" sz="4400" b="0" strike="noStrike" spc="-1" dirty="0">
+                <a:solidFill>
+                  <a:srgbClr val="000000"/>
+                </a:solidFill>
+                <a:uFill>
+                  <a:solidFill>
+                    <a:srgbClr val="FFFFFF"/>
+                  </a:solidFill>
+                </a:uFill>
+                <a:latin typeface="等线 Light"/>
+              </a:rPr>
+              <a:t>ER information system intr</a:t>
+            </a:r>
+            <a:r>
+              <a:rPr lang="en-US" altLang="zh-CN" sz="4400" b="0" strike="noStrike" spc="-1" dirty="0">
+                <a:solidFill>
+                  <a:srgbClr val="000000"/>
+                </a:solidFill>
+                <a:uFill>
+                  <a:solidFill>
+                    <a:srgbClr val="FFFFFF"/>
+                  </a:solidFill>
+                </a:uFill>
+                <a:latin typeface="等线 Light"/>
+              </a:rPr>
+              <a:t>o</a:t>
+            </a:r>
+            <a:r>
+              <a:rPr lang="zh-CN" sz="4400" b="0" strike="noStrike" spc="-1" dirty="0">
+                <a:solidFill>
+                  <a:srgbClr val="000000"/>
+                </a:solidFill>
+                <a:uFill>
+                  <a:solidFill>
+                    <a:srgbClr val="FFFFFF"/>
+                  </a:solidFill>
+                </a:uFill>
+                <a:latin typeface="等线 Light"/>
+              </a:rPr>
+              <a:t>duction </a:t>
+            </a:r>
+            <a:endParaRPr lang="zh-CN" sz="1800" b="0" strike="noStrike" spc="-1" dirty="0">
+              <a:solidFill>
+                <a:srgbClr val="000000"/>
+              </a:solidFill>
+              <a:uFill>
+                <a:solidFill>
+                  <a:srgbClr val="FFFFFF"/>
+                </a:solidFill>
+              </a:uFill>
+              <a:latin typeface="等线"/>
+            </a:endParaRPr>
+          </a:p>
+        </p:txBody>
+      </p:sp>
+      <p:sp>
+        <p:nvSpPr>
+          <p:cNvPr id="102" name="TextShape 2"/>
+          <p:cNvSpPr txBox="1"/>
+          <p:nvPr/>
+        </p:nvSpPr>
+        <p:spPr>
+          <a:xfrm>
+            <a:off x="838080" y="1825560"/>
+            <a:ext cx="10515240" cy="4350960"/>
+          </a:xfrm>
+          <a:prstGeom prst="rect">
+            <a:avLst/>
+          </a:prstGeom>
+          <a:noFill/>
+          <a:ln>
+            <a:noFill/>
+          </a:ln>
+        </p:spPr>
+        <p:txBody>
+          <a:bodyPr/>
+          <a:lstStyle/>
+          <a:p>
+            <a:pPr marL="228600" indent="-228240">
+              <a:lnSpc>
+                <a:spcPct val="90000"/>
+              </a:lnSpc>
+              <a:buClr>
+                <a:srgbClr val="000000"/>
+              </a:buClr>
+              <a:buFont typeface="Arial"/>
+              <a:buChar char="•"/>
+            </a:pPr>
+            <a:r>
+              <a:rPr lang="zh-CN" sz="2800" b="0" strike="noStrike" spc="-1" dirty="0">
+                <a:solidFill>
+                  <a:srgbClr val="000000"/>
+                </a:solidFill>
+                <a:uFill>
+                  <a:solidFill>
+                    <a:srgbClr val="FFFFFF"/>
+                  </a:solidFill>
+                </a:uFill>
+                <a:latin typeface="等线"/>
+              </a:rPr>
+              <a:t>Emotion indicators v1.0</a:t>
+            </a:r>
+            <a:endParaRPr lang="en-US" altLang="zh-CN" sz="2800" b="0" strike="noStrike" spc="-1" dirty="0">
+              <a:solidFill>
+                <a:srgbClr val="000000"/>
+              </a:solidFill>
+              <a:uFill>
+                <a:solidFill>
+                  <a:srgbClr val="FFFFFF"/>
+                </a:solidFill>
+              </a:uFill>
+              <a:latin typeface="等线"/>
+            </a:endParaRPr>
+          </a:p>
+          <a:p>
+            <a:pPr marL="685800" lvl="1" indent="-228240">
+              <a:lnSpc>
+                <a:spcPct val="90000"/>
+              </a:lnSpc>
+              <a:buClr>
+                <a:srgbClr val="000000"/>
+              </a:buClr>
+              <a:buFont typeface="Arial"/>
+              <a:buChar char="•"/>
+            </a:pPr>
+            <a:r>
+              <a:rPr lang="en-US" altLang="zh-CN" sz="2800" spc="-1" dirty="0">
+                <a:solidFill>
+                  <a:srgbClr val="000000"/>
+                </a:solidFill>
+                <a:uFill>
+                  <a:solidFill>
+                    <a:srgbClr val="FFFFFF"/>
+                  </a:solidFill>
+                </a:uFill>
+                <a:latin typeface="等线"/>
+              </a:rPr>
+              <a:t>Results: extremely not user friendly</a:t>
+            </a:r>
+          </a:p>
+          <a:p>
+            <a:pPr marL="1143000" lvl="2" indent="-228240">
+              <a:lnSpc>
+                <a:spcPct val="90000"/>
+              </a:lnSpc>
+              <a:buClr>
+                <a:srgbClr val="000000"/>
+              </a:buClr>
+              <a:buFont typeface="Arial"/>
+              <a:buChar char="•"/>
+            </a:pPr>
+            <a:r>
+              <a:rPr lang="en-US" altLang="zh-CN" sz="2800" b="0" strike="noStrike" spc="-1" dirty="0">
+                <a:solidFill>
+                  <a:srgbClr val="000000"/>
+                </a:solidFill>
+                <a:uFill>
+                  <a:solidFill>
+                    <a:srgbClr val="FFFFFF"/>
+                  </a:solidFill>
+                </a:uFill>
+                <a:latin typeface="等线"/>
+              </a:rPr>
+              <a:t>Too much questions in one quiz</a:t>
+            </a:r>
+          </a:p>
+          <a:p>
+            <a:pPr marL="1143000" lvl="2" indent="-228240">
+              <a:lnSpc>
+                <a:spcPct val="90000"/>
+              </a:lnSpc>
+              <a:buClr>
+                <a:srgbClr val="000000"/>
+              </a:buClr>
+              <a:buFont typeface="Arial"/>
+              <a:buChar char="•"/>
+            </a:pPr>
+            <a:r>
+              <a:rPr lang="en-US" altLang="zh-CN" sz="2800" spc="-1" dirty="0">
+                <a:solidFill>
+                  <a:srgbClr val="000000"/>
+                </a:solidFill>
+                <a:uFill>
+                  <a:solidFill>
+                    <a:srgbClr val="FFFFFF"/>
+                  </a:solidFill>
+                </a:uFill>
+                <a:latin typeface="等线"/>
+              </a:rPr>
+              <a:t>Questions are hardly answerable</a:t>
+            </a:r>
+          </a:p>
+          <a:p>
+            <a:pPr marL="1143000" lvl="2" indent="-228240">
+              <a:lnSpc>
+                <a:spcPct val="90000"/>
+              </a:lnSpc>
+              <a:buClr>
+                <a:srgbClr val="000000"/>
+              </a:buClr>
+              <a:buFont typeface="Arial"/>
+              <a:buChar char="•"/>
+            </a:pPr>
+            <a:endParaRPr lang="zh-CN" sz="2800" b="0" strike="noStrike" spc="-1" dirty="0">
+              <a:solidFill>
+                <a:srgbClr val="000000"/>
+              </a:solidFill>
+              <a:uFill>
+                <a:solidFill>
+                  <a:srgbClr val="FFFFFF"/>
+                </a:solidFill>
+              </a:uFill>
+              <a:latin typeface="等线"/>
+            </a:endParaRPr>
+          </a:p>
+          <a:p>
+            <a:pPr>
+              <a:lnSpc>
+                <a:spcPct val="90000"/>
+              </a:lnSpc>
+            </a:pPr>
+            <a:endParaRPr lang="zh-CN" sz="2800" b="0" strike="noStrike" spc="-1" dirty="0">
+              <a:solidFill>
+                <a:srgbClr val="000000"/>
+              </a:solidFill>
+              <a:uFill>
+                <a:solidFill>
+                  <a:srgbClr val="FFFFFF"/>
+                </a:solidFill>
+              </a:uFill>
+              <a:latin typeface="等线"/>
+            </a:endParaRPr>
+          </a:p>
+        </p:txBody>
+      </p:sp>
+    </p:spTree>
   </p:cSld>
   <p:clrMapOvr>
     <a:masterClrMapping/>
